--- a/2/s2_Building_your_first_website.pptx
+++ b/2/s2_Building_your_first_website.pptx
@@ -251,7 +251,7 @@
           <a:p>
             <a:fld id="{A9A5DA3C-BDF6-44EF-83ED-A29CA680A5AA}" type="datetimeFigureOut">
               <a:rPr lang="en-GB" smtClean="0"/>
-              <a:t>20/02/2024</a:t>
+              <a:t>21/02/2024</a:t>
             </a:fld>
             <a:endParaRPr lang="en-GB"/>
           </a:p>
@@ -668,7 +668,7 @@
           <a:p>
             <a:fld id="{1041D2DD-F029-4FB0-BB12-3B6037A6356B}" type="datetimeFigureOut">
               <a:rPr lang="en-GB" smtClean="0"/>
-              <a:t>20/02/2024</a:t>
+              <a:t>21/02/2024</a:t>
             </a:fld>
             <a:endParaRPr lang="en-GB"/>
           </a:p>
@@ -868,7 +868,7 @@
           <a:p>
             <a:fld id="{1041D2DD-F029-4FB0-BB12-3B6037A6356B}" type="datetimeFigureOut">
               <a:rPr lang="en-GB" smtClean="0"/>
-              <a:t>20/02/2024</a:t>
+              <a:t>21/02/2024</a:t>
             </a:fld>
             <a:endParaRPr lang="en-GB"/>
           </a:p>
@@ -1078,7 +1078,7 @@
           <a:p>
             <a:fld id="{1041D2DD-F029-4FB0-BB12-3B6037A6356B}" type="datetimeFigureOut">
               <a:rPr lang="en-GB" smtClean="0"/>
-              <a:t>20/02/2024</a:t>
+              <a:t>21/02/2024</a:t>
             </a:fld>
             <a:endParaRPr lang="en-GB"/>
           </a:p>
@@ -1282,7 +1282,7 @@
           <a:p>
             <a:fld id="{2E2C077B-C732-49E5-B20E-05DE29246531}" type="datetimeFigureOut">
               <a:rPr lang="en-GB" smtClean="0"/>
-              <a:t>20/02/2024</a:t>
+              <a:t>21/02/2024</a:t>
             </a:fld>
             <a:endParaRPr lang="en-GB"/>
           </a:p>
@@ -1452,7 +1452,7 @@
           <a:p>
             <a:fld id="{2E2C077B-C732-49E5-B20E-05DE29246531}" type="datetimeFigureOut">
               <a:rPr lang="en-GB" smtClean="0"/>
-              <a:t>20/02/2024</a:t>
+              <a:t>21/02/2024</a:t>
             </a:fld>
             <a:endParaRPr lang="en-GB"/>
           </a:p>
@@ -1698,7 +1698,7 @@
           <a:p>
             <a:fld id="{2E2C077B-C732-49E5-B20E-05DE29246531}" type="datetimeFigureOut">
               <a:rPr lang="en-GB" smtClean="0"/>
-              <a:t>20/02/2024</a:t>
+              <a:t>21/02/2024</a:t>
             </a:fld>
             <a:endParaRPr lang="en-GB"/>
           </a:p>
@@ -1930,7 +1930,7 @@
           <a:p>
             <a:fld id="{2E2C077B-C732-49E5-B20E-05DE29246531}" type="datetimeFigureOut">
               <a:rPr lang="en-GB" smtClean="0"/>
-              <a:t>20/02/2024</a:t>
+              <a:t>21/02/2024</a:t>
             </a:fld>
             <a:endParaRPr lang="en-GB"/>
           </a:p>
@@ -2297,7 +2297,7 @@
           <a:p>
             <a:fld id="{2E2C077B-C732-49E5-B20E-05DE29246531}" type="datetimeFigureOut">
               <a:rPr lang="en-GB" smtClean="0"/>
-              <a:t>20/02/2024</a:t>
+              <a:t>21/02/2024</a:t>
             </a:fld>
             <a:endParaRPr lang="en-GB"/>
           </a:p>
@@ -2415,7 +2415,7 @@
           <a:p>
             <a:fld id="{2E2C077B-C732-49E5-B20E-05DE29246531}" type="datetimeFigureOut">
               <a:rPr lang="en-GB" smtClean="0"/>
-              <a:t>20/02/2024</a:t>
+              <a:t>21/02/2024</a:t>
             </a:fld>
             <a:endParaRPr lang="en-GB"/>
           </a:p>
@@ -2510,7 +2510,7 @@
           <a:p>
             <a:fld id="{2E2C077B-C732-49E5-B20E-05DE29246531}" type="datetimeFigureOut">
               <a:rPr lang="en-GB" smtClean="0"/>
-              <a:t>20/02/2024</a:t>
+              <a:t>21/02/2024</a:t>
             </a:fld>
             <a:endParaRPr lang="en-GB"/>
           </a:p>
@@ -2787,7 +2787,7 @@
           <a:p>
             <a:fld id="{2E2C077B-C732-49E5-B20E-05DE29246531}" type="datetimeFigureOut">
               <a:rPr lang="en-GB" smtClean="0"/>
-              <a:t>20/02/2024</a:t>
+              <a:t>21/02/2024</a:t>
             </a:fld>
             <a:endParaRPr lang="en-GB"/>
           </a:p>
@@ -2975,7 +2975,7 @@
           <a:p>
             <a:fld id="{1041D2DD-F029-4FB0-BB12-3B6037A6356B}" type="datetimeFigureOut">
               <a:rPr lang="en-GB" smtClean="0"/>
-              <a:t>20/02/2024</a:t>
+              <a:t>21/02/2024</a:t>
             </a:fld>
             <a:endParaRPr lang="en-GB"/>
           </a:p>
@@ -3240,7 +3240,7 @@
           <a:p>
             <a:fld id="{2E2C077B-C732-49E5-B20E-05DE29246531}" type="datetimeFigureOut">
               <a:rPr lang="en-GB" smtClean="0"/>
-              <a:t>20/02/2024</a:t>
+              <a:t>21/02/2024</a:t>
             </a:fld>
             <a:endParaRPr lang="en-GB"/>
           </a:p>
@@ -3410,7 +3410,7 @@
           <a:p>
             <a:fld id="{2E2C077B-C732-49E5-B20E-05DE29246531}" type="datetimeFigureOut">
               <a:rPr lang="en-GB" smtClean="0"/>
-              <a:t>20/02/2024</a:t>
+              <a:t>21/02/2024</a:t>
             </a:fld>
             <a:endParaRPr lang="en-GB"/>
           </a:p>
@@ -3590,7 +3590,7 @@
           <a:p>
             <a:fld id="{2E2C077B-C732-49E5-B20E-05DE29246531}" type="datetimeFigureOut">
               <a:rPr lang="en-GB" smtClean="0"/>
-              <a:t>20/02/2024</a:t>
+              <a:t>21/02/2024</a:t>
             </a:fld>
             <a:endParaRPr lang="en-GB"/>
           </a:p>
@@ -3854,7 +3854,7 @@
           <a:p>
             <a:fld id="{1041D2DD-F029-4FB0-BB12-3B6037A6356B}" type="datetimeFigureOut">
               <a:rPr lang="en-GB" smtClean="0"/>
-              <a:t>20/02/2024</a:t>
+              <a:t>21/02/2024</a:t>
             </a:fld>
             <a:endParaRPr lang="en-GB"/>
           </a:p>
@@ -4122,7 +4122,7 @@
           <a:p>
             <a:fld id="{1041D2DD-F029-4FB0-BB12-3B6037A6356B}" type="datetimeFigureOut">
               <a:rPr lang="en-GB" smtClean="0"/>
-              <a:t>20/02/2024</a:t>
+              <a:t>21/02/2024</a:t>
             </a:fld>
             <a:endParaRPr lang="en-GB"/>
           </a:p>
@@ -4537,7 +4537,7 @@
           <a:p>
             <a:fld id="{1041D2DD-F029-4FB0-BB12-3B6037A6356B}" type="datetimeFigureOut">
               <a:rPr lang="en-GB" smtClean="0"/>
-              <a:t>20/02/2024</a:t>
+              <a:t>21/02/2024</a:t>
             </a:fld>
             <a:endParaRPr lang="en-GB"/>
           </a:p>
@@ -4679,7 +4679,7 @@
           <a:p>
             <a:fld id="{1041D2DD-F029-4FB0-BB12-3B6037A6356B}" type="datetimeFigureOut">
               <a:rPr lang="en-GB" smtClean="0"/>
-              <a:t>20/02/2024</a:t>
+              <a:t>21/02/2024</a:t>
             </a:fld>
             <a:endParaRPr lang="en-GB"/>
           </a:p>
@@ -4792,7 +4792,7 @@
           <a:p>
             <a:fld id="{1041D2DD-F029-4FB0-BB12-3B6037A6356B}" type="datetimeFigureOut">
               <a:rPr lang="en-GB" smtClean="0"/>
-              <a:t>20/02/2024</a:t>
+              <a:t>21/02/2024</a:t>
             </a:fld>
             <a:endParaRPr lang="en-GB"/>
           </a:p>
@@ -5105,7 +5105,7 @@
           <a:p>
             <a:fld id="{1041D2DD-F029-4FB0-BB12-3B6037A6356B}" type="datetimeFigureOut">
               <a:rPr lang="en-GB" smtClean="0"/>
-              <a:t>20/02/2024</a:t>
+              <a:t>21/02/2024</a:t>
             </a:fld>
             <a:endParaRPr lang="en-GB"/>
           </a:p>
@@ -5394,7 +5394,7 @@
           <a:p>
             <a:fld id="{1041D2DD-F029-4FB0-BB12-3B6037A6356B}" type="datetimeFigureOut">
               <a:rPr lang="en-GB" smtClean="0"/>
-              <a:t>20/02/2024</a:t>
+              <a:t>21/02/2024</a:t>
             </a:fld>
             <a:endParaRPr lang="en-GB"/>
           </a:p>
@@ -5637,7 +5637,7 @@
           <a:p>
             <a:fld id="{1041D2DD-F029-4FB0-BB12-3B6037A6356B}" type="datetimeFigureOut">
               <a:rPr lang="en-GB" smtClean="0"/>
-              <a:t>20/02/2024</a:t>
+              <a:t>21/02/2024</a:t>
             </a:fld>
             <a:endParaRPr lang="en-GB"/>
           </a:p>
@@ -6192,7 +6192,7 @@
           <a:p>
             <a:fld id="{2E2C077B-C732-49E5-B20E-05DE29246531}" type="datetimeFigureOut">
               <a:rPr lang="en-GB" smtClean="0"/>
-              <a:t>20/02/2024</a:t>
+              <a:t>21/02/2024</a:t>
             </a:fld>
             <a:endParaRPr lang="en-GB"/>
           </a:p>
@@ -8753,7 +8753,7 @@
                 <a:latin typeface="Circular Std Book" panose="020B0604020101020102" pitchFamily="34" charset="0"/>
                 <a:cs typeface="Circular Std Book" panose="020B0604020101020102" pitchFamily="34" charset="0"/>
               </a:rPr>
-              <a:t>s2_ example1.html</a:t>
+              <a:t>s2_example1.html</a:t>
             </a:r>
             <a:r>
               <a:rPr lang="en-GB" dirty="0">
@@ -8975,7 +8975,7 @@
                 <a:latin typeface="Circular Std Book" panose="020B0604020101020102" pitchFamily="34" charset="0"/>
                 <a:cs typeface="Circular Std Book" panose="020B0604020101020102" pitchFamily="34" charset="0"/>
               </a:rPr>
-              <a:t>s2_ example2.css</a:t>
+              <a:t>s2_example2.css</a:t>
             </a:r>
             <a:r>
               <a:rPr lang="en-GB" dirty="0">
@@ -8995,7 +8995,7 @@
                 <a:latin typeface="Circular Std Book" panose="020B0604020101020102" pitchFamily="34" charset="0"/>
                 <a:cs typeface="Circular Std Book" panose="020B0604020101020102" pitchFamily="34" charset="0"/>
               </a:rPr>
-              <a:t>s2_ example3.css</a:t>
+              <a:t>s2_example3.css</a:t>
             </a:r>
             <a:r>
               <a:rPr lang="en-GB" dirty="0">
@@ -9022,7 +9022,7 @@
                 <a:latin typeface="Circular Std Book" panose="020B0604020101020102" pitchFamily="34" charset="0"/>
                 <a:cs typeface="Circular Std Book" panose="020B0604020101020102" pitchFamily="34" charset="0"/>
               </a:rPr>
-              <a:t>Beginner: example1</a:t>
+              <a:t>Beginner: s2_example1.css</a:t>
             </a:r>
           </a:p>
           <a:p>
@@ -9039,7 +9039,7 @@
                 <a:latin typeface="Circular Std Book" panose="020B0604020101020102" pitchFamily="34" charset="0"/>
                 <a:cs typeface="Circular Std Book" panose="020B0604020101020102" pitchFamily="34" charset="0"/>
               </a:rPr>
-              <a:t>Intermediate: example2</a:t>
+              <a:t>Intermediate: s2_example2.css</a:t>
             </a:r>
           </a:p>
           <a:p>
@@ -9056,7 +9056,7 @@
                 <a:latin typeface="Circular Std Book" panose="020B0604020101020102" pitchFamily="34" charset="0"/>
                 <a:cs typeface="Circular Std Book" panose="020B0604020101020102" pitchFamily="34" charset="0"/>
               </a:rPr>
-              <a:t>Advanced: example3</a:t>
+              <a:t>Advanced: s2_example3.css</a:t>
             </a:r>
           </a:p>
           <a:p>
@@ -9083,7 +9083,7 @@
                 <a:latin typeface="Circular Std Book" panose="020B0604020101020102" pitchFamily="34" charset="0"/>
                 <a:cs typeface="Circular Std Book" panose="020B0604020101020102" pitchFamily="34" charset="0"/>
               </a:rPr>
-              <a:t>example1.css</a:t>
+              <a:t>s2_example1.css</a:t>
             </a:r>
             <a:r>
               <a:rPr lang="en-GB" dirty="0">
@@ -9171,7 +9171,7 @@
                   <a:srgbClr val="36B7B4"/>
                 </a:solidFill>
               </a:rPr>
-              <a:t>=”example1.css"&gt; </a:t>
+              <a:t>=”s2_example1.css"&gt; </a:t>
             </a:r>
             <a:r>
               <a:rPr lang="en-GB" dirty="0">

--- a/2/s2_Building_your_first_website.pptx
+++ b/2/s2_Building_your_first_website.pptx
@@ -251,7 +251,7 @@
           <a:p>
             <a:fld id="{A9A5DA3C-BDF6-44EF-83ED-A29CA680A5AA}" type="datetimeFigureOut">
               <a:rPr lang="en-GB" smtClean="0"/>
-              <a:t>21/02/2024</a:t>
+              <a:t>12/03/2024</a:t>
             </a:fld>
             <a:endParaRPr lang="en-GB"/>
           </a:p>
@@ -668,7 +668,7 @@
           <a:p>
             <a:fld id="{1041D2DD-F029-4FB0-BB12-3B6037A6356B}" type="datetimeFigureOut">
               <a:rPr lang="en-GB" smtClean="0"/>
-              <a:t>21/02/2024</a:t>
+              <a:t>12/03/2024</a:t>
             </a:fld>
             <a:endParaRPr lang="en-GB"/>
           </a:p>
@@ -868,7 +868,7 @@
           <a:p>
             <a:fld id="{1041D2DD-F029-4FB0-BB12-3B6037A6356B}" type="datetimeFigureOut">
               <a:rPr lang="en-GB" smtClean="0"/>
-              <a:t>21/02/2024</a:t>
+              <a:t>12/03/2024</a:t>
             </a:fld>
             <a:endParaRPr lang="en-GB"/>
           </a:p>
@@ -1078,7 +1078,7 @@
           <a:p>
             <a:fld id="{1041D2DD-F029-4FB0-BB12-3B6037A6356B}" type="datetimeFigureOut">
               <a:rPr lang="en-GB" smtClean="0"/>
-              <a:t>21/02/2024</a:t>
+              <a:t>12/03/2024</a:t>
             </a:fld>
             <a:endParaRPr lang="en-GB"/>
           </a:p>
@@ -1282,7 +1282,7 @@
           <a:p>
             <a:fld id="{2E2C077B-C732-49E5-B20E-05DE29246531}" type="datetimeFigureOut">
               <a:rPr lang="en-GB" smtClean="0"/>
-              <a:t>21/02/2024</a:t>
+              <a:t>12/03/2024</a:t>
             </a:fld>
             <a:endParaRPr lang="en-GB"/>
           </a:p>
@@ -1452,7 +1452,7 @@
           <a:p>
             <a:fld id="{2E2C077B-C732-49E5-B20E-05DE29246531}" type="datetimeFigureOut">
               <a:rPr lang="en-GB" smtClean="0"/>
-              <a:t>21/02/2024</a:t>
+              <a:t>12/03/2024</a:t>
             </a:fld>
             <a:endParaRPr lang="en-GB"/>
           </a:p>
@@ -1698,7 +1698,7 @@
           <a:p>
             <a:fld id="{2E2C077B-C732-49E5-B20E-05DE29246531}" type="datetimeFigureOut">
               <a:rPr lang="en-GB" smtClean="0"/>
-              <a:t>21/02/2024</a:t>
+              <a:t>12/03/2024</a:t>
             </a:fld>
             <a:endParaRPr lang="en-GB"/>
           </a:p>
@@ -1930,7 +1930,7 @@
           <a:p>
             <a:fld id="{2E2C077B-C732-49E5-B20E-05DE29246531}" type="datetimeFigureOut">
               <a:rPr lang="en-GB" smtClean="0"/>
-              <a:t>21/02/2024</a:t>
+              <a:t>12/03/2024</a:t>
             </a:fld>
             <a:endParaRPr lang="en-GB"/>
           </a:p>
@@ -2297,7 +2297,7 @@
           <a:p>
             <a:fld id="{2E2C077B-C732-49E5-B20E-05DE29246531}" type="datetimeFigureOut">
               <a:rPr lang="en-GB" smtClean="0"/>
-              <a:t>21/02/2024</a:t>
+              <a:t>12/03/2024</a:t>
             </a:fld>
             <a:endParaRPr lang="en-GB"/>
           </a:p>
@@ -2415,7 +2415,7 @@
           <a:p>
             <a:fld id="{2E2C077B-C732-49E5-B20E-05DE29246531}" type="datetimeFigureOut">
               <a:rPr lang="en-GB" smtClean="0"/>
-              <a:t>21/02/2024</a:t>
+              <a:t>12/03/2024</a:t>
             </a:fld>
             <a:endParaRPr lang="en-GB"/>
           </a:p>
@@ -2510,7 +2510,7 @@
           <a:p>
             <a:fld id="{2E2C077B-C732-49E5-B20E-05DE29246531}" type="datetimeFigureOut">
               <a:rPr lang="en-GB" smtClean="0"/>
-              <a:t>21/02/2024</a:t>
+              <a:t>12/03/2024</a:t>
             </a:fld>
             <a:endParaRPr lang="en-GB"/>
           </a:p>
@@ -2787,7 +2787,7 @@
           <a:p>
             <a:fld id="{2E2C077B-C732-49E5-B20E-05DE29246531}" type="datetimeFigureOut">
               <a:rPr lang="en-GB" smtClean="0"/>
-              <a:t>21/02/2024</a:t>
+              <a:t>12/03/2024</a:t>
             </a:fld>
             <a:endParaRPr lang="en-GB"/>
           </a:p>
@@ -2975,7 +2975,7 @@
           <a:p>
             <a:fld id="{1041D2DD-F029-4FB0-BB12-3B6037A6356B}" type="datetimeFigureOut">
               <a:rPr lang="en-GB" smtClean="0"/>
-              <a:t>21/02/2024</a:t>
+              <a:t>12/03/2024</a:t>
             </a:fld>
             <a:endParaRPr lang="en-GB"/>
           </a:p>
@@ -3240,7 +3240,7 @@
           <a:p>
             <a:fld id="{2E2C077B-C732-49E5-B20E-05DE29246531}" type="datetimeFigureOut">
               <a:rPr lang="en-GB" smtClean="0"/>
-              <a:t>21/02/2024</a:t>
+              <a:t>12/03/2024</a:t>
             </a:fld>
             <a:endParaRPr lang="en-GB"/>
           </a:p>
@@ -3410,7 +3410,7 @@
           <a:p>
             <a:fld id="{2E2C077B-C732-49E5-B20E-05DE29246531}" type="datetimeFigureOut">
               <a:rPr lang="en-GB" smtClean="0"/>
-              <a:t>21/02/2024</a:t>
+              <a:t>12/03/2024</a:t>
             </a:fld>
             <a:endParaRPr lang="en-GB"/>
           </a:p>
@@ -3590,7 +3590,7 @@
           <a:p>
             <a:fld id="{2E2C077B-C732-49E5-B20E-05DE29246531}" type="datetimeFigureOut">
               <a:rPr lang="en-GB" smtClean="0"/>
-              <a:t>21/02/2024</a:t>
+              <a:t>12/03/2024</a:t>
             </a:fld>
             <a:endParaRPr lang="en-GB"/>
           </a:p>
@@ -3854,7 +3854,7 @@
           <a:p>
             <a:fld id="{1041D2DD-F029-4FB0-BB12-3B6037A6356B}" type="datetimeFigureOut">
               <a:rPr lang="en-GB" smtClean="0"/>
-              <a:t>21/02/2024</a:t>
+              <a:t>12/03/2024</a:t>
             </a:fld>
             <a:endParaRPr lang="en-GB"/>
           </a:p>
@@ -4122,7 +4122,7 @@
           <a:p>
             <a:fld id="{1041D2DD-F029-4FB0-BB12-3B6037A6356B}" type="datetimeFigureOut">
               <a:rPr lang="en-GB" smtClean="0"/>
-              <a:t>21/02/2024</a:t>
+              <a:t>12/03/2024</a:t>
             </a:fld>
             <a:endParaRPr lang="en-GB"/>
           </a:p>
@@ -4537,7 +4537,7 @@
           <a:p>
             <a:fld id="{1041D2DD-F029-4FB0-BB12-3B6037A6356B}" type="datetimeFigureOut">
               <a:rPr lang="en-GB" smtClean="0"/>
-              <a:t>21/02/2024</a:t>
+              <a:t>12/03/2024</a:t>
             </a:fld>
             <a:endParaRPr lang="en-GB"/>
           </a:p>
@@ -4679,7 +4679,7 @@
           <a:p>
             <a:fld id="{1041D2DD-F029-4FB0-BB12-3B6037A6356B}" type="datetimeFigureOut">
               <a:rPr lang="en-GB" smtClean="0"/>
-              <a:t>21/02/2024</a:t>
+              <a:t>12/03/2024</a:t>
             </a:fld>
             <a:endParaRPr lang="en-GB"/>
           </a:p>
@@ -4792,7 +4792,7 @@
           <a:p>
             <a:fld id="{1041D2DD-F029-4FB0-BB12-3B6037A6356B}" type="datetimeFigureOut">
               <a:rPr lang="en-GB" smtClean="0"/>
-              <a:t>21/02/2024</a:t>
+              <a:t>12/03/2024</a:t>
             </a:fld>
             <a:endParaRPr lang="en-GB"/>
           </a:p>
@@ -5105,7 +5105,7 @@
           <a:p>
             <a:fld id="{1041D2DD-F029-4FB0-BB12-3B6037A6356B}" type="datetimeFigureOut">
               <a:rPr lang="en-GB" smtClean="0"/>
-              <a:t>21/02/2024</a:t>
+              <a:t>12/03/2024</a:t>
             </a:fld>
             <a:endParaRPr lang="en-GB"/>
           </a:p>
@@ -5394,7 +5394,7 @@
           <a:p>
             <a:fld id="{1041D2DD-F029-4FB0-BB12-3B6037A6356B}" type="datetimeFigureOut">
               <a:rPr lang="en-GB" smtClean="0"/>
-              <a:t>21/02/2024</a:t>
+              <a:t>12/03/2024</a:t>
             </a:fld>
             <a:endParaRPr lang="en-GB"/>
           </a:p>
@@ -5637,7 +5637,7 @@
           <a:p>
             <a:fld id="{1041D2DD-F029-4FB0-BB12-3B6037A6356B}" type="datetimeFigureOut">
               <a:rPr lang="en-GB" smtClean="0"/>
-              <a:t>21/02/2024</a:t>
+              <a:t>12/03/2024</a:t>
             </a:fld>
             <a:endParaRPr lang="en-GB"/>
           </a:p>
@@ -6192,7 +6192,7 @@
           <a:p>
             <a:fld id="{2E2C077B-C732-49E5-B20E-05DE29246531}" type="datetimeFigureOut">
               <a:rPr lang="en-GB" smtClean="0"/>
-              <a:t>21/02/2024</a:t>
+              <a:t>12/03/2024</a:t>
             </a:fld>
             <a:endParaRPr lang="en-GB"/>
           </a:p>
@@ -8162,7 +8162,7 @@
                 <a:ea typeface="+mj-ea"/>
                 <a:cs typeface="Times New Roman" panose="02020603050405020304" pitchFamily="18" charset="0"/>
               </a:rPr>
-              <a:t>github.com</a:t>
+              <a:t>economicsobservatory.com</a:t>
             </a:r>
             <a:r>
               <a:rPr kumimoji="0" lang="en-GB" sz="3600" b="0" i="1" u="none" strike="noStrike" kern="1200" cap="none" spc="0" normalizeH="0" baseline="0" noProof="0" dirty="0">
@@ -8179,73 +8179,8 @@
                 <a:ea typeface="+mj-ea"/>
                 <a:cs typeface="Times New Roman" panose="02020603050405020304" pitchFamily="18" charset="0"/>
               </a:rPr>
-              <a:t>/</a:t>
-            </a:r>
-            <a:r>
-              <a:rPr kumimoji="0" lang="en-GB" sz="3600" b="0" i="1" u="none" strike="noStrike" kern="1200" cap="none" spc="0" normalizeH="0" baseline="0" noProof="0" dirty="0" err="1">
-                <a:ln>
-                  <a:noFill/>
-                </a:ln>
-                <a:solidFill>
-                  <a:srgbClr val="F4C245"/>
-                </a:solidFill>
-                <a:effectLst/>
-                <a:uLnTx/>
-                <a:uFillTx/>
-                <a:latin typeface="Times New Roman" panose="02020603050405020304" pitchFamily="18" charset="0"/>
-                <a:ea typeface="+mj-ea"/>
-                <a:cs typeface="Times New Roman" panose="02020603050405020304" pitchFamily="18" charset="0"/>
-              </a:rPr>
-              <a:t>EconomicsObservatory</a:t>
-            </a:r>
-            <a:r>
-              <a:rPr kumimoji="0" lang="en-GB" sz="3600" b="0" i="1" u="none" strike="noStrike" kern="1200" cap="none" spc="0" normalizeH="0" baseline="0" noProof="0" dirty="0">
-                <a:ln>
-                  <a:noFill/>
-                </a:ln>
-                <a:solidFill>
-                  <a:srgbClr val="F4C245"/>
-                </a:solidFill>
-                <a:effectLst/>
-                <a:uLnTx/>
-                <a:uFillTx/>
-                <a:latin typeface="Times New Roman" panose="02020603050405020304" pitchFamily="18" charset="0"/>
-                <a:ea typeface="+mj-ea"/>
-                <a:cs typeface="Times New Roman" panose="02020603050405020304" pitchFamily="18" charset="0"/>
-              </a:rPr>
-              <a:t>/courses/blob/main/</a:t>
-            </a:r>
-            <a:r>
-              <a:rPr kumimoji="0" lang="en-GB" sz="3600" b="0" i="1" u="none" strike="noStrike" kern="1200" cap="none" spc="0" normalizeH="0" baseline="0" noProof="0" dirty="0" err="1">
-                <a:ln>
-                  <a:noFill/>
-                </a:ln>
-                <a:solidFill>
-                  <a:srgbClr val="F4C245"/>
-                </a:solidFill>
-                <a:effectLst/>
-                <a:uLnTx/>
-                <a:uFillTx/>
-                <a:latin typeface="Times New Roman" panose="02020603050405020304" pitchFamily="18" charset="0"/>
-                <a:ea typeface="+mj-ea"/>
-                <a:cs typeface="Times New Roman" panose="02020603050405020304" pitchFamily="18" charset="0"/>
-              </a:rPr>
-              <a:t>README.md</a:t>
-            </a:r>
-            <a:endParaRPr kumimoji="0" lang="en-GB" sz="6000" b="0" i="1" u="none" strike="noStrike" kern="1200" cap="none" spc="0" normalizeH="0" baseline="0" noProof="0" dirty="0">
-              <a:ln>
-                <a:noFill/>
-              </a:ln>
-              <a:solidFill>
-                <a:srgbClr val="F4C245"/>
-              </a:solidFill>
-              <a:effectLst/>
-              <a:uLnTx/>
-              <a:uFillTx/>
-              <a:latin typeface="Times New Roman" panose="02020603050405020304" pitchFamily="18" charset="0"/>
-              <a:ea typeface="+mj-ea"/>
-              <a:cs typeface="Times New Roman" panose="02020603050405020304" pitchFamily="18" charset="0"/>
-            </a:endParaRPr>
+              <a:t>/modern-data-visualisation</a:t>
+            </a:r>
           </a:p>
         </p:txBody>
       </p:sp>

--- a/2/s2_Building_your_first_website.pptx
+++ b/2/s2_Building_your_first_website.pptx
@@ -6,28 +6,30 @@
     <p:sldMasterId id="2147483684" r:id="rId2"/>
   </p:sldMasterIdLst>
   <p:notesMasterIdLst>
-    <p:notesMasterId r:id="rId22"/>
+    <p:notesMasterId r:id="rId24"/>
   </p:notesMasterIdLst>
   <p:sldIdLst>
     <p:sldId id="439" r:id="rId3"/>
     <p:sldId id="486" r:id="rId4"/>
     <p:sldId id="512" r:id="rId5"/>
     <p:sldId id="461" r:id="rId6"/>
-    <p:sldId id="478" r:id="rId7"/>
-    <p:sldId id="450" r:id="rId8"/>
-    <p:sldId id="452" r:id="rId9"/>
-    <p:sldId id="521" r:id="rId10"/>
-    <p:sldId id="453" r:id="rId11"/>
-    <p:sldId id="458" r:id="rId12"/>
-    <p:sldId id="523" r:id="rId13"/>
-    <p:sldId id="498" r:id="rId14"/>
-    <p:sldId id="514" r:id="rId15"/>
-    <p:sldId id="520" r:id="rId16"/>
-    <p:sldId id="448" r:id="rId17"/>
-    <p:sldId id="517" r:id="rId18"/>
-    <p:sldId id="516" r:id="rId19"/>
-    <p:sldId id="518" r:id="rId20"/>
-    <p:sldId id="519" r:id="rId21"/>
+    <p:sldId id="450" r:id="rId7"/>
+    <p:sldId id="452" r:id="rId8"/>
+    <p:sldId id="521" r:id="rId9"/>
+    <p:sldId id="453" r:id="rId10"/>
+    <p:sldId id="524" r:id="rId11"/>
+    <p:sldId id="526" r:id="rId12"/>
+    <p:sldId id="458" r:id="rId13"/>
+    <p:sldId id="523" r:id="rId14"/>
+    <p:sldId id="525" r:id="rId15"/>
+    <p:sldId id="498" r:id="rId16"/>
+    <p:sldId id="514" r:id="rId17"/>
+    <p:sldId id="520" r:id="rId18"/>
+    <p:sldId id="448" r:id="rId19"/>
+    <p:sldId id="517" r:id="rId20"/>
+    <p:sldId id="516" r:id="rId21"/>
+    <p:sldId id="518" r:id="rId22"/>
+    <p:sldId id="519" r:id="rId23"/>
   </p:sldIdLst>
   <p:sldSz cx="12192000" cy="6858000"/>
   <p:notesSz cx="6858000" cy="9144000"/>
@@ -139,13 +141,15 @@
           <p14:sldIdLst>
             <p14:sldId id="512"/>
             <p14:sldId id="461"/>
-            <p14:sldId id="478"/>
             <p14:sldId id="450"/>
             <p14:sldId id="452"/>
             <p14:sldId id="521"/>
             <p14:sldId id="453"/>
+            <p14:sldId id="524"/>
+            <p14:sldId id="526"/>
             <p14:sldId id="458"/>
             <p14:sldId id="523"/>
+            <p14:sldId id="525"/>
             <p14:sldId id="498"/>
           </p14:sldIdLst>
         </p14:section>
@@ -251,7 +255,7 @@
           <a:p>
             <a:fld id="{A9A5DA3C-BDF6-44EF-83ED-A29CA680A5AA}" type="datetimeFigureOut">
               <a:rPr lang="en-GB" smtClean="0"/>
-              <a:t>12/03/2024</a:t>
+              <a:t>13/03/2024</a:t>
             </a:fld>
             <a:endParaRPr lang="en-GB"/>
           </a:p>
@@ -668,7 +672,7 @@
           <a:p>
             <a:fld id="{1041D2DD-F029-4FB0-BB12-3B6037A6356B}" type="datetimeFigureOut">
               <a:rPr lang="en-GB" smtClean="0"/>
-              <a:t>12/03/2024</a:t>
+              <a:t>13/03/2024</a:t>
             </a:fld>
             <a:endParaRPr lang="en-GB"/>
           </a:p>
@@ -868,7 +872,7 @@
           <a:p>
             <a:fld id="{1041D2DD-F029-4FB0-BB12-3B6037A6356B}" type="datetimeFigureOut">
               <a:rPr lang="en-GB" smtClean="0"/>
-              <a:t>12/03/2024</a:t>
+              <a:t>13/03/2024</a:t>
             </a:fld>
             <a:endParaRPr lang="en-GB"/>
           </a:p>
@@ -1078,7 +1082,7 @@
           <a:p>
             <a:fld id="{1041D2DD-F029-4FB0-BB12-3B6037A6356B}" type="datetimeFigureOut">
               <a:rPr lang="en-GB" smtClean="0"/>
-              <a:t>12/03/2024</a:t>
+              <a:t>13/03/2024</a:t>
             </a:fld>
             <a:endParaRPr lang="en-GB"/>
           </a:p>
@@ -1282,7 +1286,7 @@
           <a:p>
             <a:fld id="{2E2C077B-C732-49E5-B20E-05DE29246531}" type="datetimeFigureOut">
               <a:rPr lang="en-GB" smtClean="0"/>
-              <a:t>12/03/2024</a:t>
+              <a:t>13/03/2024</a:t>
             </a:fld>
             <a:endParaRPr lang="en-GB"/>
           </a:p>
@@ -1452,7 +1456,7 @@
           <a:p>
             <a:fld id="{2E2C077B-C732-49E5-B20E-05DE29246531}" type="datetimeFigureOut">
               <a:rPr lang="en-GB" smtClean="0"/>
-              <a:t>12/03/2024</a:t>
+              <a:t>13/03/2024</a:t>
             </a:fld>
             <a:endParaRPr lang="en-GB"/>
           </a:p>
@@ -1698,7 +1702,7 @@
           <a:p>
             <a:fld id="{2E2C077B-C732-49E5-B20E-05DE29246531}" type="datetimeFigureOut">
               <a:rPr lang="en-GB" smtClean="0"/>
-              <a:t>12/03/2024</a:t>
+              <a:t>13/03/2024</a:t>
             </a:fld>
             <a:endParaRPr lang="en-GB"/>
           </a:p>
@@ -1930,7 +1934,7 @@
           <a:p>
             <a:fld id="{2E2C077B-C732-49E5-B20E-05DE29246531}" type="datetimeFigureOut">
               <a:rPr lang="en-GB" smtClean="0"/>
-              <a:t>12/03/2024</a:t>
+              <a:t>13/03/2024</a:t>
             </a:fld>
             <a:endParaRPr lang="en-GB"/>
           </a:p>
@@ -2297,7 +2301,7 @@
           <a:p>
             <a:fld id="{2E2C077B-C732-49E5-B20E-05DE29246531}" type="datetimeFigureOut">
               <a:rPr lang="en-GB" smtClean="0"/>
-              <a:t>12/03/2024</a:t>
+              <a:t>13/03/2024</a:t>
             </a:fld>
             <a:endParaRPr lang="en-GB"/>
           </a:p>
@@ -2415,7 +2419,7 @@
           <a:p>
             <a:fld id="{2E2C077B-C732-49E5-B20E-05DE29246531}" type="datetimeFigureOut">
               <a:rPr lang="en-GB" smtClean="0"/>
-              <a:t>12/03/2024</a:t>
+              <a:t>13/03/2024</a:t>
             </a:fld>
             <a:endParaRPr lang="en-GB"/>
           </a:p>
@@ -2510,7 +2514,7 @@
           <a:p>
             <a:fld id="{2E2C077B-C732-49E5-B20E-05DE29246531}" type="datetimeFigureOut">
               <a:rPr lang="en-GB" smtClean="0"/>
-              <a:t>12/03/2024</a:t>
+              <a:t>13/03/2024</a:t>
             </a:fld>
             <a:endParaRPr lang="en-GB"/>
           </a:p>
@@ -2787,7 +2791,7 @@
           <a:p>
             <a:fld id="{2E2C077B-C732-49E5-B20E-05DE29246531}" type="datetimeFigureOut">
               <a:rPr lang="en-GB" smtClean="0"/>
-              <a:t>12/03/2024</a:t>
+              <a:t>13/03/2024</a:t>
             </a:fld>
             <a:endParaRPr lang="en-GB"/>
           </a:p>
@@ -2975,7 +2979,7 @@
           <a:p>
             <a:fld id="{1041D2DD-F029-4FB0-BB12-3B6037A6356B}" type="datetimeFigureOut">
               <a:rPr lang="en-GB" smtClean="0"/>
-              <a:t>12/03/2024</a:t>
+              <a:t>13/03/2024</a:t>
             </a:fld>
             <a:endParaRPr lang="en-GB"/>
           </a:p>
@@ -3240,7 +3244,7 @@
           <a:p>
             <a:fld id="{2E2C077B-C732-49E5-B20E-05DE29246531}" type="datetimeFigureOut">
               <a:rPr lang="en-GB" smtClean="0"/>
-              <a:t>12/03/2024</a:t>
+              <a:t>13/03/2024</a:t>
             </a:fld>
             <a:endParaRPr lang="en-GB"/>
           </a:p>
@@ -3410,7 +3414,7 @@
           <a:p>
             <a:fld id="{2E2C077B-C732-49E5-B20E-05DE29246531}" type="datetimeFigureOut">
               <a:rPr lang="en-GB" smtClean="0"/>
-              <a:t>12/03/2024</a:t>
+              <a:t>13/03/2024</a:t>
             </a:fld>
             <a:endParaRPr lang="en-GB"/>
           </a:p>
@@ -3590,7 +3594,7 @@
           <a:p>
             <a:fld id="{2E2C077B-C732-49E5-B20E-05DE29246531}" type="datetimeFigureOut">
               <a:rPr lang="en-GB" smtClean="0"/>
-              <a:t>12/03/2024</a:t>
+              <a:t>13/03/2024</a:t>
             </a:fld>
             <a:endParaRPr lang="en-GB"/>
           </a:p>
@@ -3854,7 +3858,7 @@
           <a:p>
             <a:fld id="{1041D2DD-F029-4FB0-BB12-3B6037A6356B}" type="datetimeFigureOut">
               <a:rPr lang="en-GB" smtClean="0"/>
-              <a:t>12/03/2024</a:t>
+              <a:t>13/03/2024</a:t>
             </a:fld>
             <a:endParaRPr lang="en-GB"/>
           </a:p>
@@ -4122,7 +4126,7 @@
           <a:p>
             <a:fld id="{1041D2DD-F029-4FB0-BB12-3B6037A6356B}" type="datetimeFigureOut">
               <a:rPr lang="en-GB" smtClean="0"/>
-              <a:t>12/03/2024</a:t>
+              <a:t>13/03/2024</a:t>
             </a:fld>
             <a:endParaRPr lang="en-GB"/>
           </a:p>
@@ -4537,7 +4541,7 @@
           <a:p>
             <a:fld id="{1041D2DD-F029-4FB0-BB12-3B6037A6356B}" type="datetimeFigureOut">
               <a:rPr lang="en-GB" smtClean="0"/>
-              <a:t>12/03/2024</a:t>
+              <a:t>13/03/2024</a:t>
             </a:fld>
             <a:endParaRPr lang="en-GB"/>
           </a:p>
@@ -4679,7 +4683,7 @@
           <a:p>
             <a:fld id="{1041D2DD-F029-4FB0-BB12-3B6037A6356B}" type="datetimeFigureOut">
               <a:rPr lang="en-GB" smtClean="0"/>
-              <a:t>12/03/2024</a:t>
+              <a:t>13/03/2024</a:t>
             </a:fld>
             <a:endParaRPr lang="en-GB"/>
           </a:p>
@@ -4792,7 +4796,7 @@
           <a:p>
             <a:fld id="{1041D2DD-F029-4FB0-BB12-3B6037A6356B}" type="datetimeFigureOut">
               <a:rPr lang="en-GB" smtClean="0"/>
-              <a:t>12/03/2024</a:t>
+              <a:t>13/03/2024</a:t>
             </a:fld>
             <a:endParaRPr lang="en-GB"/>
           </a:p>
@@ -5105,7 +5109,7 @@
           <a:p>
             <a:fld id="{1041D2DD-F029-4FB0-BB12-3B6037A6356B}" type="datetimeFigureOut">
               <a:rPr lang="en-GB" smtClean="0"/>
-              <a:t>12/03/2024</a:t>
+              <a:t>13/03/2024</a:t>
             </a:fld>
             <a:endParaRPr lang="en-GB"/>
           </a:p>
@@ -5394,7 +5398,7 @@
           <a:p>
             <a:fld id="{1041D2DD-F029-4FB0-BB12-3B6037A6356B}" type="datetimeFigureOut">
               <a:rPr lang="en-GB" smtClean="0"/>
-              <a:t>12/03/2024</a:t>
+              <a:t>13/03/2024</a:t>
             </a:fld>
             <a:endParaRPr lang="en-GB"/>
           </a:p>
@@ -5637,7 +5641,7 @@
           <a:p>
             <a:fld id="{1041D2DD-F029-4FB0-BB12-3B6037A6356B}" type="datetimeFigureOut">
               <a:rPr lang="en-GB" smtClean="0"/>
-              <a:t>12/03/2024</a:t>
+              <a:t>13/03/2024</a:t>
             </a:fld>
             <a:endParaRPr lang="en-GB"/>
           </a:p>
@@ -6192,7 +6196,7 @@
           <a:p>
             <a:fld id="{2E2C077B-C732-49E5-B20E-05DE29246531}" type="datetimeFigureOut">
               <a:rPr lang="en-GB" smtClean="0"/>
-              <a:t>12/03/2024</a:t>
+              <a:t>13/03/2024</a:t>
             </a:fld>
             <a:endParaRPr lang="en-GB"/>
           </a:p>
@@ -6688,6 +6692,248 @@
         </p:nvSpPr>
         <p:spPr>
           <a:xfrm>
+            <a:off x="584126" y="427530"/>
+            <a:ext cx="5793137" cy="496977"/>
+          </a:xfrm>
+          <a:solidFill>
+            <a:srgbClr val="122B39"/>
+          </a:solidFill>
+        </p:spPr>
+        <p:txBody>
+          <a:bodyPr>
+            <a:normAutofit fontScale="90000"/>
+          </a:bodyPr>
+          <a:lstStyle/>
+          <a:p>
+            <a:r>
+              <a:rPr lang="en-GB" dirty="0">
+                <a:solidFill>
+                  <a:schemeClr val="bg1"/>
+                </a:solidFill>
+                <a:latin typeface="Circular Std Book" panose="020B0604020101020102" pitchFamily="34" charset="0"/>
+                <a:cs typeface="Circular Std Book" panose="020B0604020101020102" pitchFamily="34" charset="0"/>
+              </a:rPr>
+              <a:t>CSS example</a:t>
+            </a:r>
+            <a:r>
+              <a:rPr lang="en-GB" dirty="0">
+                <a:solidFill>
+                  <a:srgbClr val="F4C245"/>
+                </a:solidFill>
+                <a:latin typeface="Circular Std Book" panose="020B0604020101020102" pitchFamily="34" charset="0"/>
+                <a:cs typeface="Circular Std Book" panose="020B0604020101020102" pitchFamily="34" charset="0"/>
+              </a:rPr>
+              <a:t>.</a:t>
+            </a:r>
+          </a:p>
+        </p:txBody>
+      </p:sp>
+      <p:pic>
+        <p:nvPicPr>
+          <p:cNvPr id="6" name="Picture 5">
+            <a:extLst>
+              <a:ext uri="{FF2B5EF4-FFF2-40B4-BE49-F238E27FC236}">
+                <a16:creationId xmlns:a16="http://schemas.microsoft.com/office/drawing/2014/main" id="{74115C9D-A2D4-4903-9446-234A84E0677C}"/>
+              </a:ext>
+            </a:extLst>
+          </p:cNvPr>
+          <p:cNvPicPr>
+            <a:picLocks noChangeAspect="1"/>
+          </p:cNvPicPr>
+          <p:nvPr/>
+        </p:nvPicPr>
+        <p:blipFill rotWithShape="1">
+          <a:blip r:embed="rId2">
+            <a:clrChange>
+              <a:clrFrom>
+                <a:srgbClr val="1E1E1E"/>
+              </a:clrFrom>
+              <a:clrTo>
+                <a:srgbClr val="1E1E1E">
+                  <a:alpha val="0"/>
+                </a:srgbClr>
+              </a:clrTo>
+            </a:clrChange>
+          </a:blip>
+          <a:srcRect t="24806" r="33965"/>
+          <a:stretch/>
+        </p:blipFill>
+        <p:spPr>
+          <a:xfrm>
+            <a:off x="584126" y="1013942"/>
+            <a:ext cx="6108344" cy="5416528"/>
+          </a:xfrm>
+          <a:prstGeom prst="rect">
+            <a:avLst/>
+          </a:prstGeom>
+        </p:spPr>
+      </p:pic>
+      <p:sp>
+        <p:nvSpPr>
+          <p:cNvPr id="3" name="Doughnut 2">
+            <a:extLst>
+              <a:ext uri="{FF2B5EF4-FFF2-40B4-BE49-F238E27FC236}">
+                <a16:creationId xmlns:a16="http://schemas.microsoft.com/office/drawing/2014/main" id="{E6BF6C8D-812F-D35F-2DE4-458DE1288912}"/>
+              </a:ext>
+            </a:extLst>
+          </p:cNvPr>
+          <p:cNvSpPr/>
+          <p:nvPr/>
+        </p:nvSpPr>
+        <p:spPr>
+          <a:xfrm>
+            <a:off x="445169" y="4052638"/>
+            <a:ext cx="669758" cy="685800"/>
+          </a:xfrm>
+          <a:prstGeom prst="donut">
+            <a:avLst>
+              <a:gd name="adj" fmla="val 8793"/>
+            </a:avLst>
+          </a:prstGeom>
+          <a:solidFill>
+            <a:schemeClr val="accent2"/>
+          </a:solidFill>
+        </p:spPr>
+        <p:style>
+          <a:lnRef idx="2">
+            <a:schemeClr val="accent1">
+              <a:shade val="15000"/>
+            </a:schemeClr>
+          </a:lnRef>
+          <a:fillRef idx="1">
+            <a:schemeClr val="accent1"/>
+          </a:fillRef>
+          <a:effectRef idx="0">
+            <a:schemeClr val="accent1"/>
+          </a:effectRef>
+          <a:fontRef idx="minor">
+            <a:schemeClr val="lt1"/>
+          </a:fontRef>
+        </p:style>
+        <p:txBody>
+          <a:bodyPr rtlCol="0" anchor="ctr"/>
+          <a:lstStyle/>
+          <a:p>
+            <a:pPr algn="ctr"/>
+            <a:endParaRPr lang="en-US">
+              <a:solidFill>
+                <a:schemeClr val="tx1"/>
+              </a:solidFill>
+            </a:endParaRPr>
+          </a:p>
+        </p:txBody>
+      </p:sp>
+      <p:sp>
+        <p:nvSpPr>
+          <p:cNvPr id="4" name="Doughnut 3">
+            <a:extLst>
+              <a:ext uri="{FF2B5EF4-FFF2-40B4-BE49-F238E27FC236}">
+                <a16:creationId xmlns:a16="http://schemas.microsoft.com/office/drawing/2014/main" id="{06485BC1-9D2F-A25E-01FF-C1B31F9C0F10}"/>
+              </a:ext>
+            </a:extLst>
+          </p:cNvPr>
+          <p:cNvSpPr/>
+          <p:nvPr/>
+        </p:nvSpPr>
+        <p:spPr>
+          <a:xfrm>
+            <a:off x="445169" y="2079456"/>
+            <a:ext cx="669758" cy="685800"/>
+          </a:xfrm>
+          <a:prstGeom prst="donut">
+            <a:avLst>
+              <a:gd name="adj" fmla="val 8793"/>
+            </a:avLst>
+          </a:prstGeom>
+          <a:solidFill>
+            <a:schemeClr val="accent2"/>
+          </a:solidFill>
+        </p:spPr>
+        <p:style>
+          <a:lnRef idx="2">
+            <a:schemeClr val="accent1">
+              <a:shade val="15000"/>
+            </a:schemeClr>
+          </a:lnRef>
+          <a:fillRef idx="1">
+            <a:schemeClr val="accent1"/>
+          </a:fillRef>
+          <a:effectRef idx="0">
+            <a:schemeClr val="accent1"/>
+          </a:effectRef>
+          <a:fontRef idx="minor">
+            <a:schemeClr val="lt1"/>
+          </a:fontRef>
+        </p:style>
+        <p:txBody>
+          <a:bodyPr rtlCol="0" anchor="ctr"/>
+          <a:lstStyle/>
+          <a:p>
+            <a:pPr algn="ctr"/>
+            <a:endParaRPr lang="en-US">
+              <a:solidFill>
+                <a:schemeClr val="tx1"/>
+              </a:solidFill>
+            </a:endParaRPr>
+          </a:p>
+        </p:txBody>
+      </p:sp>
+    </p:spTree>
+    <p:extLst>
+      <p:ext uri="{BB962C8B-B14F-4D97-AF65-F5344CB8AC3E}">
+        <p14:creationId xmlns:p14="http://schemas.microsoft.com/office/powerpoint/2010/main" val="1284145930"/>
+      </p:ext>
+    </p:extLst>
+  </p:cSld>
+  <p:clrMapOvr>
+    <a:masterClrMapping/>
+  </p:clrMapOvr>
+</p:sld>
+</file>
+
+<file path=ppt/slides/slide11.xml><?xml version="1.0" encoding="utf-8"?>
+<p:sld xmlns:a="http://schemas.openxmlformats.org/drawingml/2006/main" xmlns:r="http://schemas.openxmlformats.org/officeDocument/2006/relationships" xmlns:p="http://schemas.openxmlformats.org/presentationml/2006/main">
+  <p:cSld>
+    <p:bg>
+      <p:bgPr>
+        <a:solidFill>
+          <a:srgbClr val="122B39"/>
+        </a:solidFill>
+        <a:effectLst/>
+      </p:bgPr>
+    </p:bg>
+    <p:spTree>
+      <p:nvGrpSpPr>
+        <p:cNvPr id="1" name=""/>
+        <p:cNvGrpSpPr/>
+        <p:nvPr/>
+      </p:nvGrpSpPr>
+      <p:grpSpPr>
+        <a:xfrm>
+          <a:off x="0" y="0"/>
+          <a:ext cx="0" cy="0"/>
+          <a:chOff x="0" y="0"/>
+          <a:chExt cx="0" cy="0"/>
+        </a:xfrm>
+      </p:grpSpPr>
+      <p:sp>
+        <p:nvSpPr>
+          <p:cNvPr id="2" name="Title 1">
+            <a:extLst>
+              <a:ext uri="{FF2B5EF4-FFF2-40B4-BE49-F238E27FC236}">
+                <a16:creationId xmlns:a16="http://schemas.microsoft.com/office/drawing/2014/main" id="{0FEE2FE8-D24E-41DE-AA78-81A6ECA35759}"/>
+              </a:ext>
+            </a:extLst>
+          </p:cNvPr>
+          <p:cNvSpPr>
+            <a:spLocks noGrp="1"/>
+          </p:cNvSpPr>
+          <p:nvPr>
+            <p:ph type="title"/>
+          </p:nvPr>
+        </p:nvSpPr>
+        <p:spPr>
+          <a:xfrm>
             <a:off x="584126" y="340080"/>
             <a:ext cx="9197547" cy="496977"/>
           </a:xfrm>
@@ -6790,7 +7036,7 @@
                 <a:effectLst/>
                 <a:latin typeface="Consolas" panose="020B0609020204030204" pitchFamily="49" charset="0"/>
               </a:rPr>
-              <a:t>&lt;!-- Here is the head section --&gt;</a:t>
+              <a:t>&lt;!-- Here is the head section of my HTML file --&gt;</a:t>
             </a:r>
             <a:br>
               <a:rPr lang="en-US" sz="1800" b="0" dirty="0">
@@ -6936,7 +7182,7 @@
                 <a:effectLst/>
                 <a:latin typeface="Consolas" panose="020B0609020204030204" pitchFamily="49" charset="0"/>
               </a:rPr>
-              <a:t>&lt;!-- Link to my CSS file --&gt;</a:t>
+              <a:t>&lt;!-- Now I add a link to my CSS file --&gt;</a:t>
             </a:r>
             <a:br>
               <a:rPr lang="en-US" sz="1800" b="0" dirty="0">
@@ -7045,7 +7291,7 @@
                 <a:effectLst/>
                 <a:latin typeface="Consolas" panose="020B0609020204030204" pitchFamily="49" charset="0"/>
               </a:rPr>
-              <a:t>”</a:t>
+              <a:t>"</a:t>
             </a:r>
             <a:r>
               <a:rPr lang="en-US" sz="1800" dirty="0">
@@ -7199,7 +7445,7 @@
 </p:sld>
 </file>
 
-<file path=ppt/slides/slide11.xml><?xml version="1.0" encoding="utf-8"?>
+<file path=ppt/slides/slide12.xml><?xml version="1.0" encoding="utf-8"?>
 <p:sld xmlns:a="http://schemas.openxmlformats.org/drawingml/2006/main" xmlns:r="http://schemas.openxmlformats.org/officeDocument/2006/relationships" xmlns:p="http://schemas.openxmlformats.org/presentationml/2006/main">
   <p:cSld>
     <p:bg>
@@ -7308,7 +7554,7 @@
         </p:spPr>
         <p:txBody>
           <a:bodyPr>
-            <a:normAutofit lnSpcReduction="10000"/>
+            <a:normAutofit/>
           </a:bodyPr>
           <a:lstStyle/>
           <a:p>
@@ -7325,7 +7571,7 @@
                 <a:latin typeface="Circular Std Book" panose="020B0604020101020102" pitchFamily="34" charset="0"/>
                 <a:cs typeface="Circular Std Book" panose="020B0604020101020102" pitchFamily="34" charset="0"/>
               </a:rPr>
-              <a:t>1995.  </a:t>
+              <a:t>History.  </a:t>
             </a:r>
             <a:r>
               <a:rPr lang="en-GB" sz="1800" dirty="0">
@@ -7335,7 +7581,47 @@
                 <a:latin typeface="Circular Std Book" panose="020B0604020101020102" pitchFamily="34" charset="0"/>
                 <a:cs typeface="Circular Std Book" panose="020B0604020101020102" pitchFamily="34" charset="0"/>
               </a:rPr>
-              <a:t>JS launched by Netscape. Brief war with Microsoft before widespread adoption. </a:t>
+              <a:t>JS launched by Netscape in 1995. Key developer was </a:t>
+            </a:r>
+            <a:r>
+              <a:rPr lang="en-GB" sz="1800" dirty="0">
+                <a:solidFill>
+                  <a:srgbClr val="36B7B4"/>
+                </a:solidFill>
+                <a:latin typeface="Circular Std Book" panose="020B0604020101020102" pitchFamily="34" charset="0"/>
+                <a:cs typeface="Circular Std Book" panose="020B0604020101020102" pitchFamily="34" charset="0"/>
+              </a:rPr>
+              <a:t>Brendan </a:t>
+            </a:r>
+            <a:r>
+              <a:rPr lang="en-GB" sz="1800" dirty="0" err="1">
+                <a:solidFill>
+                  <a:srgbClr val="36B7B4"/>
+                </a:solidFill>
+                <a:latin typeface="Circular Std Book" panose="020B0604020101020102" pitchFamily="34" charset="0"/>
+                <a:cs typeface="Circular Std Book" panose="020B0604020101020102" pitchFamily="34" charset="0"/>
+              </a:rPr>
+              <a:t>Eich</a:t>
+            </a:r>
+            <a:r>
+              <a:rPr lang="en-GB" sz="1800" dirty="0">
+                <a:solidFill>
+                  <a:srgbClr val="36B7B4"/>
+                </a:solidFill>
+                <a:latin typeface="Circular Std Book" panose="020B0604020101020102" pitchFamily="34" charset="0"/>
+                <a:cs typeface="Circular Std Book" panose="020B0604020101020102" pitchFamily="34" charset="0"/>
+              </a:rPr>
+              <a:t>. </a:t>
+            </a:r>
+            <a:r>
+              <a:rPr lang="en-GB" sz="1800" dirty="0">
+                <a:solidFill>
+                  <a:schemeClr val="bg1"/>
+                </a:solidFill>
+                <a:latin typeface="Circular Std Book" panose="020B0604020101020102" pitchFamily="34" charset="0"/>
+                <a:cs typeface="Circular Std Book" panose="020B0604020101020102" pitchFamily="34" charset="0"/>
+              </a:rPr>
+              <a:t>Brief war with Microsoft before widespread adoption. Now used in almost all (&gt;95%) of web sites.</a:t>
             </a:r>
           </a:p>
           <a:p>
@@ -7344,46 +7630,13 @@
                 <a:spcPct val="150000"/>
               </a:lnSpc>
             </a:pPr>
-            <a:r>
-              <a:rPr lang="en-GB" sz="1800" dirty="0">
-                <a:solidFill>
-                  <a:srgbClr val="36B7B4"/>
-                </a:solidFill>
-                <a:latin typeface="Circular Std Book" panose="020B0604020101020102" pitchFamily="34" charset="0"/>
-                <a:cs typeface="Circular Std Book" panose="020B0604020101020102" pitchFamily="34" charset="0"/>
-              </a:rPr>
-              <a:t>Brendan </a:t>
-            </a:r>
-            <a:r>
-              <a:rPr lang="en-GB" sz="1800" dirty="0" err="1">
-                <a:solidFill>
-                  <a:srgbClr val="36B7B4"/>
-                </a:solidFill>
-                <a:latin typeface="Circular Std Book" panose="020B0604020101020102" pitchFamily="34" charset="0"/>
-                <a:cs typeface="Circular Std Book" panose="020B0604020101020102" pitchFamily="34" charset="0"/>
-              </a:rPr>
-              <a:t>Eich</a:t>
-            </a:r>
-            <a:r>
-              <a:rPr lang="en-GB" sz="1800" dirty="0">
-                <a:solidFill>
-                  <a:srgbClr val="36B7B4"/>
-                </a:solidFill>
-                <a:latin typeface="Circular Std Book" panose="020B0604020101020102" pitchFamily="34" charset="0"/>
-                <a:cs typeface="Circular Std Book" panose="020B0604020101020102" pitchFamily="34" charset="0"/>
-              </a:rPr>
-              <a:t>. </a:t>
-            </a:r>
-            <a:r>
-              <a:rPr lang="en-GB" sz="1800" dirty="0">
-                <a:solidFill>
-                  <a:schemeClr val="bg1"/>
-                </a:solidFill>
-                <a:latin typeface="Circular Std Book" panose="020B0604020101020102" pitchFamily="34" charset="0"/>
-                <a:cs typeface="Circular Std Book" panose="020B0604020101020102" pitchFamily="34" charset="0"/>
-              </a:rPr>
-              <a:t>Key role in development of JS. Now used in almost all (&gt;95%) of web sites.</a:t>
-            </a:r>
+            <a:endParaRPr lang="en-GB" sz="1800" dirty="0">
+              <a:solidFill>
+                <a:schemeClr val="bg1"/>
+              </a:solidFill>
+              <a:latin typeface="Circular Std Book" panose="020B0604020101020102" pitchFamily="34" charset="0"/>
+              <a:cs typeface="Circular Std Book" panose="020B0604020101020102" pitchFamily="34" charset="0"/>
+            </a:endParaRPr>
           </a:p>
           <a:p>
             <a:pPr>
@@ -7399,33 +7652,6 @@
                 <a:latin typeface="Circular Std Book" panose="020B0604020101020102" pitchFamily="34" charset="0"/>
                 <a:cs typeface="Circular Std Book" panose="020B0604020101020102" pitchFamily="34" charset="0"/>
               </a:rPr>
-              <a:t>Interactivity.</a:t>
-            </a:r>
-            <a:r>
-              <a:rPr lang="en-GB" sz="1800" dirty="0">
-                <a:solidFill>
-                  <a:schemeClr val="bg1"/>
-                </a:solidFill>
-                <a:latin typeface="Circular Std Book" panose="020B0604020101020102" pitchFamily="34" charset="0"/>
-                <a:cs typeface="Circular Std Book" panose="020B0604020101020102" pitchFamily="34" charset="0"/>
-              </a:rPr>
-              <a:t> JS allows us to make web sites interactive. Changing what the web site looks like and does in response to our choices.</a:t>
-            </a:r>
-          </a:p>
-          <a:p>
-            <a:pPr>
-              <a:lnSpc>
-                <a:spcPct val="150000"/>
-              </a:lnSpc>
-            </a:pPr>
-            <a:r>
-              <a:rPr lang="en-GB" sz="1800" dirty="0">
-                <a:solidFill>
-                  <a:srgbClr val="36B7B4"/>
-                </a:solidFill>
-                <a:latin typeface="Circular Std Book" panose="020B0604020101020102" pitchFamily="34" charset="0"/>
-                <a:cs typeface="Circular Std Book" panose="020B0604020101020102" pitchFamily="34" charset="0"/>
-              </a:rPr>
               <a:t>In Data Science.</a:t>
             </a:r>
             <a:r>
@@ -7463,7 +7689,7 @@
                 <a:latin typeface="Circular Std Book" panose="020B0604020101020102" pitchFamily="34" charset="0"/>
                 <a:cs typeface="Circular Std Book" panose="020B0604020101020102" pitchFamily="34" charset="0"/>
               </a:rPr>
-              <a:t>. Grab data from another site, via an API, when you open you page. </a:t>
+              <a:t>. Grab data from another site, via an API, when you open your page. </a:t>
             </a:r>
           </a:p>
           <a:p>
@@ -7517,7 +7743,7 @@
                 <a:latin typeface="Circular Std Book" panose="020B0604020101020102" pitchFamily="34" charset="0"/>
                 <a:cs typeface="Circular Std Book" panose="020B0604020101020102" pitchFamily="34" charset="0"/>
               </a:rPr>
-              <a:t>Display the data in a way you wish. There are lots of charting “libraries” that do this. We will use two (Vega Lite and Charts.js). </a:t>
+              <a:t>Display the data in a way you wish. There are lots of charting “libraries” that do this. For example, Vega Lite and Charts.js. </a:t>
             </a:r>
           </a:p>
           <a:p>
@@ -7618,7 +7844,1467 @@
 </p:sld>
 </file>
 
-<file path=ppt/slides/slide12.xml><?xml version="1.0" encoding="utf-8"?>
+<file path=ppt/slides/slide13.xml><?xml version="1.0" encoding="utf-8"?>
+<p:sld xmlns:a="http://schemas.openxmlformats.org/drawingml/2006/main" xmlns:r="http://schemas.openxmlformats.org/officeDocument/2006/relationships" xmlns:p="http://schemas.openxmlformats.org/presentationml/2006/main">
+  <p:cSld>
+    <p:bg>
+      <p:bgPr>
+        <a:solidFill>
+          <a:srgbClr val="122B39"/>
+        </a:solidFill>
+        <a:effectLst/>
+      </p:bgPr>
+    </p:bg>
+    <p:spTree>
+      <p:nvGrpSpPr>
+        <p:cNvPr id="1" name="">
+          <a:extLst>
+            <a:ext uri="{FF2B5EF4-FFF2-40B4-BE49-F238E27FC236}">
+              <a16:creationId xmlns:a16="http://schemas.microsoft.com/office/drawing/2014/main" id="{49062250-97FA-98E9-7221-B61A8A28B1E8}"/>
+            </a:ext>
+          </a:extLst>
+        </p:cNvPr>
+        <p:cNvGrpSpPr/>
+        <p:nvPr/>
+      </p:nvGrpSpPr>
+      <p:grpSpPr>
+        <a:xfrm>
+          <a:off x="0" y="0"/>
+          <a:ext cx="0" cy="0"/>
+          <a:chOff x="0" y="0"/>
+          <a:chExt cx="0" cy="0"/>
+        </a:xfrm>
+      </p:grpSpPr>
+      <p:sp>
+        <p:nvSpPr>
+          <p:cNvPr id="2" name="Title 1">
+            <a:extLst>
+              <a:ext uri="{FF2B5EF4-FFF2-40B4-BE49-F238E27FC236}">
+                <a16:creationId xmlns:a16="http://schemas.microsoft.com/office/drawing/2014/main" id="{D4E57936-C509-E2BB-4ABA-B1516EFC5D9B}"/>
+              </a:ext>
+            </a:extLst>
+          </p:cNvPr>
+          <p:cNvSpPr>
+            <a:spLocks noGrp="1"/>
+          </p:cNvSpPr>
+          <p:nvPr>
+            <p:ph type="title"/>
+          </p:nvPr>
+        </p:nvSpPr>
+        <p:spPr>
+          <a:xfrm>
+            <a:off x="584127" y="340080"/>
+            <a:ext cx="5793137" cy="496977"/>
+          </a:xfrm>
+          <a:solidFill>
+            <a:srgbClr val="122B39"/>
+          </a:solidFill>
+        </p:spPr>
+        <p:txBody>
+          <a:bodyPr>
+            <a:normAutofit fontScale="90000"/>
+          </a:bodyPr>
+          <a:lstStyle/>
+          <a:p>
+            <a:r>
+              <a:rPr lang="en-GB" dirty="0">
+                <a:solidFill>
+                  <a:schemeClr val="bg1"/>
+                </a:solidFill>
+                <a:latin typeface="Circular Std Book" panose="020B0604020101020102" pitchFamily="34" charset="0"/>
+                <a:cs typeface="Circular Std Book" panose="020B0604020101020102" pitchFamily="34" charset="0"/>
+              </a:rPr>
+              <a:t>JavaScript example</a:t>
+            </a:r>
+            <a:r>
+              <a:rPr lang="en-GB" dirty="0">
+                <a:solidFill>
+                  <a:srgbClr val="F4C245"/>
+                </a:solidFill>
+                <a:latin typeface="Circular Std Book" panose="020B0604020101020102" pitchFamily="34" charset="0"/>
+                <a:cs typeface="Circular Std Book" panose="020B0604020101020102" pitchFamily="34" charset="0"/>
+              </a:rPr>
+              <a:t>.</a:t>
+            </a:r>
+          </a:p>
+        </p:txBody>
+      </p:sp>
+      <p:sp>
+        <p:nvSpPr>
+          <p:cNvPr id="7" name="TextBox 6">
+            <a:extLst>
+              <a:ext uri="{FF2B5EF4-FFF2-40B4-BE49-F238E27FC236}">
+                <a16:creationId xmlns:a16="http://schemas.microsoft.com/office/drawing/2014/main" id="{0936E8EB-1E53-FC74-83A0-B01D6618557C}"/>
+              </a:ext>
+            </a:extLst>
+          </p:cNvPr>
+          <p:cNvSpPr txBox="1"/>
+          <p:nvPr/>
+        </p:nvSpPr>
+        <p:spPr>
+          <a:xfrm>
+            <a:off x="584127" y="1009334"/>
+            <a:ext cx="11023746" cy="5262979"/>
+          </a:xfrm>
+          <a:prstGeom prst="rect">
+            <a:avLst/>
+          </a:prstGeom>
+          <a:noFill/>
+        </p:spPr>
+        <p:txBody>
+          <a:bodyPr wrap="square">
+            <a:spAutoFit/>
+          </a:bodyPr>
+          <a:lstStyle/>
+          <a:p>
+            <a:r>
+              <a:rPr lang="en-GB" sz="1050" b="0" dirty="0">
+                <a:solidFill>
+                  <a:srgbClr val="808080"/>
+                </a:solidFill>
+                <a:effectLst/>
+                <a:latin typeface="Consolas" panose="020B0609020204030204" pitchFamily="49" charset="0"/>
+              </a:rPr>
+              <a:t>&lt;!</a:t>
+            </a:r>
+            <a:r>
+              <a:rPr lang="en-GB" sz="1050" b="0" dirty="0">
+                <a:solidFill>
+                  <a:srgbClr val="569CD6"/>
+                </a:solidFill>
+                <a:effectLst/>
+                <a:latin typeface="Consolas" panose="020B0609020204030204" pitchFamily="49" charset="0"/>
+              </a:rPr>
+              <a:t>DOCTYPE</a:t>
+            </a:r>
+            <a:r>
+              <a:rPr lang="en-GB" sz="1050" b="0" dirty="0">
+                <a:solidFill>
+                  <a:srgbClr val="CCCCCC"/>
+                </a:solidFill>
+                <a:effectLst/>
+                <a:latin typeface="Consolas" panose="020B0609020204030204" pitchFamily="49" charset="0"/>
+              </a:rPr>
+              <a:t> </a:t>
+            </a:r>
+            <a:r>
+              <a:rPr lang="en-GB" sz="1050" b="0" dirty="0">
+                <a:solidFill>
+                  <a:srgbClr val="9CDCFE"/>
+                </a:solidFill>
+                <a:effectLst/>
+                <a:latin typeface="Consolas" panose="020B0609020204030204" pitchFamily="49" charset="0"/>
+              </a:rPr>
+              <a:t>html</a:t>
+            </a:r>
+            <a:r>
+              <a:rPr lang="en-GB" sz="1050" b="0" dirty="0">
+                <a:solidFill>
+                  <a:srgbClr val="808080"/>
+                </a:solidFill>
+                <a:effectLst/>
+                <a:latin typeface="Consolas" panose="020B0609020204030204" pitchFamily="49" charset="0"/>
+              </a:rPr>
+              <a:t>&gt;</a:t>
+            </a:r>
+            <a:endParaRPr lang="en-GB" sz="1050" b="0" dirty="0">
+              <a:solidFill>
+                <a:srgbClr val="CCCCCC"/>
+              </a:solidFill>
+              <a:effectLst/>
+              <a:latin typeface="Consolas" panose="020B0609020204030204" pitchFamily="49" charset="0"/>
+            </a:endParaRPr>
+          </a:p>
+          <a:p>
+            <a:r>
+              <a:rPr lang="en-GB" sz="1050" b="0" dirty="0">
+                <a:solidFill>
+                  <a:srgbClr val="808080"/>
+                </a:solidFill>
+                <a:effectLst/>
+                <a:latin typeface="Consolas" panose="020B0609020204030204" pitchFamily="49" charset="0"/>
+              </a:rPr>
+              <a:t>&lt;</a:t>
+            </a:r>
+            <a:r>
+              <a:rPr lang="en-GB" sz="1050" b="0" dirty="0">
+                <a:solidFill>
+                  <a:srgbClr val="569CD6"/>
+                </a:solidFill>
+                <a:effectLst/>
+                <a:latin typeface="Consolas" panose="020B0609020204030204" pitchFamily="49" charset="0"/>
+              </a:rPr>
+              <a:t>html</a:t>
+            </a:r>
+            <a:r>
+              <a:rPr lang="en-GB" sz="1050" b="0" dirty="0">
+                <a:solidFill>
+                  <a:srgbClr val="808080"/>
+                </a:solidFill>
+                <a:effectLst/>
+                <a:latin typeface="Consolas" panose="020B0609020204030204" pitchFamily="49" charset="0"/>
+              </a:rPr>
+              <a:t>&gt;</a:t>
+            </a:r>
+            <a:r>
+              <a:rPr lang="en-GB" sz="1050" b="0" dirty="0">
+                <a:solidFill>
+                  <a:srgbClr val="CCCCCC"/>
+                </a:solidFill>
+                <a:effectLst/>
+                <a:latin typeface="Consolas" panose="020B0609020204030204" pitchFamily="49" charset="0"/>
+              </a:rPr>
+              <a:t> </a:t>
+            </a:r>
+          </a:p>
+          <a:p>
+            <a:br>
+              <a:rPr lang="en-GB" sz="1050" b="0" dirty="0">
+                <a:solidFill>
+                  <a:srgbClr val="CCCCCC"/>
+                </a:solidFill>
+                <a:effectLst/>
+                <a:latin typeface="Consolas" panose="020B0609020204030204" pitchFamily="49" charset="0"/>
+              </a:rPr>
+            </a:br>
+            <a:br>
+              <a:rPr lang="en-GB" sz="1050" b="0" dirty="0">
+                <a:solidFill>
+                  <a:srgbClr val="CCCCCC"/>
+                </a:solidFill>
+                <a:effectLst/>
+                <a:latin typeface="Consolas" panose="020B0609020204030204" pitchFamily="49" charset="0"/>
+              </a:rPr>
+            </a:br>
+            <a:r>
+              <a:rPr lang="en-GB" sz="1050" b="0" dirty="0">
+                <a:solidFill>
+                  <a:srgbClr val="808080"/>
+                </a:solidFill>
+                <a:effectLst/>
+                <a:latin typeface="Consolas" panose="020B0609020204030204" pitchFamily="49" charset="0"/>
+              </a:rPr>
+              <a:t>&lt;</a:t>
+            </a:r>
+            <a:r>
+              <a:rPr lang="en-GB" sz="1050" b="0" dirty="0">
+                <a:solidFill>
+                  <a:srgbClr val="569CD6"/>
+                </a:solidFill>
+                <a:effectLst/>
+                <a:latin typeface="Consolas" panose="020B0609020204030204" pitchFamily="49" charset="0"/>
+              </a:rPr>
+              <a:t>head</a:t>
+            </a:r>
+            <a:r>
+              <a:rPr lang="en-GB" sz="1050" b="0" dirty="0">
+                <a:solidFill>
+                  <a:srgbClr val="808080"/>
+                </a:solidFill>
+                <a:effectLst/>
+                <a:latin typeface="Consolas" panose="020B0609020204030204" pitchFamily="49" charset="0"/>
+              </a:rPr>
+              <a:t>&gt;</a:t>
+            </a:r>
+            <a:r>
+              <a:rPr lang="en-GB" sz="1050" b="0" dirty="0">
+                <a:solidFill>
+                  <a:srgbClr val="CCCCCC"/>
+                </a:solidFill>
+                <a:effectLst/>
+                <a:latin typeface="Consolas" panose="020B0609020204030204" pitchFamily="49" charset="0"/>
+              </a:rPr>
+              <a:t>    </a:t>
+            </a:r>
+          </a:p>
+          <a:p>
+            <a:r>
+              <a:rPr lang="en-GB" sz="1050" b="0" dirty="0">
+                <a:solidFill>
+                  <a:srgbClr val="CCCCCC"/>
+                </a:solidFill>
+                <a:effectLst/>
+                <a:latin typeface="Consolas" panose="020B0609020204030204" pitchFamily="49" charset="0"/>
+              </a:rPr>
+              <a:t>    </a:t>
+            </a:r>
+            <a:r>
+              <a:rPr lang="en-GB" sz="1050" b="0" dirty="0">
+                <a:solidFill>
+                  <a:srgbClr val="6A9955"/>
+                </a:solidFill>
+                <a:effectLst/>
+                <a:latin typeface="Consolas" panose="020B0609020204030204" pitchFamily="49" charset="0"/>
+              </a:rPr>
+              <a:t>&lt;!-- JS can be used to load external resources. Here we load Vega Lite library including its “embed” function--&gt;</a:t>
+            </a:r>
+            <a:endParaRPr lang="en-GB" sz="1050" b="0" dirty="0">
+              <a:solidFill>
+                <a:srgbClr val="CCCCCC"/>
+              </a:solidFill>
+              <a:effectLst/>
+              <a:latin typeface="Consolas" panose="020B0609020204030204" pitchFamily="49" charset="0"/>
+            </a:endParaRPr>
+          </a:p>
+          <a:p>
+            <a:r>
+              <a:rPr lang="en-GB" sz="1050" b="0" dirty="0">
+                <a:solidFill>
+                  <a:srgbClr val="CCCCCC"/>
+                </a:solidFill>
+                <a:effectLst/>
+                <a:latin typeface="Consolas" panose="020B0609020204030204" pitchFamily="49" charset="0"/>
+              </a:rPr>
+              <a:t>    </a:t>
+            </a:r>
+            <a:r>
+              <a:rPr lang="en-GB" sz="1050" b="0" dirty="0">
+                <a:solidFill>
+                  <a:srgbClr val="808080"/>
+                </a:solidFill>
+                <a:effectLst/>
+                <a:latin typeface="Consolas" panose="020B0609020204030204" pitchFamily="49" charset="0"/>
+              </a:rPr>
+              <a:t>&lt;</a:t>
+            </a:r>
+            <a:r>
+              <a:rPr lang="en-GB" sz="1050" b="0" dirty="0">
+                <a:solidFill>
+                  <a:srgbClr val="569CD6"/>
+                </a:solidFill>
+                <a:effectLst/>
+                <a:latin typeface="Consolas" panose="020B0609020204030204" pitchFamily="49" charset="0"/>
+              </a:rPr>
+              <a:t>script</a:t>
+            </a:r>
+            <a:r>
+              <a:rPr lang="en-GB" sz="1050" b="0" dirty="0">
+                <a:solidFill>
+                  <a:srgbClr val="D4D4D4"/>
+                </a:solidFill>
+                <a:effectLst/>
+                <a:latin typeface="Consolas" panose="020B0609020204030204" pitchFamily="49" charset="0"/>
+              </a:rPr>
+              <a:t> </a:t>
+            </a:r>
+            <a:r>
+              <a:rPr lang="en-GB" sz="1050" b="0" dirty="0" err="1">
+                <a:solidFill>
+                  <a:srgbClr val="9CDCFE"/>
+                </a:solidFill>
+                <a:effectLst/>
+                <a:latin typeface="Consolas" panose="020B0609020204030204" pitchFamily="49" charset="0"/>
+              </a:rPr>
+              <a:t>src</a:t>
+            </a:r>
+            <a:r>
+              <a:rPr lang="en-GB" sz="1050" b="0" dirty="0">
+                <a:solidFill>
+                  <a:srgbClr val="D4D4D4"/>
+                </a:solidFill>
+                <a:effectLst/>
+                <a:latin typeface="Consolas" panose="020B0609020204030204" pitchFamily="49" charset="0"/>
+              </a:rPr>
+              <a:t>=</a:t>
+            </a:r>
+            <a:r>
+              <a:rPr lang="en-GB" sz="1050" b="0" dirty="0">
+                <a:solidFill>
+                  <a:srgbClr val="CE9178"/>
+                </a:solidFill>
+                <a:effectLst/>
+                <a:latin typeface="Consolas" panose="020B0609020204030204" pitchFamily="49" charset="0"/>
+              </a:rPr>
+              <a:t>"https://cdn.jsdelivr.net/</a:t>
+            </a:r>
+            <a:r>
+              <a:rPr lang="en-GB" sz="1050" b="0" dirty="0" err="1">
+                <a:solidFill>
+                  <a:srgbClr val="CE9178"/>
+                </a:solidFill>
+                <a:effectLst/>
+                <a:latin typeface="Consolas" panose="020B0609020204030204" pitchFamily="49" charset="0"/>
+              </a:rPr>
+              <a:t>npm</a:t>
+            </a:r>
+            <a:r>
+              <a:rPr lang="en-GB" sz="1050" b="0" dirty="0">
+                <a:solidFill>
+                  <a:srgbClr val="CE9178"/>
+                </a:solidFill>
+                <a:effectLst/>
+                <a:latin typeface="Consolas" panose="020B0609020204030204" pitchFamily="49" charset="0"/>
+              </a:rPr>
+              <a:t>/vega@5"</a:t>
+            </a:r>
+            <a:r>
+              <a:rPr lang="en-GB" sz="1050" b="0" dirty="0">
+                <a:solidFill>
+                  <a:srgbClr val="808080"/>
+                </a:solidFill>
+                <a:effectLst/>
+                <a:latin typeface="Consolas" panose="020B0609020204030204" pitchFamily="49" charset="0"/>
+              </a:rPr>
+              <a:t>&gt;&lt;/</a:t>
+            </a:r>
+            <a:r>
+              <a:rPr lang="en-GB" sz="1050" b="0" dirty="0">
+                <a:solidFill>
+                  <a:srgbClr val="569CD6"/>
+                </a:solidFill>
+                <a:effectLst/>
+                <a:latin typeface="Consolas" panose="020B0609020204030204" pitchFamily="49" charset="0"/>
+              </a:rPr>
+              <a:t>script</a:t>
+            </a:r>
+            <a:r>
+              <a:rPr lang="en-GB" sz="1050" b="0" dirty="0">
+                <a:solidFill>
+                  <a:srgbClr val="808080"/>
+                </a:solidFill>
+                <a:effectLst/>
+                <a:latin typeface="Consolas" panose="020B0609020204030204" pitchFamily="49" charset="0"/>
+              </a:rPr>
+              <a:t>&gt;</a:t>
+            </a:r>
+            <a:endParaRPr lang="en-GB" sz="1050" b="0" dirty="0">
+              <a:solidFill>
+                <a:srgbClr val="CCCCCC"/>
+              </a:solidFill>
+              <a:effectLst/>
+              <a:latin typeface="Consolas" panose="020B0609020204030204" pitchFamily="49" charset="0"/>
+            </a:endParaRPr>
+          </a:p>
+          <a:p>
+            <a:r>
+              <a:rPr lang="en-GB" sz="1050" b="0" dirty="0">
+                <a:solidFill>
+                  <a:srgbClr val="CCCCCC"/>
+                </a:solidFill>
+                <a:effectLst/>
+                <a:latin typeface="Consolas" panose="020B0609020204030204" pitchFamily="49" charset="0"/>
+              </a:rPr>
+              <a:t>    </a:t>
+            </a:r>
+            <a:r>
+              <a:rPr lang="en-GB" sz="1050" b="0" dirty="0">
+                <a:solidFill>
+                  <a:srgbClr val="808080"/>
+                </a:solidFill>
+                <a:effectLst/>
+                <a:latin typeface="Consolas" panose="020B0609020204030204" pitchFamily="49" charset="0"/>
+              </a:rPr>
+              <a:t>&lt;</a:t>
+            </a:r>
+            <a:r>
+              <a:rPr lang="en-GB" sz="1050" b="0" dirty="0">
+                <a:solidFill>
+                  <a:srgbClr val="569CD6"/>
+                </a:solidFill>
+                <a:effectLst/>
+                <a:latin typeface="Consolas" panose="020B0609020204030204" pitchFamily="49" charset="0"/>
+              </a:rPr>
+              <a:t>script</a:t>
+            </a:r>
+            <a:r>
+              <a:rPr lang="en-GB" sz="1050" b="0" dirty="0">
+                <a:solidFill>
+                  <a:srgbClr val="D4D4D4"/>
+                </a:solidFill>
+                <a:effectLst/>
+                <a:latin typeface="Consolas" panose="020B0609020204030204" pitchFamily="49" charset="0"/>
+              </a:rPr>
+              <a:t> </a:t>
+            </a:r>
+            <a:r>
+              <a:rPr lang="en-GB" sz="1050" b="0" dirty="0" err="1">
+                <a:solidFill>
+                  <a:srgbClr val="9CDCFE"/>
+                </a:solidFill>
+                <a:effectLst/>
+                <a:latin typeface="Consolas" panose="020B0609020204030204" pitchFamily="49" charset="0"/>
+              </a:rPr>
+              <a:t>src</a:t>
+            </a:r>
+            <a:r>
+              <a:rPr lang="en-GB" sz="1050" b="0" dirty="0">
+                <a:solidFill>
+                  <a:srgbClr val="D4D4D4"/>
+                </a:solidFill>
+                <a:effectLst/>
+                <a:latin typeface="Consolas" panose="020B0609020204030204" pitchFamily="49" charset="0"/>
+              </a:rPr>
+              <a:t>=</a:t>
+            </a:r>
+            <a:r>
+              <a:rPr lang="en-GB" sz="1050" b="0" dirty="0">
+                <a:solidFill>
+                  <a:srgbClr val="CE9178"/>
+                </a:solidFill>
+                <a:effectLst/>
+                <a:latin typeface="Consolas" panose="020B0609020204030204" pitchFamily="49" charset="0"/>
+              </a:rPr>
+              <a:t>"https://cdn.jsdelivr.net/</a:t>
+            </a:r>
+            <a:r>
+              <a:rPr lang="en-GB" sz="1050" b="0" dirty="0" err="1">
+                <a:solidFill>
+                  <a:srgbClr val="CE9178"/>
+                </a:solidFill>
+                <a:effectLst/>
+                <a:latin typeface="Consolas" panose="020B0609020204030204" pitchFamily="49" charset="0"/>
+              </a:rPr>
+              <a:t>npm</a:t>
+            </a:r>
+            <a:r>
+              <a:rPr lang="en-GB" sz="1050" b="0" dirty="0">
+                <a:solidFill>
+                  <a:srgbClr val="CE9178"/>
+                </a:solidFill>
+                <a:effectLst/>
+                <a:latin typeface="Consolas" panose="020B0609020204030204" pitchFamily="49" charset="0"/>
+              </a:rPr>
+              <a:t>/vega-lite@5"</a:t>
+            </a:r>
+            <a:r>
+              <a:rPr lang="en-GB" sz="1050" b="0" dirty="0">
+                <a:solidFill>
+                  <a:srgbClr val="808080"/>
+                </a:solidFill>
+                <a:effectLst/>
+                <a:latin typeface="Consolas" panose="020B0609020204030204" pitchFamily="49" charset="0"/>
+              </a:rPr>
+              <a:t>&gt;&lt;/</a:t>
+            </a:r>
+            <a:r>
+              <a:rPr lang="en-GB" sz="1050" b="0" dirty="0">
+                <a:solidFill>
+                  <a:srgbClr val="569CD6"/>
+                </a:solidFill>
+                <a:effectLst/>
+                <a:latin typeface="Consolas" panose="020B0609020204030204" pitchFamily="49" charset="0"/>
+              </a:rPr>
+              <a:t>script</a:t>
+            </a:r>
+            <a:r>
+              <a:rPr lang="en-GB" sz="1050" b="0" dirty="0">
+                <a:solidFill>
+                  <a:srgbClr val="808080"/>
+                </a:solidFill>
+                <a:effectLst/>
+                <a:latin typeface="Consolas" panose="020B0609020204030204" pitchFamily="49" charset="0"/>
+              </a:rPr>
+              <a:t>&gt;</a:t>
+            </a:r>
+            <a:endParaRPr lang="en-GB" sz="1050" b="0" dirty="0">
+              <a:solidFill>
+                <a:srgbClr val="CCCCCC"/>
+              </a:solidFill>
+              <a:effectLst/>
+              <a:latin typeface="Consolas" panose="020B0609020204030204" pitchFamily="49" charset="0"/>
+            </a:endParaRPr>
+          </a:p>
+          <a:p>
+            <a:r>
+              <a:rPr lang="en-GB" sz="1050" b="0" dirty="0">
+                <a:solidFill>
+                  <a:srgbClr val="CCCCCC"/>
+                </a:solidFill>
+                <a:effectLst/>
+                <a:latin typeface="Consolas" panose="020B0609020204030204" pitchFamily="49" charset="0"/>
+              </a:rPr>
+              <a:t>    </a:t>
+            </a:r>
+            <a:r>
+              <a:rPr lang="en-GB" sz="1050" b="0" dirty="0">
+                <a:solidFill>
+                  <a:srgbClr val="808080"/>
+                </a:solidFill>
+                <a:effectLst/>
+                <a:latin typeface="Consolas" panose="020B0609020204030204" pitchFamily="49" charset="0"/>
+              </a:rPr>
+              <a:t>&lt;</a:t>
+            </a:r>
+            <a:r>
+              <a:rPr lang="en-GB" sz="1050" b="0" dirty="0">
+                <a:solidFill>
+                  <a:srgbClr val="569CD6"/>
+                </a:solidFill>
+                <a:effectLst/>
+                <a:latin typeface="Consolas" panose="020B0609020204030204" pitchFamily="49" charset="0"/>
+              </a:rPr>
+              <a:t>script</a:t>
+            </a:r>
+            <a:r>
+              <a:rPr lang="en-GB" sz="1050" b="0" dirty="0">
+                <a:solidFill>
+                  <a:srgbClr val="D4D4D4"/>
+                </a:solidFill>
+                <a:effectLst/>
+                <a:latin typeface="Consolas" panose="020B0609020204030204" pitchFamily="49" charset="0"/>
+              </a:rPr>
+              <a:t> </a:t>
+            </a:r>
+            <a:r>
+              <a:rPr lang="en-GB" sz="1050" b="0" dirty="0" err="1">
+                <a:solidFill>
+                  <a:srgbClr val="9CDCFE"/>
+                </a:solidFill>
+                <a:effectLst/>
+                <a:latin typeface="Consolas" panose="020B0609020204030204" pitchFamily="49" charset="0"/>
+              </a:rPr>
+              <a:t>src</a:t>
+            </a:r>
+            <a:r>
+              <a:rPr lang="en-GB" sz="1050" b="0" dirty="0">
+                <a:solidFill>
+                  <a:srgbClr val="D4D4D4"/>
+                </a:solidFill>
+                <a:effectLst/>
+                <a:latin typeface="Consolas" panose="020B0609020204030204" pitchFamily="49" charset="0"/>
+              </a:rPr>
+              <a:t>=</a:t>
+            </a:r>
+            <a:r>
+              <a:rPr lang="en-GB" sz="1050" b="0" dirty="0">
+                <a:solidFill>
+                  <a:srgbClr val="CE9178"/>
+                </a:solidFill>
+                <a:effectLst/>
+                <a:latin typeface="Consolas" panose="020B0609020204030204" pitchFamily="49" charset="0"/>
+              </a:rPr>
+              <a:t>"https://cdn.jsdelivr.net/</a:t>
+            </a:r>
+            <a:r>
+              <a:rPr lang="en-GB" sz="1050" b="0" dirty="0" err="1">
+                <a:solidFill>
+                  <a:srgbClr val="CE9178"/>
+                </a:solidFill>
+                <a:effectLst/>
+                <a:latin typeface="Consolas" panose="020B0609020204030204" pitchFamily="49" charset="0"/>
+              </a:rPr>
+              <a:t>npm</a:t>
+            </a:r>
+            <a:r>
+              <a:rPr lang="en-GB" sz="1050" b="0" dirty="0">
+                <a:solidFill>
+                  <a:srgbClr val="CE9178"/>
+                </a:solidFill>
+                <a:effectLst/>
+                <a:latin typeface="Consolas" panose="020B0609020204030204" pitchFamily="49" charset="0"/>
+              </a:rPr>
+              <a:t>/vega-embed@6"</a:t>
+            </a:r>
+            <a:r>
+              <a:rPr lang="en-GB" sz="1050" b="0" dirty="0">
+                <a:solidFill>
+                  <a:srgbClr val="808080"/>
+                </a:solidFill>
+                <a:effectLst/>
+                <a:latin typeface="Consolas" panose="020B0609020204030204" pitchFamily="49" charset="0"/>
+              </a:rPr>
+              <a:t>&gt;&lt;/</a:t>
+            </a:r>
+            <a:r>
+              <a:rPr lang="en-GB" sz="1050" b="0" dirty="0">
+                <a:solidFill>
+                  <a:srgbClr val="569CD6"/>
+                </a:solidFill>
+                <a:effectLst/>
+                <a:latin typeface="Consolas" panose="020B0609020204030204" pitchFamily="49" charset="0"/>
+              </a:rPr>
+              <a:t>script</a:t>
+            </a:r>
+            <a:r>
+              <a:rPr lang="en-GB" sz="1050" b="0" dirty="0">
+                <a:solidFill>
+                  <a:srgbClr val="808080"/>
+                </a:solidFill>
+                <a:effectLst/>
+                <a:latin typeface="Consolas" panose="020B0609020204030204" pitchFamily="49" charset="0"/>
+              </a:rPr>
+              <a:t>&gt;</a:t>
+            </a:r>
+            <a:endParaRPr lang="en-GB" sz="1050" b="0" dirty="0">
+              <a:solidFill>
+                <a:srgbClr val="CCCCCC"/>
+              </a:solidFill>
+              <a:effectLst/>
+              <a:latin typeface="Consolas" panose="020B0609020204030204" pitchFamily="49" charset="0"/>
+            </a:endParaRPr>
+          </a:p>
+          <a:p>
+            <a:r>
+              <a:rPr lang="en-GB" sz="1050" b="0" dirty="0">
+                <a:solidFill>
+                  <a:srgbClr val="808080"/>
+                </a:solidFill>
+                <a:effectLst/>
+                <a:latin typeface="Consolas" panose="020B0609020204030204" pitchFamily="49" charset="0"/>
+              </a:rPr>
+              <a:t>&lt;/</a:t>
+            </a:r>
+            <a:r>
+              <a:rPr lang="en-GB" sz="1050" b="0" dirty="0">
+                <a:solidFill>
+                  <a:srgbClr val="569CD6"/>
+                </a:solidFill>
+                <a:effectLst/>
+                <a:latin typeface="Consolas" panose="020B0609020204030204" pitchFamily="49" charset="0"/>
+              </a:rPr>
+              <a:t>head</a:t>
+            </a:r>
+            <a:r>
+              <a:rPr lang="en-GB" sz="1050" b="0" dirty="0">
+                <a:solidFill>
+                  <a:srgbClr val="808080"/>
+                </a:solidFill>
+                <a:effectLst/>
+                <a:latin typeface="Consolas" panose="020B0609020204030204" pitchFamily="49" charset="0"/>
+              </a:rPr>
+              <a:t>&gt;</a:t>
+            </a:r>
+            <a:endParaRPr lang="en-GB" sz="1050" b="0" dirty="0">
+              <a:solidFill>
+                <a:srgbClr val="CCCCCC"/>
+              </a:solidFill>
+              <a:effectLst/>
+              <a:latin typeface="Consolas" panose="020B0609020204030204" pitchFamily="49" charset="0"/>
+            </a:endParaRPr>
+          </a:p>
+          <a:p>
+            <a:br>
+              <a:rPr lang="en-GB" sz="1050" b="0" dirty="0">
+                <a:solidFill>
+                  <a:srgbClr val="CCCCCC"/>
+                </a:solidFill>
+                <a:effectLst/>
+                <a:latin typeface="Consolas" panose="020B0609020204030204" pitchFamily="49" charset="0"/>
+              </a:rPr>
+            </a:br>
+            <a:br>
+              <a:rPr lang="en-GB" sz="1050" b="0" dirty="0">
+                <a:solidFill>
+                  <a:srgbClr val="CCCCCC"/>
+                </a:solidFill>
+                <a:effectLst/>
+                <a:latin typeface="Consolas" panose="020B0609020204030204" pitchFamily="49" charset="0"/>
+              </a:rPr>
+            </a:br>
+            <a:r>
+              <a:rPr lang="en-GB" sz="1050" b="0" dirty="0">
+                <a:solidFill>
+                  <a:srgbClr val="808080"/>
+                </a:solidFill>
+                <a:effectLst/>
+                <a:latin typeface="Consolas" panose="020B0609020204030204" pitchFamily="49" charset="0"/>
+              </a:rPr>
+              <a:t>&lt;</a:t>
+            </a:r>
+            <a:r>
+              <a:rPr lang="en-GB" sz="1050" b="0" dirty="0">
+                <a:solidFill>
+                  <a:srgbClr val="569CD6"/>
+                </a:solidFill>
+                <a:effectLst/>
+                <a:latin typeface="Consolas" panose="020B0609020204030204" pitchFamily="49" charset="0"/>
+              </a:rPr>
+              <a:t>body</a:t>
+            </a:r>
+            <a:r>
+              <a:rPr lang="en-GB" sz="1050" b="0" dirty="0">
+                <a:solidFill>
+                  <a:srgbClr val="808080"/>
+                </a:solidFill>
+                <a:effectLst/>
+                <a:latin typeface="Consolas" panose="020B0609020204030204" pitchFamily="49" charset="0"/>
+              </a:rPr>
+              <a:t>&gt;</a:t>
+            </a:r>
+            <a:r>
+              <a:rPr lang="en-GB" sz="1050" b="0" dirty="0">
+                <a:solidFill>
+                  <a:srgbClr val="CCCCCC"/>
+                </a:solidFill>
+                <a:effectLst/>
+                <a:latin typeface="Consolas" panose="020B0609020204030204" pitchFamily="49" charset="0"/>
+              </a:rPr>
+              <a:t> </a:t>
+            </a:r>
+          </a:p>
+          <a:p>
+            <a:r>
+              <a:rPr lang="en-GB" sz="1050" b="0" dirty="0">
+                <a:solidFill>
+                  <a:srgbClr val="CCCCCC"/>
+                </a:solidFill>
+                <a:effectLst/>
+                <a:latin typeface="Consolas" panose="020B0609020204030204" pitchFamily="49" charset="0"/>
+              </a:rPr>
+              <a:t>    </a:t>
+            </a:r>
+            <a:r>
+              <a:rPr lang="en-GB" sz="1050" b="0" dirty="0">
+                <a:solidFill>
+                  <a:srgbClr val="6A9955"/>
+                </a:solidFill>
+                <a:effectLst/>
+                <a:latin typeface="Consolas" panose="020B0609020204030204" pitchFamily="49" charset="0"/>
+              </a:rPr>
+              <a:t>&lt;!-- Create a "figure" tag and give it the UNIQUE id of "Location1" --&gt;</a:t>
+            </a:r>
+            <a:endParaRPr lang="en-GB" sz="1050" b="0" dirty="0">
+              <a:solidFill>
+                <a:srgbClr val="CCCCCC"/>
+              </a:solidFill>
+              <a:effectLst/>
+              <a:latin typeface="Consolas" panose="020B0609020204030204" pitchFamily="49" charset="0"/>
+            </a:endParaRPr>
+          </a:p>
+          <a:p>
+            <a:r>
+              <a:rPr lang="en-GB" sz="1050" b="0" dirty="0">
+                <a:solidFill>
+                  <a:srgbClr val="CCCCCC"/>
+                </a:solidFill>
+                <a:effectLst/>
+                <a:latin typeface="Consolas" panose="020B0609020204030204" pitchFamily="49" charset="0"/>
+              </a:rPr>
+              <a:t>    </a:t>
+            </a:r>
+            <a:r>
+              <a:rPr lang="en-GB" sz="1050" b="0" dirty="0">
+                <a:solidFill>
+                  <a:srgbClr val="808080"/>
+                </a:solidFill>
+                <a:effectLst/>
+                <a:latin typeface="Consolas" panose="020B0609020204030204" pitchFamily="49" charset="0"/>
+              </a:rPr>
+              <a:t>&lt;</a:t>
+            </a:r>
+            <a:r>
+              <a:rPr lang="en-GB" sz="1050" b="0" dirty="0">
+                <a:solidFill>
+                  <a:srgbClr val="569CD6"/>
+                </a:solidFill>
+                <a:effectLst/>
+                <a:latin typeface="Consolas" panose="020B0609020204030204" pitchFamily="49" charset="0"/>
+              </a:rPr>
+              <a:t>figure</a:t>
+            </a:r>
+            <a:r>
+              <a:rPr lang="en-GB" sz="1050" b="0" dirty="0">
+                <a:solidFill>
+                  <a:srgbClr val="CCCCCC"/>
+                </a:solidFill>
+                <a:effectLst/>
+                <a:latin typeface="Consolas" panose="020B0609020204030204" pitchFamily="49" charset="0"/>
+              </a:rPr>
+              <a:t> </a:t>
+            </a:r>
+            <a:r>
+              <a:rPr lang="en-GB" sz="1050" b="0" dirty="0">
+                <a:solidFill>
+                  <a:srgbClr val="9CDCFE"/>
+                </a:solidFill>
+                <a:effectLst/>
+                <a:latin typeface="Consolas" panose="020B0609020204030204" pitchFamily="49" charset="0"/>
+              </a:rPr>
+              <a:t>id</a:t>
+            </a:r>
+            <a:r>
+              <a:rPr lang="en-GB" sz="1050" b="0" dirty="0">
+                <a:solidFill>
+                  <a:srgbClr val="CCCCCC"/>
+                </a:solidFill>
+                <a:effectLst/>
+                <a:latin typeface="Consolas" panose="020B0609020204030204" pitchFamily="49" charset="0"/>
+              </a:rPr>
+              <a:t>=</a:t>
+            </a:r>
+            <a:r>
+              <a:rPr lang="en-GB" sz="1050" b="0" dirty="0">
+                <a:solidFill>
+                  <a:srgbClr val="CE9178"/>
+                </a:solidFill>
+                <a:effectLst/>
+                <a:latin typeface="Consolas" panose="020B0609020204030204" pitchFamily="49" charset="0"/>
+              </a:rPr>
+              <a:t>"Location1"</a:t>
+            </a:r>
+            <a:r>
+              <a:rPr lang="en-GB" sz="1050" b="0" dirty="0">
+                <a:solidFill>
+                  <a:srgbClr val="808080"/>
+                </a:solidFill>
+                <a:effectLst/>
+                <a:latin typeface="Consolas" panose="020B0609020204030204" pitchFamily="49" charset="0"/>
+              </a:rPr>
+              <a:t>&gt;&lt;/</a:t>
+            </a:r>
+            <a:r>
+              <a:rPr lang="en-GB" sz="1050" b="0" dirty="0">
+                <a:solidFill>
+                  <a:srgbClr val="569CD6"/>
+                </a:solidFill>
+                <a:effectLst/>
+                <a:latin typeface="Consolas" panose="020B0609020204030204" pitchFamily="49" charset="0"/>
+              </a:rPr>
+              <a:t>figure</a:t>
+            </a:r>
+            <a:r>
+              <a:rPr lang="en-GB" sz="1050" b="0" dirty="0">
+                <a:solidFill>
+                  <a:srgbClr val="808080"/>
+                </a:solidFill>
+                <a:effectLst/>
+                <a:latin typeface="Consolas" panose="020B0609020204030204" pitchFamily="49" charset="0"/>
+              </a:rPr>
+              <a:t>&gt;</a:t>
+            </a:r>
+            <a:r>
+              <a:rPr lang="en-GB" sz="1050" b="0" dirty="0">
+                <a:solidFill>
+                  <a:srgbClr val="CCCCCC"/>
+                </a:solidFill>
+                <a:effectLst/>
+                <a:latin typeface="Consolas" panose="020B0609020204030204" pitchFamily="49" charset="0"/>
+              </a:rPr>
+              <a:t> </a:t>
+            </a:r>
+          </a:p>
+          <a:p>
+            <a:r>
+              <a:rPr lang="en-GB" sz="1050" b="0" dirty="0">
+                <a:solidFill>
+                  <a:srgbClr val="808080"/>
+                </a:solidFill>
+                <a:effectLst/>
+                <a:latin typeface="Consolas" panose="020B0609020204030204" pitchFamily="49" charset="0"/>
+              </a:rPr>
+              <a:t>&lt;/</a:t>
+            </a:r>
+            <a:r>
+              <a:rPr lang="en-GB" sz="1050" b="0" dirty="0">
+                <a:solidFill>
+                  <a:srgbClr val="569CD6"/>
+                </a:solidFill>
+                <a:effectLst/>
+                <a:latin typeface="Consolas" panose="020B0609020204030204" pitchFamily="49" charset="0"/>
+              </a:rPr>
+              <a:t>body</a:t>
+            </a:r>
+            <a:r>
+              <a:rPr lang="en-GB" sz="1050" b="0" dirty="0">
+                <a:solidFill>
+                  <a:srgbClr val="808080"/>
+                </a:solidFill>
+                <a:effectLst/>
+                <a:latin typeface="Consolas" panose="020B0609020204030204" pitchFamily="49" charset="0"/>
+              </a:rPr>
+              <a:t>&gt;</a:t>
+            </a:r>
+            <a:endParaRPr lang="en-GB" sz="1050" b="0" dirty="0">
+              <a:solidFill>
+                <a:srgbClr val="CCCCCC"/>
+              </a:solidFill>
+              <a:effectLst/>
+              <a:latin typeface="Consolas" panose="020B0609020204030204" pitchFamily="49" charset="0"/>
+            </a:endParaRPr>
+          </a:p>
+          <a:p>
+            <a:br>
+              <a:rPr lang="en-GB" sz="1050" b="0" dirty="0">
+                <a:solidFill>
+                  <a:srgbClr val="CCCCCC"/>
+                </a:solidFill>
+                <a:effectLst/>
+                <a:latin typeface="Consolas" panose="020B0609020204030204" pitchFamily="49" charset="0"/>
+              </a:rPr>
+            </a:br>
+            <a:endParaRPr lang="en-GB" sz="1050" b="0" dirty="0">
+              <a:solidFill>
+                <a:srgbClr val="CCCCCC"/>
+              </a:solidFill>
+              <a:effectLst/>
+              <a:latin typeface="Consolas" panose="020B0609020204030204" pitchFamily="49" charset="0"/>
+            </a:endParaRPr>
+          </a:p>
+          <a:p>
+            <a:br>
+              <a:rPr lang="en-GB" sz="1050" b="0" dirty="0">
+                <a:solidFill>
+                  <a:srgbClr val="CCCCCC"/>
+                </a:solidFill>
+                <a:effectLst/>
+                <a:latin typeface="Consolas" panose="020B0609020204030204" pitchFamily="49" charset="0"/>
+              </a:rPr>
+            </a:br>
+            <a:r>
+              <a:rPr lang="en-GB" sz="1050" b="0" dirty="0">
+                <a:solidFill>
+                  <a:srgbClr val="6A9955"/>
+                </a:solidFill>
+                <a:effectLst/>
+                <a:latin typeface="Consolas" panose="020B0609020204030204" pitchFamily="49" charset="0"/>
+              </a:rPr>
+              <a:t>&lt;!-- Next we can use the tag script to tell the HTML file we are going to start writing in JavaScript --&gt;</a:t>
+            </a:r>
+            <a:endParaRPr lang="en-GB" sz="1050" b="0" dirty="0">
+              <a:solidFill>
+                <a:srgbClr val="CCCCCC"/>
+              </a:solidFill>
+              <a:effectLst/>
+              <a:latin typeface="Consolas" panose="020B0609020204030204" pitchFamily="49" charset="0"/>
+            </a:endParaRPr>
+          </a:p>
+          <a:p>
+            <a:r>
+              <a:rPr lang="en-GB" sz="1050" b="0" dirty="0">
+                <a:solidFill>
+                  <a:srgbClr val="808080"/>
+                </a:solidFill>
+                <a:effectLst/>
+                <a:latin typeface="Consolas" panose="020B0609020204030204" pitchFamily="49" charset="0"/>
+              </a:rPr>
+              <a:t>&lt;</a:t>
+            </a:r>
+            <a:r>
+              <a:rPr lang="en-GB" sz="1050" b="0" dirty="0">
+                <a:solidFill>
+                  <a:srgbClr val="569CD6"/>
+                </a:solidFill>
+                <a:effectLst/>
+                <a:latin typeface="Consolas" panose="020B0609020204030204" pitchFamily="49" charset="0"/>
+              </a:rPr>
+              <a:t>script</a:t>
+            </a:r>
+            <a:r>
+              <a:rPr lang="en-GB" sz="1050" b="0" dirty="0">
+                <a:solidFill>
+                  <a:srgbClr val="808080"/>
+                </a:solidFill>
+                <a:effectLst/>
+                <a:latin typeface="Consolas" panose="020B0609020204030204" pitchFamily="49" charset="0"/>
+              </a:rPr>
+              <a:t>&gt;</a:t>
+            </a:r>
+            <a:endParaRPr lang="en-GB" sz="1050" b="0" dirty="0">
+              <a:solidFill>
+                <a:srgbClr val="CCCCCC"/>
+              </a:solidFill>
+              <a:effectLst/>
+              <a:latin typeface="Consolas" panose="020B0609020204030204" pitchFamily="49" charset="0"/>
+            </a:endParaRPr>
+          </a:p>
+          <a:p>
+            <a:r>
+              <a:rPr lang="en-GB" sz="1050" b="0" dirty="0">
+                <a:solidFill>
+                  <a:srgbClr val="D4D4D4"/>
+                </a:solidFill>
+                <a:effectLst/>
+                <a:latin typeface="Consolas" panose="020B0609020204030204" pitchFamily="49" charset="0"/>
+              </a:rPr>
+              <a:t>    </a:t>
+            </a:r>
+            <a:r>
+              <a:rPr lang="en-GB" sz="1050" b="0" dirty="0">
+                <a:solidFill>
+                  <a:srgbClr val="6A9955"/>
+                </a:solidFill>
+                <a:effectLst/>
+                <a:latin typeface="Consolas" panose="020B0609020204030204" pitchFamily="49" charset="0"/>
+              </a:rPr>
+              <a:t>// Now we are in JavaScript, so comments start with //</a:t>
+            </a:r>
+            <a:endParaRPr lang="en-GB" sz="1050" b="0" dirty="0">
+              <a:solidFill>
+                <a:srgbClr val="CCCCCC"/>
+              </a:solidFill>
+              <a:effectLst/>
+              <a:latin typeface="Consolas" panose="020B0609020204030204" pitchFamily="49" charset="0"/>
+            </a:endParaRPr>
+          </a:p>
+          <a:p>
+            <a:br>
+              <a:rPr lang="en-GB" sz="1050" b="0" dirty="0">
+                <a:solidFill>
+                  <a:srgbClr val="CCCCCC"/>
+                </a:solidFill>
+                <a:effectLst/>
+                <a:latin typeface="Consolas" panose="020B0609020204030204" pitchFamily="49" charset="0"/>
+              </a:rPr>
+            </a:br>
+            <a:r>
+              <a:rPr lang="en-GB" sz="1050" b="0" dirty="0">
+                <a:solidFill>
+                  <a:srgbClr val="D4D4D4"/>
+                </a:solidFill>
+                <a:effectLst/>
+                <a:latin typeface="Consolas" panose="020B0609020204030204" pitchFamily="49" charset="0"/>
+              </a:rPr>
+              <a:t>    </a:t>
+            </a:r>
+            <a:r>
+              <a:rPr lang="en-GB" sz="1050" b="0" dirty="0">
+                <a:solidFill>
+                  <a:srgbClr val="6A9955"/>
+                </a:solidFill>
+                <a:effectLst/>
+                <a:latin typeface="Consolas" panose="020B0609020204030204" pitchFamily="49" charset="0"/>
+              </a:rPr>
+              <a:t>// Declaring a variable, giving it the name chart1_spec, and storing the JSON that defines a chart in it.</a:t>
+            </a:r>
+            <a:endParaRPr lang="en-GB" sz="1050" b="0" dirty="0">
+              <a:solidFill>
+                <a:srgbClr val="CCCCCC"/>
+              </a:solidFill>
+              <a:effectLst/>
+              <a:latin typeface="Consolas" panose="020B0609020204030204" pitchFamily="49" charset="0"/>
+            </a:endParaRPr>
+          </a:p>
+          <a:p>
+            <a:r>
+              <a:rPr lang="en-GB" sz="1050" b="0" dirty="0">
+                <a:solidFill>
+                  <a:srgbClr val="D4D4D4"/>
+                </a:solidFill>
+                <a:effectLst/>
+                <a:latin typeface="Consolas" panose="020B0609020204030204" pitchFamily="49" charset="0"/>
+              </a:rPr>
+              <a:t>    </a:t>
+            </a:r>
+            <a:r>
+              <a:rPr lang="en-GB" sz="1050" b="0" dirty="0">
+                <a:solidFill>
+                  <a:srgbClr val="569CD6"/>
+                </a:solidFill>
+                <a:effectLst/>
+                <a:latin typeface="Consolas" panose="020B0609020204030204" pitchFamily="49" charset="0"/>
+              </a:rPr>
+              <a:t>var</a:t>
+            </a:r>
+            <a:r>
+              <a:rPr lang="en-GB" sz="1050" b="0" dirty="0">
+                <a:solidFill>
+                  <a:srgbClr val="D4D4D4"/>
+                </a:solidFill>
+                <a:effectLst/>
+                <a:latin typeface="Consolas" panose="020B0609020204030204" pitchFamily="49" charset="0"/>
+              </a:rPr>
+              <a:t> </a:t>
+            </a:r>
+            <a:r>
+              <a:rPr lang="en-GB" sz="1050" b="0" dirty="0">
+                <a:solidFill>
+                  <a:srgbClr val="9CDCFE"/>
+                </a:solidFill>
+                <a:effectLst/>
+                <a:latin typeface="Consolas" panose="020B0609020204030204" pitchFamily="49" charset="0"/>
+              </a:rPr>
+              <a:t>chart1_spec</a:t>
+            </a:r>
+            <a:r>
+              <a:rPr lang="en-GB" sz="1050" b="0" dirty="0">
+                <a:solidFill>
+                  <a:srgbClr val="D4D4D4"/>
+                </a:solidFill>
+                <a:effectLst/>
+                <a:latin typeface="Consolas" panose="020B0609020204030204" pitchFamily="49" charset="0"/>
+              </a:rPr>
+              <a:t> = </a:t>
+            </a:r>
+            <a:r>
+              <a:rPr lang="en-GB" sz="1050" b="0" dirty="0">
+                <a:solidFill>
+                  <a:srgbClr val="CE9178"/>
+                </a:solidFill>
+                <a:effectLst/>
+                <a:latin typeface="Consolas" panose="020B0609020204030204" pitchFamily="49" charset="0"/>
+              </a:rPr>
+              <a:t>"s2_chart1.json"</a:t>
+            </a:r>
+            <a:r>
+              <a:rPr lang="en-GB" sz="1050" b="0" dirty="0">
+                <a:solidFill>
+                  <a:srgbClr val="D4D4D4"/>
+                </a:solidFill>
+                <a:effectLst/>
+                <a:latin typeface="Consolas" panose="020B0609020204030204" pitchFamily="49" charset="0"/>
+              </a:rPr>
+              <a:t>; </a:t>
+            </a:r>
+            <a:endParaRPr lang="en-GB" sz="1050" b="0" dirty="0">
+              <a:solidFill>
+                <a:srgbClr val="CCCCCC"/>
+              </a:solidFill>
+              <a:effectLst/>
+              <a:latin typeface="Consolas" panose="020B0609020204030204" pitchFamily="49" charset="0"/>
+            </a:endParaRPr>
+          </a:p>
+          <a:p>
+            <a:br>
+              <a:rPr lang="en-GB" sz="1050" b="0" dirty="0">
+                <a:solidFill>
+                  <a:srgbClr val="CCCCCC"/>
+                </a:solidFill>
+                <a:effectLst/>
+                <a:latin typeface="Consolas" panose="020B0609020204030204" pitchFamily="49" charset="0"/>
+              </a:rPr>
+            </a:br>
+            <a:r>
+              <a:rPr lang="en-GB" sz="1050" b="0" dirty="0">
+                <a:solidFill>
+                  <a:srgbClr val="D4D4D4"/>
+                </a:solidFill>
+                <a:effectLst/>
+                <a:latin typeface="Consolas" panose="020B0609020204030204" pitchFamily="49" charset="0"/>
+              </a:rPr>
+              <a:t>    </a:t>
+            </a:r>
+            <a:r>
+              <a:rPr lang="en-GB" sz="1050" b="0" dirty="0">
+                <a:solidFill>
+                  <a:srgbClr val="6A9955"/>
+                </a:solidFill>
+                <a:effectLst/>
+                <a:latin typeface="Consolas" panose="020B0609020204030204" pitchFamily="49" charset="0"/>
+              </a:rPr>
+              <a:t>// The </a:t>
+            </a:r>
+            <a:r>
+              <a:rPr lang="en-GB" sz="1050" b="0" dirty="0" err="1">
+                <a:solidFill>
+                  <a:srgbClr val="6A9955"/>
+                </a:solidFill>
+                <a:effectLst/>
+                <a:latin typeface="Consolas" panose="020B0609020204030204" pitchFamily="49" charset="0"/>
+              </a:rPr>
+              <a:t>vega</a:t>
+            </a:r>
+            <a:r>
+              <a:rPr lang="en-GB" sz="1050" dirty="0" err="1">
+                <a:solidFill>
+                  <a:srgbClr val="6A9955"/>
+                </a:solidFill>
+                <a:latin typeface="Consolas" panose="020B0609020204030204" pitchFamily="49" charset="0"/>
+              </a:rPr>
+              <a:t>E</a:t>
+            </a:r>
+            <a:r>
+              <a:rPr lang="en-GB" sz="1050" b="0" dirty="0" err="1">
+                <a:solidFill>
+                  <a:srgbClr val="6A9955"/>
+                </a:solidFill>
+                <a:effectLst/>
+                <a:latin typeface="Consolas" panose="020B0609020204030204" pitchFamily="49" charset="0"/>
+              </a:rPr>
+              <a:t>mbed</a:t>
+            </a:r>
+            <a:r>
+              <a:rPr lang="en-GB" sz="1050" b="0" dirty="0">
+                <a:solidFill>
+                  <a:srgbClr val="6A9955"/>
+                </a:solidFill>
+                <a:effectLst/>
+                <a:latin typeface="Consolas" panose="020B0609020204030204" pitchFamily="49" charset="0"/>
+              </a:rPr>
+              <a:t> function needs to know (a) what, and (b) where to embed the chart.     </a:t>
+            </a:r>
+            <a:endParaRPr lang="en-GB" sz="1050" b="0" dirty="0">
+              <a:solidFill>
+                <a:srgbClr val="CCCCCC"/>
+              </a:solidFill>
+              <a:effectLst/>
+              <a:latin typeface="Consolas" panose="020B0609020204030204" pitchFamily="49" charset="0"/>
+            </a:endParaRPr>
+          </a:p>
+          <a:p>
+            <a:r>
+              <a:rPr lang="en-GB" sz="1050" b="0" dirty="0">
+                <a:solidFill>
+                  <a:srgbClr val="D4D4D4"/>
+                </a:solidFill>
+                <a:effectLst/>
+                <a:latin typeface="Consolas" panose="020B0609020204030204" pitchFamily="49" charset="0"/>
+              </a:rPr>
+              <a:t>    </a:t>
+            </a:r>
+            <a:r>
+              <a:rPr lang="en-GB" sz="1050" b="0" dirty="0" err="1">
+                <a:solidFill>
+                  <a:srgbClr val="DCDCAA"/>
+                </a:solidFill>
+                <a:effectLst/>
+                <a:latin typeface="Consolas" panose="020B0609020204030204" pitchFamily="49" charset="0"/>
+              </a:rPr>
+              <a:t>vegaEmbed</a:t>
+            </a:r>
+            <a:r>
+              <a:rPr lang="en-GB" sz="1050" b="0" dirty="0">
+                <a:solidFill>
+                  <a:srgbClr val="D4D4D4"/>
+                </a:solidFill>
+                <a:effectLst/>
+                <a:latin typeface="Consolas" panose="020B0609020204030204" pitchFamily="49" charset="0"/>
+              </a:rPr>
+              <a:t>(</a:t>
+            </a:r>
+            <a:r>
+              <a:rPr lang="en-GB" sz="1050" b="0" dirty="0">
+                <a:solidFill>
+                  <a:srgbClr val="CE9178"/>
+                </a:solidFill>
+                <a:effectLst/>
+                <a:latin typeface="Consolas" panose="020B0609020204030204" pitchFamily="49" charset="0"/>
+              </a:rPr>
+              <a:t>'#Location1'</a:t>
+            </a:r>
+            <a:r>
+              <a:rPr lang="en-GB" sz="1050" b="0" dirty="0">
+                <a:solidFill>
+                  <a:srgbClr val="D4D4D4"/>
+                </a:solidFill>
+                <a:effectLst/>
+                <a:latin typeface="Consolas" panose="020B0609020204030204" pitchFamily="49" charset="0"/>
+              </a:rPr>
+              <a:t>, </a:t>
+            </a:r>
+            <a:r>
+              <a:rPr lang="en-GB" sz="1050" b="0" dirty="0">
+                <a:solidFill>
+                  <a:srgbClr val="9CDCFE"/>
+                </a:solidFill>
+                <a:effectLst/>
+                <a:latin typeface="Consolas" panose="020B0609020204030204" pitchFamily="49" charset="0"/>
+              </a:rPr>
+              <a:t>chart1_spec</a:t>
+            </a:r>
+            <a:r>
+              <a:rPr lang="en-GB" sz="1050" b="0" dirty="0">
+                <a:solidFill>
+                  <a:srgbClr val="D4D4D4"/>
+                </a:solidFill>
+                <a:effectLst/>
+                <a:latin typeface="Consolas" panose="020B0609020204030204" pitchFamily="49" charset="0"/>
+              </a:rPr>
+              <a:t>) </a:t>
+            </a:r>
+            <a:endParaRPr lang="en-GB" sz="1050" b="0" dirty="0">
+              <a:solidFill>
+                <a:srgbClr val="CCCCCC"/>
+              </a:solidFill>
+              <a:effectLst/>
+              <a:latin typeface="Consolas" panose="020B0609020204030204" pitchFamily="49" charset="0"/>
+            </a:endParaRPr>
+          </a:p>
+          <a:p>
+            <a:r>
+              <a:rPr lang="en-GB" sz="1050" b="0" dirty="0">
+                <a:solidFill>
+                  <a:srgbClr val="808080"/>
+                </a:solidFill>
+                <a:effectLst/>
+                <a:latin typeface="Consolas" panose="020B0609020204030204" pitchFamily="49" charset="0"/>
+              </a:rPr>
+              <a:t>&lt;/</a:t>
+            </a:r>
+            <a:r>
+              <a:rPr lang="en-GB" sz="1050" b="0" dirty="0">
+                <a:solidFill>
+                  <a:srgbClr val="569CD6"/>
+                </a:solidFill>
+                <a:effectLst/>
+                <a:latin typeface="Consolas" panose="020B0609020204030204" pitchFamily="49" charset="0"/>
+              </a:rPr>
+              <a:t>script</a:t>
+            </a:r>
+            <a:r>
+              <a:rPr lang="en-GB" sz="1050" b="0" dirty="0">
+                <a:solidFill>
+                  <a:srgbClr val="808080"/>
+                </a:solidFill>
+                <a:effectLst/>
+                <a:latin typeface="Consolas" panose="020B0609020204030204" pitchFamily="49" charset="0"/>
+              </a:rPr>
+              <a:t>&gt;</a:t>
+            </a:r>
+            <a:endParaRPr lang="en-GB" sz="1050" b="0" dirty="0">
+              <a:solidFill>
+                <a:srgbClr val="CCCCCC"/>
+              </a:solidFill>
+              <a:effectLst/>
+              <a:latin typeface="Consolas" panose="020B0609020204030204" pitchFamily="49" charset="0"/>
+            </a:endParaRPr>
+          </a:p>
+          <a:p>
+            <a:r>
+              <a:rPr lang="en-GB" sz="1050" b="0" dirty="0">
+                <a:solidFill>
+                  <a:srgbClr val="CCCCCC"/>
+                </a:solidFill>
+                <a:effectLst/>
+                <a:latin typeface="Consolas" panose="020B0609020204030204" pitchFamily="49" charset="0"/>
+              </a:rPr>
+              <a:t>  </a:t>
+            </a:r>
+          </a:p>
+          <a:p>
+            <a:r>
+              <a:rPr lang="en-GB" sz="1050" b="0" dirty="0">
+                <a:solidFill>
+                  <a:srgbClr val="808080"/>
+                </a:solidFill>
+                <a:effectLst/>
+                <a:latin typeface="Consolas" panose="020B0609020204030204" pitchFamily="49" charset="0"/>
+              </a:rPr>
+              <a:t>&lt;/</a:t>
+            </a:r>
+            <a:r>
+              <a:rPr lang="en-GB" sz="1050" b="0" dirty="0">
+                <a:solidFill>
+                  <a:srgbClr val="569CD6"/>
+                </a:solidFill>
+                <a:effectLst/>
+                <a:latin typeface="Consolas" panose="020B0609020204030204" pitchFamily="49" charset="0"/>
+              </a:rPr>
+              <a:t>html</a:t>
+            </a:r>
+            <a:r>
+              <a:rPr lang="en-GB" sz="1050" b="0" dirty="0">
+                <a:solidFill>
+                  <a:srgbClr val="808080"/>
+                </a:solidFill>
+                <a:effectLst/>
+                <a:latin typeface="Consolas" panose="020B0609020204030204" pitchFamily="49" charset="0"/>
+              </a:rPr>
+              <a:t>&gt;</a:t>
+            </a:r>
+            <a:endParaRPr lang="en-GB" sz="1050" b="0" dirty="0">
+              <a:solidFill>
+                <a:srgbClr val="CCCCCC"/>
+              </a:solidFill>
+              <a:effectLst/>
+              <a:latin typeface="Consolas" panose="020B0609020204030204" pitchFamily="49" charset="0"/>
+            </a:endParaRPr>
+          </a:p>
+        </p:txBody>
+      </p:sp>
+    </p:spTree>
+    <p:extLst>
+      <p:ext uri="{BB962C8B-B14F-4D97-AF65-F5344CB8AC3E}">
+        <p14:creationId xmlns:p14="http://schemas.microsoft.com/office/powerpoint/2010/main" val="1830621900"/>
+      </p:ext>
+    </p:extLst>
+  </p:cSld>
+  <p:clrMapOvr>
+    <a:masterClrMapping/>
+  </p:clrMapOvr>
+</p:sld>
+</file>
+
+<file path=ppt/slides/slide14.xml><?xml version="1.0" encoding="utf-8"?>
 <p:sld xmlns:a="http://schemas.openxmlformats.org/drawingml/2006/main" xmlns:r="http://schemas.openxmlformats.org/officeDocument/2006/relationships" xmlns:p="http://schemas.openxmlformats.org/presentationml/2006/main">
   <p:cSld>
     <p:spTree>
@@ -7683,7 +9369,7 @@
 </p:sld>
 </file>
 
-<file path=ppt/slides/slide13.xml><?xml version="1.0" encoding="utf-8"?>
+<file path=ppt/slides/slide15.xml><?xml version="1.0" encoding="utf-8"?>
 <p:sld xmlns:a="http://schemas.openxmlformats.org/drawingml/2006/main" xmlns:r="http://schemas.openxmlformats.org/officeDocument/2006/relationships" xmlns:p="http://schemas.openxmlformats.org/presentationml/2006/main">
   <p:cSld>
     <p:bg>
@@ -7927,7 +9613,7 @@
 </p:sld>
 </file>
 
-<file path=ppt/slides/slide14.xml><?xml version="1.0" encoding="utf-8"?>
+<file path=ppt/slides/slide16.xml><?xml version="1.0" encoding="utf-8"?>
 <p:sld xmlns:a="http://schemas.openxmlformats.org/drawingml/2006/main" xmlns:r="http://schemas.openxmlformats.org/officeDocument/2006/relationships" xmlns:p="http://schemas.openxmlformats.org/presentationml/2006/main">
   <p:cSld>
     <p:bg>
@@ -8188,525 +9874,6 @@
     <p:extLst>
       <p:ext uri="{BB962C8B-B14F-4D97-AF65-F5344CB8AC3E}">
         <p14:creationId xmlns:p14="http://schemas.microsoft.com/office/powerpoint/2010/main" val="977730549"/>
-      </p:ext>
-    </p:extLst>
-  </p:cSld>
-  <p:clrMapOvr>
-    <a:masterClrMapping/>
-  </p:clrMapOvr>
-</p:sld>
-</file>
-
-<file path=ppt/slides/slide15.xml><?xml version="1.0" encoding="utf-8"?>
-<p:sld xmlns:a="http://schemas.openxmlformats.org/drawingml/2006/main" xmlns:r="http://schemas.openxmlformats.org/officeDocument/2006/relationships" xmlns:p="http://schemas.openxmlformats.org/presentationml/2006/main">
-  <p:cSld>
-    <p:bg>
-      <p:bgPr>
-        <a:solidFill>
-          <a:srgbClr val="122B39"/>
-        </a:solidFill>
-        <a:effectLst/>
-      </p:bgPr>
-    </p:bg>
-    <p:spTree>
-      <p:nvGrpSpPr>
-        <p:cNvPr id="1" name=""/>
-        <p:cNvGrpSpPr/>
-        <p:nvPr/>
-      </p:nvGrpSpPr>
-      <p:grpSpPr>
-        <a:xfrm>
-          <a:off x="0" y="0"/>
-          <a:ext cx="0" cy="0"/>
-          <a:chOff x="0" y="0"/>
-          <a:chExt cx="0" cy="0"/>
-        </a:xfrm>
-      </p:grpSpPr>
-      <p:sp>
-        <p:nvSpPr>
-          <p:cNvPr id="2" name="Title 1">
-            <a:extLst>
-              <a:ext uri="{FF2B5EF4-FFF2-40B4-BE49-F238E27FC236}">
-                <a16:creationId xmlns:a16="http://schemas.microsoft.com/office/drawing/2014/main" id="{FC4383FA-EEB7-47D9-935D-7234D206AD1E}"/>
-              </a:ext>
-            </a:extLst>
-          </p:cNvPr>
-          <p:cNvSpPr>
-            <a:spLocks noGrp="1"/>
-          </p:cNvSpPr>
-          <p:nvPr>
-            <p:ph type="ctrTitle"/>
-          </p:nvPr>
-        </p:nvSpPr>
-        <p:spPr>
-          <a:xfrm>
-            <a:off x="619648" y="1533378"/>
-            <a:ext cx="5162173" cy="914400"/>
-          </a:xfrm>
-        </p:spPr>
-        <p:txBody>
-          <a:bodyPr>
-            <a:normAutofit fontScale="90000"/>
-          </a:bodyPr>
-          <a:lstStyle/>
-          <a:p>
-            <a:pPr algn="l"/>
-            <a:r>
-              <a:rPr lang="en-GB" sz="6700" dirty="0">
-                <a:solidFill>
-                  <a:schemeClr val="bg1"/>
-                </a:solidFill>
-                <a:latin typeface="Circular Std Book" panose="020B0604020101020102" pitchFamily="34" charset="0"/>
-                <a:cs typeface="Circular Std Book" panose="020B0604020101020102" pitchFamily="34" charset="0"/>
-              </a:rPr>
-              <a:t>Code-along</a:t>
-            </a:r>
-            <a:r>
-              <a:rPr lang="en-GB" sz="6700" dirty="0">
-                <a:solidFill>
-                  <a:srgbClr val="F4C245"/>
-                </a:solidFill>
-                <a:latin typeface="Circular Std Book" panose="020B0604020101020102" pitchFamily="34" charset="0"/>
-                <a:cs typeface="Circular Std Book" panose="020B0604020101020102" pitchFamily="34" charset="0"/>
-              </a:rPr>
-              <a:t>.</a:t>
-            </a:r>
-            <a:br>
-              <a:rPr lang="en-GB" sz="6700" dirty="0">
-                <a:solidFill>
-                  <a:srgbClr val="36B7B4"/>
-                </a:solidFill>
-                <a:latin typeface="Circular Std Book" panose="020B0604020101020102" pitchFamily="34" charset="0"/>
-                <a:cs typeface="Circular Std Book" panose="020B0604020101020102" pitchFamily="34" charset="0"/>
-              </a:rPr>
-            </a:br>
-            <a:endParaRPr lang="en-GB" dirty="0">
-              <a:solidFill>
-                <a:schemeClr val="bg1">
-                  <a:lumMod val="95000"/>
-                </a:schemeClr>
-              </a:solidFill>
-              <a:latin typeface="Circular Std Book" panose="020B0604020101020102" pitchFamily="34" charset="0"/>
-              <a:cs typeface="Circular Std Book" panose="020B0604020101020102" pitchFamily="34" charset="0"/>
-            </a:endParaRPr>
-          </a:p>
-        </p:txBody>
-      </p:sp>
-      <p:sp>
-        <p:nvSpPr>
-          <p:cNvPr id="6" name="TextBox 5">
-            <a:extLst>
-              <a:ext uri="{FF2B5EF4-FFF2-40B4-BE49-F238E27FC236}">
-                <a16:creationId xmlns:a16="http://schemas.microsoft.com/office/drawing/2014/main" id="{0B3AE9D3-97EB-2B4B-3BA7-FED730D27B2E}"/>
-              </a:ext>
-            </a:extLst>
-          </p:cNvPr>
-          <p:cNvSpPr txBox="1"/>
-          <p:nvPr/>
-        </p:nvSpPr>
-        <p:spPr>
-          <a:xfrm>
-            <a:off x="756137" y="1990578"/>
-            <a:ext cx="9822767" cy="2677656"/>
-          </a:xfrm>
-          <a:prstGeom prst="rect">
-            <a:avLst/>
-          </a:prstGeom>
-          <a:noFill/>
-        </p:spPr>
-        <p:txBody>
-          <a:bodyPr wrap="square">
-            <a:spAutoFit/>
-          </a:bodyPr>
-          <a:lstStyle/>
-          <a:p>
-            <a:r>
-              <a:rPr lang="en-GB" sz="2800" dirty="0">
-                <a:solidFill>
-                  <a:schemeClr val="bg1"/>
-                </a:solidFill>
-                <a:latin typeface="Circular Std Book" panose="020B0604020101020102" pitchFamily="34" charset="0"/>
-                <a:cs typeface="Circular Std Book" panose="020B0604020101020102" pitchFamily="34" charset="0"/>
-              </a:rPr>
-              <a:t>In this second practical session, we will be using </a:t>
-            </a:r>
-            <a:r>
-              <a:rPr lang="en-GB" sz="2800" dirty="0">
-                <a:solidFill>
-                  <a:srgbClr val="36B7B4"/>
-                </a:solidFill>
-                <a:latin typeface="Circular Std Book" panose="020B0604020101020102" pitchFamily="34" charset="0"/>
-                <a:cs typeface="Circular Std Book" panose="020B0604020101020102" pitchFamily="34" charset="0"/>
-              </a:rPr>
-              <a:t>VS Code </a:t>
-            </a:r>
-            <a:r>
-              <a:rPr lang="en-GB" sz="2800" dirty="0">
-                <a:solidFill>
-                  <a:schemeClr val="bg1"/>
-                </a:solidFill>
-                <a:latin typeface="Circular Std Book" panose="020B0604020101020102" pitchFamily="34" charset="0"/>
-                <a:cs typeface="Circular Std Book" panose="020B0604020101020102" pitchFamily="34" charset="0"/>
-              </a:rPr>
-              <a:t>and </a:t>
-            </a:r>
-            <a:r>
-              <a:rPr lang="en-GB" sz="2800" dirty="0">
-                <a:solidFill>
-                  <a:srgbClr val="36B7B4"/>
-                </a:solidFill>
-                <a:latin typeface="Circular Std Book" panose="020B0604020101020102" pitchFamily="34" charset="0"/>
-                <a:cs typeface="Circular Std Book" panose="020B0604020101020102" pitchFamily="34" charset="0"/>
-              </a:rPr>
-              <a:t>GitHub</a:t>
-            </a:r>
-            <a:r>
-              <a:rPr lang="en-GB" sz="2800" dirty="0">
-                <a:solidFill>
-                  <a:schemeClr val="bg1"/>
-                </a:solidFill>
-                <a:latin typeface="Circular Std Book" panose="020B0604020101020102" pitchFamily="34" charset="0"/>
-                <a:cs typeface="Circular Std Book" panose="020B0604020101020102" pitchFamily="34" charset="0"/>
-              </a:rPr>
-              <a:t> to build your personal website.</a:t>
-            </a:r>
-          </a:p>
-          <a:p>
-            <a:endParaRPr lang="en-GB" sz="2800" dirty="0">
-              <a:solidFill>
-                <a:schemeClr val="bg1"/>
-              </a:solidFill>
-              <a:latin typeface="Circular Std Book" panose="020B0604020101020102" pitchFamily="34" charset="0"/>
-              <a:cs typeface="Circular Std Book" panose="020B0604020101020102" pitchFamily="34" charset="0"/>
-            </a:endParaRPr>
-          </a:p>
-          <a:p>
-            <a:pPr marL="342900" indent="-342900">
-              <a:buFont typeface="+mj-lt"/>
-              <a:buAutoNum type="arabicPeriod"/>
-            </a:pPr>
-            <a:r>
-              <a:rPr lang="en-GB" sz="2800" dirty="0">
-                <a:solidFill>
-                  <a:schemeClr val="bg1"/>
-                </a:solidFill>
-                <a:latin typeface="Circular Std Book" panose="020B0604020101020102" pitchFamily="34" charset="0"/>
-                <a:cs typeface="Circular Std Book" panose="020B0604020101020102" pitchFamily="34" charset="0"/>
-              </a:rPr>
-              <a:t>Edit your </a:t>
-            </a:r>
-            <a:r>
-              <a:rPr lang="en-GB" sz="2800" dirty="0">
-                <a:solidFill>
-                  <a:srgbClr val="36B7B4"/>
-                </a:solidFill>
-                <a:latin typeface="Circular Std Book" panose="020B0604020101020102" pitchFamily="34" charset="0"/>
-                <a:cs typeface="Circular Std Book" panose="020B0604020101020102" pitchFamily="34" charset="0"/>
-              </a:rPr>
-              <a:t>HTML </a:t>
-            </a:r>
-            <a:r>
-              <a:rPr lang="en-GB" sz="2800" dirty="0">
-                <a:solidFill>
-                  <a:schemeClr val="bg1"/>
-                </a:solidFill>
-                <a:latin typeface="Circular Std Book" panose="020B0604020101020102" pitchFamily="34" charset="0"/>
-                <a:cs typeface="Circular Std Book" panose="020B0604020101020102" pitchFamily="34" charset="0"/>
-              </a:rPr>
-              <a:t>(name, bio, etc)</a:t>
-            </a:r>
-          </a:p>
-          <a:p>
-            <a:pPr marL="342900" indent="-342900">
-              <a:buFont typeface="+mj-lt"/>
-              <a:buAutoNum type="arabicPeriod"/>
-            </a:pPr>
-            <a:r>
-              <a:rPr lang="en-GB" sz="2800" dirty="0">
-                <a:solidFill>
-                  <a:schemeClr val="bg1"/>
-                </a:solidFill>
-                <a:latin typeface="Circular Std Book" panose="020B0604020101020102" pitchFamily="34" charset="0"/>
-                <a:cs typeface="Circular Std Book" panose="020B0604020101020102" pitchFamily="34" charset="0"/>
-              </a:rPr>
-              <a:t>Add some </a:t>
-            </a:r>
-            <a:r>
-              <a:rPr lang="en-GB" sz="2800" dirty="0">
-                <a:solidFill>
-                  <a:srgbClr val="36B7B4"/>
-                </a:solidFill>
-                <a:latin typeface="Circular Std Book" panose="020B0604020101020102" pitchFamily="34" charset="0"/>
-                <a:cs typeface="Circular Std Book" panose="020B0604020101020102" pitchFamily="34" charset="0"/>
-              </a:rPr>
-              <a:t>CSS </a:t>
-            </a:r>
-            <a:r>
-              <a:rPr lang="en-GB" sz="2800" dirty="0">
-                <a:solidFill>
-                  <a:schemeClr val="bg1"/>
-                </a:solidFill>
-                <a:latin typeface="Circular Std Book" panose="020B0604020101020102" pitchFamily="34" charset="0"/>
-                <a:cs typeface="Circular Std Book" panose="020B0604020101020102" pitchFamily="34" charset="0"/>
-              </a:rPr>
-              <a:t>(choose colours, fonts, etc)</a:t>
-            </a:r>
-          </a:p>
-          <a:p>
-            <a:pPr marL="342900" indent="-342900">
-              <a:buFont typeface="+mj-lt"/>
-              <a:buAutoNum type="arabicPeriod"/>
-            </a:pPr>
-            <a:r>
-              <a:rPr lang="en-GB" sz="2800" dirty="0">
-                <a:solidFill>
-                  <a:schemeClr val="bg1"/>
-                </a:solidFill>
-                <a:latin typeface="Circular Std Book" panose="020B0604020101020102" pitchFamily="34" charset="0"/>
-                <a:cs typeface="Circular Std Book" panose="020B0604020101020102" pitchFamily="34" charset="0"/>
-              </a:rPr>
-              <a:t>Embed an example </a:t>
-            </a:r>
-            <a:r>
-              <a:rPr lang="en-GB" sz="2800" dirty="0">
-                <a:solidFill>
-                  <a:srgbClr val="36B7B4"/>
-                </a:solidFill>
-                <a:latin typeface="Circular Std Book" panose="020B0604020101020102" pitchFamily="34" charset="0"/>
-                <a:cs typeface="Circular Std Book" panose="020B0604020101020102" pitchFamily="34" charset="0"/>
-              </a:rPr>
-              <a:t>JSON</a:t>
-            </a:r>
-            <a:r>
-              <a:rPr lang="en-GB" sz="2800" dirty="0">
-                <a:solidFill>
-                  <a:schemeClr val="bg1"/>
-                </a:solidFill>
-                <a:latin typeface="Circular Std Book" panose="020B0604020101020102" pitchFamily="34" charset="0"/>
-                <a:cs typeface="Circular Std Book" panose="020B0604020101020102" pitchFamily="34" charset="0"/>
-              </a:rPr>
-              <a:t> chart </a:t>
-            </a:r>
-            <a:endParaRPr lang="en-US" sz="2800" dirty="0">
-              <a:solidFill>
-                <a:schemeClr val="bg1"/>
-              </a:solidFill>
-            </a:endParaRPr>
-          </a:p>
-        </p:txBody>
-      </p:sp>
-    </p:spTree>
-    <p:extLst>
-      <p:ext uri="{BB962C8B-B14F-4D97-AF65-F5344CB8AC3E}">
-        <p14:creationId xmlns:p14="http://schemas.microsoft.com/office/powerpoint/2010/main" val="4069303533"/>
-      </p:ext>
-    </p:extLst>
-  </p:cSld>
-  <p:clrMapOvr>
-    <a:masterClrMapping/>
-  </p:clrMapOvr>
-</p:sld>
-</file>
-
-<file path=ppt/slides/slide16.xml><?xml version="1.0" encoding="utf-8"?>
-<p:sld xmlns:a="http://schemas.openxmlformats.org/drawingml/2006/main" xmlns:r="http://schemas.openxmlformats.org/officeDocument/2006/relationships" xmlns:p="http://schemas.openxmlformats.org/presentationml/2006/main">
-  <p:cSld>
-    <p:bg>
-      <p:bgPr>
-        <a:solidFill>
-          <a:srgbClr val="122B39"/>
-        </a:solidFill>
-        <a:effectLst/>
-      </p:bgPr>
-    </p:bg>
-    <p:spTree>
-      <p:nvGrpSpPr>
-        <p:cNvPr id="1" name="">
-          <a:extLst>
-            <a:ext uri="{FF2B5EF4-FFF2-40B4-BE49-F238E27FC236}">
-              <a16:creationId xmlns:a16="http://schemas.microsoft.com/office/drawing/2014/main" id="{E189A984-5A15-911E-05C0-80E77CA17D00}"/>
-            </a:ext>
-          </a:extLst>
-        </p:cNvPr>
-        <p:cNvGrpSpPr/>
-        <p:nvPr/>
-      </p:nvGrpSpPr>
-      <p:grpSpPr>
-        <a:xfrm>
-          <a:off x="0" y="0"/>
-          <a:ext cx="0" cy="0"/>
-          <a:chOff x="0" y="0"/>
-          <a:chExt cx="0" cy="0"/>
-        </a:xfrm>
-      </p:grpSpPr>
-      <p:sp>
-        <p:nvSpPr>
-          <p:cNvPr id="2" name="Title 1">
-            <a:extLst>
-              <a:ext uri="{FF2B5EF4-FFF2-40B4-BE49-F238E27FC236}">
-                <a16:creationId xmlns:a16="http://schemas.microsoft.com/office/drawing/2014/main" id="{CBA027C9-45D9-2EDE-ACAB-19A1FE9C6C07}"/>
-              </a:ext>
-            </a:extLst>
-          </p:cNvPr>
-          <p:cNvSpPr>
-            <a:spLocks noGrp="1"/>
-          </p:cNvSpPr>
-          <p:nvPr>
-            <p:ph type="title"/>
-          </p:nvPr>
-        </p:nvSpPr>
-        <p:spPr>
-          <a:xfrm>
-            <a:off x="584127" y="340080"/>
-            <a:ext cx="10515600" cy="1325563"/>
-          </a:xfrm>
-          <a:solidFill>
-            <a:srgbClr val="122B39"/>
-          </a:solidFill>
-        </p:spPr>
-        <p:txBody>
-          <a:bodyPr>
-            <a:normAutofit/>
-          </a:bodyPr>
-          <a:lstStyle/>
-          <a:p>
-            <a:r>
-              <a:rPr lang="en-GB" sz="5400" dirty="0">
-                <a:solidFill>
-                  <a:schemeClr val="bg1"/>
-                </a:solidFill>
-                <a:latin typeface="Circular Std Book" panose="020B0604020101020102" pitchFamily="34" charset="0"/>
-                <a:cs typeface="Circular Std Book" panose="020B0604020101020102" pitchFamily="34" charset="0"/>
-              </a:rPr>
-              <a:t>HTML</a:t>
-            </a:r>
-            <a:r>
-              <a:rPr lang="en-GB" sz="5400" dirty="0">
-                <a:solidFill>
-                  <a:srgbClr val="F4C245"/>
-                </a:solidFill>
-                <a:latin typeface="Circular Std Book" panose="020B0604020101020102" pitchFamily="34" charset="0"/>
-                <a:cs typeface="Circular Std Book" panose="020B0604020101020102" pitchFamily="34" charset="0"/>
-              </a:rPr>
-              <a:t>.</a:t>
-            </a:r>
-            <a:endParaRPr lang="en-GB" dirty="0">
-              <a:solidFill>
-                <a:srgbClr val="F4C245"/>
-              </a:solidFill>
-              <a:latin typeface="Circular Std Book" panose="020B0604020101020102" pitchFamily="34" charset="0"/>
-              <a:cs typeface="Circular Std Book" panose="020B0604020101020102" pitchFamily="34" charset="0"/>
-            </a:endParaRPr>
-          </a:p>
-        </p:txBody>
-      </p:sp>
-      <p:sp>
-        <p:nvSpPr>
-          <p:cNvPr id="3" name="Content Placeholder 2">
-            <a:extLst>
-              <a:ext uri="{FF2B5EF4-FFF2-40B4-BE49-F238E27FC236}">
-                <a16:creationId xmlns:a16="http://schemas.microsoft.com/office/drawing/2014/main" id="{19141B23-D364-ADEE-9F0A-4ADB5D2A7AA7}"/>
-              </a:ext>
-            </a:extLst>
-          </p:cNvPr>
-          <p:cNvSpPr>
-            <a:spLocks noGrp="1"/>
-          </p:cNvSpPr>
-          <p:nvPr>
-            <p:ph idx="1"/>
-          </p:nvPr>
-        </p:nvSpPr>
-        <p:spPr>
-          <a:xfrm>
-            <a:off x="584127" y="1817576"/>
-            <a:ext cx="11445948" cy="4351338"/>
-          </a:xfrm>
-        </p:spPr>
-        <p:txBody>
-          <a:bodyPr>
-            <a:normAutofit/>
-          </a:bodyPr>
-          <a:lstStyle/>
-          <a:p>
-            <a:pPr>
-              <a:lnSpc>
-                <a:spcPct val="150000"/>
-              </a:lnSpc>
-            </a:pPr>
-            <a:r>
-              <a:rPr lang="en-GB" dirty="0">
-                <a:solidFill>
-                  <a:schemeClr val="bg1"/>
-                </a:solidFill>
-                <a:latin typeface="Circular Std Book" panose="020B0604020101020102" pitchFamily="34" charset="0"/>
-                <a:cs typeface="Circular Std Book" panose="020B0604020101020102" pitchFamily="34" charset="0"/>
-              </a:rPr>
-              <a:t>Create an edit your “</a:t>
-            </a:r>
-            <a:r>
-              <a:rPr lang="en-GB" dirty="0" err="1">
-                <a:solidFill>
-                  <a:srgbClr val="F4C245"/>
-                </a:solidFill>
-                <a:latin typeface="Circular Std Book" panose="020B0604020101020102" pitchFamily="34" charset="0"/>
-                <a:cs typeface="Circular Std Book" panose="020B0604020101020102" pitchFamily="34" charset="0"/>
-              </a:rPr>
-              <a:t>index.html</a:t>
-            </a:r>
-            <a:r>
-              <a:rPr lang="en-GB" dirty="0">
-                <a:solidFill>
-                  <a:schemeClr val="bg1"/>
-                </a:solidFill>
-                <a:latin typeface="Circular Std Book" panose="020B0604020101020102" pitchFamily="34" charset="0"/>
-                <a:cs typeface="Circular Std Book" panose="020B0604020101020102" pitchFamily="34" charset="0"/>
-              </a:rPr>
-              <a:t>” file</a:t>
-            </a:r>
-          </a:p>
-          <a:p>
-            <a:pPr>
-              <a:lnSpc>
-                <a:spcPct val="150000"/>
-              </a:lnSpc>
-            </a:pPr>
-            <a:r>
-              <a:rPr lang="en-GB" dirty="0">
-                <a:solidFill>
-                  <a:schemeClr val="bg1"/>
-                </a:solidFill>
-                <a:latin typeface="Circular Std Book" panose="020B0604020101020102" pitchFamily="34" charset="0"/>
-                <a:cs typeface="Circular Std Book" panose="020B0604020101020102" pitchFamily="34" charset="0"/>
-              </a:rPr>
-              <a:t>Use “</a:t>
-            </a:r>
-            <a:r>
-              <a:rPr lang="en-GB" dirty="0">
-                <a:solidFill>
-                  <a:srgbClr val="F4C245"/>
-                </a:solidFill>
-                <a:latin typeface="Circular Std Book" panose="020B0604020101020102" pitchFamily="34" charset="0"/>
-                <a:cs typeface="Circular Std Book" panose="020B0604020101020102" pitchFamily="34" charset="0"/>
-              </a:rPr>
-              <a:t>s2_example1.html</a:t>
-            </a:r>
-            <a:r>
-              <a:rPr lang="en-GB" dirty="0">
-                <a:solidFill>
-                  <a:schemeClr val="bg1"/>
-                </a:solidFill>
-                <a:latin typeface="Circular Std Book" panose="020B0604020101020102" pitchFamily="34" charset="0"/>
-                <a:cs typeface="Circular Std Book" panose="020B0604020101020102" pitchFamily="34" charset="0"/>
-              </a:rPr>
-              <a:t>” for inspiration</a:t>
-            </a:r>
-          </a:p>
-        </p:txBody>
-      </p:sp>
-    </p:spTree>
-    <p:extLst>
-      <p:ext uri="{BB962C8B-B14F-4D97-AF65-F5344CB8AC3E}">
-        <p14:creationId xmlns:p14="http://schemas.microsoft.com/office/powerpoint/2010/main" val="1152063873"/>
       </p:ext>
     </p:extLst>
   </p:cSld>
@@ -8746,6 +9913,525 @@
           <p:cNvPr id="2" name="Title 1">
             <a:extLst>
               <a:ext uri="{FF2B5EF4-FFF2-40B4-BE49-F238E27FC236}">
+                <a16:creationId xmlns:a16="http://schemas.microsoft.com/office/drawing/2014/main" id="{FC4383FA-EEB7-47D9-935D-7234D206AD1E}"/>
+              </a:ext>
+            </a:extLst>
+          </p:cNvPr>
+          <p:cNvSpPr>
+            <a:spLocks noGrp="1"/>
+          </p:cNvSpPr>
+          <p:nvPr>
+            <p:ph type="ctrTitle"/>
+          </p:nvPr>
+        </p:nvSpPr>
+        <p:spPr>
+          <a:xfrm>
+            <a:off x="619648" y="1533378"/>
+            <a:ext cx="5162173" cy="914400"/>
+          </a:xfrm>
+        </p:spPr>
+        <p:txBody>
+          <a:bodyPr>
+            <a:normAutofit fontScale="90000"/>
+          </a:bodyPr>
+          <a:lstStyle/>
+          <a:p>
+            <a:pPr algn="l"/>
+            <a:r>
+              <a:rPr lang="en-GB" sz="6700" dirty="0">
+                <a:solidFill>
+                  <a:schemeClr val="bg1"/>
+                </a:solidFill>
+                <a:latin typeface="Circular Std Book" panose="020B0604020101020102" pitchFamily="34" charset="0"/>
+                <a:cs typeface="Circular Std Book" panose="020B0604020101020102" pitchFamily="34" charset="0"/>
+              </a:rPr>
+              <a:t>Code-along</a:t>
+            </a:r>
+            <a:r>
+              <a:rPr lang="en-GB" sz="6700" dirty="0">
+                <a:solidFill>
+                  <a:srgbClr val="F4C245"/>
+                </a:solidFill>
+                <a:latin typeface="Circular Std Book" panose="020B0604020101020102" pitchFamily="34" charset="0"/>
+                <a:cs typeface="Circular Std Book" panose="020B0604020101020102" pitchFamily="34" charset="0"/>
+              </a:rPr>
+              <a:t>.</a:t>
+            </a:r>
+            <a:br>
+              <a:rPr lang="en-GB" sz="6700" dirty="0">
+                <a:solidFill>
+                  <a:srgbClr val="36B7B4"/>
+                </a:solidFill>
+                <a:latin typeface="Circular Std Book" panose="020B0604020101020102" pitchFamily="34" charset="0"/>
+                <a:cs typeface="Circular Std Book" panose="020B0604020101020102" pitchFamily="34" charset="0"/>
+              </a:rPr>
+            </a:br>
+            <a:endParaRPr lang="en-GB" dirty="0">
+              <a:solidFill>
+                <a:schemeClr val="bg1">
+                  <a:lumMod val="95000"/>
+                </a:schemeClr>
+              </a:solidFill>
+              <a:latin typeface="Circular Std Book" panose="020B0604020101020102" pitchFamily="34" charset="0"/>
+              <a:cs typeface="Circular Std Book" panose="020B0604020101020102" pitchFamily="34" charset="0"/>
+            </a:endParaRPr>
+          </a:p>
+        </p:txBody>
+      </p:sp>
+      <p:sp>
+        <p:nvSpPr>
+          <p:cNvPr id="6" name="TextBox 5">
+            <a:extLst>
+              <a:ext uri="{FF2B5EF4-FFF2-40B4-BE49-F238E27FC236}">
+                <a16:creationId xmlns:a16="http://schemas.microsoft.com/office/drawing/2014/main" id="{0B3AE9D3-97EB-2B4B-3BA7-FED730D27B2E}"/>
+              </a:ext>
+            </a:extLst>
+          </p:cNvPr>
+          <p:cNvSpPr txBox="1"/>
+          <p:nvPr/>
+        </p:nvSpPr>
+        <p:spPr>
+          <a:xfrm>
+            <a:off x="756137" y="1990578"/>
+            <a:ext cx="9822767" cy="2677656"/>
+          </a:xfrm>
+          <a:prstGeom prst="rect">
+            <a:avLst/>
+          </a:prstGeom>
+          <a:noFill/>
+        </p:spPr>
+        <p:txBody>
+          <a:bodyPr wrap="square">
+            <a:spAutoFit/>
+          </a:bodyPr>
+          <a:lstStyle/>
+          <a:p>
+            <a:r>
+              <a:rPr lang="en-GB" sz="2800" dirty="0">
+                <a:solidFill>
+                  <a:schemeClr val="bg1"/>
+                </a:solidFill>
+                <a:latin typeface="Circular Std Book" panose="020B0604020101020102" pitchFamily="34" charset="0"/>
+                <a:cs typeface="Circular Std Book" panose="020B0604020101020102" pitchFamily="34" charset="0"/>
+              </a:rPr>
+              <a:t>In this second practical session, we will be using </a:t>
+            </a:r>
+            <a:r>
+              <a:rPr lang="en-GB" sz="2800" dirty="0">
+                <a:solidFill>
+                  <a:srgbClr val="36B7B4"/>
+                </a:solidFill>
+                <a:latin typeface="Circular Std Book" panose="020B0604020101020102" pitchFamily="34" charset="0"/>
+                <a:cs typeface="Circular Std Book" panose="020B0604020101020102" pitchFamily="34" charset="0"/>
+              </a:rPr>
+              <a:t>VS Code </a:t>
+            </a:r>
+            <a:r>
+              <a:rPr lang="en-GB" sz="2800" dirty="0">
+                <a:solidFill>
+                  <a:schemeClr val="bg1"/>
+                </a:solidFill>
+                <a:latin typeface="Circular Std Book" panose="020B0604020101020102" pitchFamily="34" charset="0"/>
+                <a:cs typeface="Circular Std Book" panose="020B0604020101020102" pitchFamily="34" charset="0"/>
+              </a:rPr>
+              <a:t>and </a:t>
+            </a:r>
+            <a:r>
+              <a:rPr lang="en-GB" sz="2800" dirty="0">
+                <a:solidFill>
+                  <a:srgbClr val="36B7B4"/>
+                </a:solidFill>
+                <a:latin typeface="Circular Std Book" panose="020B0604020101020102" pitchFamily="34" charset="0"/>
+                <a:cs typeface="Circular Std Book" panose="020B0604020101020102" pitchFamily="34" charset="0"/>
+              </a:rPr>
+              <a:t>GitHub</a:t>
+            </a:r>
+            <a:r>
+              <a:rPr lang="en-GB" sz="2800" dirty="0">
+                <a:solidFill>
+                  <a:schemeClr val="bg1"/>
+                </a:solidFill>
+                <a:latin typeface="Circular Std Book" panose="020B0604020101020102" pitchFamily="34" charset="0"/>
+                <a:cs typeface="Circular Std Book" panose="020B0604020101020102" pitchFamily="34" charset="0"/>
+              </a:rPr>
+              <a:t> to build your personal website.</a:t>
+            </a:r>
+          </a:p>
+          <a:p>
+            <a:endParaRPr lang="en-GB" sz="2800" dirty="0">
+              <a:solidFill>
+                <a:schemeClr val="bg1"/>
+              </a:solidFill>
+              <a:latin typeface="Circular Std Book" panose="020B0604020101020102" pitchFamily="34" charset="0"/>
+              <a:cs typeface="Circular Std Book" panose="020B0604020101020102" pitchFamily="34" charset="0"/>
+            </a:endParaRPr>
+          </a:p>
+          <a:p>
+            <a:pPr marL="342900" indent="-342900">
+              <a:buFont typeface="+mj-lt"/>
+              <a:buAutoNum type="arabicPeriod"/>
+            </a:pPr>
+            <a:r>
+              <a:rPr lang="en-GB" sz="2800" dirty="0">
+                <a:solidFill>
+                  <a:schemeClr val="bg1"/>
+                </a:solidFill>
+                <a:latin typeface="Circular Std Book" panose="020B0604020101020102" pitchFamily="34" charset="0"/>
+                <a:cs typeface="Circular Std Book" panose="020B0604020101020102" pitchFamily="34" charset="0"/>
+              </a:rPr>
+              <a:t>Edit your </a:t>
+            </a:r>
+            <a:r>
+              <a:rPr lang="en-GB" sz="2800" dirty="0">
+                <a:solidFill>
+                  <a:srgbClr val="36B7B4"/>
+                </a:solidFill>
+                <a:latin typeface="Circular Std Book" panose="020B0604020101020102" pitchFamily="34" charset="0"/>
+                <a:cs typeface="Circular Std Book" panose="020B0604020101020102" pitchFamily="34" charset="0"/>
+              </a:rPr>
+              <a:t>HTML </a:t>
+            </a:r>
+            <a:r>
+              <a:rPr lang="en-GB" sz="2800" dirty="0">
+                <a:solidFill>
+                  <a:schemeClr val="bg1"/>
+                </a:solidFill>
+                <a:latin typeface="Circular Std Book" panose="020B0604020101020102" pitchFamily="34" charset="0"/>
+                <a:cs typeface="Circular Std Book" panose="020B0604020101020102" pitchFamily="34" charset="0"/>
+              </a:rPr>
+              <a:t>(name, bio, etc)</a:t>
+            </a:r>
+          </a:p>
+          <a:p>
+            <a:pPr marL="342900" indent="-342900">
+              <a:buFont typeface="+mj-lt"/>
+              <a:buAutoNum type="arabicPeriod"/>
+            </a:pPr>
+            <a:r>
+              <a:rPr lang="en-GB" sz="2800" dirty="0">
+                <a:solidFill>
+                  <a:schemeClr val="bg1"/>
+                </a:solidFill>
+                <a:latin typeface="Circular Std Book" panose="020B0604020101020102" pitchFamily="34" charset="0"/>
+                <a:cs typeface="Circular Std Book" panose="020B0604020101020102" pitchFamily="34" charset="0"/>
+              </a:rPr>
+              <a:t>Add some </a:t>
+            </a:r>
+            <a:r>
+              <a:rPr lang="en-GB" sz="2800" dirty="0">
+                <a:solidFill>
+                  <a:srgbClr val="36B7B4"/>
+                </a:solidFill>
+                <a:latin typeface="Circular Std Book" panose="020B0604020101020102" pitchFamily="34" charset="0"/>
+                <a:cs typeface="Circular Std Book" panose="020B0604020101020102" pitchFamily="34" charset="0"/>
+              </a:rPr>
+              <a:t>CSS </a:t>
+            </a:r>
+            <a:r>
+              <a:rPr lang="en-GB" sz="2800" dirty="0">
+                <a:solidFill>
+                  <a:schemeClr val="bg1"/>
+                </a:solidFill>
+                <a:latin typeface="Circular Std Book" panose="020B0604020101020102" pitchFamily="34" charset="0"/>
+                <a:cs typeface="Circular Std Book" panose="020B0604020101020102" pitchFamily="34" charset="0"/>
+              </a:rPr>
+              <a:t>(choose colours, fonts, etc)</a:t>
+            </a:r>
+          </a:p>
+          <a:p>
+            <a:pPr marL="342900" indent="-342900">
+              <a:buFont typeface="+mj-lt"/>
+              <a:buAutoNum type="arabicPeriod"/>
+            </a:pPr>
+            <a:r>
+              <a:rPr lang="en-GB" sz="2800" dirty="0">
+                <a:solidFill>
+                  <a:schemeClr val="bg1"/>
+                </a:solidFill>
+                <a:latin typeface="Circular Std Book" panose="020B0604020101020102" pitchFamily="34" charset="0"/>
+                <a:cs typeface="Circular Std Book" panose="020B0604020101020102" pitchFamily="34" charset="0"/>
+              </a:rPr>
+              <a:t>Embed an example </a:t>
+            </a:r>
+            <a:r>
+              <a:rPr lang="en-GB" sz="2800" dirty="0">
+                <a:solidFill>
+                  <a:srgbClr val="36B7B4"/>
+                </a:solidFill>
+                <a:latin typeface="Circular Std Book" panose="020B0604020101020102" pitchFamily="34" charset="0"/>
+                <a:cs typeface="Circular Std Book" panose="020B0604020101020102" pitchFamily="34" charset="0"/>
+              </a:rPr>
+              <a:t>JSON</a:t>
+            </a:r>
+            <a:r>
+              <a:rPr lang="en-GB" sz="2800" dirty="0">
+                <a:solidFill>
+                  <a:schemeClr val="bg1"/>
+                </a:solidFill>
+                <a:latin typeface="Circular Std Book" panose="020B0604020101020102" pitchFamily="34" charset="0"/>
+                <a:cs typeface="Circular Std Book" panose="020B0604020101020102" pitchFamily="34" charset="0"/>
+              </a:rPr>
+              <a:t> chart </a:t>
+            </a:r>
+            <a:endParaRPr lang="en-US" sz="2800" dirty="0">
+              <a:solidFill>
+                <a:schemeClr val="bg1"/>
+              </a:solidFill>
+            </a:endParaRPr>
+          </a:p>
+        </p:txBody>
+      </p:sp>
+    </p:spTree>
+    <p:extLst>
+      <p:ext uri="{BB962C8B-B14F-4D97-AF65-F5344CB8AC3E}">
+        <p14:creationId xmlns:p14="http://schemas.microsoft.com/office/powerpoint/2010/main" val="4069303533"/>
+      </p:ext>
+    </p:extLst>
+  </p:cSld>
+  <p:clrMapOvr>
+    <a:masterClrMapping/>
+  </p:clrMapOvr>
+</p:sld>
+</file>
+
+<file path=ppt/slides/slide18.xml><?xml version="1.0" encoding="utf-8"?>
+<p:sld xmlns:a="http://schemas.openxmlformats.org/drawingml/2006/main" xmlns:r="http://schemas.openxmlformats.org/officeDocument/2006/relationships" xmlns:p="http://schemas.openxmlformats.org/presentationml/2006/main">
+  <p:cSld>
+    <p:bg>
+      <p:bgPr>
+        <a:solidFill>
+          <a:srgbClr val="122B39"/>
+        </a:solidFill>
+        <a:effectLst/>
+      </p:bgPr>
+    </p:bg>
+    <p:spTree>
+      <p:nvGrpSpPr>
+        <p:cNvPr id="1" name="">
+          <a:extLst>
+            <a:ext uri="{FF2B5EF4-FFF2-40B4-BE49-F238E27FC236}">
+              <a16:creationId xmlns:a16="http://schemas.microsoft.com/office/drawing/2014/main" id="{E189A984-5A15-911E-05C0-80E77CA17D00}"/>
+            </a:ext>
+          </a:extLst>
+        </p:cNvPr>
+        <p:cNvGrpSpPr/>
+        <p:nvPr/>
+      </p:nvGrpSpPr>
+      <p:grpSpPr>
+        <a:xfrm>
+          <a:off x="0" y="0"/>
+          <a:ext cx="0" cy="0"/>
+          <a:chOff x="0" y="0"/>
+          <a:chExt cx="0" cy="0"/>
+        </a:xfrm>
+      </p:grpSpPr>
+      <p:sp>
+        <p:nvSpPr>
+          <p:cNvPr id="2" name="Title 1">
+            <a:extLst>
+              <a:ext uri="{FF2B5EF4-FFF2-40B4-BE49-F238E27FC236}">
+                <a16:creationId xmlns:a16="http://schemas.microsoft.com/office/drawing/2014/main" id="{CBA027C9-45D9-2EDE-ACAB-19A1FE9C6C07}"/>
+              </a:ext>
+            </a:extLst>
+          </p:cNvPr>
+          <p:cNvSpPr>
+            <a:spLocks noGrp="1"/>
+          </p:cNvSpPr>
+          <p:nvPr>
+            <p:ph type="title"/>
+          </p:nvPr>
+        </p:nvSpPr>
+        <p:spPr>
+          <a:xfrm>
+            <a:off x="584127" y="340080"/>
+            <a:ext cx="10515600" cy="1325563"/>
+          </a:xfrm>
+          <a:solidFill>
+            <a:srgbClr val="122B39"/>
+          </a:solidFill>
+        </p:spPr>
+        <p:txBody>
+          <a:bodyPr>
+            <a:normAutofit/>
+          </a:bodyPr>
+          <a:lstStyle/>
+          <a:p>
+            <a:r>
+              <a:rPr lang="en-GB" sz="5400" dirty="0">
+                <a:solidFill>
+                  <a:schemeClr val="bg1"/>
+                </a:solidFill>
+                <a:latin typeface="Circular Std Book" panose="020B0604020101020102" pitchFamily="34" charset="0"/>
+                <a:cs typeface="Circular Std Book" panose="020B0604020101020102" pitchFamily="34" charset="0"/>
+              </a:rPr>
+              <a:t>HTML</a:t>
+            </a:r>
+            <a:r>
+              <a:rPr lang="en-GB" sz="5400" dirty="0">
+                <a:solidFill>
+                  <a:srgbClr val="F4C245"/>
+                </a:solidFill>
+                <a:latin typeface="Circular Std Book" panose="020B0604020101020102" pitchFamily="34" charset="0"/>
+                <a:cs typeface="Circular Std Book" panose="020B0604020101020102" pitchFamily="34" charset="0"/>
+              </a:rPr>
+              <a:t>.</a:t>
+            </a:r>
+            <a:endParaRPr lang="en-GB" dirty="0">
+              <a:solidFill>
+                <a:srgbClr val="F4C245"/>
+              </a:solidFill>
+              <a:latin typeface="Circular Std Book" panose="020B0604020101020102" pitchFamily="34" charset="0"/>
+              <a:cs typeface="Circular Std Book" panose="020B0604020101020102" pitchFamily="34" charset="0"/>
+            </a:endParaRPr>
+          </a:p>
+        </p:txBody>
+      </p:sp>
+      <p:sp>
+        <p:nvSpPr>
+          <p:cNvPr id="3" name="Content Placeholder 2">
+            <a:extLst>
+              <a:ext uri="{FF2B5EF4-FFF2-40B4-BE49-F238E27FC236}">
+                <a16:creationId xmlns:a16="http://schemas.microsoft.com/office/drawing/2014/main" id="{19141B23-D364-ADEE-9F0A-4ADB5D2A7AA7}"/>
+              </a:ext>
+            </a:extLst>
+          </p:cNvPr>
+          <p:cNvSpPr>
+            <a:spLocks noGrp="1"/>
+          </p:cNvSpPr>
+          <p:nvPr>
+            <p:ph idx="1"/>
+          </p:nvPr>
+        </p:nvSpPr>
+        <p:spPr>
+          <a:xfrm>
+            <a:off x="584127" y="1817576"/>
+            <a:ext cx="11445948" cy="4351338"/>
+          </a:xfrm>
+        </p:spPr>
+        <p:txBody>
+          <a:bodyPr>
+            <a:normAutofit/>
+          </a:bodyPr>
+          <a:lstStyle/>
+          <a:p>
+            <a:pPr>
+              <a:lnSpc>
+                <a:spcPct val="150000"/>
+              </a:lnSpc>
+            </a:pPr>
+            <a:r>
+              <a:rPr lang="en-GB" dirty="0">
+                <a:solidFill>
+                  <a:schemeClr val="bg1"/>
+                </a:solidFill>
+                <a:latin typeface="Circular Std Book" panose="020B0604020101020102" pitchFamily="34" charset="0"/>
+                <a:cs typeface="Circular Std Book" panose="020B0604020101020102" pitchFamily="34" charset="0"/>
+              </a:rPr>
+              <a:t>Create an edit your “</a:t>
+            </a:r>
+            <a:r>
+              <a:rPr lang="en-GB" dirty="0" err="1">
+                <a:solidFill>
+                  <a:srgbClr val="F4C245"/>
+                </a:solidFill>
+                <a:latin typeface="Circular Std Book" panose="020B0604020101020102" pitchFamily="34" charset="0"/>
+                <a:cs typeface="Circular Std Book" panose="020B0604020101020102" pitchFamily="34" charset="0"/>
+              </a:rPr>
+              <a:t>index.html</a:t>
+            </a:r>
+            <a:r>
+              <a:rPr lang="en-GB" dirty="0">
+                <a:solidFill>
+                  <a:schemeClr val="bg1"/>
+                </a:solidFill>
+                <a:latin typeface="Circular Std Book" panose="020B0604020101020102" pitchFamily="34" charset="0"/>
+                <a:cs typeface="Circular Std Book" panose="020B0604020101020102" pitchFamily="34" charset="0"/>
+              </a:rPr>
+              <a:t>” file</a:t>
+            </a:r>
+          </a:p>
+          <a:p>
+            <a:pPr>
+              <a:lnSpc>
+                <a:spcPct val="150000"/>
+              </a:lnSpc>
+            </a:pPr>
+            <a:r>
+              <a:rPr lang="en-GB" dirty="0">
+                <a:solidFill>
+                  <a:schemeClr val="bg1"/>
+                </a:solidFill>
+                <a:latin typeface="Circular Std Book" panose="020B0604020101020102" pitchFamily="34" charset="0"/>
+                <a:cs typeface="Circular Std Book" panose="020B0604020101020102" pitchFamily="34" charset="0"/>
+              </a:rPr>
+              <a:t>Use “</a:t>
+            </a:r>
+            <a:r>
+              <a:rPr lang="en-GB" dirty="0">
+                <a:solidFill>
+                  <a:srgbClr val="F4C245"/>
+                </a:solidFill>
+                <a:latin typeface="Circular Std Book" panose="020B0604020101020102" pitchFamily="34" charset="0"/>
+                <a:cs typeface="Circular Std Book" panose="020B0604020101020102" pitchFamily="34" charset="0"/>
+              </a:rPr>
+              <a:t>s2_example1.html</a:t>
+            </a:r>
+            <a:r>
+              <a:rPr lang="en-GB" dirty="0">
+                <a:solidFill>
+                  <a:schemeClr val="bg1"/>
+                </a:solidFill>
+                <a:latin typeface="Circular Std Book" panose="020B0604020101020102" pitchFamily="34" charset="0"/>
+                <a:cs typeface="Circular Std Book" panose="020B0604020101020102" pitchFamily="34" charset="0"/>
+              </a:rPr>
+              <a:t>” for inspiration</a:t>
+            </a:r>
+          </a:p>
+        </p:txBody>
+      </p:sp>
+    </p:spTree>
+    <p:extLst>
+      <p:ext uri="{BB962C8B-B14F-4D97-AF65-F5344CB8AC3E}">
+        <p14:creationId xmlns:p14="http://schemas.microsoft.com/office/powerpoint/2010/main" val="1152063873"/>
+      </p:ext>
+    </p:extLst>
+  </p:cSld>
+  <p:clrMapOvr>
+    <a:masterClrMapping/>
+  </p:clrMapOvr>
+</p:sld>
+</file>
+
+<file path=ppt/slides/slide19.xml><?xml version="1.0" encoding="utf-8"?>
+<p:sld xmlns:a="http://schemas.openxmlformats.org/drawingml/2006/main" xmlns:r="http://schemas.openxmlformats.org/officeDocument/2006/relationships" xmlns:p="http://schemas.openxmlformats.org/presentationml/2006/main">
+  <p:cSld>
+    <p:bg>
+      <p:bgPr>
+        <a:solidFill>
+          <a:srgbClr val="122B39"/>
+        </a:solidFill>
+        <a:effectLst/>
+      </p:bgPr>
+    </p:bg>
+    <p:spTree>
+      <p:nvGrpSpPr>
+        <p:cNvPr id="1" name=""/>
+        <p:cNvGrpSpPr/>
+        <p:nvPr/>
+      </p:nvGrpSpPr>
+      <p:grpSpPr>
+        <a:xfrm>
+          <a:off x="0" y="0"/>
+          <a:ext cx="0" cy="0"/>
+          <a:chOff x="0" y="0"/>
+          <a:chExt cx="0" cy="0"/>
+        </a:xfrm>
+      </p:grpSpPr>
+      <p:sp>
+        <p:nvSpPr>
+          <p:cNvPr id="2" name="Title 1">
+            <a:extLst>
+              <a:ext uri="{FF2B5EF4-FFF2-40B4-BE49-F238E27FC236}">
                 <a16:creationId xmlns:a16="http://schemas.microsoft.com/office/drawing/2014/main" id="{0FEE2FE8-D24E-41DE-AA78-81A6ECA35759}"/>
               </a:ext>
             </a:extLst>
@@ -9132,7 +10818,153 @@
 </p:sld>
 </file>
 
-<file path=ppt/slides/slide18.xml><?xml version="1.0" encoding="utf-8"?>
+<file path=ppt/slides/slide2.xml><?xml version="1.0" encoding="utf-8"?>
+<p:sld xmlns:a="http://schemas.openxmlformats.org/drawingml/2006/main" xmlns:r="http://schemas.openxmlformats.org/officeDocument/2006/relationships" xmlns:p="http://schemas.openxmlformats.org/presentationml/2006/main">
+  <p:cSld>
+    <p:bg>
+      <p:bgPr>
+        <a:solidFill>
+          <a:srgbClr val="122B39"/>
+        </a:solidFill>
+        <a:effectLst/>
+      </p:bgPr>
+    </p:bg>
+    <p:spTree>
+      <p:nvGrpSpPr>
+        <p:cNvPr id="1" name=""/>
+        <p:cNvGrpSpPr/>
+        <p:nvPr/>
+      </p:nvGrpSpPr>
+      <p:grpSpPr>
+        <a:xfrm>
+          <a:off x="0" y="0"/>
+          <a:ext cx="0" cy="0"/>
+          <a:chOff x="0" y="0"/>
+          <a:chExt cx="0" cy="0"/>
+        </a:xfrm>
+      </p:grpSpPr>
+      <p:sp>
+        <p:nvSpPr>
+          <p:cNvPr id="2" name="Title 1">
+            <a:extLst>
+              <a:ext uri="{FF2B5EF4-FFF2-40B4-BE49-F238E27FC236}">
+                <a16:creationId xmlns:a16="http://schemas.microsoft.com/office/drawing/2014/main" id="{FC4383FA-EEB7-47D9-935D-7234D206AD1E}"/>
+              </a:ext>
+            </a:extLst>
+          </p:cNvPr>
+          <p:cNvSpPr>
+            <a:spLocks noGrp="1"/>
+          </p:cNvSpPr>
+          <p:nvPr>
+            <p:ph type="ctrTitle"/>
+          </p:nvPr>
+        </p:nvSpPr>
+        <p:spPr>
+          <a:xfrm>
+            <a:off x="798580" y="1200219"/>
+            <a:ext cx="9658174" cy="2387600"/>
+          </a:xfrm>
+        </p:spPr>
+        <p:txBody>
+          <a:bodyPr>
+            <a:normAutofit/>
+          </a:bodyPr>
+          <a:lstStyle/>
+          <a:p>
+            <a:pPr algn="l"/>
+            <a:r>
+              <a:rPr lang="en-US" dirty="0">
+                <a:solidFill>
+                  <a:schemeClr val="bg1"/>
+                </a:solidFill>
+                <a:latin typeface="Circular Std Book" panose="020B0604020101020102" pitchFamily="34" charset="0"/>
+                <a:cs typeface="Circular Std Book" panose="020B0604020101020102" pitchFamily="34" charset="0"/>
+              </a:rPr>
+              <a:t>Session 2</a:t>
+            </a:r>
+            <a:r>
+              <a:rPr lang="en-GB" dirty="0">
+                <a:solidFill>
+                  <a:srgbClr val="F4C245"/>
+                </a:solidFill>
+                <a:latin typeface="Circular Std Book" panose="020B0604020101020102" pitchFamily="34" charset="0"/>
+                <a:cs typeface="Circular Std Book" panose="020B0604020101020102" pitchFamily="34" charset="0"/>
+              </a:rPr>
+              <a:t>.</a:t>
+            </a:r>
+            <a:br>
+              <a:rPr lang="en-GB" dirty="0">
+                <a:solidFill>
+                  <a:srgbClr val="36B7B4"/>
+                </a:solidFill>
+                <a:latin typeface="Circular Std Book" panose="020B0604020101020102" pitchFamily="34" charset="0"/>
+                <a:cs typeface="Circular Std Book" panose="020B0604020101020102" pitchFamily="34" charset="0"/>
+              </a:rPr>
+            </a:br>
+            <a:r>
+              <a:rPr lang="en-GB" sz="2800" i="1" dirty="0">
+                <a:solidFill>
+                  <a:srgbClr val="36B7B4"/>
+                </a:solidFill>
+                <a:latin typeface="Times New Roman" panose="02020603050405020304" pitchFamily="18" charset="0"/>
+                <a:cs typeface="Times New Roman" panose="02020603050405020304" pitchFamily="18" charset="0"/>
+              </a:rPr>
+              <a:t>Building your first website</a:t>
+            </a:r>
+            <a:endParaRPr lang="en-GB" i="1" dirty="0">
+              <a:solidFill>
+                <a:srgbClr val="36B7B4"/>
+              </a:solidFill>
+              <a:latin typeface="Times New Roman" panose="02020603050405020304" pitchFamily="18" charset="0"/>
+              <a:cs typeface="Times New Roman" panose="02020603050405020304" pitchFamily="18" charset="0"/>
+            </a:endParaRPr>
+          </a:p>
+        </p:txBody>
+      </p:sp>
+      <p:pic>
+        <p:nvPicPr>
+          <p:cNvPr id="5" name="Picture 4">
+            <a:extLst>
+              <a:ext uri="{FF2B5EF4-FFF2-40B4-BE49-F238E27FC236}">
+                <a16:creationId xmlns:a16="http://schemas.microsoft.com/office/drawing/2014/main" id="{97B3923A-B3CB-4769-ACC7-75A98286FC65}"/>
+              </a:ext>
+            </a:extLst>
+          </p:cNvPr>
+          <p:cNvPicPr>
+            <a:picLocks noChangeAspect="1"/>
+          </p:cNvPicPr>
+          <p:nvPr/>
+        </p:nvPicPr>
+        <p:blipFill>
+          <a:blip r:embed="rId2"/>
+          <a:stretch>
+            <a:fillRect/>
+          </a:stretch>
+        </p:blipFill>
+        <p:spPr>
+          <a:xfrm rot="10800000">
+            <a:off x="8982075" y="186232"/>
+            <a:ext cx="3209925" cy="6105525"/>
+          </a:xfrm>
+          <a:prstGeom prst="rect">
+            <a:avLst/>
+          </a:prstGeom>
+        </p:spPr>
+      </p:pic>
+    </p:spTree>
+    <p:extLst>
+      <p:ext uri="{BB962C8B-B14F-4D97-AF65-F5344CB8AC3E}">
+        <p14:creationId xmlns:p14="http://schemas.microsoft.com/office/powerpoint/2010/main" val="1374648882"/>
+      </p:ext>
+    </p:extLst>
+  </p:cSld>
+  <p:clrMapOvr>
+    <a:masterClrMapping/>
+  </p:clrMapOvr>
+</p:sld>
+</file>
+
+<file path=ppt/slides/slide20.xml><?xml version="1.0" encoding="utf-8"?>
 <p:sld xmlns:a="http://schemas.openxmlformats.org/drawingml/2006/main" xmlns:r="http://schemas.openxmlformats.org/officeDocument/2006/relationships" xmlns:p="http://schemas.openxmlformats.org/presentationml/2006/main">
   <p:cSld>
     <p:bg>
@@ -9320,7 +11152,7 @@
 </p:sld>
 </file>
 
-<file path=ppt/slides/slide19.xml><?xml version="1.0" encoding="utf-8"?>
+<file path=ppt/slides/slide21.xml><?xml version="1.0" encoding="utf-8"?>
 <p:sld xmlns:a="http://schemas.openxmlformats.org/drawingml/2006/main" xmlns:r="http://schemas.openxmlformats.org/officeDocument/2006/relationships" xmlns:p="http://schemas.openxmlformats.org/presentationml/2006/main">
   <p:cSld>
     <p:spTree>
@@ -9391,152 +11223,6 @@
 </p:sld>
 </file>
 
-<file path=ppt/slides/slide2.xml><?xml version="1.0" encoding="utf-8"?>
-<p:sld xmlns:a="http://schemas.openxmlformats.org/drawingml/2006/main" xmlns:r="http://schemas.openxmlformats.org/officeDocument/2006/relationships" xmlns:p="http://schemas.openxmlformats.org/presentationml/2006/main">
-  <p:cSld>
-    <p:bg>
-      <p:bgPr>
-        <a:solidFill>
-          <a:srgbClr val="122B39"/>
-        </a:solidFill>
-        <a:effectLst/>
-      </p:bgPr>
-    </p:bg>
-    <p:spTree>
-      <p:nvGrpSpPr>
-        <p:cNvPr id="1" name=""/>
-        <p:cNvGrpSpPr/>
-        <p:nvPr/>
-      </p:nvGrpSpPr>
-      <p:grpSpPr>
-        <a:xfrm>
-          <a:off x="0" y="0"/>
-          <a:ext cx="0" cy="0"/>
-          <a:chOff x="0" y="0"/>
-          <a:chExt cx="0" cy="0"/>
-        </a:xfrm>
-      </p:grpSpPr>
-      <p:sp>
-        <p:nvSpPr>
-          <p:cNvPr id="2" name="Title 1">
-            <a:extLst>
-              <a:ext uri="{FF2B5EF4-FFF2-40B4-BE49-F238E27FC236}">
-                <a16:creationId xmlns:a16="http://schemas.microsoft.com/office/drawing/2014/main" id="{FC4383FA-EEB7-47D9-935D-7234D206AD1E}"/>
-              </a:ext>
-            </a:extLst>
-          </p:cNvPr>
-          <p:cNvSpPr>
-            <a:spLocks noGrp="1"/>
-          </p:cNvSpPr>
-          <p:nvPr>
-            <p:ph type="ctrTitle"/>
-          </p:nvPr>
-        </p:nvSpPr>
-        <p:spPr>
-          <a:xfrm>
-            <a:off x="798580" y="1200219"/>
-            <a:ext cx="9658174" cy="2387600"/>
-          </a:xfrm>
-        </p:spPr>
-        <p:txBody>
-          <a:bodyPr>
-            <a:normAutofit/>
-          </a:bodyPr>
-          <a:lstStyle/>
-          <a:p>
-            <a:pPr algn="l"/>
-            <a:r>
-              <a:rPr lang="en-US" dirty="0">
-                <a:solidFill>
-                  <a:schemeClr val="bg1"/>
-                </a:solidFill>
-                <a:latin typeface="Circular Std Book" panose="020B0604020101020102" pitchFamily="34" charset="0"/>
-                <a:cs typeface="Circular Std Book" panose="020B0604020101020102" pitchFamily="34" charset="0"/>
-              </a:rPr>
-              <a:t>Session 2</a:t>
-            </a:r>
-            <a:r>
-              <a:rPr lang="en-GB" dirty="0">
-                <a:solidFill>
-                  <a:srgbClr val="F4C245"/>
-                </a:solidFill>
-                <a:latin typeface="Circular Std Book" panose="020B0604020101020102" pitchFamily="34" charset="0"/>
-                <a:cs typeface="Circular Std Book" panose="020B0604020101020102" pitchFamily="34" charset="0"/>
-              </a:rPr>
-              <a:t>.</a:t>
-            </a:r>
-            <a:br>
-              <a:rPr lang="en-GB" dirty="0">
-                <a:solidFill>
-                  <a:srgbClr val="36B7B4"/>
-                </a:solidFill>
-                <a:latin typeface="Circular Std Book" panose="020B0604020101020102" pitchFamily="34" charset="0"/>
-                <a:cs typeface="Circular Std Book" panose="020B0604020101020102" pitchFamily="34" charset="0"/>
-              </a:rPr>
-            </a:br>
-            <a:r>
-              <a:rPr lang="en-GB" sz="2800" i="1" dirty="0">
-                <a:solidFill>
-                  <a:srgbClr val="36B7B4"/>
-                </a:solidFill>
-                <a:latin typeface="Times New Roman" panose="02020603050405020304" pitchFamily="18" charset="0"/>
-                <a:cs typeface="Times New Roman" panose="02020603050405020304" pitchFamily="18" charset="0"/>
-              </a:rPr>
-              <a:t>Building your first website</a:t>
-            </a:r>
-            <a:endParaRPr lang="en-GB" i="1" dirty="0">
-              <a:solidFill>
-                <a:srgbClr val="36B7B4"/>
-              </a:solidFill>
-              <a:latin typeface="Times New Roman" panose="02020603050405020304" pitchFamily="18" charset="0"/>
-              <a:cs typeface="Times New Roman" panose="02020603050405020304" pitchFamily="18" charset="0"/>
-            </a:endParaRPr>
-          </a:p>
-        </p:txBody>
-      </p:sp>
-      <p:pic>
-        <p:nvPicPr>
-          <p:cNvPr id="5" name="Picture 4">
-            <a:extLst>
-              <a:ext uri="{FF2B5EF4-FFF2-40B4-BE49-F238E27FC236}">
-                <a16:creationId xmlns:a16="http://schemas.microsoft.com/office/drawing/2014/main" id="{97B3923A-B3CB-4769-ACC7-75A98286FC65}"/>
-              </a:ext>
-            </a:extLst>
-          </p:cNvPr>
-          <p:cNvPicPr>
-            <a:picLocks noChangeAspect="1"/>
-          </p:cNvPicPr>
-          <p:nvPr/>
-        </p:nvPicPr>
-        <p:blipFill>
-          <a:blip r:embed="rId2"/>
-          <a:stretch>
-            <a:fillRect/>
-          </a:stretch>
-        </p:blipFill>
-        <p:spPr>
-          <a:xfrm rot="10800000">
-            <a:off x="8982075" y="186232"/>
-            <a:ext cx="3209925" cy="6105525"/>
-          </a:xfrm>
-          <a:prstGeom prst="rect">
-            <a:avLst/>
-          </a:prstGeom>
-        </p:spPr>
-      </p:pic>
-    </p:spTree>
-    <p:extLst>
-      <p:ext uri="{BB962C8B-B14F-4D97-AF65-F5344CB8AC3E}">
-        <p14:creationId xmlns:p14="http://schemas.microsoft.com/office/powerpoint/2010/main" val="1374648882"/>
-      </p:ext>
-    </p:extLst>
-  </p:cSld>
-  <p:clrMapOvr>
-    <a:masterClrMapping/>
-  </p:clrMapOvr>
-</p:sld>
-</file>
-
 <file path=ppt/slides/slide3.xml><?xml version="1.0" encoding="utf-8"?>
 <p:sld xmlns:a="http://schemas.openxmlformats.org/drawingml/2006/main" xmlns:r="http://schemas.openxmlformats.org/officeDocument/2006/relationships" xmlns:p="http://schemas.openxmlformats.org/presentationml/2006/main">
   <p:cSld>
@@ -9898,84 +11584,6 @@
       </p:grpSpPr>
       <p:sp>
         <p:nvSpPr>
-          <p:cNvPr id="2" name="Rectangle: Rounded Corners 1">
-            <a:extLst>
-              <a:ext uri="{FF2B5EF4-FFF2-40B4-BE49-F238E27FC236}">
-                <a16:creationId xmlns:a16="http://schemas.microsoft.com/office/drawing/2014/main" id="{E5438EA0-BA68-429A-BE20-96381175831C}"/>
-              </a:ext>
-            </a:extLst>
-          </p:cNvPr>
-          <p:cNvSpPr/>
-          <p:nvPr/>
-        </p:nvSpPr>
-        <p:spPr>
-          <a:xfrm>
-            <a:off x="3391381" y="1514171"/>
-            <a:ext cx="5116153" cy="4800600"/>
-          </a:xfrm>
-          <a:prstGeom prst="roundRect">
-            <a:avLst/>
-          </a:prstGeom>
-          <a:solidFill>
-            <a:schemeClr val="bg1"/>
-          </a:solidFill>
-        </p:spPr>
-        <p:style>
-          <a:lnRef idx="2">
-            <a:schemeClr val="accent1">
-              <a:shade val="50000"/>
-            </a:schemeClr>
-          </a:lnRef>
-          <a:fillRef idx="1">
-            <a:schemeClr val="accent1"/>
-          </a:fillRef>
-          <a:effectRef idx="0">
-            <a:schemeClr val="accent1"/>
-          </a:effectRef>
-          <a:fontRef idx="minor">
-            <a:schemeClr val="lt1"/>
-          </a:fontRef>
-        </p:style>
-        <p:txBody>
-          <a:bodyPr rtlCol="0" anchor="ctr"/>
-          <a:lstStyle/>
-          <a:p>
-            <a:pPr marL="0" marR="0" lvl="0" indent="0" algn="ctr" defTabSz="914400" rtl="0" eaLnBrk="1" fontAlgn="auto" latinLnBrk="0" hangingPunct="1">
-              <a:lnSpc>
-                <a:spcPct val="100000"/>
-              </a:lnSpc>
-              <a:spcBef>
-                <a:spcPts val="0"/>
-              </a:spcBef>
-              <a:spcAft>
-                <a:spcPts val="0"/>
-              </a:spcAft>
-              <a:buClrTx/>
-              <a:buSzTx/>
-              <a:buFontTx/>
-              <a:buNone/>
-              <a:tabLst/>
-              <a:defRPr/>
-            </a:pPr>
-            <a:endParaRPr kumimoji="0" lang="en-GB" sz="1800" b="0" i="0" u="none" strike="noStrike" kern="1200" cap="none" spc="0" normalizeH="0" baseline="0" noProof="0">
-              <a:ln>
-                <a:noFill/>
-              </a:ln>
-              <a:solidFill>
-                <a:prstClr val="white"/>
-              </a:solidFill>
-              <a:effectLst/>
-              <a:uLnTx/>
-              <a:uFillTx/>
-              <a:latin typeface="Calibri" panose="020F0502020204030204"/>
-              <a:ea typeface="+mn-ea"/>
-              <a:cs typeface="+mn-cs"/>
-            </a:endParaRPr>
-          </a:p>
-        </p:txBody>
-      </p:sp>
-      <p:sp>
-        <p:nvSpPr>
           <p:cNvPr id="12" name="Title 1">
             <a:extLst>
               <a:ext uri="{FF2B5EF4-FFF2-40B4-BE49-F238E27FC236}">
@@ -9990,8 +11598,8 @@
         </p:nvSpPr>
         <p:spPr>
           <a:xfrm>
-            <a:off x="370103" y="339579"/>
-            <a:ext cx="4091945" cy="869595"/>
+            <a:off x="107877" y="159105"/>
+            <a:ext cx="7978848" cy="869595"/>
           </a:xfrm>
           <a:prstGeom prst="rect">
             <a:avLst/>
@@ -10056,7 +11664,7 @@
                 <a:ea typeface="+mj-ea"/>
                 <a:cs typeface="Circular Std Book" panose="020B0604020101020102" pitchFamily="34" charset="0"/>
               </a:rPr>
-              <a:t>Data science</a:t>
+              <a:t>Most used languages, 2023</a:t>
             </a:r>
             <a:r>
               <a:rPr kumimoji="0" lang="en-GB" sz="4800" b="0" i="0" u="none" strike="noStrike" kern="1200" cap="none" spc="0" normalizeH="0" baseline="0" noProof="0" dirty="0">
@@ -10078,69 +11686,191 @@
           </a:p>
         </p:txBody>
       </p:sp>
-      <p:pic>
-        <p:nvPicPr>
-          <p:cNvPr id="2050" name="Picture 2" descr="The Data Science Venn Diagram — Drew Conway">
+      <p:sp>
+        <p:nvSpPr>
+          <p:cNvPr id="14" name="TextBox 13">
             <a:extLst>
               <a:ext uri="{FF2B5EF4-FFF2-40B4-BE49-F238E27FC236}">
-                <a16:creationId xmlns:a16="http://schemas.microsoft.com/office/drawing/2014/main" id="{A052E327-152A-41B3-AE33-4893CDB9803D}"/>
+                <a16:creationId xmlns:a16="http://schemas.microsoft.com/office/drawing/2014/main" id="{16682E1C-D58A-4CA1-90DF-828094AFB764}"/>
               </a:ext>
             </a:extLst>
           </p:cNvPr>
-          <p:cNvPicPr>
-            <a:picLocks noChangeAspect="1" noChangeArrowheads="1"/>
-          </p:cNvPicPr>
+          <p:cNvSpPr txBox="1"/>
           <p:nvPr/>
-        </p:nvPicPr>
-        <p:blipFill>
-          <a:blip r:embed="rId2">
-            <a:clrChange>
-              <a:clrFrom>
-                <a:srgbClr val="000000">
-                  <a:alpha val="0"/>
-                </a:srgbClr>
-              </a:clrFrom>
-              <a:clrTo>
-                <a:srgbClr val="000000">
-                  <a:alpha val="0"/>
-                </a:srgbClr>
-              </a:clrTo>
-            </a:clrChange>
-            <a:extLst>
-              <a:ext uri="{28A0092B-C50C-407E-A947-70E740481C1C}">
-                <a14:useLocalDpi xmlns:a14="http://schemas.microsoft.com/office/drawing/2010/main" val="0"/>
-              </a:ext>
-            </a:extLst>
-          </a:blip>
-          <a:srcRect/>
-          <a:stretch>
-            <a:fillRect/>
-          </a:stretch>
-        </p:blipFill>
-        <p:spPr bwMode="auto">
+        </p:nvSpPr>
+        <p:spPr>
           <a:xfrm>
-            <a:off x="3478334" y="1514171"/>
-            <a:ext cx="5029200" cy="4800600"/>
+            <a:off x="655800" y="5868495"/>
+            <a:ext cx="5440200" cy="307777"/>
           </a:xfrm>
           <a:prstGeom prst="rect">
             <a:avLst/>
           </a:prstGeom>
           <a:noFill/>
-          <a:extLst>
-            <a:ext uri="{909E8E84-426E-40DD-AFC4-6F175D3DCCD1}">
-              <a14:hiddenFill xmlns:a14="http://schemas.microsoft.com/office/drawing/2010/main">
-                <a:solidFill>
-                  <a:srgbClr val="FFFFFF"/>
-                </a:solidFill>
-              </a14:hiddenFill>
-            </a:ext>
-          </a:extLst>
+        </p:spPr>
+        <p:txBody>
+          <a:bodyPr wrap="square">
+            <a:spAutoFit/>
+          </a:bodyPr>
+          <a:lstStyle/>
+          <a:p>
+            <a:pPr marL="0" marR="0" lvl="0" indent="0" algn="l" defTabSz="914400" rtl="0" eaLnBrk="1" fontAlgn="auto" latinLnBrk="0" hangingPunct="1">
+              <a:lnSpc>
+                <a:spcPct val="100000"/>
+              </a:lnSpc>
+              <a:spcBef>
+                <a:spcPts val="0"/>
+              </a:spcBef>
+              <a:spcAft>
+                <a:spcPts val="0"/>
+              </a:spcAft>
+              <a:buClrTx/>
+              <a:buSzTx/>
+              <a:buFontTx/>
+              <a:buNone/>
+              <a:tabLst/>
+              <a:defRPr/>
+            </a:pPr>
+            <a:r>
+              <a:rPr kumimoji="0" lang="en-GB" sz="1400" b="0" i="0" u="none" strike="noStrike" kern="1200" cap="none" spc="0" normalizeH="0" baseline="0" noProof="0" dirty="0">
+                <a:ln>
+                  <a:noFill/>
+                </a:ln>
+                <a:solidFill>
+                  <a:prstClr val="white"/>
+                </a:solidFill>
+                <a:effectLst/>
+                <a:uLnTx/>
+                <a:uFillTx/>
+                <a:latin typeface="Calibri" panose="020F0502020204030204"/>
+                <a:ea typeface="+mn-ea"/>
+                <a:cs typeface="+mn-cs"/>
+              </a:rPr>
+              <a:t>https://</a:t>
+            </a:r>
+            <a:r>
+              <a:rPr kumimoji="0" lang="en-GB" sz="1400" b="0" i="0" u="none" strike="noStrike" kern="1200" cap="none" spc="0" normalizeH="0" baseline="0" noProof="0" dirty="0" err="1">
+                <a:ln>
+                  <a:noFill/>
+                </a:ln>
+                <a:solidFill>
+                  <a:prstClr val="white"/>
+                </a:solidFill>
+                <a:effectLst/>
+                <a:uLnTx/>
+                <a:uFillTx/>
+                <a:latin typeface="Calibri" panose="020F0502020204030204"/>
+                <a:ea typeface="+mn-ea"/>
+                <a:cs typeface="+mn-cs"/>
+              </a:rPr>
+              <a:t>survey.stackoverflow.co</a:t>
+            </a:r>
+            <a:r>
+              <a:rPr kumimoji="0" lang="en-GB" sz="1400" b="0" i="0" u="none" strike="noStrike" kern="1200" cap="none" spc="0" normalizeH="0" baseline="0" noProof="0" dirty="0">
+                <a:ln>
+                  <a:noFill/>
+                </a:ln>
+                <a:solidFill>
+                  <a:prstClr val="white"/>
+                </a:solidFill>
+                <a:effectLst/>
+                <a:uLnTx/>
+                <a:uFillTx/>
+                <a:latin typeface="Calibri" panose="020F0502020204030204"/>
+                <a:ea typeface="+mn-ea"/>
+                <a:cs typeface="+mn-cs"/>
+              </a:rPr>
+              <a:t>/2023/#technology</a:t>
+            </a:r>
+          </a:p>
+        </p:txBody>
+      </p:sp>
+      <p:pic>
+        <p:nvPicPr>
+          <p:cNvPr id="2" name="Picture 1">
+            <a:extLst>
+              <a:ext uri="{FF2B5EF4-FFF2-40B4-BE49-F238E27FC236}">
+                <a16:creationId xmlns:a16="http://schemas.microsoft.com/office/drawing/2014/main" id="{00D04C65-A8D3-F4DF-351A-9C12B965FD3F}"/>
+              </a:ext>
+            </a:extLst>
+          </p:cNvPr>
+          <p:cNvPicPr>
+            <a:picLocks noChangeAspect="1"/>
+          </p:cNvPicPr>
+          <p:nvPr/>
+        </p:nvPicPr>
+        <p:blipFill>
+          <a:blip r:embed="rId2"/>
+          <a:stretch>
+            <a:fillRect/>
+          </a:stretch>
+        </p:blipFill>
+        <p:spPr>
+          <a:xfrm>
+            <a:off x="729332" y="1273966"/>
+            <a:ext cx="5155923" cy="4509054"/>
+          </a:xfrm>
+          <a:prstGeom prst="rect">
+            <a:avLst/>
+          </a:prstGeom>
         </p:spPr>
       </p:pic>
+      <p:sp>
+        <p:nvSpPr>
+          <p:cNvPr id="4" name="Rectangle: Rounded Corners 3">
+            <a:extLst>
+              <a:ext uri="{FF2B5EF4-FFF2-40B4-BE49-F238E27FC236}">
+                <a16:creationId xmlns:a16="http://schemas.microsoft.com/office/drawing/2014/main" id="{439981D7-B7E2-EE7E-2355-39C38D495B1C}"/>
+              </a:ext>
+            </a:extLst>
+          </p:cNvPr>
+          <p:cNvSpPr/>
+          <p:nvPr/>
+        </p:nvSpPr>
+        <p:spPr>
+          <a:xfrm>
+            <a:off x="824948" y="1202635"/>
+            <a:ext cx="4880113" cy="944217"/>
+          </a:xfrm>
+          <a:prstGeom prst="roundRect">
+            <a:avLst/>
+          </a:prstGeom>
+          <a:noFill/>
+          <a:ln w="38100">
+            <a:solidFill>
+              <a:srgbClr val="FFFF00"/>
+            </a:solidFill>
+          </a:ln>
+        </p:spPr>
+        <p:style>
+          <a:lnRef idx="2">
+            <a:schemeClr val="accent1">
+              <a:shade val="15000"/>
+            </a:schemeClr>
+          </a:lnRef>
+          <a:fillRef idx="1">
+            <a:schemeClr val="accent1"/>
+          </a:fillRef>
+          <a:effectRef idx="0">
+            <a:schemeClr val="accent1"/>
+          </a:effectRef>
+          <a:fontRef idx="minor">
+            <a:schemeClr val="lt1"/>
+          </a:fontRef>
+        </p:style>
+        <p:txBody>
+          <a:bodyPr rtlCol="0" anchor="ctr"/>
+          <a:lstStyle/>
+          <a:p>
+            <a:pPr algn="ctr"/>
+            <a:endParaRPr lang="en-GB"/>
+          </a:p>
+        </p:txBody>
+      </p:sp>
     </p:spTree>
     <p:extLst>
       <p:ext uri="{BB962C8B-B14F-4D97-AF65-F5344CB8AC3E}">
-        <p14:creationId xmlns:p14="http://schemas.microsoft.com/office/powerpoint/2010/main" val="920466972"/>
+        <p14:creationId xmlns:p14="http://schemas.microsoft.com/office/powerpoint/2010/main" val="2039823705"/>
       </p:ext>
     </p:extLst>
   </p:cSld>
@@ -10177,406 +11907,6 @@
       </p:grpSpPr>
       <p:sp>
         <p:nvSpPr>
-          <p:cNvPr id="12" name="Title 1">
-            <a:extLst>
-              <a:ext uri="{FF2B5EF4-FFF2-40B4-BE49-F238E27FC236}">
-                <a16:creationId xmlns:a16="http://schemas.microsoft.com/office/drawing/2014/main" id="{C04B1BCC-A90E-4957-8C7D-0153633F146C}"/>
-              </a:ext>
-            </a:extLst>
-          </p:cNvPr>
-          <p:cNvSpPr txBox="1">
-            <a:spLocks/>
-          </p:cNvSpPr>
-          <p:nvPr/>
-        </p:nvSpPr>
-        <p:spPr>
-          <a:xfrm>
-            <a:off x="107877" y="159105"/>
-            <a:ext cx="7978848" cy="869595"/>
-          </a:xfrm>
-          <a:prstGeom prst="rect">
-            <a:avLst/>
-          </a:prstGeom>
-          <a:solidFill>
-            <a:srgbClr val="122B39"/>
-          </a:solidFill>
-        </p:spPr>
-        <p:txBody>
-          <a:bodyPr vert="horz" lIns="91440" tIns="45720" rIns="91440" bIns="45720" rtlCol="0" anchor="b">
-            <a:normAutofit/>
-          </a:bodyPr>
-          <a:lstStyle>
-            <a:lvl1pPr algn="ctr" defTabSz="914400" rtl="0" eaLnBrk="1" latinLnBrk="0" hangingPunct="1">
-              <a:lnSpc>
-                <a:spcPct val="90000"/>
-              </a:lnSpc>
-              <a:spcBef>
-                <a:spcPct val="0"/>
-              </a:spcBef>
-              <a:buNone/>
-              <a:defRPr sz="6000" kern="1200">
-                <a:solidFill>
-                  <a:schemeClr val="tx1"/>
-                </a:solidFill>
-                <a:latin typeface="+mj-lt"/>
-                <a:ea typeface="+mj-ea"/>
-                <a:cs typeface="+mj-cs"/>
-              </a:defRPr>
-            </a:lvl1pPr>
-          </a:lstStyle>
-          <a:p>
-            <a:pPr marL="0" marR="0" lvl="0" indent="0" algn="ctr" defTabSz="914400" rtl="0" eaLnBrk="1" fontAlgn="auto" latinLnBrk="0" hangingPunct="1">
-              <a:lnSpc>
-                <a:spcPct val="90000"/>
-              </a:lnSpc>
-              <a:spcBef>
-                <a:spcPct val="0"/>
-              </a:spcBef>
-              <a:spcAft>
-                <a:spcPts val="0"/>
-              </a:spcAft>
-              <a:buClrTx/>
-              <a:buSzTx/>
-              <a:buFontTx/>
-              <a:buNone/>
-              <a:tabLst/>
-              <a:defRPr/>
-            </a:pPr>
-            <a:r>
-              <a:rPr kumimoji="0" lang="en-GB" sz="4800" b="0" i="0" u="none" strike="noStrike" kern="1200" cap="none" spc="0" normalizeH="0" baseline="0" noProof="0" dirty="0">
-                <a:ln>
-                  <a:noFill/>
-                </a:ln>
-                <a:solidFill>
-                  <a:prstClr val="white"/>
-                </a:solidFill>
-                <a:effectLst/>
-                <a:uLnTx/>
-                <a:uFillTx/>
-                <a:latin typeface="Circular Std Book" panose="020B0604020101020102" pitchFamily="34" charset="0"/>
-                <a:ea typeface="+mj-ea"/>
-                <a:cs typeface="Circular Std Book" panose="020B0604020101020102" pitchFamily="34" charset="0"/>
-              </a:rPr>
-              <a:t>Most used languages, 2023</a:t>
-            </a:r>
-            <a:r>
-              <a:rPr kumimoji="0" lang="en-GB" sz="4800" b="0" i="0" u="none" strike="noStrike" kern="1200" cap="none" spc="0" normalizeH="0" baseline="0" noProof="0" dirty="0">
-                <a:ln>
-                  <a:noFill/>
-                </a:ln>
-                <a:solidFill>
-                  <a:srgbClr val="F4C245"/>
-                </a:solidFill>
-                <a:effectLst/>
-                <a:uLnTx/>
-                <a:uFillTx/>
-                <a:latin typeface="Circular Std Book" panose="020B0604020101020102" pitchFamily="34" charset="0"/>
-                <a:ea typeface="+mj-ea"/>
-                <a:cs typeface="Circular Std Book" panose="020B0604020101020102" pitchFamily="34" charset="0"/>
-              </a:rPr>
-              <a:t>.</a:t>
-            </a:r>
-          </a:p>
-        </p:txBody>
-      </p:sp>
-      <p:sp>
-        <p:nvSpPr>
-          <p:cNvPr id="14" name="TextBox 13">
-            <a:extLst>
-              <a:ext uri="{FF2B5EF4-FFF2-40B4-BE49-F238E27FC236}">
-                <a16:creationId xmlns:a16="http://schemas.microsoft.com/office/drawing/2014/main" id="{16682E1C-D58A-4CA1-90DF-828094AFB764}"/>
-              </a:ext>
-            </a:extLst>
-          </p:cNvPr>
-          <p:cNvSpPr txBox="1"/>
-          <p:nvPr/>
-        </p:nvSpPr>
-        <p:spPr>
-          <a:xfrm>
-            <a:off x="655800" y="5868495"/>
-            <a:ext cx="5440200" cy="307777"/>
-          </a:xfrm>
-          <a:prstGeom prst="rect">
-            <a:avLst/>
-          </a:prstGeom>
-          <a:noFill/>
-        </p:spPr>
-        <p:txBody>
-          <a:bodyPr wrap="square">
-            <a:spAutoFit/>
-          </a:bodyPr>
-          <a:lstStyle/>
-          <a:p>
-            <a:pPr marL="0" marR="0" lvl="0" indent="0" algn="l" defTabSz="914400" rtl="0" eaLnBrk="1" fontAlgn="auto" latinLnBrk="0" hangingPunct="1">
-              <a:lnSpc>
-                <a:spcPct val="100000"/>
-              </a:lnSpc>
-              <a:spcBef>
-                <a:spcPts val="0"/>
-              </a:spcBef>
-              <a:spcAft>
-                <a:spcPts val="0"/>
-              </a:spcAft>
-              <a:buClrTx/>
-              <a:buSzTx/>
-              <a:buFontTx/>
-              <a:buNone/>
-              <a:tabLst/>
-              <a:defRPr/>
-            </a:pPr>
-            <a:r>
-              <a:rPr kumimoji="0" lang="en-GB" sz="1400" b="0" i="0" u="none" strike="noStrike" kern="1200" cap="none" spc="0" normalizeH="0" baseline="0" noProof="0" dirty="0">
-                <a:ln>
-                  <a:noFill/>
-                </a:ln>
-                <a:solidFill>
-                  <a:prstClr val="white"/>
-                </a:solidFill>
-                <a:effectLst/>
-                <a:uLnTx/>
-                <a:uFillTx/>
-                <a:latin typeface="Calibri" panose="020F0502020204030204"/>
-                <a:ea typeface="+mn-ea"/>
-                <a:cs typeface="+mn-cs"/>
-              </a:rPr>
-              <a:t>https://</a:t>
-            </a:r>
-            <a:r>
-              <a:rPr kumimoji="0" lang="en-GB" sz="1400" b="0" i="0" u="none" strike="noStrike" kern="1200" cap="none" spc="0" normalizeH="0" baseline="0" noProof="0" dirty="0" err="1">
-                <a:ln>
-                  <a:noFill/>
-                </a:ln>
-                <a:solidFill>
-                  <a:prstClr val="white"/>
-                </a:solidFill>
-                <a:effectLst/>
-                <a:uLnTx/>
-                <a:uFillTx/>
-                <a:latin typeface="Calibri" panose="020F0502020204030204"/>
-                <a:ea typeface="+mn-ea"/>
-                <a:cs typeface="+mn-cs"/>
-              </a:rPr>
-              <a:t>survey.stackoverflow.co</a:t>
-            </a:r>
-            <a:r>
-              <a:rPr kumimoji="0" lang="en-GB" sz="1400" b="0" i="0" u="none" strike="noStrike" kern="1200" cap="none" spc="0" normalizeH="0" baseline="0" noProof="0" dirty="0">
-                <a:ln>
-                  <a:noFill/>
-                </a:ln>
-                <a:solidFill>
-                  <a:prstClr val="white"/>
-                </a:solidFill>
-                <a:effectLst/>
-                <a:uLnTx/>
-                <a:uFillTx/>
-                <a:latin typeface="Calibri" panose="020F0502020204030204"/>
-                <a:ea typeface="+mn-ea"/>
-                <a:cs typeface="+mn-cs"/>
-              </a:rPr>
-              <a:t>/2023/#technology</a:t>
-            </a:r>
-          </a:p>
-        </p:txBody>
-      </p:sp>
-      <p:sp>
-        <p:nvSpPr>
-          <p:cNvPr id="6" name="TextBox 5">
-            <a:extLst>
-              <a:ext uri="{FF2B5EF4-FFF2-40B4-BE49-F238E27FC236}">
-                <a16:creationId xmlns:a16="http://schemas.microsoft.com/office/drawing/2014/main" id="{0408A317-749B-4872-9D88-959DB0F82CCD}"/>
-              </a:ext>
-            </a:extLst>
-          </p:cNvPr>
-          <p:cNvSpPr txBox="1"/>
-          <p:nvPr/>
-        </p:nvSpPr>
-        <p:spPr>
-          <a:xfrm>
-            <a:off x="5992934" y="5883883"/>
-            <a:ext cx="8136722" cy="276999"/>
-          </a:xfrm>
-          <a:prstGeom prst="rect">
-            <a:avLst/>
-          </a:prstGeom>
-          <a:noFill/>
-        </p:spPr>
-        <p:txBody>
-          <a:bodyPr wrap="square">
-            <a:spAutoFit/>
-          </a:bodyPr>
-          <a:lstStyle/>
-          <a:p>
-            <a:pPr marL="0" marR="0" lvl="0" indent="0" algn="l" defTabSz="914400" rtl="0" eaLnBrk="1" fontAlgn="auto" latinLnBrk="0" hangingPunct="1">
-              <a:lnSpc>
-                <a:spcPct val="100000"/>
-              </a:lnSpc>
-              <a:spcBef>
-                <a:spcPts val="0"/>
-              </a:spcBef>
-              <a:spcAft>
-                <a:spcPts val="0"/>
-              </a:spcAft>
-              <a:buClrTx/>
-              <a:buSzTx/>
-              <a:buFontTx/>
-              <a:buNone/>
-              <a:tabLst/>
-              <a:defRPr/>
-            </a:pPr>
-            <a:r>
-              <a:rPr kumimoji="0" lang="en-GB" sz="1200" b="0" i="0" u="none" strike="noStrike" kern="1200" cap="none" spc="0" normalizeH="0" baseline="0" noProof="0" dirty="0">
-                <a:ln>
-                  <a:noFill/>
-                </a:ln>
-                <a:solidFill>
-                  <a:prstClr val="white"/>
-                </a:solidFill>
-                <a:effectLst/>
-                <a:uLnTx/>
-                <a:uFillTx/>
-                <a:latin typeface="Calibri" panose="020F0502020204030204"/>
-                <a:ea typeface="+mn-ea"/>
-                <a:cs typeface="+mn-cs"/>
-              </a:rPr>
-              <a:t>https://</a:t>
-            </a:r>
-            <a:r>
-              <a:rPr kumimoji="0" lang="en-GB" sz="1200" b="0" i="0" u="none" strike="noStrike" kern="1200" cap="none" spc="0" normalizeH="0" baseline="0" noProof="0" dirty="0" err="1">
-                <a:ln>
-                  <a:noFill/>
-                </a:ln>
-                <a:solidFill>
-                  <a:prstClr val="white"/>
-                </a:solidFill>
-                <a:effectLst/>
-                <a:uLnTx/>
-                <a:uFillTx/>
-                <a:latin typeface="Calibri" panose="020F0502020204030204"/>
-                <a:ea typeface="+mn-ea"/>
-                <a:cs typeface="+mn-cs"/>
-              </a:rPr>
-              <a:t>survey.stackoverflow.co</a:t>
-            </a:r>
-            <a:r>
-              <a:rPr kumimoji="0" lang="en-GB" sz="1200" b="0" i="0" u="none" strike="noStrike" kern="1200" cap="none" spc="0" normalizeH="0" baseline="0" noProof="0" dirty="0">
-                <a:ln>
-                  <a:noFill/>
-                </a:ln>
-                <a:solidFill>
-                  <a:prstClr val="white"/>
-                </a:solidFill>
-                <a:effectLst/>
-                <a:uLnTx/>
-                <a:uFillTx/>
-                <a:latin typeface="Calibri" panose="020F0502020204030204"/>
-                <a:ea typeface="+mn-ea"/>
-                <a:cs typeface="+mn-cs"/>
-              </a:rPr>
-              <a:t>/2023/#technology-worked-with-vs-want-to-work-with</a:t>
-            </a:r>
-          </a:p>
-        </p:txBody>
-      </p:sp>
-      <p:pic>
-        <p:nvPicPr>
-          <p:cNvPr id="2" name="Picture 1">
-            <a:extLst>
-              <a:ext uri="{FF2B5EF4-FFF2-40B4-BE49-F238E27FC236}">
-                <a16:creationId xmlns:a16="http://schemas.microsoft.com/office/drawing/2014/main" id="{00D04C65-A8D3-F4DF-351A-9C12B965FD3F}"/>
-              </a:ext>
-            </a:extLst>
-          </p:cNvPr>
-          <p:cNvPicPr>
-            <a:picLocks noChangeAspect="1"/>
-          </p:cNvPicPr>
-          <p:nvPr/>
-        </p:nvPicPr>
-        <p:blipFill>
-          <a:blip r:embed="rId2"/>
-          <a:stretch>
-            <a:fillRect/>
-          </a:stretch>
-        </p:blipFill>
-        <p:spPr>
-          <a:xfrm>
-            <a:off x="729332" y="1273966"/>
-            <a:ext cx="5155923" cy="4509054"/>
-          </a:xfrm>
-          <a:prstGeom prst="rect">
-            <a:avLst/>
-          </a:prstGeom>
-        </p:spPr>
-      </p:pic>
-      <p:pic>
-        <p:nvPicPr>
-          <p:cNvPr id="3" name="Picture 2">
-            <a:extLst>
-              <a:ext uri="{FF2B5EF4-FFF2-40B4-BE49-F238E27FC236}">
-                <a16:creationId xmlns:a16="http://schemas.microsoft.com/office/drawing/2014/main" id="{5C9CCBD1-1D3F-99AB-8939-52A127BC3989}"/>
-              </a:ext>
-            </a:extLst>
-          </p:cNvPr>
-          <p:cNvPicPr>
-            <a:picLocks noChangeAspect="1"/>
-          </p:cNvPicPr>
-          <p:nvPr/>
-        </p:nvPicPr>
-        <p:blipFill>
-          <a:blip r:embed="rId3"/>
-          <a:stretch>
-            <a:fillRect/>
-          </a:stretch>
-        </p:blipFill>
-        <p:spPr>
-          <a:xfrm>
-            <a:off x="6096000" y="1273966"/>
-            <a:ext cx="5366668" cy="4528970"/>
-          </a:xfrm>
-          <a:prstGeom prst="rect">
-            <a:avLst/>
-          </a:prstGeom>
-        </p:spPr>
-      </p:pic>
-    </p:spTree>
-    <p:extLst>
-      <p:ext uri="{BB962C8B-B14F-4D97-AF65-F5344CB8AC3E}">
-        <p14:creationId xmlns:p14="http://schemas.microsoft.com/office/powerpoint/2010/main" val="2039823705"/>
-      </p:ext>
-    </p:extLst>
-  </p:cSld>
-  <p:clrMapOvr>
-    <a:masterClrMapping/>
-  </p:clrMapOvr>
-</p:sld>
-</file>
-
-<file path=ppt/slides/slide7.xml><?xml version="1.0" encoding="utf-8"?>
-<p:sld xmlns:a="http://schemas.openxmlformats.org/drawingml/2006/main" xmlns:r="http://schemas.openxmlformats.org/officeDocument/2006/relationships" xmlns:p="http://schemas.openxmlformats.org/presentationml/2006/main">
-  <p:cSld>
-    <p:bg>
-      <p:bgPr>
-        <a:solidFill>
-          <a:srgbClr val="122B39"/>
-        </a:solidFill>
-        <a:effectLst/>
-      </p:bgPr>
-    </p:bg>
-    <p:spTree>
-      <p:nvGrpSpPr>
-        <p:cNvPr id="1" name=""/>
-        <p:cNvGrpSpPr/>
-        <p:nvPr/>
-      </p:nvGrpSpPr>
-      <p:grpSpPr>
-        <a:xfrm>
-          <a:off x="0" y="0"/>
-          <a:ext cx="0" cy="0"/>
-          <a:chOff x="0" y="0"/>
-          <a:chExt cx="0" cy="0"/>
-        </a:xfrm>
-      </p:grpSpPr>
-      <p:sp>
-        <p:nvSpPr>
           <p:cNvPr id="2" name="Title 1">
             <a:extLst>
               <a:ext uri="{FF2B5EF4-FFF2-40B4-BE49-F238E27FC236}">
@@ -10653,9 +11983,97 @@
         </p:spPr>
         <p:txBody>
           <a:bodyPr>
-            <a:normAutofit fontScale="85000" lnSpcReduction="10000"/>
+            <a:normAutofit/>
           </a:bodyPr>
           <a:lstStyle/>
+          <a:p>
+            <a:pPr marL="0" indent="0">
+              <a:lnSpc>
+                <a:spcPct val="150000"/>
+              </a:lnSpc>
+              <a:buNone/>
+            </a:pPr>
+            <a:r>
+              <a:rPr lang="en-GB" sz="1800" dirty="0">
+                <a:solidFill>
+                  <a:srgbClr val="FFC000"/>
+                </a:solidFill>
+                <a:latin typeface="Circular Std Book" panose="020B0604020101020102" pitchFamily="34" charset="0"/>
+                <a:cs typeface="Circular Std Book" panose="020B0604020101020102" pitchFamily="34" charset="0"/>
+              </a:rPr>
+              <a:t>H</a:t>
+            </a:r>
+            <a:r>
+              <a:rPr lang="en-GB" sz="1800" dirty="0">
+                <a:solidFill>
+                  <a:srgbClr val="36B7B4"/>
+                </a:solidFill>
+                <a:latin typeface="Circular Std Book" panose="020B0604020101020102" pitchFamily="34" charset="0"/>
+                <a:cs typeface="Circular Std Book" panose="020B0604020101020102" pitchFamily="34" charset="0"/>
+              </a:rPr>
+              <a:t>yper-</a:t>
+            </a:r>
+            <a:r>
+              <a:rPr lang="en-GB" sz="1800" dirty="0">
+                <a:solidFill>
+                  <a:srgbClr val="FFC000"/>
+                </a:solidFill>
+                <a:latin typeface="Circular Std Book" panose="020B0604020101020102" pitchFamily="34" charset="0"/>
+                <a:cs typeface="Circular Std Book" panose="020B0604020101020102" pitchFamily="34" charset="0"/>
+              </a:rPr>
+              <a:t>T</a:t>
+            </a:r>
+            <a:r>
+              <a:rPr lang="en-GB" sz="1800" dirty="0">
+                <a:solidFill>
+                  <a:srgbClr val="36B7B4"/>
+                </a:solidFill>
+                <a:latin typeface="Circular Std Book" panose="020B0604020101020102" pitchFamily="34" charset="0"/>
+                <a:cs typeface="Circular Std Book" panose="020B0604020101020102" pitchFamily="34" charset="0"/>
+              </a:rPr>
+              <a:t>ext </a:t>
+            </a:r>
+            <a:r>
+              <a:rPr lang="en-GB" sz="1800" dirty="0">
+                <a:solidFill>
+                  <a:srgbClr val="FFC000"/>
+                </a:solidFill>
+                <a:latin typeface="Circular Std Book" panose="020B0604020101020102" pitchFamily="34" charset="0"/>
+                <a:cs typeface="Circular Std Book" panose="020B0604020101020102" pitchFamily="34" charset="0"/>
+              </a:rPr>
+              <a:t>M</a:t>
+            </a:r>
+            <a:r>
+              <a:rPr lang="en-GB" sz="1800" dirty="0">
+                <a:solidFill>
+                  <a:srgbClr val="36B7B4"/>
+                </a:solidFill>
+                <a:latin typeface="Circular Std Book" panose="020B0604020101020102" pitchFamily="34" charset="0"/>
+                <a:cs typeface="Circular Std Book" panose="020B0604020101020102" pitchFamily="34" charset="0"/>
+              </a:rPr>
+              <a:t>arkup </a:t>
+            </a:r>
+            <a:r>
+              <a:rPr lang="en-GB" sz="1800" dirty="0">
+                <a:solidFill>
+                  <a:srgbClr val="FFC000"/>
+                </a:solidFill>
+                <a:latin typeface="Circular Std Book" panose="020B0604020101020102" pitchFamily="34" charset="0"/>
+                <a:cs typeface="Circular Std Book" panose="020B0604020101020102" pitchFamily="34" charset="0"/>
+              </a:rPr>
+              <a:t>L</a:t>
+            </a:r>
+            <a:r>
+              <a:rPr lang="en-GB" sz="1800" dirty="0">
+                <a:solidFill>
+                  <a:srgbClr val="36B7B4"/>
+                </a:solidFill>
+                <a:latin typeface="Circular Std Book" panose="020B0604020101020102" pitchFamily="34" charset="0"/>
+                <a:cs typeface="Circular Std Book" panose="020B0604020101020102" pitchFamily="34" charset="0"/>
+              </a:rPr>
+              <a:t>anguage</a:t>
+            </a:r>
+          </a:p>
           <a:p>
             <a:pPr>
               <a:lnSpc>
@@ -10670,7 +12088,7 @@
                 <a:latin typeface="Circular Std Book" panose="020B0604020101020102" pitchFamily="34" charset="0"/>
                 <a:cs typeface="Circular Std Book" panose="020B0604020101020102" pitchFamily="34" charset="0"/>
               </a:rPr>
-              <a:t>HT. </a:t>
+              <a:t>1993. </a:t>
             </a:r>
             <a:r>
               <a:rPr lang="en-GB" sz="1800" dirty="0">
@@ -10680,104 +12098,7 @@
                 <a:latin typeface="Circular Std Book" panose="020B0604020101020102" pitchFamily="34" charset="0"/>
                 <a:cs typeface="Circular Std Book" panose="020B0604020101020102" pitchFamily="34" charset="0"/>
               </a:rPr>
-              <a:t>Hypertext.</a:t>
-            </a:r>
-          </a:p>
-          <a:p>
-            <a:pPr lvl="1">
-              <a:lnSpc>
-                <a:spcPct val="150000"/>
-              </a:lnSpc>
-            </a:pPr>
-            <a:r>
-              <a:rPr lang="en-GB" sz="1800" dirty="0">
-                <a:solidFill>
-                  <a:schemeClr val="bg1"/>
-                </a:solidFill>
-                <a:latin typeface="Circular Std Book" panose="020B0604020101020102" pitchFamily="34" charset="0"/>
-                <a:cs typeface="Circular Std Book" panose="020B0604020101020102" pitchFamily="34" charset="0"/>
-              </a:rPr>
-              <a:t>As in http:// (</a:t>
-            </a:r>
-            <a:r>
-              <a:rPr lang="en-GB" sz="1800" dirty="0">
-                <a:solidFill>
-                  <a:srgbClr val="F4C245"/>
-                </a:solidFill>
-                <a:latin typeface="Circular Std Book" panose="020B0604020101020102" pitchFamily="34" charset="0"/>
-                <a:cs typeface="Circular Std Book" panose="020B0604020101020102" pitchFamily="34" charset="0"/>
-              </a:rPr>
-              <a:t>H</a:t>
-            </a:r>
-            <a:r>
-              <a:rPr lang="en-GB" sz="1800" dirty="0">
-                <a:solidFill>
-                  <a:schemeClr val="bg1"/>
-                </a:solidFill>
-                <a:latin typeface="Circular Std Book" panose="020B0604020101020102" pitchFamily="34" charset="0"/>
-                <a:cs typeface="Circular Std Book" panose="020B0604020101020102" pitchFamily="34" charset="0"/>
-              </a:rPr>
-              <a:t>yper</a:t>
-            </a:r>
-            <a:r>
-              <a:rPr lang="en-GB" sz="1800" dirty="0">
-                <a:solidFill>
-                  <a:srgbClr val="F4C245"/>
-                </a:solidFill>
-                <a:latin typeface="Circular Std Book" panose="020B0604020101020102" pitchFamily="34" charset="0"/>
-                <a:cs typeface="Circular Std Book" panose="020B0604020101020102" pitchFamily="34" charset="0"/>
-              </a:rPr>
-              <a:t>t</a:t>
-            </a:r>
-            <a:r>
-              <a:rPr lang="en-GB" sz="1800" dirty="0">
-                <a:solidFill>
-                  <a:schemeClr val="bg1"/>
-                </a:solidFill>
-                <a:latin typeface="Circular Std Book" panose="020B0604020101020102" pitchFamily="34" charset="0"/>
-                <a:cs typeface="Circular Std Book" panose="020B0604020101020102" pitchFamily="34" charset="0"/>
-              </a:rPr>
-              <a:t>ext </a:t>
-            </a:r>
-            <a:r>
-              <a:rPr lang="en-GB" sz="1800" dirty="0">
-                <a:solidFill>
-                  <a:srgbClr val="F4C245"/>
-                </a:solidFill>
-                <a:latin typeface="Circular Std Book" panose="020B0604020101020102" pitchFamily="34" charset="0"/>
-                <a:cs typeface="Circular Std Book" panose="020B0604020101020102" pitchFamily="34" charset="0"/>
-              </a:rPr>
-              <a:t>T</a:t>
-            </a:r>
-            <a:r>
-              <a:rPr lang="en-GB" sz="1800" dirty="0">
-                <a:solidFill>
-                  <a:schemeClr val="bg1"/>
-                </a:solidFill>
-                <a:latin typeface="Circular Std Book" panose="020B0604020101020102" pitchFamily="34" charset="0"/>
-                <a:cs typeface="Circular Std Book" panose="020B0604020101020102" pitchFamily="34" charset="0"/>
-              </a:rPr>
-              <a:t>ransfer </a:t>
-            </a:r>
-            <a:r>
-              <a:rPr lang="en-GB" sz="1800" dirty="0">
-                <a:solidFill>
-                  <a:srgbClr val="F4C245"/>
-                </a:solidFill>
-                <a:latin typeface="Circular Std Book" panose="020B0604020101020102" pitchFamily="34" charset="0"/>
-                <a:cs typeface="Circular Std Book" panose="020B0604020101020102" pitchFamily="34" charset="0"/>
-              </a:rPr>
-              <a:t>P</a:t>
-            </a:r>
-            <a:r>
-              <a:rPr lang="en-GB" sz="1800" dirty="0">
-                <a:solidFill>
-                  <a:schemeClr val="bg1"/>
-                </a:solidFill>
-                <a:latin typeface="Circular Std Book" panose="020B0604020101020102" pitchFamily="34" charset="0"/>
-                <a:cs typeface="Circular Std Book" panose="020B0604020101020102" pitchFamily="34" charset="0"/>
-              </a:rPr>
-              <a:t>rotocol)</a:t>
+              <a:t>Invented at CERN by Tim Berners-Lee.</a:t>
             </a:r>
           </a:p>
           <a:p>
@@ -10794,7 +12115,7 @@
                 <a:latin typeface="Circular Std Book" panose="020B0604020101020102" pitchFamily="34" charset="0"/>
                 <a:cs typeface="Circular Std Book" panose="020B0604020101020102" pitchFamily="34" charset="0"/>
               </a:rPr>
-              <a:t>ML. </a:t>
+              <a:t>Big idea. </a:t>
             </a:r>
             <a:r>
               <a:rPr lang="en-GB" sz="1800" dirty="0">
@@ -10804,115 +12125,7 @@
                 <a:latin typeface="Circular Std Book" panose="020B0604020101020102" pitchFamily="34" charset="0"/>
                 <a:cs typeface="Circular Std Book" panose="020B0604020101020102" pitchFamily="34" charset="0"/>
               </a:rPr>
-              <a:t>Markup language</a:t>
-            </a:r>
-          </a:p>
-          <a:p>
-            <a:pPr>
-              <a:lnSpc>
-                <a:spcPct val="150000"/>
-              </a:lnSpc>
-            </a:pPr>
-            <a:r>
-              <a:rPr lang="en-GB" sz="1800" b="1" dirty="0">
-                <a:solidFill>
-                  <a:srgbClr val="36B7B4"/>
-                </a:solidFill>
-                <a:latin typeface="Circular Std Book" panose="020B0604020101020102" pitchFamily="34" charset="0"/>
-                <a:cs typeface="Circular Std Book" panose="020B0604020101020102" pitchFamily="34" charset="0"/>
-              </a:rPr>
-              <a:t>1993. </a:t>
-            </a:r>
-            <a:r>
-              <a:rPr lang="en-GB" sz="1800" dirty="0">
-                <a:solidFill>
-                  <a:schemeClr val="bg1"/>
-                </a:solidFill>
-                <a:latin typeface="Circular Std Book" panose="020B0604020101020102" pitchFamily="34" charset="0"/>
-                <a:cs typeface="Circular Std Book" panose="020B0604020101020102" pitchFamily="34" charset="0"/>
-              </a:rPr>
-              <a:t>Invented at CERN by Tim Berners-Lee.</a:t>
-            </a:r>
-          </a:p>
-          <a:p>
-            <a:pPr>
-              <a:lnSpc>
-                <a:spcPct val="150000"/>
-              </a:lnSpc>
-            </a:pPr>
-            <a:r>
-              <a:rPr lang="en-GB" sz="1800" b="1" dirty="0">
-                <a:solidFill>
-                  <a:srgbClr val="36B7B4"/>
-                </a:solidFill>
-                <a:latin typeface="Circular Std Book" panose="020B0604020101020102" pitchFamily="34" charset="0"/>
-                <a:cs typeface="Circular Std Book" panose="020B0604020101020102" pitchFamily="34" charset="0"/>
-              </a:rPr>
-              <a:t>1994.</a:t>
-            </a:r>
-            <a:r>
-              <a:rPr lang="en-GB" sz="1800" dirty="0">
-                <a:solidFill>
-                  <a:schemeClr val="bg1"/>
-                </a:solidFill>
-                <a:latin typeface="Circular Std Book" panose="020B0604020101020102" pitchFamily="34" charset="0"/>
-                <a:cs typeface="Circular Std Book" panose="020B0604020101020102" pitchFamily="34" charset="0"/>
-              </a:rPr>
-              <a:t> Dave Raggett (Hewlett Packard, Bristol), develops HTML+ and Arena browser. </a:t>
-            </a:r>
-          </a:p>
-          <a:p>
-            <a:pPr>
-              <a:lnSpc>
-                <a:spcPct val="150000"/>
-              </a:lnSpc>
-            </a:pPr>
-            <a:r>
-              <a:rPr lang="en-GB" sz="1800" dirty="0">
-                <a:solidFill>
-                  <a:srgbClr val="36B7B4"/>
-                </a:solidFill>
-                <a:latin typeface="Circular Std Book" panose="020B0604020101020102" pitchFamily="34" charset="0"/>
-                <a:cs typeface="Circular Std Book" panose="020B0604020101020102" pitchFamily="34" charset="0"/>
-              </a:rPr>
-              <a:t>1995</a:t>
-            </a:r>
-            <a:r>
-              <a:rPr lang="en-GB" sz="1800" dirty="0">
-                <a:solidFill>
-                  <a:schemeClr val="bg1"/>
-                </a:solidFill>
-                <a:latin typeface="Circular Std Book" panose="020B0604020101020102" pitchFamily="34" charset="0"/>
-                <a:cs typeface="Circular Std Book" panose="020B0604020101020102" pitchFamily="34" charset="0"/>
-              </a:rPr>
-              <a:t>.  WC3 guidelines published, to end browser wars.</a:t>
-            </a:r>
-          </a:p>
-          <a:p>
-            <a:pPr>
-              <a:lnSpc>
-                <a:spcPct val="150000"/>
-              </a:lnSpc>
-            </a:pPr>
-            <a:r>
-              <a:rPr lang="en-GB" sz="1800" b="1" dirty="0">
-                <a:solidFill>
-                  <a:srgbClr val="36B7B4"/>
-                </a:solidFill>
-                <a:latin typeface="Circular Std Book" panose="020B0604020101020102" pitchFamily="34" charset="0"/>
-                <a:cs typeface="Circular Std Book" panose="020B0604020101020102" pitchFamily="34" charset="0"/>
-              </a:rPr>
-              <a:t>Big idea. </a:t>
-            </a:r>
-            <a:r>
-              <a:rPr lang="en-GB" sz="1800" dirty="0">
-                <a:solidFill>
-                  <a:schemeClr val="bg1"/>
-                </a:solidFill>
-                <a:latin typeface="Circular Std Book" panose="020B0604020101020102" pitchFamily="34" charset="0"/>
-                <a:cs typeface="Circular Std Book" panose="020B0604020101020102" pitchFamily="34" charset="0"/>
-              </a:rPr>
-              <a:t>The HT in the name is the big idea. There were lots of markup languages (SGML for example) but TBN idea was to link documents together, it added hyperlinks. </a:t>
+              <a:t>The HT in the name is the big idea. There are/were lots of markup languages but HTML linked joined documents together, by adding hyperlinks. </a:t>
             </a:r>
           </a:p>
           <a:p>
@@ -11203,7 +12416,7 @@
         <p:spPr>
           <a:xfrm>
             <a:off x="6377264" y="4923269"/>
-            <a:ext cx="6096000" cy="307777"/>
+            <a:ext cx="6096000" cy="261610"/>
           </a:xfrm>
           <a:prstGeom prst="rect">
             <a:avLst/>
@@ -11234,7 +12447,7 @@
               <a:defRPr/>
             </a:pPr>
             <a:r>
-              <a:rPr kumimoji="0" lang="en-GB" sz="1400" b="0" i="0" u="none" strike="noStrike" kern="1200" cap="none" spc="0" normalizeH="0" baseline="0" noProof="0" dirty="0">
+              <a:rPr kumimoji="0" lang="en-GB" sz="1100" b="0" i="0" u="none" strike="noStrike" kern="1200" cap="none" spc="0" normalizeH="0" baseline="0" noProof="0" dirty="0">
                 <a:ln>
                   <a:noFill/>
                 </a:ln>
@@ -11258,7 +12471,7 @@
               <a:t>https://home.cern/science/computing/birth-web/short-history-web</a:t>
             </a:r>
             <a:r>
-              <a:rPr kumimoji="0" lang="en-GB" sz="1400" b="0" i="0" u="none" strike="noStrike" kern="1200" cap="none" spc="0" normalizeH="0" baseline="0" noProof="0" dirty="0">
+              <a:rPr kumimoji="0" lang="en-GB" sz="1100" b="0" i="0" u="none" strike="noStrike" kern="1200" cap="none" spc="0" normalizeH="0" baseline="0" noProof="0" dirty="0">
                 <a:ln>
                   <a:noFill/>
                 </a:ln>
@@ -11290,7 +12503,7 @@
 </p:sld>
 </file>
 
-<file path=ppt/slides/slide8.xml><?xml version="1.0" encoding="utf-8"?>
+<file path=ppt/slides/slide7.xml><?xml version="1.0" encoding="utf-8"?>
 <p:sld xmlns:a="http://schemas.openxmlformats.org/drawingml/2006/main" xmlns:r="http://schemas.openxmlformats.org/officeDocument/2006/relationships" xmlns:p="http://schemas.openxmlformats.org/presentationml/2006/main">
   <p:cSld>
     <p:bg>
@@ -11471,44 +12684,6 @@
             </a:endParaRPr>
           </a:p>
           <a:p>
-            <a:br>
-              <a:rPr lang="en-US" b="0" dirty="0">
-                <a:solidFill>
-                  <a:srgbClr val="3B3B3B"/>
-                </a:solidFill>
-                <a:effectLst/>
-                <a:latin typeface="Consolas" panose="020B0609020204030204" pitchFamily="49" charset="0"/>
-              </a:rPr>
-            </a:br>
-            <a:r>
-              <a:rPr lang="en-US" b="0" dirty="0">
-                <a:solidFill>
-                  <a:srgbClr val="008000"/>
-                </a:solidFill>
-                <a:effectLst/>
-                <a:latin typeface="Consolas" panose="020B0609020204030204" pitchFamily="49" charset="0"/>
-              </a:rPr>
-              <a:t>&lt;!– </a:t>
-            </a:r>
-            <a:r>
-              <a:rPr lang="en-US" dirty="0">
-                <a:solidFill>
-                  <a:srgbClr val="008000"/>
-                </a:solidFill>
-                <a:latin typeface="Consolas" panose="020B0609020204030204" pitchFamily="49" charset="0"/>
-              </a:rPr>
-              <a:t>Charlie Meyrick</a:t>
-            </a:r>
-            <a:r>
-              <a:rPr lang="en-US" b="0" dirty="0">
-                <a:solidFill>
-                  <a:srgbClr val="008000"/>
-                </a:solidFill>
-                <a:effectLst/>
-                <a:latin typeface="Consolas" panose="020B0609020204030204" pitchFamily="49" charset="0"/>
-              </a:rPr>
-              <a:t>, Data Science --&gt;</a:t>
-            </a:r>
             <a:endParaRPr lang="en-US" b="0" dirty="0">
               <a:solidFill>
                 <a:srgbClr val="3B3B3B"/>
@@ -11526,7 +12701,26 @@
                 <a:effectLst/>
                 <a:latin typeface="Consolas" panose="020B0609020204030204" pitchFamily="49" charset="0"/>
               </a:rPr>
-              <a:t>&lt;!-- Economics Observatory, Data Science for Public Policy --&gt;</a:t>
+              <a:t>&lt;!-- </a:t>
+            </a:r>
+            <a:r>
+              <a:rPr lang="en-US" dirty="0">
+                <a:solidFill>
+                  <a:srgbClr val="008000"/>
+                </a:solidFill>
+                <a:latin typeface="Consolas" panose="020B0609020204030204" pitchFamily="49" charset="0"/>
+              </a:rPr>
+              <a:t>THIS IS A COMMENT [HIGHLIGHT TEXT, THEN CONTROL+/]</a:t>
+            </a:r>
+            <a:r>
+              <a:rPr lang="en-US" b="0" dirty="0">
+                <a:solidFill>
+                  <a:srgbClr val="008000"/>
+                </a:solidFill>
+                <a:effectLst/>
+                <a:latin typeface="Consolas" panose="020B0609020204030204" pitchFamily="49" charset="0"/>
+              </a:rPr>
+              <a:t> --&gt;</a:t>
             </a:r>
             <a:endParaRPr lang="en-US" b="0" dirty="0">
               <a:solidFill>
@@ -11537,24 +12731,15 @@
             </a:endParaRPr>
           </a:p>
           <a:p>
-            <a:br>
+            <a:r>
               <a:rPr lang="en-US" b="0" dirty="0">
                 <a:solidFill>
-                  <a:srgbClr val="3B3B3B"/>
-                </a:solidFill>
-                <a:effectLst/>
-                <a:latin typeface="Consolas" panose="020B0609020204030204" pitchFamily="49" charset="0"/>
-              </a:rPr>
-            </a:br>
-            <a:r>
-              <a:rPr lang="en-US" b="0" dirty="0">
-                <a:solidFill>
-                  <a:srgbClr val="800000"/>
-                </a:solidFill>
-                <a:effectLst/>
-                <a:latin typeface="Consolas" panose="020B0609020204030204" pitchFamily="49" charset="0"/>
-              </a:rPr>
-              <a:t>&lt;head&gt;</a:t>
+                  <a:srgbClr val="008000"/>
+                </a:solidFill>
+                <a:effectLst/>
+                <a:latin typeface="Consolas" panose="020B0609020204030204" pitchFamily="49" charset="0"/>
+              </a:rPr>
+              <a:t>&lt;!-- Economics Observatory, Data Science for Public Policy --&gt;</a:t>
             </a:r>
             <a:endParaRPr lang="en-US" b="0" dirty="0">
               <a:solidFill>
@@ -11565,7 +12750,7 @@
             </a:endParaRPr>
           </a:p>
           <a:p>
-            <a:r>
+            <a:br>
               <a:rPr lang="en-US" b="0" dirty="0">
                 <a:solidFill>
                   <a:srgbClr val="3B3B3B"/>
@@ -11573,51 +12758,16 @@
                 <a:effectLst/>
                 <a:latin typeface="Consolas" panose="020B0609020204030204" pitchFamily="49" charset="0"/>
               </a:rPr>
-              <a:t>    </a:t>
-            </a:r>
+            </a:br>
             <a:r>
               <a:rPr lang="en-US" b="0" dirty="0">
                 <a:solidFill>
-                  <a:srgbClr val="FFC000"/>
-                </a:solidFill>
-                <a:effectLst/>
-                <a:latin typeface="Consolas" panose="020B0609020204030204" pitchFamily="49" charset="0"/>
-              </a:rPr>
-              <a:t>&lt;title&gt;</a:t>
-            </a:r>
-            <a:r>
-              <a:rPr lang="en-US" b="0" dirty="0">
-                <a:solidFill>
-                  <a:schemeClr val="bg1">
-                    <a:lumMod val="95000"/>
-                  </a:schemeClr>
-                </a:solidFill>
-                <a:effectLst/>
-                <a:latin typeface="Consolas" panose="020B0609020204030204" pitchFamily="49" charset="0"/>
-              </a:rPr>
-              <a:t>Page Title</a:t>
-            </a:r>
-            <a:r>
-              <a:rPr lang="en-US" b="0" dirty="0">
-                <a:solidFill>
-                  <a:srgbClr val="FFC000"/>
-                </a:solidFill>
-                <a:effectLst/>
-                <a:latin typeface="Consolas" panose="020B0609020204030204" pitchFamily="49" charset="0"/>
-              </a:rPr>
-              <a:t>&lt;/title&gt;</a:t>
-            </a:r>
-          </a:p>
-          <a:p>
-            <a:r>
-              <a:rPr lang="en-US" b="0" dirty="0">
-                <a:solidFill>
                   <a:srgbClr val="800000"/>
                 </a:solidFill>
                 <a:effectLst/>
                 <a:latin typeface="Consolas" panose="020B0609020204030204" pitchFamily="49" charset="0"/>
               </a:rPr>
-              <a:t>&lt;/head&gt;</a:t>
+              <a:t>&lt;head&gt;</a:t>
             </a:r>
             <a:endParaRPr lang="en-US" b="0" dirty="0">
               <a:solidFill>
@@ -11628,7 +12778,7 @@
             </a:endParaRPr>
           </a:p>
           <a:p>
-            <a:br>
+            <a:r>
               <a:rPr lang="en-US" b="0" dirty="0">
                 <a:solidFill>
                   <a:srgbClr val="3B3B3B"/>
@@ -11636,16 +12786,51 @@
                 <a:effectLst/>
                 <a:latin typeface="Consolas" panose="020B0609020204030204" pitchFamily="49" charset="0"/>
               </a:rPr>
-            </a:br>
+              <a:t>    </a:t>
+            </a:r>
             <a:r>
               <a:rPr lang="en-US" b="0" dirty="0">
                 <a:solidFill>
-                  <a:srgbClr val="008000"/>
-                </a:solidFill>
-                <a:effectLst/>
-                <a:latin typeface="Consolas" panose="020B0609020204030204" pitchFamily="49" charset="0"/>
-              </a:rPr>
-              <a:t>&lt;!-- The body contains things you see --&gt;</a:t>
+                  <a:srgbClr val="FFC000"/>
+                </a:solidFill>
+                <a:effectLst/>
+                <a:latin typeface="Consolas" panose="020B0609020204030204" pitchFamily="49" charset="0"/>
+              </a:rPr>
+              <a:t>&lt;title&gt;</a:t>
+            </a:r>
+            <a:r>
+              <a:rPr lang="en-US" b="0" dirty="0">
+                <a:solidFill>
+                  <a:schemeClr val="bg1">
+                    <a:lumMod val="95000"/>
+                  </a:schemeClr>
+                </a:solidFill>
+                <a:effectLst/>
+                <a:latin typeface="Consolas" panose="020B0609020204030204" pitchFamily="49" charset="0"/>
+              </a:rPr>
+              <a:t>Page Title</a:t>
+            </a:r>
+            <a:r>
+              <a:rPr lang="en-US" b="0" dirty="0">
+                <a:solidFill>
+                  <a:srgbClr val="FFC000"/>
+                </a:solidFill>
+                <a:effectLst/>
+                <a:latin typeface="Consolas" panose="020B0609020204030204" pitchFamily="49" charset="0"/>
+              </a:rPr>
+              <a:t>&lt;/title&gt;</a:t>
+            </a:r>
+          </a:p>
+          <a:p>
+            <a:r>
+              <a:rPr lang="en-US" b="0" dirty="0">
+                <a:solidFill>
+                  <a:srgbClr val="800000"/>
+                </a:solidFill>
+                <a:effectLst/>
+                <a:latin typeface="Consolas" panose="020B0609020204030204" pitchFamily="49" charset="0"/>
+              </a:rPr>
+              <a:t>&lt;/head&gt;</a:t>
             </a:r>
             <a:endParaRPr lang="en-US" b="0" dirty="0">
               <a:solidFill>
@@ -11656,15 +12841,24 @@
             </a:endParaRPr>
           </a:p>
           <a:p>
-            <a:r>
+            <a:br>
               <a:rPr lang="en-US" b="0" dirty="0">
                 <a:solidFill>
+                  <a:srgbClr val="3B3B3B"/>
+                </a:solidFill>
+                <a:effectLst/>
+                <a:latin typeface="Consolas" panose="020B0609020204030204" pitchFamily="49" charset="0"/>
+              </a:rPr>
+            </a:br>
+            <a:r>
+              <a:rPr lang="en-US" b="0" dirty="0">
+                <a:solidFill>
                   <a:srgbClr val="008000"/>
                 </a:solidFill>
                 <a:effectLst/>
                 <a:latin typeface="Consolas" panose="020B0609020204030204" pitchFamily="49" charset="0"/>
               </a:rPr>
-              <a:t>&lt;!-- Most elements both open and close, with the content in the middle --&gt;</a:t>
+              <a:t>&lt;!-- The body contains things you see --&gt;</a:t>
             </a:r>
             <a:endParaRPr lang="en-US" b="0" dirty="0">
               <a:solidFill>
@@ -11683,7 +12877,7 @@
                 <a:effectLst/>
                 <a:latin typeface="Consolas" panose="020B0609020204030204" pitchFamily="49" charset="0"/>
               </a:rPr>
-              <a:t>&lt;!-- Indenting is optional, but helps with readability --&gt;</a:t>
+              <a:t>&lt;!-- Most elements both open and close, with the content in the middle --&gt;</a:t>
             </a:r>
             <a:endParaRPr lang="en-US" b="0" dirty="0">
               <a:solidFill>
@@ -11697,12 +12891,12 @@
             <a:r>
               <a:rPr lang="en-US" b="0" dirty="0">
                 <a:solidFill>
-                  <a:srgbClr val="800000"/>
-                </a:solidFill>
-                <a:effectLst/>
-                <a:latin typeface="Consolas" panose="020B0609020204030204" pitchFamily="49" charset="0"/>
-              </a:rPr>
-              <a:t>&lt;body&gt;</a:t>
+                  <a:srgbClr val="008000"/>
+                </a:solidFill>
+                <a:effectLst/>
+                <a:latin typeface="Consolas" panose="020B0609020204030204" pitchFamily="49" charset="0"/>
+              </a:rPr>
+              <a:t>&lt;!-- Indenting is optional, but helps with readability --&gt;</a:t>
             </a:r>
             <a:endParaRPr lang="en-US" b="0" dirty="0">
               <a:solidFill>
@@ -11716,100 +12910,12 @@
             <a:r>
               <a:rPr lang="en-US" b="0" dirty="0">
                 <a:solidFill>
-                  <a:srgbClr val="3B3B3B"/>
-                </a:solidFill>
-                <a:effectLst/>
-                <a:latin typeface="Consolas" panose="020B0609020204030204" pitchFamily="49" charset="0"/>
-              </a:rPr>
-              <a:t>    </a:t>
-            </a:r>
-            <a:r>
-              <a:rPr lang="en-US" b="0" dirty="0">
-                <a:solidFill>
-                  <a:srgbClr val="FFC000"/>
-                </a:solidFill>
-                <a:effectLst/>
-                <a:latin typeface="Consolas" panose="020B0609020204030204" pitchFamily="49" charset="0"/>
-              </a:rPr>
-              <a:t>&lt;h1&gt;</a:t>
-            </a:r>
-            <a:r>
-              <a:rPr lang="en-US" b="0" dirty="0">
-                <a:solidFill>
-                  <a:schemeClr val="bg1">
-                    <a:lumMod val="95000"/>
-                  </a:schemeClr>
-                </a:solidFill>
-                <a:effectLst/>
-                <a:latin typeface="Consolas" panose="020B0609020204030204" pitchFamily="49" charset="0"/>
-              </a:rPr>
-              <a:t>My First Heading</a:t>
-            </a:r>
-            <a:r>
-              <a:rPr lang="en-US" b="0" dirty="0">
-                <a:solidFill>
-                  <a:srgbClr val="FFC000"/>
-                </a:solidFill>
-                <a:effectLst/>
-                <a:latin typeface="Consolas" panose="020B0609020204030204" pitchFamily="49" charset="0"/>
-              </a:rPr>
-              <a:t>&lt;/h1&gt;</a:t>
-            </a:r>
-          </a:p>
-          <a:p>
-            <a:r>
-              <a:rPr lang="en-US" b="0" dirty="0">
-                <a:solidFill>
-                  <a:srgbClr val="3B3B3B"/>
-                </a:solidFill>
-                <a:effectLst/>
-                <a:latin typeface="Consolas" panose="020B0609020204030204" pitchFamily="49" charset="0"/>
-              </a:rPr>
-              <a:t>    </a:t>
-            </a:r>
-            <a:r>
-              <a:rPr lang="en-US" b="0" dirty="0">
-                <a:solidFill>
-                  <a:srgbClr val="FFC000"/>
-                </a:solidFill>
-                <a:effectLst/>
-                <a:latin typeface="Consolas" panose="020B0609020204030204" pitchFamily="49" charset="0"/>
-              </a:rPr>
-              <a:t>&lt;p&gt;</a:t>
-            </a:r>
-            <a:r>
-              <a:rPr lang="en-US" b="0" dirty="0">
-                <a:solidFill>
-                  <a:schemeClr val="bg1">
-                    <a:lumMod val="95000"/>
-                  </a:schemeClr>
-                </a:solidFill>
-                <a:effectLst/>
-                <a:latin typeface="Consolas" panose="020B0609020204030204" pitchFamily="49" charset="0"/>
-              </a:rPr>
-              <a:t>My first paragraph.</a:t>
-            </a:r>
-            <a:r>
-              <a:rPr lang="en-US" b="0" dirty="0">
-                <a:solidFill>
-                  <a:srgbClr val="FFC000"/>
-                </a:solidFill>
-                <a:effectLst/>
-                <a:latin typeface="Consolas" panose="020B0609020204030204" pitchFamily="49" charset="0"/>
-              </a:rPr>
-              <a:t>&lt;/p&gt;</a:t>
-            </a:r>
-          </a:p>
-          <a:p>
-            <a:r>
-              <a:rPr lang="en-US" b="0" dirty="0">
-                <a:solidFill>
                   <a:srgbClr val="800000"/>
                 </a:solidFill>
                 <a:effectLst/>
                 <a:latin typeface="Consolas" panose="020B0609020204030204" pitchFamily="49" charset="0"/>
               </a:rPr>
-              <a:t>&lt;/body&gt;</a:t>
+              <a:t>&lt;body&gt;</a:t>
             </a:r>
             <a:endParaRPr lang="en-US" b="0" dirty="0">
               <a:solidFill>
@@ -11823,12 +12929,100 @@
             <a:r>
               <a:rPr lang="en-US" b="0" dirty="0">
                 <a:solidFill>
+                  <a:srgbClr val="3B3B3B"/>
+                </a:solidFill>
+                <a:effectLst/>
+                <a:latin typeface="Consolas" panose="020B0609020204030204" pitchFamily="49" charset="0"/>
+              </a:rPr>
+              <a:t>    </a:t>
+            </a:r>
+            <a:r>
+              <a:rPr lang="en-US" b="0" dirty="0">
+                <a:solidFill>
+                  <a:srgbClr val="FFC000"/>
+                </a:solidFill>
+                <a:effectLst/>
+                <a:latin typeface="Consolas" panose="020B0609020204030204" pitchFamily="49" charset="0"/>
+              </a:rPr>
+              <a:t>&lt;h1&gt;</a:t>
+            </a:r>
+            <a:r>
+              <a:rPr lang="en-US" b="0" dirty="0">
+                <a:solidFill>
+                  <a:schemeClr val="bg1">
+                    <a:lumMod val="95000"/>
+                  </a:schemeClr>
+                </a:solidFill>
+                <a:effectLst/>
+                <a:latin typeface="Consolas" panose="020B0609020204030204" pitchFamily="49" charset="0"/>
+              </a:rPr>
+              <a:t>My First Heading</a:t>
+            </a:r>
+            <a:r>
+              <a:rPr lang="en-US" b="0" dirty="0">
+                <a:solidFill>
+                  <a:srgbClr val="FFC000"/>
+                </a:solidFill>
+                <a:effectLst/>
+                <a:latin typeface="Consolas" panose="020B0609020204030204" pitchFamily="49" charset="0"/>
+              </a:rPr>
+              <a:t>&lt;/h1&gt;</a:t>
+            </a:r>
+          </a:p>
+          <a:p>
+            <a:r>
+              <a:rPr lang="en-US" b="0" dirty="0">
+                <a:solidFill>
+                  <a:srgbClr val="3B3B3B"/>
+                </a:solidFill>
+                <a:effectLst/>
+                <a:latin typeface="Consolas" panose="020B0609020204030204" pitchFamily="49" charset="0"/>
+              </a:rPr>
+              <a:t>    </a:t>
+            </a:r>
+            <a:r>
+              <a:rPr lang="en-US" b="0" dirty="0">
+                <a:solidFill>
+                  <a:srgbClr val="FFC000"/>
+                </a:solidFill>
+                <a:effectLst/>
+                <a:latin typeface="Consolas" panose="020B0609020204030204" pitchFamily="49" charset="0"/>
+              </a:rPr>
+              <a:t>&lt;p&gt;</a:t>
+            </a:r>
+            <a:r>
+              <a:rPr lang="en-US" b="0" dirty="0">
+                <a:solidFill>
+                  <a:schemeClr val="bg1">
+                    <a:lumMod val="95000"/>
+                  </a:schemeClr>
+                </a:solidFill>
+                <a:effectLst/>
+                <a:latin typeface="Consolas" panose="020B0609020204030204" pitchFamily="49" charset="0"/>
+              </a:rPr>
+              <a:t>My first paragraph.</a:t>
+            </a:r>
+            <a:r>
+              <a:rPr lang="en-US" b="0" dirty="0">
+                <a:solidFill>
+                  <a:srgbClr val="FFC000"/>
+                </a:solidFill>
+                <a:effectLst/>
+                <a:latin typeface="Consolas" panose="020B0609020204030204" pitchFamily="49" charset="0"/>
+              </a:rPr>
+              <a:t>&lt;/p&gt;</a:t>
+            </a:r>
+          </a:p>
+          <a:p>
+            <a:r>
+              <a:rPr lang="en-US" b="0" dirty="0">
+                <a:solidFill>
                   <a:srgbClr val="800000"/>
                 </a:solidFill>
                 <a:effectLst/>
                 <a:latin typeface="Consolas" panose="020B0609020204030204" pitchFamily="49" charset="0"/>
               </a:rPr>
-              <a:t>&lt;/html&gt;</a:t>
+              <a:t>&lt;/body&gt;</a:t>
             </a:r>
             <a:endParaRPr lang="en-US" b="0" dirty="0">
               <a:solidFill>
@@ -11838,12 +13032,546 @@
               <a:latin typeface="Consolas" panose="020B0609020204030204" pitchFamily="49" charset="0"/>
             </a:endParaRPr>
           </a:p>
+          <a:p>
+            <a:r>
+              <a:rPr lang="en-US" b="0" dirty="0">
+                <a:solidFill>
+                  <a:srgbClr val="800000"/>
+                </a:solidFill>
+                <a:effectLst/>
+                <a:latin typeface="Consolas" panose="020B0609020204030204" pitchFamily="49" charset="0"/>
+              </a:rPr>
+              <a:t>&lt;/html&gt;</a:t>
+            </a:r>
+            <a:endParaRPr lang="en-US" b="0" dirty="0">
+              <a:solidFill>
+                <a:srgbClr val="3B3B3B"/>
+              </a:solidFill>
+              <a:effectLst/>
+              <a:latin typeface="Consolas" panose="020B0609020204030204" pitchFamily="49" charset="0"/>
+            </a:endParaRPr>
+          </a:p>
         </p:txBody>
       </p:sp>
     </p:spTree>
     <p:extLst>
       <p:ext uri="{BB962C8B-B14F-4D97-AF65-F5344CB8AC3E}">
         <p14:creationId xmlns:p14="http://schemas.microsoft.com/office/powerpoint/2010/main" val="799692555"/>
+      </p:ext>
+    </p:extLst>
+  </p:cSld>
+  <p:clrMapOvr>
+    <a:masterClrMapping/>
+  </p:clrMapOvr>
+</p:sld>
+</file>
+
+<file path=ppt/slides/slide8.xml><?xml version="1.0" encoding="utf-8"?>
+<p:sld xmlns:a="http://schemas.openxmlformats.org/drawingml/2006/main" xmlns:r="http://schemas.openxmlformats.org/officeDocument/2006/relationships" xmlns:p="http://schemas.openxmlformats.org/presentationml/2006/main">
+  <p:cSld>
+    <p:bg>
+      <p:bgPr>
+        <a:solidFill>
+          <a:srgbClr val="122B39"/>
+        </a:solidFill>
+        <a:effectLst/>
+      </p:bgPr>
+    </p:bg>
+    <p:spTree>
+      <p:nvGrpSpPr>
+        <p:cNvPr id="1" name=""/>
+        <p:cNvGrpSpPr/>
+        <p:nvPr/>
+      </p:nvGrpSpPr>
+      <p:grpSpPr>
+        <a:xfrm>
+          <a:off x="0" y="0"/>
+          <a:ext cx="0" cy="0"/>
+          <a:chOff x="0" y="0"/>
+          <a:chExt cx="0" cy="0"/>
+        </a:xfrm>
+      </p:grpSpPr>
+      <p:sp>
+        <p:nvSpPr>
+          <p:cNvPr id="2" name="Title 1">
+            <a:extLst>
+              <a:ext uri="{FF2B5EF4-FFF2-40B4-BE49-F238E27FC236}">
+                <a16:creationId xmlns:a16="http://schemas.microsoft.com/office/drawing/2014/main" id="{0FEE2FE8-D24E-41DE-AA78-81A6ECA35759}"/>
+              </a:ext>
+            </a:extLst>
+          </p:cNvPr>
+          <p:cNvSpPr>
+            <a:spLocks noGrp="1"/>
+          </p:cNvSpPr>
+          <p:nvPr>
+            <p:ph type="title"/>
+          </p:nvPr>
+        </p:nvSpPr>
+        <p:spPr>
+          <a:xfrm>
+            <a:off x="584126" y="427530"/>
+            <a:ext cx="5793137" cy="496977"/>
+          </a:xfrm>
+          <a:solidFill>
+            <a:srgbClr val="122B39"/>
+          </a:solidFill>
+        </p:spPr>
+        <p:txBody>
+          <a:bodyPr>
+            <a:normAutofit fontScale="90000"/>
+          </a:bodyPr>
+          <a:lstStyle/>
+          <a:p>
+            <a:r>
+              <a:rPr lang="en-GB" dirty="0">
+                <a:solidFill>
+                  <a:schemeClr val="bg1"/>
+                </a:solidFill>
+                <a:latin typeface="Circular Std Book" panose="020B0604020101020102" pitchFamily="34" charset="0"/>
+                <a:cs typeface="Circular Std Book" panose="020B0604020101020102" pitchFamily="34" charset="0"/>
+              </a:rPr>
+              <a:t>CSS</a:t>
+            </a:r>
+            <a:r>
+              <a:rPr lang="en-GB" dirty="0">
+                <a:solidFill>
+                  <a:srgbClr val="F4C245"/>
+                </a:solidFill>
+                <a:latin typeface="Circular Std Book" panose="020B0604020101020102" pitchFamily="34" charset="0"/>
+                <a:cs typeface="Circular Std Book" panose="020B0604020101020102" pitchFamily="34" charset="0"/>
+              </a:rPr>
+              <a:t>.</a:t>
+            </a:r>
+          </a:p>
+        </p:txBody>
+      </p:sp>
+      <p:sp>
+        <p:nvSpPr>
+          <p:cNvPr id="3" name="Content Placeholder 2">
+            <a:extLst>
+              <a:ext uri="{FF2B5EF4-FFF2-40B4-BE49-F238E27FC236}">
+                <a16:creationId xmlns:a16="http://schemas.microsoft.com/office/drawing/2014/main" id="{0C9B5234-01FB-4BC1-8F08-B28C710CCE0E}"/>
+              </a:ext>
+            </a:extLst>
+          </p:cNvPr>
+          <p:cNvSpPr>
+            <a:spLocks noGrp="1"/>
+          </p:cNvSpPr>
+          <p:nvPr>
+            <p:ph idx="1"/>
+          </p:nvPr>
+        </p:nvSpPr>
+        <p:spPr>
+          <a:xfrm>
+            <a:off x="584127" y="1038703"/>
+            <a:ext cx="4494770" cy="4351338"/>
+          </a:xfrm>
+        </p:spPr>
+        <p:txBody>
+          <a:bodyPr>
+            <a:normAutofit/>
+          </a:bodyPr>
+          <a:lstStyle/>
+          <a:p>
+            <a:pPr marL="0" indent="0">
+              <a:lnSpc>
+                <a:spcPct val="150000"/>
+              </a:lnSpc>
+              <a:buNone/>
+            </a:pPr>
+            <a:r>
+              <a:rPr lang="en-GB" sz="1800" dirty="0">
+                <a:solidFill>
+                  <a:srgbClr val="FFC000"/>
+                </a:solidFill>
+                <a:latin typeface="Circular Std Book" panose="020B0604020101020102" pitchFamily="34" charset="0"/>
+                <a:cs typeface="Circular Std Book" panose="020B0604020101020102" pitchFamily="34" charset="0"/>
+              </a:rPr>
+              <a:t>C</a:t>
+            </a:r>
+            <a:r>
+              <a:rPr lang="en-GB" sz="1800" dirty="0">
+                <a:solidFill>
+                  <a:srgbClr val="36B7B4"/>
+                </a:solidFill>
+                <a:latin typeface="Circular Std Book" panose="020B0604020101020102" pitchFamily="34" charset="0"/>
+                <a:cs typeface="Circular Std Book" panose="020B0604020101020102" pitchFamily="34" charset="0"/>
+              </a:rPr>
+              <a:t>ascading </a:t>
+            </a:r>
+            <a:r>
+              <a:rPr lang="en-GB" sz="1800" dirty="0">
+                <a:solidFill>
+                  <a:srgbClr val="FFC000"/>
+                </a:solidFill>
+                <a:latin typeface="Circular Std Book" panose="020B0604020101020102" pitchFamily="34" charset="0"/>
+                <a:cs typeface="Circular Std Book" panose="020B0604020101020102" pitchFamily="34" charset="0"/>
+              </a:rPr>
+              <a:t>S</a:t>
+            </a:r>
+            <a:r>
+              <a:rPr lang="en-GB" sz="1800" dirty="0">
+                <a:solidFill>
+                  <a:srgbClr val="36B7B4"/>
+                </a:solidFill>
+                <a:latin typeface="Circular Std Book" panose="020B0604020101020102" pitchFamily="34" charset="0"/>
+                <a:cs typeface="Circular Std Book" panose="020B0604020101020102" pitchFamily="34" charset="0"/>
+              </a:rPr>
+              <a:t>tyle </a:t>
+            </a:r>
+            <a:r>
+              <a:rPr lang="en-GB" sz="1800" dirty="0">
+                <a:solidFill>
+                  <a:srgbClr val="FFC000"/>
+                </a:solidFill>
+                <a:latin typeface="Circular Std Book" panose="020B0604020101020102" pitchFamily="34" charset="0"/>
+                <a:cs typeface="Circular Std Book" panose="020B0604020101020102" pitchFamily="34" charset="0"/>
+              </a:rPr>
+              <a:t>S</a:t>
+            </a:r>
+            <a:r>
+              <a:rPr lang="en-GB" sz="1800" dirty="0">
+                <a:solidFill>
+                  <a:srgbClr val="36B7B4"/>
+                </a:solidFill>
+                <a:latin typeface="Circular Std Book" panose="020B0604020101020102" pitchFamily="34" charset="0"/>
+                <a:cs typeface="Circular Std Book" panose="020B0604020101020102" pitchFamily="34" charset="0"/>
+              </a:rPr>
+              <a:t>heets</a:t>
+            </a:r>
+            <a:endParaRPr lang="en-GB" sz="1800" dirty="0">
+              <a:solidFill>
+                <a:schemeClr val="bg1"/>
+              </a:solidFill>
+              <a:latin typeface="Circular Std Book" panose="020B0604020101020102" pitchFamily="34" charset="0"/>
+              <a:cs typeface="Circular Std Book" panose="020B0604020101020102" pitchFamily="34" charset="0"/>
+            </a:endParaRPr>
+          </a:p>
+          <a:p>
+            <a:pPr>
+              <a:lnSpc>
+                <a:spcPct val="150000"/>
+              </a:lnSpc>
+            </a:pPr>
+            <a:r>
+              <a:rPr lang="en-GB" sz="1800" dirty="0">
+                <a:solidFill>
+                  <a:srgbClr val="36B7B4"/>
+                </a:solidFill>
+                <a:latin typeface="Circular Std Book" panose="020B0604020101020102" pitchFamily="34" charset="0"/>
+                <a:cs typeface="Circular Std Book" panose="020B0604020101020102" pitchFamily="34" charset="0"/>
+              </a:rPr>
+              <a:t>1994.  </a:t>
+            </a:r>
+            <a:r>
+              <a:rPr lang="en-GB" sz="1800" dirty="0">
+                <a:solidFill>
+                  <a:schemeClr val="bg1"/>
+                </a:solidFill>
+                <a:latin typeface="Circular Std Book" panose="020B0604020101020102" pitchFamily="34" charset="0"/>
+                <a:cs typeface="Circular Std Book" panose="020B0604020101020102" pitchFamily="34" charset="0"/>
+              </a:rPr>
+              <a:t>First proposal – again at CERN.</a:t>
+            </a:r>
+          </a:p>
+          <a:p>
+            <a:pPr>
+              <a:lnSpc>
+                <a:spcPct val="150000"/>
+              </a:lnSpc>
+            </a:pPr>
+            <a:r>
+              <a:rPr lang="en-GB" sz="1800" dirty="0">
+                <a:solidFill>
+                  <a:schemeClr val="bg1"/>
+                </a:solidFill>
+                <a:latin typeface="Circular Std Book" panose="020B0604020101020102" pitchFamily="34" charset="0"/>
+                <a:cs typeface="Circular Std Book" panose="020B0604020101020102" pitchFamily="34" charset="0"/>
+              </a:rPr>
+              <a:t>Applies styles to the different parts of your site. </a:t>
+            </a:r>
+          </a:p>
+          <a:p>
+            <a:pPr>
+              <a:lnSpc>
+                <a:spcPct val="150000"/>
+              </a:lnSpc>
+            </a:pPr>
+            <a:r>
+              <a:rPr lang="en-GB" sz="1800" dirty="0">
+                <a:solidFill>
+                  <a:schemeClr val="bg1"/>
+                </a:solidFill>
+                <a:latin typeface="Circular Std Book" panose="020B0604020101020102" pitchFamily="34" charset="0"/>
+                <a:cs typeface="Circular Std Book" panose="020B0604020101020102" pitchFamily="34" charset="0"/>
+              </a:rPr>
+              <a:t>Challenge is to link the styles you chose, to the parts of your site where you wanted them.</a:t>
+            </a:r>
+          </a:p>
+          <a:p>
+            <a:pPr>
+              <a:lnSpc>
+                <a:spcPct val="150000"/>
+              </a:lnSpc>
+            </a:pPr>
+            <a:r>
+              <a:rPr lang="en-GB" sz="1800" dirty="0">
+                <a:solidFill>
+                  <a:schemeClr val="bg1"/>
+                </a:solidFill>
+                <a:latin typeface="Circular Std Book" panose="020B0604020101020102" pitchFamily="34" charset="0"/>
+                <a:cs typeface="Circular Std Book" panose="020B0604020101020102" pitchFamily="34" charset="0"/>
+              </a:rPr>
+              <a:t>This is done using tags (also classes and  ids)</a:t>
+            </a:r>
+          </a:p>
+          <a:p>
+            <a:pPr>
+              <a:lnSpc>
+                <a:spcPct val="150000"/>
+              </a:lnSpc>
+            </a:pPr>
+            <a:endParaRPr lang="en-GB" b="1" dirty="0">
+              <a:solidFill>
+                <a:srgbClr val="36B7B4"/>
+              </a:solidFill>
+              <a:latin typeface="Circular Std Book" panose="020B0604020101020102" pitchFamily="34" charset="0"/>
+              <a:cs typeface="Circular Std Book" panose="020B0604020101020102" pitchFamily="34" charset="0"/>
+            </a:endParaRPr>
+          </a:p>
+          <a:p>
+            <a:pPr>
+              <a:lnSpc>
+                <a:spcPct val="150000"/>
+              </a:lnSpc>
+            </a:pPr>
+            <a:endParaRPr lang="en-GB" dirty="0">
+              <a:solidFill>
+                <a:schemeClr val="bg1"/>
+              </a:solidFill>
+              <a:latin typeface="Circular Std Book" panose="020B0604020101020102" pitchFamily="34" charset="0"/>
+              <a:cs typeface="Circular Std Book" panose="020B0604020101020102" pitchFamily="34" charset="0"/>
+            </a:endParaRPr>
+          </a:p>
+          <a:p>
+            <a:pPr>
+              <a:lnSpc>
+                <a:spcPct val="150000"/>
+              </a:lnSpc>
+            </a:pPr>
+            <a:endParaRPr lang="en-GB" dirty="0">
+              <a:solidFill>
+                <a:srgbClr val="0063AF"/>
+              </a:solidFill>
+              <a:latin typeface="Circular Std Book" panose="020B0604020101020102" pitchFamily="34" charset="0"/>
+              <a:cs typeface="Circular Std Book" panose="020B0604020101020102" pitchFamily="34" charset="0"/>
+            </a:endParaRPr>
+          </a:p>
+        </p:txBody>
+      </p:sp>
+      <p:sp>
+        <p:nvSpPr>
+          <p:cNvPr id="4" name="TextBox 3">
+            <a:extLst>
+              <a:ext uri="{FF2B5EF4-FFF2-40B4-BE49-F238E27FC236}">
+                <a16:creationId xmlns:a16="http://schemas.microsoft.com/office/drawing/2014/main" id="{E48FD1D3-72A6-29F5-1509-6EF00253BBC6}"/>
+              </a:ext>
+            </a:extLst>
+          </p:cNvPr>
+          <p:cNvSpPr txBox="1"/>
+          <p:nvPr/>
+        </p:nvSpPr>
+        <p:spPr>
+          <a:xfrm>
+            <a:off x="7062537" y="1038703"/>
+            <a:ext cx="1997242" cy="369332"/>
+          </a:xfrm>
+          <a:prstGeom prst="rect">
+            <a:avLst/>
+          </a:prstGeom>
+          <a:noFill/>
+        </p:spPr>
+        <p:txBody>
+          <a:bodyPr wrap="square" rtlCol="0">
+            <a:spAutoFit/>
+          </a:bodyPr>
+          <a:lstStyle/>
+          <a:p>
+            <a:r>
+              <a:rPr lang="en-US" dirty="0">
+                <a:solidFill>
+                  <a:schemeClr val="bg1"/>
+                </a:solidFill>
+                <a:latin typeface="Circular Std Book" panose="020B0604020101020102" pitchFamily="34" charset="77"/>
+                <a:cs typeface="Circular Std Book" panose="020B0604020101020102" pitchFamily="34" charset="77"/>
+              </a:rPr>
+              <a:t>No CSS applied:</a:t>
+            </a:r>
+          </a:p>
+        </p:txBody>
+      </p:sp>
+      <p:sp>
+        <p:nvSpPr>
+          <p:cNvPr id="5" name="TextBox 4">
+            <a:extLst>
+              <a:ext uri="{FF2B5EF4-FFF2-40B4-BE49-F238E27FC236}">
+                <a16:creationId xmlns:a16="http://schemas.microsoft.com/office/drawing/2014/main" id="{4B296E41-78D7-5723-D7E7-4DA28C413159}"/>
+              </a:ext>
+            </a:extLst>
+          </p:cNvPr>
+          <p:cNvSpPr txBox="1"/>
+          <p:nvPr/>
+        </p:nvSpPr>
+        <p:spPr>
+          <a:xfrm>
+            <a:off x="7113105" y="3551189"/>
+            <a:ext cx="1778232" cy="369332"/>
+          </a:xfrm>
+          <a:prstGeom prst="rect">
+            <a:avLst/>
+          </a:prstGeom>
+          <a:noFill/>
+        </p:spPr>
+        <p:txBody>
+          <a:bodyPr wrap="square" rtlCol="0">
+            <a:spAutoFit/>
+          </a:bodyPr>
+          <a:lstStyle/>
+          <a:p>
+            <a:r>
+              <a:rPr lang="en-US" dirty="0">
+                <a:solidFill>
+                  <a:schemeClr val="bg1"/>
+                </a:solidFill>
+                <a:latin typeface="Circular Std Book" panose="020B0604020101020102" pitchFamily="34" charset="77"/>
+                <a:cs typeface="Circular Std Book" panose="020B0604020101020102" pitchFamily="34" charset="77"/>
+              </a:rPr>
+              <a:t>CSS applied:</a:t>
+            </a:r>
+          </a:p>
+        </p:txBody>
+      </p:sp>
+      <p:pic>
+        <p:nvPicPr>
+          <p:cNvPr id="8" name="Picture 7" descr="A close-up of a website&#10;&#10;Description automatically generated">
+            <a:extLst>
+              <a:ext uri="{FF2B5EF4-FFF2-40B4-BE49-F238E27FC236}">
+                <a16:creationId xmlns:a16="http://schemas.microsoft.com/office/drawing/2014/main" id="{D42DB6C6-2EE2-F0FD-F48F-3CEDC4B765A4}"/>
+              </a:ext>
+            </a:extLst>
+          </p:cNvPr>
+          <p:cNvPicPr>
+            <a:picLocks noChangeAspect="1"/>
+          </p:cNvPicPr>
+          <p:nvPr/>
+        </p:nvPicPr>
+        <p:blipFill>
+          <a:blip r:embed="rId2">
+            <a:extLst>
+              <a:ext uri="{28A0092B-C50C-407E-A947-70E740481C1C}">
+                <a14:useLocalDpi xmlns:a14="http://schemas.microsoft.com/office/drawing/2010/main" val="0"/>
+              </a:ext>
+            </a:extLst>
+          </a:blip>
+          <a:stretch>
+            <a:fillRect/>
+          </a:stretch>
+        </p:blipFill>
+        <p:spPr>
+          <a:xfrm>
+            <a:off x="7113105" y="1628942"/>
+            <a:ext cx="4192486" cy="1595521"/>
+          </a:xfrm>
+          <a:prstGeom prst="rect">
+            <a:avLst/>
+          </a:prstGeom>
+        </p:spPr>
+      </p:pic>
+      <p:pic>
+        <p:nvPicPr>
+          <p:cNvPr id="10" name="Picture 9" descr="A screenshot of a phone&#10;&#10;Description automatically generated">
+            <a:extLst>
+              <a:ext uri="{FF2B5EF4-FFF2-40B4-BE49-F238E27FC236}">
+                <a16:creationId xmlns:a16="http://schemas.microsoft.com/office/drawing/2014/main" id="{61AEA0CA-4774-B684-17CE-A55D37BD9FFD}"/>
+              </a:ext>
+            </a:extLst>
+          </p:cNvPr>
+          <p:cNvPicPr>
+            <a:picLocks noChangeAspect="1"/>
+          </p:cNvPicPr>
+          <p:nvPr/>
+        </p:nvPicPr>
+        <p:blipFill>
+          <a:blip r:embed="rId3">
+            <a:extLst>
+              <a:ext uri="{28A0092B-C50C-407E-A947-70E740481C1C}">
+                <a14:useLocalDpi xmlns:a14="http://schemas.microsoft.com/office/drawing/2010/main" val="0"/>
+              </a:ext>
+            </a:extLst>
+          </a:blip>
+          <a:stretch>
+            <a:fillRect/>
+          </a:stretch>
+        </p:blipFill>
+        <p:spPr>
+          <a:xfrm>
+            <a:off x="7113105" y="4086264"/>
+            <a:ext cx="4160484" cy="2285588"/>
+          </a:xfrm>
+          <a:prstGeom prst="rect">
+            <a:avLst/>
+          </a:prstGeom>
+        </p:spPr>
+      </p:pic>
+      <p:cxnSp>
+        <p:nvCxnSpPr>
+          <p:cNvPr id="12" name="Straight Arrow Connector 11">
+            <a:extLst>
+              <a:ext uri="{FF2B5EF4-FFF2-40B4-BE49-F238E27FC236}">
+                <a16:creationId xmlns:a16="http://schemas.microsoft.com/office/drawing/2014/main" id="{22D224BA-21E5-1EF5-965D-C123C860C3CC}"/>
+              </a:ext>
+            </a:extLst>
+          </p:cNvPr>
+          <p:cNvCxnSpPr/>
+          <p:nvPr/>
+        </p:nvCxnSpPr>
+        <p:spPr>
+          <a:xfrm>
+            <a:off x="9553074" y="3320716"/>
+            <a:ext cx="0" cy="599805"/>
+          </a:xfrm>
+          <a:prstGeom prst="straightConnector1">
+            <a:avLst/>
+          </a:prstGeom>
+          <a:ln w="19050" cap="flat" cmpd="sng" algn="ctr">
+            <a:solidFill>
+              <a:schemeClr val="accent4"/>
+            </a:solidFill>
+            <a:prstDash val="solid"/>
+            <a:round/>
+            <a:headEnd type="none" w="med" len="med"/>
+            <a:tailEnd type="arrow" w="med" len="med"/>
+          </a:ln>
+        </p:spPr>
+        <p:style>
+          <a:lnRef idx="0">
+            <a:scrgbClr r="0" g="0" b="0"/>
+          </a:lnRef>
+          <a:fillRef idx="0">
+            <a:scrgbClr r="0" g="0" b="0"/>
+          </a:fillRef>
+          <a:effectRef idx="0">
+            <a:scrgbClr r="0" g="0" b="0"/>
+          </a:effectRef>
+          <a:fontRef idx="minor">
+            <a:schemeClr val="tx1"/>
+          </a:fontRef>
+        </p:style>
+      </p:cxnSp>
+    </p:spTree>
+    <p:extLst>
+      <p:ext uri="{BB962C8B-B14F-4D97-AF65-F5344CB8AC3E}">
+        <p14:creationId xmlns:p14="http://schemas.microsoft.com/office/powerpoint/2010/main" val="1743685917"/>
       </p:ext>
     </p:extLst>
   </p:cSld>
@@ -11917,7 +13645,7 @@
                 <a:latin typeface="Circular Std Book" panose="020B0604020101020102" pitchFamily="34" charset="0"/>
                 <a:cs typeface="Circular Std Book" panose="020B0604020101020102" pitchFamily="34" charset="0"/>
               </a:rPr>
-              <a:t>CSS</a:t>
+              <a:t>CSS example</a:t>
             </a:r>
             <a:r>
               <a:rPr lang="en-GB" dirty="0">
@@ -11929,365 +13657,6 @@
               </a:rPr>
               <a:t>.</a:t>
             </a:r>
-          </a:p>
-        </p:txBody>
-      </p:sp>
-      <p:sp>
-        <p:nvSpPr>
-          <p:cNvPr id="3" name="Content Placeholder 2">
-            <a:extLst>
-              <a:ext uri="{FF2B5EF4-FFF2-40B4-BE49-F238E27FC236}">
-                <a16:creationId xmlns:a16="http://schemas.microsoft.com/office/drawing/2014/main" id="{0C9B5234-01FB-4BC1-8F08-B28C710CCE0E}"/>
-              </a:ext>
-            </a:extLst>
-          </p:cNvPr>
-          <p:cNvSpPr>
-            <a:spLocks noGrp="1"/>
-          </p:cNvSpPr>
-          <p:nvPr>
-            <p:ph idx="1"/>
-          </p:nvPr>
-        </p:nvSpPr>
-        <p:spPr>
-          <a:xfrm>
-            <a:off x="584126" y="1187790"/>
-            <a:ext cx="7337655" cy="4351338"/>
-          </a:xfrm>
-        </p:spPr>
-        <p:txBody>
-          <a:bodyPr>
-            <a:normAutofit/>
-          </a:bodyPr>
-          <a:lstStyle/>
-          <a:p>
-            <a:pPr marL="0" indent="0">
-              <a:lnSpc>
-                <a:spcPct val="150000"/>
-              </a:lnSpc>
-              <a:buNone/>
-            </a:pPr>
-            <a:r>
-              <a:rPr lang="en-GB" sz="1800" dirty="0">
-                <a:solidFill>
-                  <a:srgbClr val="FFC000"/>
-                </a:solidFill>
-                <a:latin typeface="Circular Std Book" panose="020B0604020101020102" pitchFamily="34" charset="0"/>
-                <a:cs typeface="Circular Std Book" panose="020B0604020101020102" pitchFamily="34" charset="0"/>
-              </a:rPr>
-              <a:t>C</a:t>
-            </a:r>
-            <a:r>
-              <a:rPr lang="en-GB" sz="1800" dirty="0">
-                <a:solidFill>
-                  <a:srgbClr val="36B7B4"/>
-                </a:solidFill>
-                <a:latin typeface="Circular Std Book" panose="020B0604020101020102" pitchFamily="34" charset="0"/>
-                <a:cs typeface="Circular Std Book" panose="020B0604020101020102" pitchFamily="34" charset="0"/>
-              </a:rPr>
-              <a:t>ascading </a:t>
-            </a:r>
-            <a:r>
-              <a:rPr lang="en-GB" sz="1800" dirty="0">
-                <a:solidFill>
-                  <a:srgbClr val="FFC000"/>
-                </a:solidFill>
-                <a:latin typeface="Circular Std Book" panose="020B0604020101020102" pitchFamily="34" charset="0"/>
-                <a:cs typeface="Circular Std Book" panose="020B0604020101020102" pitchFamily="34" charset="0"/>
-              </a:rPr>
-              <a:t>S</a:t>
-            </a:r>
-            <a:r>
-              <a:rPr lang="en-GB" sz="1800" dirty="0">
-                <a:solidFill>
-                  <a:srgbClr val="36B7B4"/>
-                </a:solidFill>
-                <a:latin typeface="Circular Std Book" panose="020B0604020101020102" pitchFamily="34" charset="0"/>
-                <a:cs typeface="Circular Std Book" panose="020B0604020101020102" pitchFamily="34" charset="0"/>
-              </a:rPr>
-              <a:t>tyle </a:t>
-            </a:r>
-            <a:r>
-              <a:rPr lang="en-GB" sz="1800" dirty="0">
-                <a:solidFill>
-                  <a:srgbClr val="FFC000"/>
-                </a:solidFill>
-                <a:latin typeface="Circular Std Book" panose="020B0604020101020102" pitchFamily="34" charset="0"/>
-                <a:cs typeface="Circular Std Book" panose="020B0604020101020102" pitchFamily="34" charset="0"/>
-              </a:rPr>
-              <a:t>S</a:t>
-            </a:r>
-            <a:r>
-              <a:rPr lang="en-GB" sz="1800" dirty="0">
-                <a:solidFill>
-                  <a:srgbClr val="36B7B4"/>
-                </a:solidFill>
-                <a:latin typeface="Circular Std Book" panose="020B0604020101020102" pitchFamily="34" charset="0"/>
-                <a:cs typeface="Circular Std Book" panose="020B0604020101020102" pitchFamily="34" charset="0"/>
-              </a:rPr>
-              <a:t>heets</a:t>
-            </a:r>
-            <a:endParaRPr lang="en-GB" sz="1800" dirty="0">
-              <a:solidFill>
-                <a:schemeClr val="bg1"/>
-              </a:solidFill>
-              <a:latin typeface="Circular Std Book" panose="020B0604020101020102" pitchFamily="34" charset="0"/>
-              <a:cs typeface="Circular Std Book" panose="020B0604020101020102" pitchFamily="34" charset="0"/>
-            </a:endParaRPr>
-          </a:p>
-          <a:p>
-            <a:pPr>
-              <a:lnSpc>
-                <a:spcPct val="150000"/>
-              </a:lnSpc>
-            </a:pPr>
-            <a:r>
-              <a:rPr lang="en-GB" sz="1800" dirty="0">
-                <a:solidFill>
-                  <a:srgbClr val="36B7B4"/>
-                </a:solidFill>
-                <a:latin typeface="Circular Std Book" panose="020B0604020101020102" pitchFamily="34" charset="0"/>
-                <a:cs typeface="Circular Std Book" panose="020B0604020101020102" pitchFamily="34" charset="0"/>
-              </a:rPr>
-              <a:t>1994.  </a:t>
-            </a:r>
-            <a:r>
-              <a:rPr lang="en-GB" sz="1800" dirty="0">
-                <a:solidFill>
-                  <a:schemeClr val="bg1"/>
-                </a:solidFill>
-                <a:latin typeface="Circular Std Book" panose="020B0604020101020102" pitchFamily="34" charset="0"/>
-                <a:cs typeface="Circular Std Book" panose="020B0604020101020102" pitchFamily="34" charset="0"/>
-              </a:rPr>
-              <a:t>First proposal – again at CERN.</a:t>
-            </a:r>
-          </a:p>
-          <a:p>
-            <a:pPr>
-              <a:lnSpc>
-                <a:spcPct val="150000"/>
-              </a:lnSpc>
-            </a:pPr>
-            <a:endParaRPr lang="en-GB" b="1" dirty="0">
-              <a:solidFill>
-                <a:srgbClr val="36B7B4"/>
-              </a:solidFill>
-              <a:latin typeface="Circular Std Book" panose="020B0604020101020102" pitchFamily="34" charset="0"/>
-              <a:cs typeface="Circular Std Book" panose="020B0604020101020102" pitchFamily="34" charset="0"/>
-            </a:endParaRPr>
-          </a:p>
-          <a:p>
-            <a:pPr>
-              <a:lnSpc>
-                <a:spcPct val="150000"/>
-              </a:lnSpc>
-            </a:pPr>
-            <a:endParaRPr lang="en-GB" dirty="0">
-              <a:solidFill>
-                <a:schemeClr val="bg1"/>
-              </a:solidFill>
-              <a:latin typeface="Circular Std Book" panose="020B0604020101020102" pitchFamily="34" charset="0"/>
-              <a:cs typeface="Circular Std Book" panose="020B0604020101020102" pitchFamily="34" charset="0"/>
-            </a:endParaRPr>
-          </a:p>
-          <a:p>
-            <a:pPr>
-              <a:lnSpc>
-                <a:spcPct val="150000"/>
-              </a:lnSpc>
-            </a:pPr>
-            <a:endParaRPr lang="en-GB" dirty="0">
-              <a:solidFill>
-                <a:srgbClr val="0063AF"/>
-              </a:solidFill>
-              <a:latin typeface="Circular Std Book" panose="020B0604020101020102" pitchFamily="34" charset="0"/>
-              <a:cs typeface="Circular Std Book" panose="020B0604020101020102" pitchFamily="34" charset="0"/>
-            </a:endParaRPr>
-          </a:p>
-        </p:txBody>
-      </p:sp>
-      <p:pic>
-        <p:nvPicPr>
-          <p:cNvPr id="2050" name="Picture 2" descr="(photo) sitting at a dinner table">
-            <a:extLst>
-              <a:ext uri="{FF2B5EF4-FFF2-40B4-BE49-F238E27FC236}">
-                <a16:creationId xmlns:a16="http://schemas.microsoft.com/office/drawing/2014/main" id="{DADE1070-A46A-491A-B59F-D492B310E0C6}"/>
-              </a:ext>
-            </a:extLst>
-          </p:cNvPr>
-          <p:cNvPicPr>
-            <a:picLocks noChangeAspect="1" noChangeArrowheads="1"/>
-          </p:cNvPicPr>
-          <p:nvPr/>
-        </p:nvPicPr>
-        <p:blipFill>
-          <a:blip r:embed="rId2">
-            <a:extLst>
-              <a:ext uri="{28A0092B-C50C-407E-A947-70E740481C1C}">
-                <a14:useLocalDpi xmlns:a14="http://schemas.microsoft.com/office/drawing/2010/main" val="0"/>
-              </a:ext>
-            </a:extLst>
-          </a:blip>
-          <a:srcRect/>
-          <a:stretch>
-            <a:fillRect/>
-          </a:stretch>
-        </p:blipFill>
-        <p:spPr bwMode="auto">
-          <a:xfrm>
-            <a:off x="716279" y="2478295"/>
-            <a:ext cx="3767195" cy="2840465"/>
-          </a:xfrm>
-          <a:prstGeom prst="rect">
-            <a:avLst/>
-          </a:prstGeom>
-          <a:noFill/>
-          <a:extLst>
-            <a:ext uri="{909E8E84-426E-40DD-AFC4-6F175D3DCCD1}">
-              <a14:hiddenFill xmlns:a14="http://schemas.microsoft.com/office/drawing/2010/main">
-                <a:solidFill>
-                  <a:srgbClr val="FFFFFF"/>
-                </a:solidFill>
-              </a14:hiddenFill>
-            </a:ext>
-          </a:extLst>
-        </p:spPr>
-      </p:pic>
-      <p:sp>
-        <p:nvSpPr>
-          <p:cNvPr id="9" name="TextBox 8">
-            <a:extLst>
-              <a:ext uri="{FF2B5EF4-FFF2-40B4-BE49-F238E27FC236}">
-                <a16:creationId xmlns:a16="http://schemas.microsoft.com/office/drawing/2014/main" id="{51A050C1-A187-4E44-BD63-E85A8A70DD70}"/>
-              </a:ext>
-            </a:extLst>
-          </p:cNvPr>
-          <p:cNvSpPr txBox="1"/>
-          <p:nvPr/>
-        </p:nvSpPr>
-        <p:spPr>
-          <a:xfrm>
-            <a:off x="716279" y="5670210"/>
-            <a:ext cx="3162678" cy="461665"/>
-          </a:xfrm>
-          <a:prstGeom prst="rect">
-            <a:avLst/>
-          </a:prstGeom>
-          <a:noFill/>
-        </p:spPr>
-        <p:txBody>
-          <a:bodyPr wrap="square">
-            <a:spAutoFit/>
-          </a:bodyPr>
-          <a:lstStyle/>
-          <a:p>
-            <a:pPr marL="0" marR="0" lvl="0" indent="0" algn="l" defTabSz="914400" rtl="0" eaLnBrk="1" fontAlgn="auto" latinLnBrk="0" hangingPunct="1">
-              <a:lnSpc>
-                <a:spcPct val="100000"/>
-              </a:lnSpc>
-              <a:spcBef>
-                <a:spcPts val="0"/>
-              </a:spcBef>
-              <a:spcAft>
-                <a:spcPts val="0"/>
-              </a:spcAft>
-              <a:buClrTx/>
-              <a:buSzTx/>
-              <a:buFontTx/>
-              <a:buNone/>
-              <a:tabLst/>
-              <a:defRPr/>
-            </a:pPr>
-            <a:r>
-              <a:rPr kumimoji="0" lang="de-DE" sz="1200" b="0" i="1" u="none" strike="noStrike" kern="1200" cap="none" spc="0" normalizeH="0" baseline="0" noProof="0" dirty="0">
-                <a:ln>
-                  <a:noFill/>
-                </a:ln>
-                <a:solidFill>
-                  <a:prstClr val="white"/>
-                </a:solidFill>
-                <a:effectLst/>
-                <a:uLnTx/>
-                <a:uFillTx/>
-                <a:latin typeface="Optima"/>
-                <a:ea typeface="+mn-ea"/>
-                <a:cs typeface="+mn-cs"/>
-              </a:rPr>
-              <a:t>Håkon Wium Lie, 12 December 1995</a:t>
-            </a:r>
-          </a:p>
-          <a:p>
-            <a:pPr marL="0" marR="0" lvl="0" indent="0" algn="l" defTabSz="914400" rtl="0" eaLnBrk="1" fontAlgn="auto" latinLnBrk="0" hangingPunct="1">
-              <a:lnSpc>
-                <a:spcPct val="100000"/>
-              </a:lnSpc>
-              <a:spcBef>
-                <a:spcPts val="0"/>
-              </a:spcBef>
-              <a:spcAft>
-                <a:spcPts val="0"/>
-              </a:spcAft>
-              <a:buClrTx/>
-              <a:buSzTx/>
-              <a:buFontTx/>
-              <a:buNone/>
-              <a:tabLst/>
-              <a:defRPr/>
-            </a:pPr>
-            <a:r>
-              <a:rPr kumimoji="0" lang="en-GB" sz="1200" b="0" i="0" u="none" strike="noStrike" kern="1200" cap="none" spc="0" normalizeH="0" baseline="0" noProof="0" dirty="0">
-                <a:ln>
-                  <a:noFill/>
-                </a:ln>
-                <a:solidFill>
-                  <a:prstClr val="white"/>
-                </a:solidFill>
-                <a:effectLst/>
-                <a:uLnTx/>
-                <a:uFillTx/>
-                <a:latin typeface="Calibri" panose="020F0502020204030204"/>
-                <a:ea typeface="+mn-ea"/>
-                <a:cs typeface="+mn-cs"/>
-                <a:hlinkClick r:id="rId3">
-                  <a:extLst>
-                    <a:ext uri="{A12FA001-AC4F-418D-AE19-62706E023703}">
-                      <ahyp:hlinkClr xmlns:ahyp="http://schemas.microsoft.com/office/drawing/2018/hyperlinkcolor" val="tx"/>
-                    </a:ext>
-                  </a:extLst>
-                </a:hlinkClick>
-              </a:rPr>
-              <a:t>https://www.w3.org/Style/CSS20/history.html</a:t>
-            </a:r>
-            <a:r>
-              <a:rPr kumimoji="0" lang="de-DE" sz="1200" b="0" i="1" u="none" strike="noStrike" kern="1200" cap="none" spc="0" normalizeH="0" baseline="0" noProof="0" dirty="0">
-                <a:ln>
-                  <a:noFill/>
-                </a:ln>
-                <a:solidFill>
-                  <a:prstClr val="white"/>
-                </a:solidFill>
-                <a:effectLst/>
-                <a:uLnTx/>
-                <a:uFillTx/>
-                <a:latin typeface="Optima"/>
-                <a:ea typeface="+mn-ea"/>
-                <a:cs typeface="+mn-cs"/>
-              </a:rPr>
-              <a:t> </a:t>
-            </a:r>
-            <a:endParaRPr kumimoji="0" lang="en-GB" sz="1200" b="0" i="0" u="none" strike="noStrike" kern="1200" cap="none" spc="0" normalizeH="0" baseline="0" noProof="0" dirty="0">
-              <a:ln>
-                <a:noFill/>
-              </a:ln>
-              <a:solidFill>
-                <a:prstClr val="white"/>
-              </a:solidFill>
-              <a:effectLst/>
-              <a:uLnTx/>
-              <a:uFillTx/>
-              <a:latin typeface="Calibri" panose="020F0502020204030204"/>
-              <a:ea typeface="+mn-ea"/>
-              <a:cs typeface="+mn-cs"/>
-            </a:endParaRPr>
           </a:p>
         </p:txBody>
       </p:sp>
@@ -12306,7 +13675,7 @@
           <p:nvPr/>
         </p:nvPicPr>
         <p:blipFill rotWithShape="1">
-          <a:blip r:embed="rId4">
+          <a:blip r:embed="rId2">
             <a:clrChange>
               <a:clrFrom>
                 <a:srgbClr val="1E1E1E"/>
@@ -12323,7 +13692,7 @@
         </p:blipFill>
         <p:spPr>
           <a:xfrm>
-            <a:off x="5438104" y="924507"/>
+            <a:off x="584126" y="1013942"/>
             <a:ext cx="6108344" cy="5416528"/>
           </a:xfrm>
           <a:prstGeom prst="rect">
@@ -12334,7 +13703,7 @@
     </p:spTree>
     <p:extLst>
       <p:ext uri="{BB962C8B-B14F-4D97-AF65-F5344CB8AC3E}">
-        <p14:creationId xmlns:p14="http://schemas.microsoft.com/office/powerpoint/2010/main" val="1743685917"/>
+        <p14:creationId xmlns:p14="http://schemas.microsoft.com/office/powerpoint/2010/main" val="660823736"/>
       </p:ext>
     </p:extLst>
   </p:cSld>

--- a/2/s2_Building_your_first_website.pptx
+++ b/2/s2_Building_your_first_website.pptx
@@ -255,7 +255,7 @@
           <a:p>
             <a:fld id="{A9A5DA3C-BDF6-44EF-83ED-A29CA680A5AA}" type="datetimeFigureOut">
               <a:rPr lang="en-GB" smtClean="0"/>
-              <a:t>13/03/2024</a:t>
+              <a:t>18/04/2024</a:t>
             </a:fld>
             <a:endParaRPr lang="en-GB"/>
           </a:p>
@@ -672,7 +672,7 @@
           <a:p>
             <a:fld id="{1041D2DD-F029-4FB0-BB12-3B6037A6356B}" type="datetimeFigureOut">
               <a:rPr lang="en-GB" smtClean="0"/>
-              <a:t>13/03/2024</a:t>
+              <a:t>18/04/2024</a:t>
             </a:fld>
             <a:endParaRPr lang="en-GB"/>
           </a:p>
@@ -872,7 +872,7 @@
           <a:p>
             <a:fld id="{1041D2DD-F029-4FB0-BB12-3B6037A6356B}" type="datetimeFigureOut">
               <a:rPr lang="en-GB" smtClean="0"/>
-              <a:t>13/03/2024</a:t>
+              <a:t>18/04/2024</a:t>
             </a:fld>
             <a:endParaRPr lang="en-GB"/>
           </a:p>
@@ -1082,7 +1082,7 @@
           <a:p>
             <a:fld id="{1041D2DD-F029-4FB0-BB12-3B6037A6356B}" type="datetimeFigureOut">
               <a:rPr lang="en-GB" smtClean="0"/>
-              <a:t>13/03/2024</a:t>
+              <a:t>18/04/2024</a:t>
             </a:fld>
             <a:endParaRPr lang="en-GB"/>
           </a:p>
@@ -1286,7 +1286,7 @@
           <a:p>
             <a:fld id="{2E2C077B-C732-49E5-B20E-05DE29246531}" type="datetimeFigureOut">
               <a:rPr lang="en-GB" smtClean="0"/>
-              <a:t>13/03/2024</a:t>
+              <a:t>18/04/2024</a:t>
             </a:fld>
             <a:endParaRPr lang="en-GB"/>
           </a:p>
@@ -1456,7 +1456,7 @@
           <a:p>
             <a:fld id="{2E2C077B-C732-49E5-B20E-05DE29246531}" type="datetimeFigureOut">
               <a:rPr lang="en-GB" smtClean="0"/>
-              <a:t>13/03/2024</a:t>
+              <a:t>18/04/2024</a:t>
             </a:fld>
             <a:endParaRPr lang="en-GB"/>
           </a:p>
@@ -1702,7 +1702,7 @@
           <a:p>
             <a:fld id="{2E2C077B-C732-49E5-B20E-05DE29246531}" type="datetimeFigureOut">
               <a:rPr lang="en-GB" smtClean="0"/>
-              <a:t>13/03/2024</a:t>
+              <a:t>18/04/2024</a:t>
             </a:fld>
             <a:endParaRPr lang="en-GB"/>
           </a:p>
@@ -1934,7 +1934,7 @@
           <a:p>
             <a:fld id="{2E2C077B-C732-49E5-B20E-05DE29246531}" type="datetimeFigureOut">
               <a:rPr lang="en-GB" smtClean="0"/>
-              <a:t>13/03/2024</a:t>
+              <a:t>18/04/2024</a:t>
             </a:fld>
             <a:endParaRPr lang="en-GB"/>
           </a:p>
@@ -2301,7 +2301,7 @@
           <a:p>
             <a:fld id="{2E2C077B-C732-49E5-B20E-05DE29246531}" type="datetimeFigureOut">
               <a:rPr lang="en-GB" smtClean="0"/>
-              <a:t>13/03/2024</a:t>
+              <a:t>18/04/2024</a:t>
             </a:fld>
             <a:endParaRPr lang="en-GB"/>
           </a:p>
@@ -2419,7 +2419,7 @@
           <a:p>
             <a:fld id="{2E2C077B-C732-49E5-B20E-05DE29246531}" type="datetimeFigureOut">
               <a:rPr lang="en-GB" smtClean="0"/>
-              <a:t>13/03/2024</a:t>
+              <a:t>18/04/2024</a:t>
             </a:fld>
             <a:endParaRPr lang="en-GB"/>
           </a:p>
@@ -2514,7 +2514,7 @@
           <a:p>
             <a:fld id="{2E2C077B-C732-49E5-B20E-05DE29246531}" type="datetimeFigureOut">
               <a:rPr lang="en-GB" smtClean="0"/>
-              <a:t>13/03/2024</a:t>
+              <a:t>18/04/2024</a:t>
             </a:fld>
             <a:endParaRPr lang="en-GB"/>
           </a:p>
@@ -2791,7 +2791,7 @@
           <a:p>
             <a:fld id="{2E2C077B-C732-49E5-B20E-05DE29246531}" type="datetimeFigureOut">
               <a:rPr lang="en-GB" smtClean="0"/>
-              <a:t>13/03/2024</a:t>
+              <a:t>18/04/2024</a:t>
             </a:fld>
             <a:endParaRPr lang="en-GB"/>
           </a:p>
@@ -2979,7 +2979,7 @@
           <a:p>
             <a:fld id="{1041D2DD-F029-4FB0-BB12-3B6037A6356B}" type="datetimeFigureOut">
               <a:rPr lang="en-GB" smtClean="0"/>
-              <a:t>13/03/2024</a:t>
+              <a:t>18/04/2024</a:t>
             </a:fld>
             <a:endParaRPr lang="en-GB"/>
           </a:p>
@@ -3244,7 +3244,7 @@
           <a:p>
             <a:fld id="{2E2C077B-C732-49E5-B20E-05DE29246531}" type="datetimeFigureOut">
               <a:rPr lang="en-GB" smtClean="0"/>
-              <a:t>13/03/2024</a:t>
+              <a:t>18/04/2024</a:t>
             </a:fld>
             <a:endParaRPr lang="en-GB"/>
           </a:p>
@@ -3414,7 +3414,7 @@
           <a:p>
             <a:fld id="{2E2C077B-C732-49E5-B20E-05DE29246531}" type="datetimeFigureOut">
               <a:rPr lang="en-GB" smtClean="0"/>
-              <a:t>13/03/2024</a:t>
+              <a:t>18/04/2024</a:t>
             </a:fld>
             <a:endParaRPr lang="en-GB"/>
           </a:p>
@@ -3594,7 +3594,7 @@
           <a:p>
             <a:fld id="{2E2C077B-C732-49E5-B20E-05DE29246531}" type="datetimeFigureOut">
               <a:rPr lang="en-GB" smtClean="0"/>
-              <a:t>13/03/2024</a:t>
+              <a:t>18/04/2024</a:t>
             </a:fld>
             <a:endParaRPr lang="en-GB"/>
           </a:p>
@@ -3858,7 +3858,7 @@
           <a:p>
             <a:fld id="{1041D2DD-F029-4FB0-BB12-3B6037A6356B}" type="datetimeFigureOut">
               <a:rPr lang="en-GB" smtClean="0"/>
-              <a:t>13/03/2024</a:t>
+              <a:t>18/04/2024</a:t>
             </a:fld>
             <a:endParaRPr lang="en-GB"/>
           </a:p>
@@ -4126,7 +4126,7 @@
           <a:p>
             <a:fld id="{1041D2DD-F029-4FB0-BB12-3B6037A6356B}" type="datetimeFigureOut">
               <a:rPr lang="en-GB" smtClean="0"/>
-              <a:t>13/03/2024</a:t>
+              <a:t>18/04/2024</a:t>
             </a:fld>
             <a:endParaRPr lang="en-GB"/>
           </a:p>
@@ -4541,7 +4541,7 @@
           <a:p>
             <a:fld id="{1041D2DD-F029-4FB0-BB12-3B6037A6356B}" type="datetimeFigureOut">
               <a:rPr lang="en-GB" smtClean="0"/>
-              <a:t>13/03/2024</a:t>
+              <a:t>18/04/2024</a:t>
             </a:fld>
             <a:endParaRPr lang="en-GB"/>
           </a:p>
@@ -4683,7 +4683,7 @@
           <a:p>
             <a:fld id="{1041D2DD-F029-4FB0-BB12-3B6037A6356B}" type="datetimeFigureOut">
               <a:rPr lang="en-GB" smtClean="0"/>
-              <a:t>13/03/2024</a:t>
+              <a:t>18/04/2024</a:t>
             </a:fld>
             <a:endParaRPr lang="en-GB"/>
           </a:p>
@@ -4796,7 +4796,7 @@
           <a:p>
             <a:fld id="{1041D2DD-F029-4FB0-BB12-3B6037A6356B}" type="datetimeFigureOut">
               <a:rPr lang="en-GB" smtClean="0"/>
-              <a:t>13/03/2024</a:t>
+              <a:t>18/04/2024</a:t>
             </a:fld>
             <a:endParaRPr lang="en-GB"/>
           </a:p>
@@ -5109,7 +5109,7 @@
           <a:p>
             <a:fld id="{1041D2DD-F029-4FB0-BB12-3B6037A6356B}" type="datetimeFigureOut">
               <a:rPr lang="en-GB" smtClean="0"/>
-              <a:t>13/03/2024</a:t>
+              <a:t>18/04/2024</a:t>
             </a:fld>
             <a:endParaRPr lang="en-GB"/>
           </a:p>
@@ -5398,7 +5398,7 @@
           <a:p>
             <a:fld id="{1041D2DD-F029-4FB0-BB12-3B6037A6356B}" type="datetimeFigureOut">
               <a:rPr lang="en-GB" smtClean="0"/>
-              <a:t>13/03/2024</a:t>
+              <a:t>18/04/2024</a:t>
             </a:fld>
             <a:endParaRPr lang="en-GB"/>
           </a:p>
@@ -5641,7 +5641,7 @@
           <a:p>
             <a:fld id="{1041D2DD-F029-4FB0-BB12-3B6037A6356B}" type="datetimeFigureOut">
               <a:rPr lang="en-GB" smtClean="0"/>
-              <a:t>13/03/2024</a:t>
+              <a:t>18/04/2024</a:t>
             </a:fld>
             <a:endParaRPr lang="en-GB"/>
           </a:p>
@@ -6196,7 +6196,7 @@
           <a:p>
             <a:fld id="{2E2C077B-C732-49E5-B20E-05DE29246531}" type="datetimeFigureOut">
               <a:rPr lang="en-GB" smtClean="0"/>
-              <a:t>13/03/2024</a:t>
+              <a:t>18/04/2024</a:t>
             </a:fld>
             <a:endParaRPr lang="en-GB"/>
           </a:p>
@@ -6985,7 +6985,7 @@
         <p:spPr>
           <a:xfrm>
             <a:off x="584126" y="1366897"/>
-            <a:ext cx="11050411" cy="3447098"/>
+            <a:ext cx="11050411" cy="3662541"/>
           </a:xfrm>
           <a:prstGeom prst="rect">
             <a:avLst/>
@@ -7029,7 +7029,7 @@
               </a:rPr>
             </a:br>
             <a:r>
-              <a:rPr lang="en-US" sz="1800" b="0" dirty="0">
+              <a:rPr lang="en-US" sz="2000" b="0" dirty="0">
                 <a:solidFill>
                   <a:srgbClr val="6A9955"/>
                 </a:solidFill>
@@ -7039,7 +7039,7 @@
               <a:t>&lt;!-- Here is the head section of my HTML file --&gt;</a:t>
             </a:r>
             <a:br>
-              <a:rPr lang="en-US" sz="1800" b="0" dirty="0">
+              <a:rPr lang="en-US" sz="2000" b="0" dirty="0">
                 <a:solidFill>
                   <a:srgbClr val="D4D4D4"/>
                 </a:solidFill>
@@ -7048,7 +7048,7 @@
               </a:rPr>
             </a:br>
             <a:r>
-              <a:rPr lang="en-US" sz="1800" b="0" dirty="0">
+              <a:rPr lang="en-US" sz="2000" b="0" dirty="0">
                 <a:solidFill>
                   <a:srgbClr val="808080"/>
                 </a:solidFill>
@@ -7058,7 +7058,7 @@
               <a:t>&lt;</a:t>
             </a:r>
             <a:r>
-              <a:rPr lang="en-US" sz="1800" b="0" dirty="0">
+              <a:rPr lang="en-US" sz="2000" b="0" dirty="0">
                 <a:solidFill>
                   <a:srgbClr val="569CD6"/>
                 </a:solidFill>
@@ -7068,7 +7068,7 @@
               <a:t>head</a:t>
             </a:r>
             <a:r>
-              <a:rPr lang="en-US" sz="1800" b="0" dirty="0">
+              <a:rPr lang="en-US" sz="2000" b="0" dirty="0">
                 <a:solidFill>
                   <a:srgbClr val="808080"/>
                 </a:solidFill>
@@ -7078,7 +7078,7 @@
               <a:t>&gt;</a:t>
             </a:r>
             <a:br>
-              <a:rPr lang="en-US" sz="1800" b="0" dirty="0">
+              <a:rPr lang="en-US" sz="2000" b="0" dirty="0">
                 <a:solidFill>
                   <a:srgbClr val="D4D4D4"/>
                 </a:solidFill>
@@ -7087,7 +7087,7 @@
               </a:rPr>
             </a:br>
             <a:r>
-              <a:rPr lang="en-US" sz="1800" b="0" dirty="0">
+              <a:rPr lang="en-US" sz="2000" b="0" dirty="0">
                 <a:solidFill>
                   <a:srgbClr val="808080"/>
                 </a:solidFill>
@@ -7097,7 +7097,7 @@
               <a:t>&lt;</a:t>
             </a:r>
             <a:r>
-              <a:rPr lang="en-US" sz="1800" b="0" dirty="0">
+              <a:rPr lang="en-US" sz="2000" b="0" dirty="0">
                 <a:solidFill>
                   <a:srgbClr val="569CD6"/>
                 </a:solidFill>
@@ -7107,7 +7107,7 @@
               <a:t>title</a:t>
             </a:r>
             <a:r>
-              <a:rPr lang="en-US" sz="1800" b="0" dirty="0">
+              <a:rPr lang="en-US" sz="2000" b="0" dirty="0">
                 <a:solidFill>
                   <a:srgbClr val="808080"/>
                 </a:solidFill>
@@ -7117,7 +7117,7 @@
               <a:t>&gt;</a:t>
             </a:r>
             <a:r>
-              <a:rPr lang="en-US" sz="1800" b="0" dirty="0">
+              <a:rPr lang="en-US" sz="2000" b="0" dirty="0">
                 <a:solidFill>
                   <a:srgbClr val="D4D4D4"/>
                 </a:solidFill>
@@ -7127,7 +7127,7 @@
               <a:t>Page Title</a:t>
             </a:r>
             <a:r>
-              <a:rPr lang="en-US" sz="1800" b="0" dirty="0">
+              <a:rPr lang="en-US" sz="2000" b="0" dirty="0">
                 <a:solidFill>
                   <a:srgbClr val="808080"/>
                 </a:solidFill>
@@ -7137,7 +7137,7 @@
               <a:t>&lt;/</a:t>
             </a:r>
             <a:r>
-              <a:rPr lang="en-US" sz="1800" b="0" dirty="0">
+              <a:rPr lang="en-US" sz="2000" b="0" dirty="0">
                 <a:solidFill>
                   <a:srgbClr val="569CD6"/>
                 </a:solidFill>
@@ -7147,7 +7147,7 @@
               <a:t>title</a:t>
             </a:r>
             <a:r>
-              <a:rPr lang="en-US" sz="1800" b="0" dirty="0">
+              <a:rPr lang="en-US" sz="2000" b="0" dirty="0">
                 <a:solidFill>
                   <a:srgbClr val="808080"/>
                 </a:solidFill>
@@ -7157,7 +7157,7 @@
               <a:t>&gt;</a:t>
             </a:r>
             <a:br>
-              <a:rPr lang="en-US" sz="1800" b="0" dirty="0">
+              <a:rPr lang="en-US" sz="2000" b="0" dirty="0">
                 <a:solidFill>
                   <a:srgbClr val="D4D4D4"/>
                 </a:solidFill>
@@ -7166,7 +7166,7 @@
               </a:rPr>
             </a:br>
             <a:br>
-              <a:rPr lang="en-US" sz="1800" b="0" dirty="0">
+              <a:rPr lang="en-US" sz="2000" b="0" dirty="0">
                 <a:solidFill>
                   <a:srgbClr val="D4D4D4"/>
                 </a:solidFill>
@@ -7175,7 +7175,7 @@
               </a:rPr>
             </a:br>
             <a:r>
-              <a:rPr lang="en-US" sz="1800" b="0" dirty="0">
+              <a:rPr lang="en-US" sz="2000" b="0" dirty="0">
                 <a:solidFill>
                   <a:srgbClr val="6A9955"/>
                 </a:solidFill>
@@ -7185,7 +7185,7 @@
               <a:t>&lt;!-- Now I add a link to my CSS file --&gt;</a:t>
             </a:r>
             <a:br>
-              <a:rPr lang="en-US" sz="1800" b="0" dirty="0">
+              <a:rPr lang="en-US" sz="2000" b="0" dirty="0">
                 <a:solidFill>
                   <a:srgbClr val="D4D4D4"/>
                 </a:solidFill>
@@ -7194,7 +7194,7 @@
               </a:rPr>
             </a:br>
             <a:r>
-              <a:rPr lang="en-US" sz="1800" b="0" dirty="0">
+              <a:rPr lang="en-US" sz="2000" b="0" dirty="0">
                 <a:solidFill>
                   <a:srgbClr val="808080"/>
                 </a:solidFill>
@@ -7204,7 +7204,7 @@
               <a:t>&lt;</a:t>
             </a:r>
             <a:r>
-              <a:rPr lang="en-US" sz="1800" b="0" dirty="0">
+              <a:rPr lang="en-US" sz="2000" b="0" dirty="0">
                 <a:solidFill>
                   <a:srgbClr val="569CD6"/>
                 </a:solidFill>
@@ -7214,7 +7214,7 @@
               <a:t>link</a:t>
             </a:r>
             <a:r>
-              <a:rPr lang="en-US" sz="1800" b="0" dirty="0">
+              <a:rPr lang="en-US" sz="2000" b="0" dirty="0">
                 <a:solidFill>
                   <a:srgbClr val="D4D4D4"/>
                 </a:solidFill>
@@ -7224,7 +7224,7 @@
               <a:t> </a:t>
             </a:r>
             <a:r>
-              <a:rPr lang="en-US" sz="1800" b="0" dirty="0" err="1">
+              <a:rPr lang="en-US" sz="2000" b="0" dirty="0" err="1">
                 <a:solidFill>
                   <a:srgbClr val="9CDCFE"/>
                 </a:solidFill>
@@ -7234,7 +7234,7 @@
               <a:t>rel</a:t>
             </a:r>
             <a:r>
-              <a:rPr lang="en-US" sz="1800" b="0" dirty="0">
+              <a:rPr lang="en-US" sz="2000" b="0" dirty="0">
                 <a:solidFill>
                   <a:srgbClr val="D4D4D4"/>
                 </a:solidFill>
@@ -7244,7 +7244,7 @@
               <a:t>=</a:t>
             </a:r>
             <a:r>
-              <a:rPr lang="en-US" sz="1800" b="0" dirty="0">
+              <a:rPr lang="en-US" sz="2000" b="0" dirty="0">
                 <a:solidFill>
                   <a:srgbClr val="CE9178"/>
                 </a:solidFill>
@@ -7254,7 +7254,7 @@
               <a:t>"stylesheet"</a:t>
             </a:r>
             <a:r>
-              <a:rPr lang="en-US" sz="1800" b="0" dirty="0">
+              <a:rPr lang="en-US" sz="2000" b="0" dirty="0">
                 <a:solidFill>
                   <a:srgbClr val="D4D4D4"/>
                 </a:solidFill>
@@ -7264,7 +7264,7 @@
               <a:t> </a:t>
             </a:r>
             <a:r>
-              <a:rPr lang="en-US" sz="1800" b="0" dirty="0" err="1">
+              <a:rPr lang="en-US" sz="2000" b="0" dirty="0" err="1">
                 <a:solidFill>
                   <a:srgbClr val="9CDCFE"/>
                 </a:solidFill>
@@ -7274,7 +7274,7 @@
               <a:t>href</a:t>
             </a:r>
             <a:r>
-              <a:rPr lang="en-US" sz="1800" b="0" dirty="0">
+              <a:rPr lang="en-US" sz="2000" b="0" dirty="0">
                 <a:solidFill>
                   <a:srgbClr val="D4D4D4"/>
                 </a:solidFill>
@@ -7284,7 +7284,7 @@
               <a:t>=</a:t>
             </a:r>
             <a:r>
-              <a:rPr lang="en-US" sz="1800" b="0" dirty="0">
+              <a:rPr lang="en-US" sz="2000" b="0" dirty="0">
                 <a:solidFill>
                   <a:srgbClr val="CE9178"/>
                 </a:solidFill>
@@ -7294,7 +7294,7 @@
               <a:t>"</a:t>
             </a:r>
             <a:r>
-              <a:rPr lang="en-US" sz="1800" dirty="0">
+              <a:rPr lang="en-US" sz="2000" dirty="0">
                 <a:solidFill>
                   <a:srgbClr val="CE9178"/>
                 </a:solidFill>
@@ -7303,7 +7303,7 @@
               <a:t>e</a:t>
             </a:r>
             <a:r>
-              <a:rPr lang="en-US" sz="1800" b="0" dirty="0">
+              <a:rPr lang="en-US" sz="2000" b="0" dirty="0">
                 <a:solidFill>
                   <a:srgbClr val="CE9178"/>
                 </a:solidFill>
@@ -7313,7 +7313,7 @@
               <a:t>xample1.css"</a:t>
             </a:r>
             <a:r>
-              <a:rPr lang="en-US" sz="1800" b="0" dirty="0">
+              <a:rPr lang="en-US" sz="2000" b="0" dirty="0">
                 <a:solidFill>
                   <a:srgbClr val="808080"/>
                 </a:solidFill>
@@ -7323,7 +7323,7 @@
               <a:t>&gt;</a:t>
             </a:r>
             <a:br>
-              <a:rPr lang="en-US" sz="1800" b="0" dirty="0">
+              <a:rPr lang="en-US" sz="2000" b="0" dirty="0">
                 <a:solidFill>
                   <a:srgbClr val="D4D4D4"/>
                 </a:solidFill>
@@ -7332,7 +7332,7 @@
               </a:rPr>
             </a:br>
             <a:r>
-              <a:rPr lang="en-US" sz="1800" b="0" dirty="0">
+              <a:rPr lang="en-US" sz="2000" b="0" dirty="0">
                 <a:solidFill>
                   <a:srgbClr val="808080"/>
                 </a:solidFill>
@@ -7342,7 +7342,7 @@
               <a:t>&lt;/</a:t>
             </a:r>
             <a:r>
-              <a:rPr lang="en-US" sz="1800" b="0" dirty="0">
+              <a:rPr lang="en-US" sz="2000" b="0" dirty="0">
                 <a:solidFill>
                   <a:srgbClr val="569CD6"/>
                 </a:solidFill>
@@ -7352,7 +7352,7 @@
               <a:t>head</a:t>
             </a:r>
             <a:r>
-              <a:rPr lang="en-US" sz="1800" b="0" dirty="0">
+              <a:rPr lang="en-US" sz="2000" b="0" dirty="0">
                 <a:solidFill>
                   <a:srgbClr val="808080"/>
                 </a:solidFill>
@@ -7548,8 +7548,8 @@
         </p:nvSpPr>
         <p:spPr>
           <a:xfrm>
-            <a:off x="584126" y="1187790"/>
-            <a:ext cx="11023941" cy="4789498"/>
+            <a:off x="584126" y="1187789"/>
+            <a:ext cx="11023941" cy="5080663"/>
           </a:xfrm>
         </p:spPr>
         <p:txBody>
@@ -7564,7 +7564,7 @@
               </a:lnSpc>
             </a:pPr>
             <a:r>
-              <a:rPr lang="en-GB" sz="1800" dirty="0">
+              <a:rPr lang="en-GB" sz="2000" dirty="0">
                 <a:solidFill>
                   <a:srgbClr val="36B7B4"/>
                 </a:solidFill>
@@ -7574,7 +7574,7 @@
               <a:t>History.  </a:t>
             </a:r>
             <a:r>
-              <a:rPr lang="en-GB" sz="1800" dirty="0">
+              <a:rPr lang="en-GB" sz="2000" dirty="0">
                 <a:solidFill>
                   <a:schemeClr val="bg1"/>
                 </a:solidFill>
@@ -7584,7 +7584,7 @@
               <a:t>JS launched by Netscape in 1995. Key developer was </a:t>
             </a:r>
             <a:r>
-              <a:rPr lang="en-GB" sz="1800" dirty="0">
+              <a:rPr lang="en-GB" sz="2000" dirty="0">
                 <a:solidFill>
                   <a:srgbClr val="36B7B4"/>
                 </a:solidFill>
@@ -7594,7 +7594,7 @@
               <a:t>Brendan </a:t>
             </a:r>
             <a:r>
-              <a:rPr lang="en-GB" sz="1800" dirty="0" err="1">
+              <a:rPr lang="en-GB" sz="2000" dirty="0" err="1">
                 <a:solidFill>
                   <a:srgbClr val="36B7B4"/>
                 </a:solidFill>
@@ -7604,7 +7604,7 @@
               <a:t>Eich</a:t>
             </a:r>
             <a:r>
-              <a:rPr lang="en-GB" sz="1800" dirty="0">
+              <a:rPr lang="en-GB" sz="2000" dirty="0">
                 <a:solidFill>
                   <a:srgbClr val="36B7B4"/>
                 </a:solidFill>
@@ -7614,7 +7614,7 @@
               <a:t>. </a:t>
             </a:r>
             <a:r>
-              <a:rPr lang="en-GB" sz="1800" dirty="0">
+              <a:rPr lang="en-GB" sz="2000" dirty="0">
                 <a:solidFill>
                   <a:schemeClr val="bg1"/>
                 </a:solidFill>
@@ -7630,13 +7630,134 @@
                 <a:spcPct val="150000"/>
               </a:lnSpc>
             </a:pPr>
-            <a:endParaRPr lang="en-GB" sz="1800" dirty="0">
-              <a:solidFill>
-                <a:schemeClr val="bg1"/>
-              </a:solidFill>
-              <a:latin typeface="Circular Std Book" panose="020B0604020101020102" pitchFamily="34" charset="0"/>
-              <a:cs typeface="Circular Std Book" panose="020B0604020101020102" pitchFamily="34" charset="0"/>
-            </a:endParaRPr>
+            <a:r>
+              <a:rPr lang="en-GB" sz="2000" dirty="0">
+                <a:solidFill>
+                  <a:srgbClr val="36B7B4"/>
+                </a:solidFill>
+                <a:latin typeface="Circular Std Book" panose="020B0604020101020102" pitchFamily="34" charset="0"/>
+                <a:cs typeface="Circular Std Book" panose="020B0604020101020102" pitchFamily="34" charset="0"/>
+              </a:rPr>
+              <a:t>In Data Science.</a:t>
+            </a:r>
+            <a:r>
+              <a:rPr lang="en-GB" sz="2000" dirty="0">
+                <a:solidFill>
+                  <a:schemeClr val="bg1"/>
+                </a:solidFill>
+                <a:latin typeface="Circular Std Book" panose="020B0604020101020102" pitchFamily="34" charset="0"/>
+                <a:cs typeface="Circular Std Book" panose="020B0604020101020102" pitchFamily="34" charset="0"/>
+              </a:rPr>
+              <a:t> Some uses of JS.</a:t>
+            </a:r>
+          </a:p>
+          <a:p>
+            <a:pPr lvl="1">
+              <a:lnSpc>
+                <a:spcPct val="150000"/>
+              </a:lnSpc>
+            </a:pPr>
+            <a:r>
+              <a:rPr lang="en-GB" sz="2000" dirty="0">
+                <a:solidFill>
+                  <a:srgbClr val="36B7B4"/>
+                </a:solidFill>
+                <a:latin typeface="Circular Std Book" panose="020B0604020101020102" pitchFamily="34" charset="0"/>
+                <a:cs typeface="Circular Std Book" panose="020B0604020101020102" pitchFamily="34" charset="0"/>
+              </a:rPr>
+              <a:t>Fetching data</a:t>
+            </a:r>
+            <a:r>
+              <a:rPr lang="en-GB" sz="2000" dirty="0">
+                <a:solidFill>
+                  <a:schemeClr val="bg1"/>
+                </a:solidFill>
+                <a:latin typeface="Circular Std Book" panose="020B0604020101020102" pitchFamily="34" charset="0"/>
+                <a:cs typeface="Circular Std Book" panose="020B0604020101020102" pitchFamily="34" charset="0"/>
+              </a:rPr>
+              <a:t>. Grab data from another site, via an API, when you open your page. </a:t>
+            </a:r>
+          </a:p>
+          <a:p>
+            <a:pPr lvl="1">
+              <a:lnSpc>
+                <a:spcPct val="150000"/>
+              </a:lnSpc>
+            </a:pPr>
+            <a:r>
+              <a:rPr lang="en-GB" sz="2000" dirty="0">
+                <a:solidFill>
+                  <a:srgbClr val="36B7B4"/>
+                </a:solidFill>
+                <a:latin typeface="Circular Std Book" panose="020B0604020101020102" pitchFamily="34" charset="0"/>
+                <a:cs typeface="Circular Std Book" panose="020B0604020101020102" pitchFamily="34" charset="0"/>
+              </a:rPr>
+              <a:t>Cleaning and manipulating data.</a:t>
+            </a:r>
+            <a:r>
+              <a:rPr lang="en-GB" sz="2000" dirty="0">
+                <a:solidFill>
+                  <a:schemeClr val="bg1"/>
+                </a:solidFill>
+                <a:latin typeface="Circular Std Book" panose="020B0604020101020102" pitchFamily="34" charset="0"/>
+                <a:cs typeface="Circular Std Book" panose="020B0604020101020102" pitchFamily="34" charset="0"/>
+              </a:rPr>
+              <a:t> Prepare and analyse the data for use in a chart or table. </a:t>
+            </a:r>
+          </a:p>
+          <a:p>
+            <a:pPr lvl="1">
+              <a:lnSpc>
+                <a:spcPct val="150000"/>
+              </a:lnSpc>
+            </a:pPr>
+            <a:r>
+              <a:rPr lang="en-GB" sz="2000" dirty="0">
+                <a:solidFill>
+                  <a:srgbClr val="36B7B4"/>
+                </a:solidFill>
+                <a:latin typeface="Circular Std Book" panose="020B0604020101020102" pitchFamily="34" charset="0"/>
+                <a:cs typeface="Circular Std Book" panose="020B0604020101020102" pitchFamily="34" charset="0"/>
+              </a:rPr>
+              <a:t>Visualising data. </a:t>
+            </a:r>
+            <a:r>
+              <a:rPr lang="en-GB" sz="2000" dirty="0">
+                <a:solidFill>
+                  <a:schemeClr val="bg1"/>
+                </a:solidFill>
+                <a:latin typeface="Circular Std Book" panose="020B0604020101020102" pitchFamily="34" charset="0"/>
+                <a:cs typeface="Circular Std Book" panose="020B0604020101020102" pitchFamily="34" charset="0"/>
+              </a:rPr>
+              <a:t>Display the data in a way you wish. There are lots of charting “libraries” that do this. For example, Vega Lite and Charts.js. </a:t>
+            </a:r>
+          </a:p>
+          <a:p>
+            <a:pPr lvl="1">
+              <a:lnSpc>
+                <a:spcPct val="150000"/>
+              </a:lnSpc>
+            </a:pPr>
+            <a:r>
+              <a:rPr lang="en-GB" sz="2000" dirty="0">
+                <a:solidFill>
+                  <a:srgbClr val="36B7B4"/>
+                </a:solidFill>
+                <a:latin typeface="Circular Std Book" panose="020B0604020101020102" pitchFamily="34" charset="0"/>
+                <a:cs typeface="Circular Std Book" panose="020B0604020101020102" pitchFamily="34" charset="0"/>
+              </a:rPr>
+              <a:t>Interactivity.</a:t>
+            </a:r>
+            <a:r>
+              <a:rPr lang="en-GB" sz="2000" dirty="0">
+                <a:solidFill>
+                  <a:schemeClr val="bg1"/>
+                </a:solidFill>
+                <a:latin typeface="Circular Std Book" panose="020B0604020101020102" pitchFamily="34" charset="0"/>
+                <a:cs typeface="Circular Std Book" panose="020B0604020101020102" pitchFamily="34" charset="0"/>
+              </a:rPr>
+              <a:t> Make visualisations interactive + sites fun and engaging. </a:t>
+            </a:r>
           </a:p>
           <a:p>
             <a:pPr>
@@ -7644,142 +7765,7 @@
                 <a:spcPct val="150000"/>
               </a:lnSpc>
             </a:pPr>
-            <a:r>
-              <a:rPr lang="en-GB" sz="1800" dirty="0">
-                <a:solidFill>
-                  <a:srgbClr val="36B7B4"/>
-                </a:solidFill>
-                <a:latin typeface="Circular Std Book" panose="020B0604020101020102" pitchFamily="34" charset="0"/>
-                <a:cs typeface="Circular Std Book" panose="020B0604020101020102" pitchFamily="34" charset="0"/>
-              </a:rPr>
-              <a:t>In Data Science.</a:t>
-            </a:r>
-            <a:r>
-              <a:rPr lang="en-GB" sz="1800" dirty="0">
-                <a:solidFill>
-                  <a:schemeClr val="bg1"/>
-                </a:solidFill>
-                <a:latin typeface="Circular Std Book" panose="020B0604020101020102" pitchFamily="34" charset="0"/>
-                <a:cs typeface="Circular Std Book" panose="020B0604020101020102" pitchFamily="34" charset="0"/>
-              </a:rPr>
-              <a:t> Some uses of JS.</a:t>
-            </a:r>
-          </a:p>
-          <a:p>
-            <a:pPr lvl="1">
-              <a:lnSpc>
-                <a:spcPct val="150000"/>
-              </a:lnSpc>
-            </a:pPr>
-            <a:r>
-              <a:rPr lang="en-GB" sz="1800" dirty="0">
-                <a:solidFill>
-                  <a:srgbClr val="36B7B4"/>
-                </a:solidFill>
-                <a:latin typeface="Circular Std Book" panose="020B0604020101020102" pitchFamily="34" charset="0"/>
-                <a:cs typeface="Circular Std Book" panose="020B0604020101020102" pitchFamily="34" charset="0"/>
-              </a:rPr>
-              <a:t>Fetching data</a:t>
-            </a:r>
-            <a:r>
-              <a:rPr lang="en-GB" sz="1800" dirty="0">
-                <a:solidFill>
-                  <a:schemeClr val="bg1"/>
-                </a:solidFill>
-                <a:latin typeface="Circular Std Book" panose="020B0604020101020102" pitchFamily="34" charset="0"/>
-                <a:cs typeface="Circular Std Book" panose="020B0604020101020102" pitchFamily="34" charset="0"/>
-              </a:rPr>
-              <a:t>. Grab data from another site, via an API, when you open your page. </a:t>
-            </a:r>
-          </a:p>
-          <a:p>
-            <a:pPr lvl="1">
-              <a:lnSpc>
-                <a:spcPct val="150000"/>
-              </a:lnSpc>
-            </a:pPr>
-            <a:r>
-              <a:rPr lang="en-GB" sz="1800" dirty="0">
-                <a:solidFill>
-                  <a:srgbClr val="36B7B4"/>
-                </a:solidFill>
-                <a:latin typeface="Circular Std Book" panose="020B0604020101020102" pitchFamily="34" charset="0"/>
-                <a:cs typeface="Circular Std Book" panose="020B0604020101020102" pitchFamily="34" charset="0"/>
-              </a:rPr>
-              <a:t>Cleaning and manipulating data.</a:t>
-            </a:r>
-            <a:r>
-              <a:rPr lang="en-GB" sz="1800" dirty="0">
-                <a:solidFill>
-                  <a:schemeClr val="bg1"/>
-                </a:solidFill>
-                <a:latin typeface="Circular Std Book" panose="020B0604020101020102" pitchFamily="34" charset="0"/>
-                <a:cs typeface="Circular Std Book" panose="020B0604020101020102" pitchFamily="34" charset="0"/>
-              </a:rPr>
-              <a:t> Prepare and analyse the data for use in a chart or table. </a:t>
-            </a:r>
-          </a:p>
-          <a:p>
-            <a:pPr lvl="1">
-              <a:lnSpc>
-                <a:spcPct val="150000"/>
-              </a:lnSpc>
-            </a:pPr>
-            <a:r>
-              <a:rPr lang="en-GB" sz="1800" dirty="0">
-                <a:solidFill>
-                  <a:srgbClr val="36B7B4"/>
-                </a:solidFill>
-                <a:latin typeface="Circular Std Book" panose="020B0604020101020102" pitchFamily="34" charset="0"/>
-                <a:cs typeface="Circular Std Book" panose="020B0604020101020102" pitchFamily="34" charset="0"/>
-              </a:rPr>
-              <a:t>Visualising data. </a:t>
-            </a:r>
-            <a:r>
-              <a:rPr lang="en-GB" sz="1800" dirty="0">
-                <a:solidFill>
-                  <a:schemeClr val="bg1"/>
-                </a:solidFill>
-                <a:latin typeface="Circular Std Book" panose="020B0604020101020102" pitchFamily="34" charset="0"/>
-                <a:cs typeface="Circular Std Book" panose="020B0604020101020102" pitchFamily="34" charset="0"/>
-              </a:rPr>
-              <a:t>Display the data in a way you wish. There are lots of charting “libraries” that do this. For example, Vega Lite and Charts.js. </a:t>
-            </a:r>
-          </a:p>
-          <a:p>
-            <a:pPr lvl="1">
-              <a:lnSpc>
-                <a:spcPct val="150000"/>
-              </a:lnSpc>
-            </a:pPr>
-            <a:r>
-              <a:rPr lang="en-GB" sz="1800" dirty="0">
-                <a:solidFill>
-                  <a:srgbClr val="36B7B4"/>
-                </a:solidFill>
-                <a:latin typeface="Circular Std Book" panose="020B0604020101020102" pitchFamily="34" charset="0"/>
-                <a:cs typeface="Circular Std Book" panose="020B0604020101020102" pitchFamily="34" charset="0"/>
-              </a:rPr>
-              <a:t>Interactivity.</a:t>
-            </a:r>
-            <a:r>
-              <a:rPr lang="en-GB" sz="1800" dirty="0">
-                <a:solidFill>
-                  <a:schemeClr val="bg1"/>
-                </a:solidFill>
-                <a:latin typeface="Circular Std Book" panose="020B0604020101020102" pitchFamily="34" charset="0"/>
-                <a:cs typeface="Circular Std Book" panose="020B0604020101020102" pitchFamily="34" charset="0"/>
-              </a:rPr>
-              <a:t> Make visualisations interactive + sites fun and engaging. </a:t>
-            </a:r>
-          </a:p>
-          <a:p>
-            <a:pPr>
-              <a:lnSpc>
-                <a:spcPct val="150000"/>
-              </a:lnSpc>
-            </a:pPr>
-            <a:endParaRPr lang="en-GB" sz="1800" dirty="0">
+            <a:endParaRPr lang="en-GB" sz="2000" dirty="0">
               <a:solidFill>
                 <a:schemeClr val="bg1"/>
               </a:solidFill>
@@ -7943,8 +7929,8 @@
         </p:nvSpPr>
         <p:spPr>
           <a:xfrm>
-            <a:off x="584127" y="1009334"/>
-            <a:ext cx="11023746" cy="5262979"/>
+            <a:off x="759817" y="1093555"/>
+            <a:ext cx="11234894" cy="5101397"/>
           </a:xfrm>
           <a:prstGeom prst="rect">
             <a:avLst/>
@@ -10327,7 +10313,7 @@
                 <a:latin typeface="Circular Std Book" panose="020B0604020101020102" pitchFamily="34" charset="0"/>
                 <a:cs typeface="Circular Std Book" panose="020B0604020101020102" pitchFamily="34" charset="0"/>
               </a:rPr>
-              <a:t>Create an edit your “</a:t>
+              <a:t>Create and edit your “</a:t>
             </a:r>
             <a:r>
               <a:rPr lang="en-GB" dirty="0" err="1">
@@ -11994,7 +11980,7 @@
               <a:buNone/>
             </a:pPr>
             <a:r>
-              <a:rPr lang="en-GB" sz="1800" dirty="0">
+              <a:rPr lang="en-GB" sz="2000" dirty="0">
                 <a:solidFill>
                   <a:srgbClr val="FFC000"/>
                 </a:solidFill>
@@ -12004,7 +11990,7 @@
               <a:t>H</a:t>
             </a:r>
             <a:r>
-              <a:rPr lang="en-GB" sz="1800" dirty="0">
+              <a:rPr lang="en-GB" sz="2000" dirty="0">
                 <a:solidFill>
                   <a:srgbClr val="36B7B4"/>
                 </a:solidFill>
@@ -12014,7 +12000,7 @@
               <a:t>yper-</a:t>
             </a:r>
             <a:r>
-              <a:rPr lang="en-GB" sz="1800" dirty="0">
+              <a:rPr lang="en-GB" sz="2000" dirty="0">
                 <a:solidFill>
                   <a:srgbClr val="FFC000"/>
                 </a:solidFill>
@@ -12024,7 +12010,7 @@
               <a:t>T</a:t>
             </a:r>
             <a:r>
-              <a:rPr lang="en-GB" sz="1800" dirty="0">
+              <a:rPr lang="en-GB" sz="2000" dirty="0">
                 <a:solidFill>
                   <a:srgbClr val="36B7B4"/>
                 </a:solidFill>
@@ -12034,7 +12020,7 @@
               <a:t>ext </a:t>
             </a:r>
             <a:r>
-              <a:rPr lang="en-GB" sz="1800" dirty="0">
+              <a:rPr lang="en-GB" sz="2000" dirty="0">
                 <a:solidFill>
                   <a:srgbClr val="FFC000"/>
                 </a:solidFill>
@@ -12044,7 +12030,7 @@
               <a:t>M</a:t>
             </a:r>
             <a:r>
-              <a:rPr lang="en-GB" sz="1800" dirty="0">
+              <a:rPr lang="en-GB" sz="2000" dirty="0">
                 <a:solidFill>
                   <a:srgbClr val="36B7B4"/>
                 </a:solidFill>
@@ -12054,7 +12040,7 @@
               <a:t>arkup </a:t>
             </a:r>
             <a:r>
-              <a:rPr lang="en-GB" sz="1800" dirty="0">
+              <a:rPr lang="en-GB" sz="2000" dirty="0">
                 <a:solidFill>
                   <a:srgbClr val="FFC000"/>
                 </a:solidFill>
@@ -12064,7 +12050,7 @@
               <a:t>L</a:t>
             </a:r>
             <a:r>
-              <a:rPr lang="en-GB" sz="1800" dirty="0">
+              <a:rPr lang="en-GB" sz="2000" dirty="0">
                 <a:solidFill>
                   <a:srgbClr val="36B7B4"/>
                 </a:solidFill>
@@ -12081,7 +12067,7 @@
               </a:lnSpc>
             </a:pPr>
             <a:r>
-              <a:rPr lang="en-GB" sz="1800" b="1" dirty="0">
+              <a:rPr lang="en-GB" sz="2000" b="1" dirty="0">
                 <a:solidFill>
                   <a:srgbClr val="36B7B4"/>
                 </a:solidFill>
@@ -12091,7 +12077,7 @@
               <a:t>1993. </a:t>
             </a:r>
             <a:r>
-              <a:rPr lang="en-GB" sz="1800" dirty="0">
+              <a:rPr lang="en-GB" sz="2000" dirty="0">
                 <a:solidFill>
                   <a:schemeClr val="bg1"/>
                 </a:solidFill>
@@ -12108,7 +12094,7 @@
               </a:lnSpc>
             </a:pPr>
             <a:r>
-              <a:rPr lang="en-GB" sz="1800" b="1" dirty="0">
+              <a:rPr lang="en-GB" sz="2000" b="1" dirty="0">
                 <a:solidFill>
                   <a:srgbClr val="36B7B4"/>
                 </a:solidFill>
@@ -12118,7 +12104,7 @@
               <a:t>Big idea. </a:t>
             </a:r>
             <a:r>
-              <a:rPr lang="en-GB" sz="1800" dirty="0">
+              <a:rPr lang="en-GB" sz="2000" dirty="0">
                 <a:solidFill>
                   <a:schemeClr val="bg1"/>
                 </a:solidFill>
@@ -12603,7 +12589,7 @@
         <p:spPr>
           <a:xfrm>
             <a:off x="684669" y="1335439"/>
-            <a:ext cx="10159439" cy="5078313"/>
+            <a:ext cx="10159439" cy="5355312"/>
           </a:xfrm>
           <a:prstGeom prst="rect">
             <a:avLst/>
@@ -12617,46 +12603,30 @@
           <a:lstStyle/>
           <a:p>
             <a:r>
-              <a:rPr lang="en-US" b="0" dirty="0">
-                <a:solidFill>
-                  <a:srgbClr val="800000"/>
-                </a:solidFill>
-                <a:effectLst/>
-                <a:latin typeface="Consolas" panose="020B0609020204030204" pitchFamily="49" charset="0"/>
-              </a:rPr>
-              <a:t>&lt;!DOCTYPE</a:t>
-            </a:r>
-            <a:r>
-              <a:rPr lang="en-US" b="0" dirty="0">
-                <a:solidFill>
-                  <a:srgbClr val="3B3B3B"/>
-                </a:solidFill>
-                <a:effectLst/>
-                <a:latin typeface="Consolas" panose="020B0609020204030204" pitchFamily="49" charset="0"/>
-              </a:rPr>
-              <a:t> </a:t>
-            </a:r>
-            <a:r>
-              <a:rPr lang="en-US" b="0" dirty="0">
-                <a:solidFill>
-                  <a:srgbClr val="E50000"/>
-                </a:solidFill>
-                <a:effectLst/>
-                <a:latin typeface="Consolas" panose="020B0609020204030204" pitchFamily="49" charset="0"/>
-              </a:rPr>
-              <a:t>html</a:t>
-            </a:r>
-            <a:r>
-              <a:rPr lang="en-US" b="0" dirty="0">
-                <a:solidFill>
-                  <a:srgbClr val="800000"/>
-                </a:solidFill>
-                <a:effectLst/>
-                <a:latin typeface="Consolas" panose="020B0609020204030204" pitchFamily="49" charset="0"/>
-              </a:rPr>
-              <a:t>&gt;</a:t>
-            </a:r>
-            <a:endParaRPr lang="en-US" b="0" dirty="0">
+              <a:rPr lang="en-US" sz="1900" b="0" dirty="0">
+                <a:solidFill>
+                  <a:srgbClr val="FF0000"/>
+                </a:solidFill>
+                <a:effectLst/>
+                <a:latin typeface="Consolas" panose="020B0609020204030204" pitchFamily="49" charset="0"/>
+              </a:rPr>
+              <a:t>&lt;!DOCTYPE html&gt;</a:t>
+            </a:r>
+          </a:p>
+          <a:p>
+            <a:r>
+              <a:rPr lang="en-US" sz="1900" b="0" dirty="0">
+                <a:solidFill>
+                  <a:srgbClr val="FF0000"/>
+                </a:solidFill>
+                <a:effectLst/>
+                <a:latin typeface="Consolas" panose="020B0609020204030204" pitchFamily="49" charset="0"/>
+              </a:rPr>
+              <a:t>&lt;html&gt;</a:t>
+            </a:r>
+          </a:p>
+          <a:p>
+            <a:endParaRPr lang="en-US" sz="1900" b="0" dirty="0">
               <a:solidFill>
                 <a:srgbClr val="3B3B3B"/>
               </a:solidFill>
@@ -12666,16 +12636,35 @@
           </a:p>
           <a:p>
             <a:r>
-              <a:rPr lang="en-US" b="0" dirty="0">
-                <a:solidFill>
-                  <a:srgbClr val="800000"/>
-                </a:solidFill>
-                <a:effectLst/>
-                <a:latin typeface="Consolas" panose="020B0609020204030204" pitchFamily="49" charset="0"/>
-              </a:rPr>
-              <a:t>&lt;html&gt;</a:t>
-            </a:r>
-            <a:endParaRPr lang="en-US" b="0" dirty="0">
+              <a:rPr lang="en-US" sz="1900" b="0" dirty="0">
+                <a:solidFill>
+                  <a:srgbClr val="008000"/>
+                </a:solidFill>
+                <a:effectLst/>
+                <a:latin typeface="Consolas" panose="020B0609020204030204" pitchFamily="49" charset="0"/>
+              </a:rPr>
+              <a:t>&lt;!-- </a:t>
+            </a:r>
+            <a:r>
+              <a:rPr lang="en-US" sz="1900" dirty="0">
+                <a:solidFill>
+                  <a:srgbClr val="008000"/>
+                </a:solidFill>
+                <a:latin typeface="Consolas" panose="020B0609020204030204" pitchFamily="49" charset="0"/>
+              </a:rPr>
+              <a:t>THIS IS A COMMENT [HIGHLIGHT TEXT, THEN CONTROL+/]</a:t>
+            </a:r>
+            <a:r>
+              <a:rPr lang="en-US" sz="1900" b="0" dirty="0">
+                <a:solidFill>
+                  <a:srgbClr val="008000"/>
+                </a:solidFill>
+                <a:effectLst/>
+                <a:latin typeface="Consolas" panose="020B0609020204030204" pitchFamily="49" charset="0"/>
+              </a:rPr>
+              <a:t> --&gt;</a:t>
+            </a:r>
+            <a:endParaRPr lang="en-US" sz="1900" b="0" dirty="0">
               <a:solidFill>
                 <a:srgbClr val="3B3B3B"/>
               </a:solidFill>
@@ -12684,7 +12673,17 @@
             </a:endParaRPr>
           </a:p>
           <a:p>
-            <a:endParaRPr lang="en-US" b="0" dirty="0">
+            <a:r>
+              <a:rPr lang="en-US" sz="1900" b="0" dirty="0">
+                <a:solidFill>
+                  <a:srgbClr val="008000"/>
+                </a:solidFill>
+                <a:effectLst/>
+                <a:latin typeface="Consolas" panose="020B0609020204030204" pitchFamily="49" charset="0"/>
+              </a:rPr>
+              <a:t>&lt;!-- Economics Observatory, Data Science for Public Policy --&gt;</a:t>
+            </a:r>
+            <a:endParaRPr lang="en-US" sz="1900" b="0" dirty="0">
               <a:solidFill>
                 <a:srgbClr val="3B3B3B"/>
               </a:solidFill>
@@ -12693,36 +12692,103 @@
             </a:endParaRPr>
           </a:p>
           <a:p>
-            <a:r>
-              <a:rPr lang="en-US" b="0" dirty="0">
+            <a:br>
+              <a:rPr lang="en-US" sz="1900" b="0" dirty="0">
+                <a:solidFill>
+                  <a:srgbClr val="3B3B3B"/>
+                </a:solidFill>
+                <a:effectLst/>
+                <a:latin typeface="Consolas" panose="020B0609020204030204" pitchFamily="49" charset="0"/>
+              </a:rPr>
+            </a:br>
+            <a:r>
+              <a:rPr lang="en-US" sz="1900" b="0" dirty="0">
+                <a:solidFill>
+                  <a:srgbClr val="FF0000"/>
+                </a:solidFill>
+                <a:effectLst/>
+                <a:latin typeface="Consolas" panose="020B0609020204030204" pitchFamily="49" charset="0"/>
+              </a:rPr>
+              <a:t>&lt;head&gt;</a:t>
+            </a:r>
+          </a:p>
+          <a:p>
+            <a:r>
+              <a:rPr lang="en-US" sz="1900" b="0" dirty="0">
+                <a:solidFill>
+                  <a:srgbClr val="3B3B3B"/>
+                </a:solidFill>
+                <a:effectLst/>
+                <a:latin typeface="Consolas" panose="020B0609020204030204" pitchFamily="49" charset="0"/>
+              </a:rPr>
+              <a:t>    </a:t>
+            </a:r>
+            <a:r>
+              <a:rPr lang="en-US" sz="1900" b="0" dirty="0">
+                <a:solidFill>
+                  <a:srgbClr val="FFC000"/>
+                </a:solidFill>
+                <a:effectLst/>
+                <a:latin typeface="Consolas" panose="020B0609020204030204" pitchFamily="49" charset="0"/>
+              </a:rPr>
+              <a:t>&lt;title&gt;</a:t>
+            </a:r>
+            <a:r>
+              <a:rPr lang="en-US" sz="1900" b="0" dirty="0">
+                <a:solidFill>
+                  <a:schemeClr val="bg1">
+                    <a:lumMod val="95000"/>
+                  </a:schemeClr>
+                </a:solidFill>
+                <a:effectLst/>
+                <a:latin typeface="Consolas" panose="020B0609020204030204" pitchFamily="49" charset="0"/>
+              </a:rPr>
+              <a:t>Page Title</a:t>
+            </a:r>
+            <a:r>
+              <a:rPr lang="en-US" sz="1900" b="0" dirty="0">
+                <a:solidFill>
+                  <a:srgbClr val="FFC000"/>
+                </a:solidFill>
+                <a:effectLst/>
+                <a:latin typeface="Consolas" panose="020B0609020204030204" pitchFamily="49" charset="0"/>
+              </a:rPr>
+              <a:t>&lt;/title&gt;</a:t>
+            </a:r>
+          </a:p>
+          <a:p>
+            <a:r>
+              <a:rPr lang="en-US" sz="1900" b="0" dirty="0">
+                <a:solidFill>
+                  <a:srgbClr val="FF0000"/>
+                </a:solidFill>
+                <a:effectLst/>
+                <a:latin typeface="Consolas" panose="020B0609020204030204" pitchFamily="49" charset="0"/>
+              </a:rPr>
+              <a:t>&lt;/head&gt;</a:t>
+            </a:r>
+          </a:p>
+          <a:p>
+            <a:br>
+              <a:rPr lang="en-US" sz="1900" b="0" dirty="0">
+                <a:solidFill>
+                  <a:srgbClr val="3B3B3B"/>
+                </a:solidFill>
+                <a:effectLst/>
+                <a:latin typeface="Consolas" panose="020B0609020204030204" pitchFamily="49" charset="0"/>
+              </a:rPr>
+            </a:br>
+            <a:r>
+              <a:rPr lang="en-US" sz="1900" b="0" dirty="0">
                 <a:solidFill>
                   <a:srgbClr val="008000"/>
                 </a:solidFill>
                 <a:effectLst/>
                 <a:latin typeface="Consolas" panose="020B0609020204030204" pitchFamily="49" charset="0"/>
               </a:rPr>
-              <a:t>&lt;!-- </a:t>
-            </a:r>
-            <a:r>
-              <a:rPr lang="en-US" dirty="0">
-                <a:solidFill>
-                  <a:srgbClr val="008000"/>
-                </a:solidFill>
-                <a:latin typeface="Consolas" panose="020B0609020204030204" pitchFamily="49" charset="0"/>
-              </a:rPr>
-              <a:t>THIS IS A COMMENT [HIGHLIGHT TEXT, THEN CONTROL+/]</a:t>
-            </a:r>
-            <a:r>
-              <a:rPr lang="en-US" b="0" dirty="0">
-                <a:solidFill>
-                  <a:srgbClr val="008000"/>
-                </a:solidFill>
-                <a:effectLst/>
-                <a:latin typeface="Consolas" panose="020B0609020204030204" pitchFamily="49" charset="0"/>
-              </a:rPr>
-              <a:t> --&gt;</a:t>
-            </a:r>
-            <a:endParaRPr lang="en-US" b="0" dirty="0">
+              <a:t>&lt;!-- The body contains things you see --&gt;</a:t>
+            </a:r>
+            <a:endParaRPr lang="en-US" sz="1900" b="0" dirty="0">
               <a:solidFill>
                 <a:srgbClr val="3B3B3B"/>
               </a:solidFill>
@@ -12732,16 +12798,16 @@
           </a:p>
           <a:p>
             <a:r>
-              <a:rPr lang="en-US" b="0" dirty="0">
+              <a:rPr lang="en-US" sz="1900" b="0" dirty="0">
                 <a:solidFill>
                   <a:srgbClr val="008000"/>
                 </a:solidFill>
                 <a:effectLst/>
                 <a:latin typeface="Consolas" panose="020B0609020204030204" pitchFamily="49" charset="0"/>
               </a:rPr>
-              <a:t>&lt;!-- Economics Observatory, Data Science for Public Policy --&gt;</a:t>
-            </a:r>
-            <a:endParaRPr lang="en-US" b="0" dirty="0">
+              <a:t>&lt;!-- Most elements both open and close, with the content in the middle --&gt;</a:t>
+            </a:r>
+            <a:endParaRPr lang="en-US" sz="1900" b="0" dirty="0">
               <a:solidFill>
                 <a:srgbClr val="3B3B3B"/>
               </a:solidFill>
@@ -12750,26 +12816,17 @@
             </a:endParaRPr>
           </a:p>
           <a:p>
-            <a:br>
-              <a:rPr lang="en-US" b="0" dirty="0">
-                <a:solidFill>
-                  <a:srgbClr val="3B3B3B"/>
-                </a:solidFill>
-                <a:effectLst/>
-                <a:latin typeface="Consolas" panose="020B0609020204030204" pitchFamily="49" charset="0"/>
-              </a:rPr>
-            </a:br>
-            <a:r>
-              <a:rPr lang="en-US" b="0" dirty="0">
-                <a:solidFill>
-                  <a:srgbClr val="800000"/>
-                </a:solidFill>
-                <a:effectLst/>
-                <a:latin typeface="Consolas" panose="020B0609020204030204" pitchFamily="49" charset="0"/>
-              </a:rPr>
-              <a:t>&lt;head&gt;</a:t>
-            </a:r>
-            <a:endParaRPr lang="en-US" b="0" dirty="0">
+            <a:r>
+              <a:rPr lang="en-US" sz="1900" b="0" dirty="0">
+                <a:solidFill>
+                  <a:srgbClr val="008000"/>
+                </a:solidFill>
+                <a:effectLst/>
+                <a:latin typeface="Consolas" panose="020B0609020204030204" pitchFamily="49" charset="0"/>
+              </a:rPr>
+              <a:t>&lt;!-- Indenting is optional, but helps with readability --&gt;</a:t>
+            </a:r>
+            <a:endParaRPr lang="en-US" sz="1900" b="0" dirty="0">
               <a:solidFill>
                 <a:srgbClr val="3B3B3B"/>
               </a:solidFill>
@@ -12779,7 +12836,19 @@
           </a:p>
           <a:p>
             <a:r>
-              <a:rPr lang="en-US" b="0" dirty="0">
+              <a:rPr lang="en-US" sz="1900" b="0" dirty="0">
+                <a:solidFill>
+                  <a:srgbClr val="FF0000"/>
+                </a:solidFill>
+                <a:effectLst/>
+                <a:latin typeface="Consolas" panose="020B0609020204030204" pitchFamily="49" charset="0"/>
+              </a:rPr>
+              <a:t>&lt;body&gt;</a:t>
+            </a:r>
+          </a:p>
+          <a:p>
+            <a:r>
+              <a:rPr lang="en-US" sz="1900" b="0" dirty="0">
                 <a:solidFill>
                   <a:srgbClr val="3B3B3B"/>
                 </a:solidFill>
@@ -12789,17 +12858,17 @@
               <a:t>    </a:t>
             </a:r>
             <a:r>
-              <a:rPr lang="en-US" b="0" dirty="0">
+              <a:rPr lang="en-US" sz="1900" b="0" dirty="0">
                 <a:solidFill>
                   <a:srgbClr val="FFC000"/>
                 </a:solidFill>
                 <a:effectLst/>
                 <a:latin typeface="Consolas" panose="020B0609020204030204" pitchFamily="49" charset="0"/>
               </a:rPr>
-              <a:t>&lt;title&gt;</a:t>
-            </a:r>
-            <a:r>
-              <a:rPr lang="en-US" b="0" dirty="0">
+              <a:t>&lt;h1&gt;</a:t>
+            </a:r>
+            <a:r>
+              <a:rPr lang="en-US" sz="1900" b="0" dirty="0">
                 <a:solidFill>
                   <a:schemeClr val="bg1">
                     <a:lumMod val="95000"/>
@@ -12808,146 +12877,42 @@
                 <a:effectLst/>
                 <a:latin typeface="Consolas" panose="020B0609020204030204" pitchFamily="49" charset="0"/>
               </a:rPr>
-              <a:t>Page Title</a:t>
-            </a:r>
-            <a:r>
-              <a:rPr lang="en-US" b="0" dirty="0">
+              <a:t>My First Heading</a:t>
+            </a:r>
+            <a:r>
+              <a:rPr lang="en-US" sz="1900" b="0" dirty="0">
                 <a:solidFill>
                   <a:srgbClr val="FFC000"/>
                 </a:solidFill>
                 <a:effectLst/>
                 <a:latin typeface="Consolas" panose="020B0609020204030204" pitchFamily="49" charset="0"/>
               </a:rPr>
-              <a:t>&lt;/title&gt;</a:t>
-            </a:r>
-          </a:p>
-          <a:p>
-            <a:r>
-              <a:rPr lang="en-US" b="0" dirty="0">
-                <a:solidFill>
-                  <a:srgbClr val="800000"/>
-                </a:solidFill>
-                <a:effectLst/>
-                <a:latin typeface="Consolas" panose="020B0609020204030204" pitchFamily="49" charset="0"/>
-              </a:rPr>
-              <a:t>&lt;/head&gt;</a:t>
-            </a:r>
-            <a:endParaRPr lang="en-US" b="0" dirty="0">
-              <a:solidFill>
-                <a:srgbClr val="3B3B3B"/>
-              </a:solidFill>
-              <a:effectLst/>
-              <a:latin typeface="Consolas" panose="020B0609020204030204" pitchFamily="49" charset="0"/>
-            </a:endParaRPr>
-          </a:p>
-          <a:p>
-            <a:br>
-              <a:rPr lang="en-US" b="0" dirty="0">
+              <a:t>&lt;/h1&gt;</a:t>
+            </a:r>
+          </a:p>
+          <a:p>
+            <a:r>
+              <a:rPr lang="en-US" sz="1900" b="0" dirty="0">
                 <a:solidFill>
                   <a:srgbClr val="3B3B3B"/>
                 </a:solidFill>
                 <a:effectLst/>
                 <a:latin typeface="Consolas" panose="020B0609020204030204" pitchFamily="49" charset="0"/>
               </a:rPr>
-            </a:br>
-            <a:r>
-              <a:rPr lang="en-US" b="0" dirty="0">
-                <a:solidFill>
-                  <a:srgbClr val="008000"/>
-                </a:solidFill>
-                <a:effectLst/>
-                <a:latin typeface="Consolas" panose="020B0609020204030204" pitchFamily="49" charset="0"/>
-              </a:rPr>
-              <a:t>&lt;!-- The body contains things you see --&gt;</a:t>
-            </a:r>
-            <a:endParaRPr lang="en-US" b="0" dirty="0">
-              <a:solidFill>
-                <a:srgbClr val="3B3B3B"/>
-              </a:solidFill>
-              <a:effectLst/>
-              <a:latin typeface="Consolas" panose="020B0609020204030204" pitchFamily="49" charset="0"/>
-            </a:endParaRPr>
-          </a:p>
-          <a:p>
-            <a:r>
-              <a:rPr lang="en-US" b="0" dirty="0">
-                <a:solidFill>
-                  <a:srgbClr val="008000"/>
-                </a:solidFill>
-                <a:effectLst/>
-                <a:latin typeface="Consolas" panose="020B0609020204030204" pitchFamily="49" charset="0"/>
-              </a:rPr>
-              <a:t>&lt;!-- Most elements both open and close, with the content in the middle --&gt;</a:t>
-            </a:r>
-            <a:endParaRPr lang="en-US" b="0" dirty="0">
-              <a:solidFill>
-                <a:srgbClr val="3B3B3B"/>
-              </a:solidFill>
-              <a:effectLst/>
-              <a:latin typeface="Consolas" panose="020B0609020204030204" pitchFamily="49" charset="0"/>
-            </a:endParaRPr>
-          </a:p>
-          <a:p>
-            <a:r>
-              <a:rPr lang="en-US" b="0" dirty="0">
-                <a:solidFill>
-                  <a:srgbClr val="008000"/>
-                </a:solidFill>
-                <a:effectLst/>
-                <a:latin typeface="Consolas" panose="020B0609020204030204" pitchFamily="49" charset="0"/>
-              </a:rPr>
-              <a:t>&lt;!-- Indenting is optional, but helps with readability --&gt;</a:t>
-            </a:r>
-            <a:endParaRPr lang="en-US" b="0" dirty="0">
-              <a:solidFill>
-                <a:srgbClr val="3B3B3B"/>
-              </a:solidFill>
-              <a:effectLst/>
-              <a:latin typeface="Consolas" panose="020B0609020204030204" pitchFamily="49" charset="0"/>
-            </a:endParaRPr>
-          </a:p>
-          <a:p>
-            <a:r>
-              <a:rPr lang="en-US" b="0" dirty="0">
-                <a:solidFill>
-                  <a:srgbClr val="800000"/>
-                </a:solidFill>
-                <a:effectLst/>
-                <a:latin typeface="Consolas" panose="020B0609020204030204" pitchFamily="49" charset="0"/>
-              </a:rPr>
-              <a:t>&lt;body&gt;</a:t>
-            </a:r>
-            <a:endParaRPr lang="en-US" b="0" dirty="0">
-              <a:solidFill>
-                <a:srgbClr val="3B3B3B"/>
-              </a:solidFill>
-              <a:effectLst/>
-              <a:latin typeface="Consolas" panose="020B0609020204030204" pitchFamily="49" charset="0"/>
-            </a:endParaRPr>
-          </a:p>
-          <a:p>
-            <a:r>
-              <a:rPr lang="en-US" b="0" dirty="0">
-                <a:solidFill>
-                  <a:srgbClr val="3B3B3B"/>
-                </a:solidFill>
-                <a:effectLst/>
-                <a:latin typeface="Consolas" panose="020B0609020204030204" pitchFamily="49" charset="0"/>
-              </a:rPr>
               <a:t>    </a:t>
             </a:r>
             <a:r>
-              <a:rPr lang="en-US" b="0" dirty="0">
+              <a:rPr lang="en-US" sz="1900" b="0" dirty="0">
                 <a:solidFill>
                   <a:srgbClr val="FFC000"/>
                 </a:solidFill>
                 <a:effectLst/>
                 <a:latin typeface="Consolas" panose="020B0609020204030204" pitchFamily="49" charset="0"/>
               </a:rPr>
-              <a:t>&lt;h1&gt;</a:t>
-            </a:r>
-            <a:r>
-              <a:rPr lang="en-US" b="0" dirty="0">
+              <a:t>&lt;p&gt;</a:t>
+            </a:r>
+            <a:r>
+              <a:rPr lang="en-US" sz="1900" b="0" dirty="0">
                 <a:solidFill>
                   <a:schemeClr val="bg1">
                     <a:lumMod val="95000"/>
@@ -12956,100 +12921,42 @@
                 <a:effectLst/>
                 <a:latin typeface="Consolas" panose="020B0609020204030204" pitchFamily="49" charset="0"/>
               </a:rPr>
-              <a:t>My First Heading</a:t>
-            </a:r>
-            <a:r>
-              <a:rPr lang="en-US" b="0" dirty="0">
+              <a:t>My first paragraph.</a:t>
+            </a:r>
+            <a:r>
+              <a:rPr lang="en-US" sz="1900" b="0" dirty="0">
                 <a:solidFill>
                   <a:srgbClr val="FFC000"/>
                 </a:solidFill>
                 <a:effectLst/>
                 <a:latin typeface="Consolas" panose="020B0609020204030204" pitchFamily="49" charset="0"/>
               </a:rPr>
-              <a:t>&lt;/h1&gt;</a:t>
-            </a:r>
-          </a:p>
-          <a:p>
-            <a:r>
-              <a:rPr lang="en-US" b="0" dirty="0">
-                <a:solidFill>
-                  <a:srgbClr val="3B3B3B"/>
-                </a:solidFill>
-                <a:effectLst/>
-                <a:latin typeface="Consolas" panose="020B0609020204030204" pitchFamily="49" charset="0"/>
-              </a:rPr>
-              <a:t>    </a:t>
-            </a:r>
-            <a:r>
-              <a:rPr lang="en-US" b="0" dirty="0">
-                <a:solidFill>
-                  <a:srgbClr val="FFC000"/>
-                </a:solidFill>
-                <a:effectLst/>
-                <a:latin typeface="Consolas" panose="020B0609020204030204" pitchFamily="49" charset="0"/>
-              </a:rPr>
-              <a:t>&lt;p&gt;</a:t>
-            </a:r>
-            <a:r>
-              <a:rPr lang="en-US" b="0" dirty="0">
-                <a:solidFill>
-                  <a:schemeClr val="bg1">
-                    <a:lumMod val="95000"/>
-                  </a:schemeClr>
-                </a:solidFill>
-                <a:effectLst/>
-                <a:latin typeface="Consolas" panose="020B0609020204030204" pitchFamily="49" charset="0"/>
-              </a:rPr>
-              <a:t>My first paragraph.</a:t>
-            </a:r>
-            <a:r>
-              <a:rPr lang="en-US" b="0" dirty="0">
-                <a:solidFill>
-                  <a:srgbClr val="FFC000"/>
-                </a:solidFill>
-                <a:effectLst/>
-                <a:latin typeface="Consolas" panose="020B0609020204030204" pitchFamily="49" charset="0"/>
-              </a:rPr>
               <a:t>&lt;/p&gt;</a:t>
             </a:r>
           </a:p>
           <a:p>
             <a:r>
-              <a:rPr lang="en-US" b="0" dirty="0">
-                <a:solidFill>
-                  <a:srgbClr val="800000"/>
+              <a:rPr lang="en-US" sz="1900" b="0" dirty="0">
+                <a:solidFill>
+                  <a:srgbClr val="FF0000"/>
                 </a:solidFill>
                 <a:effectLst/>
                 <a:latin typeface="Consolas" panose="020B0609020204030204" pitchFamily="49" charset="0"/>
               </a:rPr>
               <a:t>&lt;/body&gt;</a:t>
             </a:r>
-            <a:endParaRPr lang="en-US" b="0" dirty="0">
-              <a:solidFill>
-                <a:srgbClr val="3B3B3B"/>
-              </a:solidFill>
-              <a:effectLst/>
-              <a:latin typeface="Consolas" panose="020B0609020204030204" pitchFamily="49" charset="0"/>
-            </a:endParaRPr>
-          </a:p>
-          <a:p>
-            <a:r>
-              <a:rPr lang="en-US" b="0" dirty="0">
-                <a:solidFill>
-                  <a:srgbClr val="800000"/>
+          </a:p>
+          <a:p>
+            <a:r>
+              <a:rPr lang="en-US" sz="1900" b="0" dirty="0">
+                <a:solidFill>
+                  <a:srgbClr val="FF0000"/>
                 </a:solidFill>
                 <a:effectLst/>
                 <a:latin typeface="Consolas" panose="020B0609020204030204" pitchFamily="49" charset="0"/>
               </a:rPr>
               <a:t>&lt;/html&gt;</a:t>
             </a:r>
-            <a:endParaRPr lang="en-US" b="0" dirty="0">
-              <a:solidFill>
-                <a:srgbClr val="3B3B3B"/>
-              </a:solidFill>
-              <a:effectLst/>
-              <a:latin typeface="Consolas" panose="020B0609020204030204" pitchFamily="49" charset="0"/>
-            </a:endParaRPr>
           </a:p>
         </p:txBody>
       </p:sp>
@@ -13163,13 +13070,13 @@
         </p:nvSpPr>
         <p:spPr>
           <a:xfrm>
-            <a:off x="584127" y="1038703"/>
-            <a:ext cx="4494770" cy="4351338"/>
+            <a:off x="584126" y="1050734"/>
+            <a:ext cx="5215089" cy="4916929"/>
           </a:xfrm>
         </p:spPr>
         <p:txBody>
           <a:bodyPr>
-            <a:normAutofit/>
+            <a:normAutofit fontScale="55000" lnSpcReduction="20000"/>
           </a:bodyPr>
           <a:lstStyle/>
           <a:p>
@@ -13180,7 +13087,7 @@
               <a:buNone/>
             </a:pPr>
             <a:r>
-              <a:rPr lang="en-GB" sz="1800" dirty="0">
+              <a:rPr lang="en-GB" sz="3600" dirty="0">
                 <a:solidFill>
                   <a:srgbClr val="FFC000"/>
                 </a:solidFill>
@@ -13190,7 +13097,7 @@
               <a:t>C</a:t>
             </a:r>
             <a:r>
-              <a:rPr lang="en-GB" sz="1800" dirty="0">
+              <a:rPr lang="en-GB" sz="3600" dirty="0">
                 <a:solidFill>
                   <a:srgbClr val="36B7B4"/>
                 </a:solidFill>
@@ -13200,7 +13107,7 @@
               <a:t>ascading </a:t>
             </a:r>
             <a:r>
-              <a:rPr lang="en-GB" sz="1800" dirty="0">
+              <a:rPr lang="en-GB" sz="3600" dirty="0">
                 <a:solidFill>
                   <a:srgbClr val="FFC000"/>
                 </a:solidFill>
@@ -13210,7 +13117,7 @@
               <a:t>S</a:t>
             </a:r>
             <a:r>
-              <a:rPr lang="en-GB" sz="1800" dirty="0">
+              <a:rPr lang="en-GB" sz="3600" dirty="0">
                 <a:solidFill>
                   <a:srgbClr val="36B7B4"/>
                 </a:solidFill>
@@ -13220,7 +13127,7 @@
               <a:t>tyle </a:t>
             </a:r>
             <a:r>
-              <a:rPr lang="en-GB" sz="1800" dirty="0">
+              <a:rPr lang="en-GB" sz="3600" dirty="0">
                 <a:solidFill>
                   <a:srgbClr val="FFC000"/>
                 </a:solidFill>
@@ -13230,7 +13137,7 @@
               <a:t>S</a:t>
             </a:r>
             <a:r>
-              <a:rPr lang="en-GB" sz="1800" dirty="0">
+              <a:rPr lang="en-GB" sz="3600" dirty="0">
                 <a:solidFill>
                   <a:srgbClr val="36B7B4"/>
                 </a:solidFill>
@@ -13239,7 +13146,7 @@
               </a:rPr>
               <a:t>heets</a:t>
             </a:r>
-            <a:endParaRPr lang="en-GB" sz="1800" dirty="0">
+            <a:endParaRPr lang="en-GB" sz="3600" dirty="0">
               <a:solidFill>
                 <a:schemeClr val="bg1"/>
               </a:solidFill>
@@ -13254,7 +13161,7 @@
               </a:lnSpc>
             </a:pPr>
             <a:r>
-              <a:rPr lang="en-GB" sz="1800" dirty="0">
+              <a:rPr lang="en-GB" sz="3600" dirty="0">
                 <a:solidFill>
                   <a:srgbClr val="36B7B4"/>
                 </a:solidFill>
@@ -13264,7 +13171,7 @@
               <a:t>1994.  </a:t>
             </a:r>
             <a:r>
-              <a:rPr lang="en-GB" sz="1800" dirty="0">
+              <a:rPr lang="en-GB" sz="3600" dirty="0">
                 <a:solidFill>
                   <a:schemeClr val="bg1"/>
                 </a:solidFill>
@@ -13281,7 +13188,7 @@
               </a:lnSpc>
             </a:pPr>
             <a:r>
-              <a:rPr lang="en-GB" sz="1800" dirty="0">
+              <a:rPr lang="en-GB" sz="3600" dirty="0">
                 <a:solidFill>
                   <a:schemeClr val="bg1"/>
                 </a:solidFill>
@@ -13298,7 +13205,7 @@
               </a:lnSpc>
             </a:pPr>
             <a:r>
-              <a:rPr lang="en-GB" sz="1800" dirty="0">
+              <a:rPr lang="en-GB" sz="3600" dirty="0">
                 <a:solidFill>
                   <a:schemeClr val="bg1"/>
                 </a:solidFill>
@@ -13315,7 +13222,7 @@
               </a:lnSpc>
             </a:pPr>
             <a:r>
-              <a:rPr lang="en-GB" sz="1800" dirty="0">
+              <a:rPr lang="en-GB" sz="3600" dirty="0">
                 <a:solidFill>
                   <a:schemeClr val="bg1"/>
                 </a:solidFill>

--- a/2/s2_Building_your_first_website.pptx
+++ b/2/s2_Building_your_first_website.pptx
@@ -255,7 +255,7 @@
           <a:p>
             <a:fld id="{A9A5DA3C-BDF6-44EF-83ED-A29CA680A5AA}" type="datetimeFigureOut">
               <a:rPr lang="en-GB" smtClean="0"/>
-              <a:t>18/04/2024</a:t>
+              <a:t>19/04/2024</a:t>
             </a:fld>
             <a:endParaRPr lang="en-GB"/>
           </a:p>
@@ -672,7 +672,7 @@
           <a:p>
             <a:fld id="{1041D2DD-F029-4FB0-BB12-3B6037A6356B}" type="datetimeFigureOut">
               <a:rPr lang="en-GB" smtClean="0"/>
-              <a:t>18/04/2024</a:t>
+              <a:t>19/04/2024</a:t>
             </a:fld>
             <a:endParaRPr lang="en-GB"/>
           </a:p>
@@ -872,7 +872,7 @@
           <a:p>
             <a:fld id="{1041D2DD-F029-4FB0-BB12-3B6037A6356B}" type="datetimeFigureOut">
               <a:rPr lang="en-GB" smtClean="0"/>
-              <a:t>18/04/2024</a:t>
+              <a:t>19/04/2024</a:t>
             </a:fld>
             <a:endParaRPr lang="en-GB"/>
           </a:p>
@@ -1082,7 +1082,7 @@
           <a:p>
             <a:fld id="{1041D2DD-F029-4FB0-BB12-3B6037A6356B}" type="datetimeFigureOut">
               <a:rPr lang="en-GB" smtClean="0"/>
-              <a:t>18/04/2024</a:t>
+              <a:t>19/04/2024</a:t>
             </a:fld>
             <a:endParaRPr lang="en-GB"/>
           </a:p>
@@ -1286,7 +1286,7 @@
           <a:p>
             <a:fld id="{2E2C077B-C732-49E5-B20E-05DE29246531}" type="datetimeFigureOut">
               <a:rPr lang="en-GB" smtClean="0"/>
-              <a:t>18/04/2024</a:t>
+              <a:t>19/04/2024</a:t>
             </a:fld>
             <a:endParaRPr lang="en-GB"/>
           </a:p>
@@ -1456,7 +1456,7 @@
           <a:p>
             <a:fld id="{2E2C077B-C732-49E5-B20E-05DE29246531}" type="datetimeFigureOut">
               <a:rPr lang="en-GB" smtClean="0"/>
-              <a:t>18/04/2024</a:t>
+              <a:t>19/04/2024</a:t>
             </a:fld>
             <a:endParaRPr lang="en-GB"/>
           </a:p>
@@ -1702,7 +1702,7 @@
           <a:p>
             <a:fld id="{2E2C077B-C732-49E5-B20E-05DE29246531}" type="datetimeFigureOut">
               <a:rPr lang="en-GB" smtClean="0"/>
-              <a:t>18/04/2024</a:t>
+              <a:t>19/04/2024</a:t>
             </a:fld>
             <a:endParaRPr lang="en-GB"/>
           </a:p>
@@ -1934,7 +1934,7 @@
           <a:p>
             <a:fld id="{2E2C077B-C732-49E5-B20E-05DE29246531}" type="datetimeFigureOut">
               <a:rPr lang="en-GB" smtClean="0"/>
-              <a:t>18/04/2024</a:t>
+              <a:t>19/04/2024</a:t>
             </a:fld>
             <a:endParaRPr lang="en-GB"/>
           </a:p>
@@ -2301,7 +2301,7 @@
           <a:p>
             <a:fld id="{2E2C077B-C732-49E5-B20E-05DE29246531}" type="datetimeFigureOut">
               <a:rPr lang="en-GB" smtClean="0"/>
-              <a:t>18/04/2024</a:t>
+              <a:t>19/04/2024</a:t>
             </a:fld>
             <a:endParaRPr lang="en-GB"/>
           </a:p>
@@ -2419,7 +2419,7 @@
           <a:p>
             <a:fld id="{2E2C077B-C732-49E5-B20E-05DE29246531}" type="datetimeFigureOut">
               <a:rPr lang="en-GB" smtClean="0"/>
-              <a:t>18/04/2024</a:t>
+              <a:t>19/04/2024</a:t>
             </a:fld>
             <a:endParaRPr lang="en-GB"/>
           </a:p>
@@ -2514,7 +2514,7 @@
           <a:p>
             <a:fld id="{2E2C077B-C732-49E5-B20E-05DE29246531}" type="datetimeFigureOut">
               <a:rPr lang="en-GB" smtClean="0"/>
-              <a:t>18/04/2024</a:t>
+              <a:t>19/04/2024</a:t>
             </a:fld>
             <a:endParaRPr lang="en-GB"/>
           </a:p>
@@ -2791,7 +2791,7 @@
           <a:p>
             <a:fld id="{2E2C077B-C732-49E5-B20E-05DE29246531}" type="datetimeFigureOut">
               <a:rPr lang="en-GB" smtClean="0"/>
-              <a:t>18/04/2024</a:t>
+              <a:t>19/04/2024</a:t>
             </a:fld>
             <a:endParaRPr lang="en-GB"/>
           </a:p>
@@ -2979,7 +2979,7 @@
           <a:p>
             <a:fld id="{1041D2DD-F029-4FB0-BB12-3B6037A6356B}" type="datetimeFigureOut">
               <a:rPr lang="en-GB" smtClean="0"/>
-              <a:t>18/04/2024</a:t>
+              <a:t>19/04/2024</a:t>
             </a:fld>
             <a:endParaRPr lang="en-GB"/>
           </a:p>
@@ -3244,7 +3244,7 @@
           <a:p>
             <a:fld id="{2E2C077B-C732-49E5-B20E-05DE29246531}" type="datetimeFigureOut">
               <a:rPr lang="en-GB" smtClean="0"/>
-              <a:t>18/04/2024</a:t>
+              <a:t>19/04/2024</a:t>
             </a:fld>
             <a:endParaRPr lang="en-GB"/>
           </a:p>
@@ -3414,7 +3414,7 @@
           <a:p>
             <a:fld id="{2E2C077B-C732-49E5-B20E-05DE29246531}" type="datetimeFigureOut">
               <a:rPr lang="en-GB" smtClean="0"/>
-              <a:t>18/04/2024</a:t>
+              <a:t>19/04/2024</a:t>
             </a:fld>
             <a:endParaRPr lang="en-GB"/>
           </a:p>
@@ -3594,7 +3594,7 @@
           <a:p>
             <a:fld id="{2E2C077B-C732-49E5-B20E-05DE29246531}" type="datetimeFigureOut">
               <a:rPr lang="en-GB" smtClean="0"/>
-              <a:t>18/04/2024</a:t>
+              <a:t>19/04/2024</a:t>
             </a:fld>
             <a:endParaRPr lang="en-GB"/>
           </a:p>
@@ -3858,7 +3858,7 @@
           <a:p>
             <a:fld id="{1041D2DD-F029-4FB0-BB12-3B6037A6356B}" type="datetimeFigureOut">
               <a:rPr lang="en-GB" smtClean="0"/>
-              <a:t>18/04/2024</a:t>
+              <a:t>19/04/2024</a:t>
             </a:fld>
             <a:endParaRPr lang="en-GB"/>
           </a:p>
@@ -4126,7 +4126,7 @@
           <a:p>
             <a:fld id="{1041D2DD-F029-4FB0-BB12-3B6037A6356B}" type="datetimeFigureOut">
               <a:rPr lang="en-GB" smtClean="0"/>
-              <a:t>18/04/2024</a:t>
+              <a:t>19/04/2024</a:t>
             </a:fld>
             <a:endParaRPr lang="en-GB"/>
           </a:p>
@@ -4541,7 +4541,7 @@
           <a:p>
             <a:fld id="{1041D2DD-F029-4FB0-BB12-3B6037A6356B}" type="datetimeFigureOut">
               <a:rPr lang="en-GB" smtClean="0"/>
-              <a:t>18/04/2024</a:t>
+              <a:t>19/04/2024</a:t>
             </a:fld>
             <a:endParaRPr lang="en-GB"/>
           </a:p>
@@ -4683,7 +4683,7 @@
           <a:p>
             <a:fld id="{1041D2DD-F029-4FB0-BB12-3B6037A6356B}" type="datetimeFigureOut">
               <a:rPr lang="en-GB" smtClean="0"/>
-              <a:t>18/04/2024</a:t>
+              <a:t>19/04/2024</a:t>
             </a:fld>
             <a:endParaRPr lang="en-GB"/>
           </a:p>
@@ -4796,7 +4796,7 @@
           <a:p>
             <a:fld id="{1041D2DD-F029-4FB0-BB12-3B6037A6356B}" type="datetimeFigureOut">
               <a:rPr lang="en-GB" smtClean="0"/>
-              <a:t>18/04/2024</a:t>
+              <a:t>19/04/2024</a:t>
             </a:fld>
             <a:endParaRPr lang="en-GB"/>
           </a:p>
@@ -5109,7 +5109,7 @@
           <a:p>
             <a:fld id="{1041D2DD-F029-4FB0-BB12-3B6037A6356B}" type="datetimeFigureOut">
               <a:rPr lang="en-GB" smtClean="0"/>
-              <a:t>18/04/2024</a:t>
+              <a:t>19/04/2024</a:t>
             </a:fld>
             <a:endParaRPr lang="en-GB"/>
           </a:p>
@@ -5398,7 +5398,7 @@
           <a:p>
             <a:fld id="{1041D2DD-F029-4FB0-BB12-3B6037A6356B}" type="datetimeFigureOut">
               <a:rPr lang="en-GB" smtClean="0"/>
-              <a:t>18/04/2024</a:t>
+              <a:t>19/04/2024</a:t>
             </a:fld>
             <a:endParaRPr lang="en-GB"/>
           </a:p>
@@ -5641,7 +5641,7 @@
           <a:p>
             <a:fld id="{1041D2DD-F029-4FB0-BB12-3B6037A6356B}" type="datetimeFigureOut">
               <a:rPr lang="en-GB" smtClean="0"/>
-              <a:t>18/04/2024</a:t>
+              <a:t>19/04/2024</a:t>
             </a:fld>
             <a:endParaRPr lang="en-GB"/>
           </a:p>
@@ -6196,7 +6196,7 @@
           <a:p>
             <a:fld id="{2E2C077B-C732-49E5-B20E-05DE29246531}" type="datetimeFigureOut">
               <a:rPr lang="en-GB" smtClean="0"/>
-              <a:t>18/04/2024</a:t>
+              <a:t>19/04/2024</a:t>
             </a:fld>
             <a:endParaRPr lang="en-GB"/>
           </a:p>
@@ -7362,7 +7362,7 @@
               <a:t>&gt;</a:t>
             </a:r>
             <a:br>
-              <a:rPr lang="en-US" sz="1800" b="0" dirty="0">
+              <a:rPr lang="en-US" b="0" dirty="0">
                 <a:solidFill>
                   <a:srgbClr val="808080"/>
                 </a:solidFill>
@@ -7371,7 +7371,7 @@
               </a:rPr>
             </a:br>
             <a:br>
-              <a:rPr lang="en-US" sz="1800" b="0" dirty="0">
+              <a:rPr lang="en-US" b="0" dirty="0">
                 <a:solidFill>
                   <a:srgbClr val="808080"/>
                 </a:solidFill>
@@ -7554,7 +7554,7 @@
         </p:spPr>
         <p:txBody>
           <a:bodyPr>
-            <a:normAutofit/>
+            <a:normAutofit fontScale="85000" lnSpcReduction="10000"/>
           </a:bodyPr>
           <a:lstStyle/>
           <a:p>
@@ -7564,7 +7564,7 @@
               </a:lnSpc>
             </a:pPr>
             <a:r>
-              <a:rPr lang="en-GB" sz="2000" dirty="0">
+              <a:rPr lang="en-GB" sz="2400" dirty="0">
                 <a:solidFill>
                   <a:srgbClr val="36B7B4"/>
                 </a:solidFill>
@@ -7574,7 +7574,7 @@
               <a:t>History.  </a:t>
             </a:r>
             <a:r>
-              <a:rPr lang="en-GB" sz="2000" dirty="0">
+              <a:rPr lang="en-GB" sz="2400" dirty="0">
                 <a:solidFill>
                   <a:schemeClr val="bg1"/>
                 </a:solidFill>
@@ -7584,7 +7584,7 @@
               <a:t>JS launched by Netscape in 1995. Key developer was </a:t>
             </a:r>
             <a:r>
-              <a:rPr lang="en-GB" sz="2000" dirty="0">
+              <a:rPr lang="en-GB" sz="2400" dirty="0">
                 <a:solidFill>
                   <a:srgbClr val="36B7B4"/>
                 </a:solidFill>
@@ -7594,7 +7594,7 @@
               <a:t>Brendan </a:t>
             </a:r>
             <a:r>
-              <a:rPr lang="en-GB" sz="2000" dirty="0" err="1">
+              <a:rPr lang="en-GB" sz="2400" dirty="0" err="1">
                 <a:solidFill>
                   <a:srgbClr val="36B7B4"/>
                 </a:solidFill>
@@ -7604,7 +7604,7 @@
               <a:t>Eich</a:t>
             </a:r>
             <a:r>
-              <a:rPr lang="en-GB" sz="2000" dirty="0">
+              <a:rPr lang="en-GB" sz="2400" dirty="0">
                 <a:solidFill>
                   <a:srgbClr val="36B7B4"/>
                 </a:solidFill>
@@ -7614,7 +7614,7 @@
               <a:t>. </a:t>
             </a:r>
             <a:r>
-              <a:rPr lang="en-GB" sz="2000" dirty="0">
+              <a:rPr lang="en-GB" sz="2400" dirty="0">
                 <a:solidFill>
                   <a:schemeClr val="bg1"/>
                 </a:solidFill>
@@ -7631,7 +7631,7 @@
               </a:lnSpc>
             </a:pPr>
             <a:r>
-              <a:rPr lang="en-GB" sz="2000" dirty="0">
+              <a:rPr lang="en-GB" sz="2400" dirty="0">
                 <a:solidFill>
                   <a:srgbClr val="36B7B4"/>
                 </a:solidFill>
@@ -7641,7 +7641,7 @@
               <a:t>In Data Science.</a:t>
             </a:r>
             <a:r>
-              <a:rPr lang="en-GB" sz="2000" dirty="0">
+              <a:rPr lang="en-GB" sz="2400" dirty="0">
                 <a:solidFill>
                   <a:schemeClr val="bg1"/>
                 </a:solidFill>
@@ -7658,7 +7658,7 @@
               </a:lnSpc>
             </a:pPr>
             <a:r>
-              <a:rPr lang="en-GB" sz="2000" dirty="0">
+              <a:rPr lang="en-GB" dirty="0">
                 <a:solidFill>
                   <a:srgbClr val="36B7B4"/>
                 </a:solidFill>
@@ -7668,7 +7668,7 @@
               <a:t>Fetching data</a:t>
             </a:r>
             <a:r>
-              <a:rPr lang="en-GB" sz="2000" dirty="0">
+              <a:rPr lang="en-GB" dirty="0">
                 <a:solidFill>
                   <a:schemeClr val="bg1"/>
                 </a:solidFill>
@@ -7685,7 +7685,7 @@
               </a:lnSpc>
             </a:pPr>
             <a:r>
-              <a:rPr lang="en-GB" sz="2000" dirty="0">
+              <a:rPr lang="en-GB" dirty="0">
                 <a:solidFill>
                   <a:srgbClr val="36B7B4"/>
                 </a:solidFill>
@@ -7695,7 +7695,7 @@
               <a:t>Cleaning and manipulating data.</a:t>
             </a:r>
             <a:r>
-              <a:rPr lang="en-GB" sz="2000" dirty="0">
+              <a:rPr lang="en-GB" dirty="0">
                 <a:solidFill>
                   <a:schemeClr val="bg1"/>
                 </a:solidFill>
@@ -7712,7 +7712,7 @@
               </a:lnSpc>
             </a:pPr>
             <a:r>
-              <a:rPr lang="en-GB" sz="2000" dirty="0">
+              <a:rPr lang="en-GB" dirty="0">
                 <a:solidFill>
                   <a:srgbClr val="36B7B4"/>
                 </a:solidFill>
@@ -7722,7 +7722,7 @@
               <a:t>Visualising data. </a:t>
             </a:r>
             <a:r>
-              <a:rPr lang="en-GB" sz="2000" dirty="0">
+              <a:rPr lang="en-GB" dirty="0">
                 <a:solidFill>
                   <a:schemeClr val="bg1"/>
                 </a:solidFill>
@@ -7739,7 +7739,7 @@
               </a:lnSpc>
             </a:pPr>
             <a:r>
-              <a:rPr lang="en-GB" sz="2000" dirty="0">
+              <a:rPr lang="en-GB" dirty="0">
                 <a:solidFill>
                   <a:srgbClr val="36B7B4"/>
                 </a:solidFill>
@@ -7749,7 +7749,7 @@
               <a:t>Interactivity.</a:t>
             </a:r>
             <a:r>
-              <a:rPr lang="en-GB" sz="2000" dirty="0">
+              <a:rPr lang="en-GB" dirty="0">
                 <a:solidFill>
                   <a:schemeClr val="bg1"/>
                 </a:solidFill>
@@ -7765,7 +7765,7 @@
                 <a:spcPct val="150000"/>
               </a:lnSpc>
             </a:pPr>
-            <a:endParaRPr lang="en-GB" sz="2000" dirty="0">
+            <a:endParaRPr lang="en-GB" sz="2400" dirty="0">
               <a:solidFill>
                 <a:schemeClr val="bg1"/>
               </a:solidFill>
@@ -11969,7 +11969,7 @@
         </p:spPr>
         <p:txBody>
           <a:bodyPr>
-            <a:normAutofit/>
+            <a:normAutofit fontScale="92500" lnSpcReduction="10000"/>
           </a:bodyPr>
           <a:lstStyle/>
           <a:p>
@@ -11980,7 +11980,7 @@
               <a:buNone/>
             </a:pPr>
             <a:r>
-              <a:rPr lang="en-GB" sz="2000" dirty="0">
+              <a:rPr lang="en-GB" sz="2400" dirty="0">
                 <a:solidFill>
                   <a:srgbClr val="FFC000"/>
                 </a:solidFill>
@@ -11990,7 +11990,7 @@
               <a:t>H</a:t>
             </a:r>
             <a:r>
-              <a:rPr lang="en-GB" sz="2000" dirty="0">
+              <a:rPr lang="en-GB" sz="2400" dirty="0">
                 <a:solidFill>
                   <a:srgbClr val="36B7B4"/>
                 </a:solidFill>
@@ -12000,7 +12000,7 @@
               <a:t>yper-</a:t>
             </a:r>
             <a:r>
-              <a:rPr lang="en-GB" sz="2000" dirty="0">
+              <a:rPr lang="en-GB" sz="2400" dirty="0">
                 <a:solidFill>
                   <a:srgbClr val="FFC000"/>
                 </a:solidFill>
@@ -12010,7 +12010,7 @@
               <a:t>T</a:t>
             </a:r>
             <a:r>
-              <a:rPr lang="en-GB" sz="2000" dirty="0">
+              <a:rPr lang="en-GB" sz="2400" dirty="0">
                 <a:solidFill>
                   <a:srgbClr val="36B7B4"/>
                 </a:solidFill>
@@ -12020,7 +12020,7 @@
               <a:t>ext </a:t>
             </a:r>
             <a:r>
-              <a:rPr lang="en-GB" sz="2000" dirty="0">
+              <a:rPr lang="en-GB" sz="2400" dirty="0">
                 <a:solidFill>
                   <a:srgbClr val="FFC000"/>
                 </a:solidFill>
@@ -12030,7 +12030,7 @@
               <a:t>M</a:t>
             </a:r>
             <a:r>
-              <a:rPr lang="en-GB" sz="2000" dirty="0">
+              <a:rPr lang="en-GB" sz="2400" dirty="0">
                 <a:solidFill>
                   <a:srgbClr val="36B7B4"/>
                 </a:solidFill>
@@ -12040,7 +12040,7 @@
               <a:t>arkup </a:t>
             </a:r>
             <a:r>
-              <a:rPr lang="en-GB" sz="2000" dirty="0">
+              <a:rPr lang="en-GB" sz="2400" dirty="0">
                 <a:solidFill>
                   <a:srgbClr val="FFC000"/>
                 </a:solidFill>
@@ -12050,7 +12050,7 @@
               <a:t>L</a:t>
             </a:r>
             <a:r>
-              <a:rPr lang="en-GB" sz="2000" dirty="0">
+              <a:rPr lang="en-GB" sz="2400" dirty="0">
                 <a:solidFill>
                   <a:srgbClr val="36B7B4"/>
                 </a:solidFill>
@@ -12067,7 +12067,7 @@
               </a:lnSpc>
             </a:pPr>
             <a:r>
-              <a:rPr lang="en-GB" sz="2000" b="1" dirty="0">
+              <a:rPr lang="en-GB" sz="2400" b="1" dirty="0">
                 <a:solidFill>
                   <a:srgbClr val="36B7B4"/>
                 </a:solidFill>
@@ -12077,7 +12077,7 @@
               <a:t>1993. </a:t>
             </a:r>
             <a:r>
-              <a:rPr lang="en-GB" sz="2000" dirty="0">
+              <a:rPr lang="en-GB" sz="2400" dirty="0">
                 <a:solidFill>
                   <a:schemeClr val="bg1"/>
                 </a:solidFill>
@@ -12094,7 +12094,7 @@
               </a:lnSpc>
             </a:pPr>
             <a:r>
-              <a:rPr lang="en-GB" sz="2000" b="1" dirty="0">
+              <a:rPr lang="en-GB" sz="2400" b="1" dirty="0">
                 <a:solidFill>
                   <a:srgbClr val="36B7B4"/>
                 </a:solidFill>
@@ -12104,7 +12104,7 @@
               <a:t>Big idea. </a:t>
             </a:r>
             <a:r>
-              <a:rPr lang="en-GB" sz="2000" dirty="0">
+              <a:rPr lang="en-GB" sz="2400" dirty="0">
                 <a:solidFill>
                   <a:schemeClr val="bg1"/>
                 </a:solidFill>
@@ -12120,7 +12120,7 @@
                 <a:spcPct val="150000"/>
               </a:lnSpc>
             </a:pPr>
-            <a:endParaRPr lang="en-GB" b="1" dirty="0">
+            <a:endParaRPr lang="en-GB" sz="3200" b="1" dirty="0">
               <a:solidFill>
                 <a:srgbClr val="36B7B4"/>
               </a:solidFill>
@@ -12134,7 +12134,7 @@
                 <a:spcPct val="150000"/>
               </a:lnSpc>
             </a:pPr>
-            <a:endParaRPr lang="en-GB" b="1" dirty="0">
+            <a:endParaRPr lang="en-GB" sz="3200" b="1" dirty="0">
               <a:solidFill>
                 <a:srgbClr val="36B7B4"/>
               </a:solidFill>
@@ -12148,7 +12148,7 @@
                 <a:spcPct val="150000"/>
               </a:lnSpc>
             </a:pPr>
-            <a:endParaRPr lang="en-GB" dirty="0">
+            <a:endParaRPr lang="en-GB" sz="3200" dirty="0">
               <a:solidFill>
                 <a:schemeClr val="bg1"/>
               </a:solidFill>
@@ -12162,7 +12162,7 @@
                 <a:spcPct val="150000"/>
               </a:lnSpc>
             </a:pPr>
-            <a:endParaRPr lang="en-GB" dirty="0">
+            <a:endParaRPr lang="en-GB" sz="3200" dirty="0">
               <a:solidFill>
                 <a:srgbClr val="0063AF"/>
               </a:solidFill>
@@ -13076,7 +13076,7 @@
         </p:spPr>
         <p:txBody>
           <a:bodyPr>
-            <a:normAutofit fontScale="55000" lnSpcReduction="20000"/>
+            <a:normAutofit fontScale="92500" lnSpcReduction="10000"/>
           </a:bodyPr>
           <a:lstStyle/>
           <a:p>
@@ -13087,7 +13087,7 @@
               <a:buNone/>
             </a:pPr>
             <a:r>
-              <a:rPr lang="en-GB" sz="3600" dirty="0">
+              <a:rPr lang="en-GB" sz="2400" dirty="0">
                 <a:solidFill>
                   <a:srgbClr val="FFC000"/>
                 </a:solidFill>
@@ -13097,7 +13097,7 @@
               <a:t>C</a:t>
             </a:r>
             <a:r>
-              <a:rPr lang="en-GB" sz="3600" dirty="0">
+              <a:rPr lang="en-GB" sz="2400" dirty="0">
                 <a:solidFill>
                   <a:srgbClr val="36B7B4"/>
                 </a:solidFill>
@@ -13107,7 +13107,7 @@
               <a:t>ascading </a:t>
             </a:r>
             <a:r>
-              <a:rPr lang="en-GB" sz="3600" dirty="0">
+              <a:rPr lang="en-GB" sz="2400" dirty="0">
                 <a:solidFill>
                   <a:srgbClr val="FFC000"/>
                 </a:solidFill>
@@ -13117,7 +13117,7 @@
               <a:t>S</a:t>
             </a:r>
             <a:r>
-              <a:rPr lang="en-GB" sz="3600" dirty="0">
+              <a:rPr lang="en-GB" sz="2400" dirty="0">
                 <a:solidFill>
                   <a:srgbClr val="36B7B4"/>
                 </a:solidFill>
@@ -13127,7 +13127,7 @@
               <a:t>tyle </a:t>
             </a:r>
             <a:r>
-              <a:rPr lang="en-GB" sz="3600" dirty="0">
+              <a:rPr lang="en-GB" sz="2400" dirty="0">
                 <a:solidFill>
                   <a:srgbClr val="FFC000"/>
                 </a:solidFill>
@@ -13137,7 +13137,7 @@
               <a:t>S</a:t>
             </a:r>
             <a:r>
-              <a:rPr lang="en-GB" sz="3600" dirty="0">
+              <a:rPr lang="en-GB" sz="2400" dirty="0">
                 <a:solidFill>
                   <a:srgbClr val="36B7B4"/>
                 </a:solidFill>
@@ -13146,7 +13146,7 @@
               </a:rPr>
               <a:t>heets</a:t>
             </a:r>
-            <a:endParaRPr lang="en-GB" sz="3600" dirty="0">
+            <a:endParaRPr lang="en-GB" sz="2400" dirty="0">
               <a:solidFill>
                 <a:schemeClr val="bg1"/>
               </a:solidFill>
@@ -13161,7 +13161,7 @@
               </a:lnSpc>
             </a:pPr>
             <a:r>
-              <a:rPr lang="en-GB" sz="3600" dirty="0">
+              <a:rPr lang="en-GB" sz="2400" dirty="0">
                 <a:solidFill>
                   <a:srgbClr val="36B7B4"/>
                 </a:solidFill>
@@ -13171,7 +13171,7 @@
               <a:t>1994.  </a:t>
             </a:r>
             <a:r>
-              <a:rPr lang="en-GB" sz="3600" dirty="0">
+              <a:rPr lang="en-GB" sz="2400" dirty="0">
                 <a:solidFill>
                   <a:schemeClr val="bg1"/>
                 </a:solidFill>
@@ -13188,7 +13188,7 @@
               </a:lnSpc>
             </a:pPr>
             <a:r>
-              <a:rPr lang="en-GB" sz="3600" dirty="0">
+              <a:rPr lang="en-GB" sz="2400" dirty="0">
                 <a:solidFill>
                   <a:schemeClr val="bg1"/>
                 </a:solidFill>
@@ -13205,7 +13205,7 @@
               </a:lnSpc>
             </a:pPr>
             <a:r>
-              <a:rPr lang="en-GB" sz="3600" dirty="0">
+              <a:rPr lang="en-GB" sz="2400" dirty="0">
                 <a:solidFill>
                   <a:schemeClr val="bg1"/>
                 </a:solidFill>
@@ -13222,7 +13222,7 @@
               </a:lnSpc>
             </a:pPr>
             <a:r>
-              <a:rPr lang="en-GB" sz="3600" dirty="0">
+              <a:rPr lang="en-GB" sz="2400" dirty="0">
                 <a:solidFill>
                   <a:schemeClr val="bg1"/>
                 </a:solidFill>
@@ -13238,7 +13238,7 @@
                 <a:spcPct val="150000"/>
               </a:lnSpc>
             </a:pPr>
-            <a:endParaRPr lang="en-GB" b="1" dirty="0">
+            <a:endParaRPr lang="en-GB" sz="1600" b="1" dirty="0">
               <a:solidFill>
                 <a:srgbClr val="36B7B4"/>
               </a:solidFill>
@@ -13252,7 +13252,7 @@
                 <a:spcPct val="150000"/>
               </a:lnSpc>
             </a:pPr>
-            <a:endParaRPr lang="en-GB" dirty="0">
+            <a:endParaRPr lang="en-GB" sz="1600" dirty="0">
               <a:solidFill>
                 <a:schemeClr val="bg1"/>
               </a:solidFill>
@@ -13266,7 +13266,7 @@
                 <a:spcPct val="150000"/>
               </a:lnSpc>
             </a:pPr>
-            <a:endParaRPr lang="en-GB" dirty="0">
+            <a:endParaRPr lang="en-GB" sz="1600" dirty="0">
               <a:solidFill>
                 <a:srgbClr val="0063AF"/>
               </a:solidFill>

--- a/2/s2_Building_your_first_website.pptx
+++ b/2/s2_Building_your_first_website.pptx
@@ -6,7 +6,7 @@
     <p:sldMasterId id="2147483684" r:id="rId2"/>
   </p:sldMasterIdLst>
   <p:notesMasterIdLst>
-    <p:notesMasterId r:id="rId24"/>
+    <p:notesMasterId r:id="rId25"/>
   </p:notesMasterIdLst>
   <p:sldIdLst>
     <p:sldId id="439" r:id="rId3"/>
@@ -22,14 +22,15 @@
     <p:sldId id="458" r:id="rId13"/>
     <p:sldId id="523" r:id="rId14"/>
     <p:sldId id="525" r:id="rId15"/>
-    <p:sldId id="498" r:id="rId16"/>
-    <p:sldId id="514" r:id="rId17"/>
-    <p:sldId id="520" r:id="rId18"/>
-    <p:sldId id="448" r:id="rId19"/>
-    <p:sldId id="517" r:id="rId20"/>
-    <p:sldId id="516" r:id="rId21"/>
-    <p:sldId id="518" r:id="rId22"/>
-    <p:sldId id="519" r:id="rId23"/>
+    <p:sldId id="527" r:id="rId16"/>
+    <p:sldId id="498" r:id="rId17"/>
+    <p:sldId id="514" r:id="rId18"/>
+    <p:sldId id="520" r:id="rId19"/>
+    <p:sldId id="448" r:id="rId20"/>
+    <p:sldId id="517" r:id="rId21"/>
+    <p:sldId id="516" r:id="rId22"/>
+    <p:sldId id="518" r:id="rId23"/>
+    <p:sldId id="519" r:id="rId24"/>
   </p:sldIdLst>
   <p:sldSz cx="12192000" cy="6858000"/>
   <p:notesSz cx="6858000" cy="9144000"/>
@@ -150,6 +151,7 @@
             <p14:sldId id="458"/>
             <p14:sldId id="523"/>
             <p14:sldId id="525"/>
+            <p14:sldId id="527"/>
             <p14:sldId id="498"/>
           </p14:sldIdLst>
         </p14:section>
@@ -255,7 +257,7 @@
           <a:p>
             <a:fld id="{A9A5DA3C-BDF6-44EF-83ED-A29CA680A5AA}" type="datetimeFigureOut">
               <a:rPr lang="en-GB" smtClean="0"/>
-              <a:t>19/04/2024</a:t>
+              <a:t>22/04/2024</a:t>
             </a:fld>
             <a:endParaRPr lang="en-GB"/>
           </a:p>
@@ -672,7 +674,7 @@
           <a:p>
             <a:fld id="{1041D2DD-F029-4FB0-BB12-3B6037A6356B}" type="datetimeFigureOut">
               <a:rPr lang="en-GB" smtClean="0"/>
-              <a:t>19/04/2024</a:t>
+              <a:t>22/04/2024</a:t>
             </a:fld>
             <a:endParaRPr lang="en-GB"/>
           </a:p>
@@ -872,7 +874,7 @@
           <a:p>
             <a:fld id="{1041D2DD-F029-4FB0-BB12-3B6037A6356B}" type="datetimeFigureOut">
               <a:rPr lang="en-GB" smtClean="0"/>
-              <a:t>19/04/2024</a:t>
+              <a:t>22/04/2024</a:t>
             </a:fld>
             <a:endParaRPr lang="en-GB"/>
           </a:p>
@@ -1082,7 +1084,7 @@
           <a:p>
             <a:fld id="{1041D2DD-F029-4FB0-BB12-3B6037A6356B}" type="datetimeFigureOut">
               <a:rPr lang="en-GB" smtClean="0"/>
-              <a:t>19/04/2024</a:t>
+              <a:t>22/04/2024</a:t>
             </a:fld>
             <a:endParaRPr lang="en-GB"/>
           </a:p>
@@ -1286,7 +1288,7 @@
           <a:p>
             <a:fld id="{2E2C077B-C732-49E5-B20E-05DE29246531}" type="datetimeFigureOut">
               <a:rPr lang="en-GB" smtClean="0"/>
-              <a:t>19/04/2024</a:t>
+              <a:t>22/04/2024</a:t>
             </a:fld>
             <a:endParaRPr lang="en-GB"/>
           </a:p>
@@ -1456,7 +1458,7 @@
           <a:p>
             <a:fld id="{2E2C077B-C732-49E5-B20E-05DE29246531}" type="datetimeFigureOut">
               <a:rPr lang="en-GB" smtClean="0"/>
-              <a:t>19/04/2024</a:t>
+              <a:t>22/04/2024</a:t>
             </a:fld>
             <a:endParaRPr lang="en-GB"/>
           </a:p>
@@ -1702,7 +1704,7 @@
           <a:p>
             <a:fld id="{2E2C077B-C732-49E5-B20E-05DE29246531}" type="datetimeFigureOut">
               <a:rPr lang="en-GB" smtClean="0"/>
-              <a:t>19/04/2024</a:t>
+              <a:t>22/04/2024</a:t>
             </a:fld>
             <a:endParaRPr lang="en-GB"/>
           </a:p>
@@ -1934,7 +1936,7 @@
           <a:p>
             <a:fld id="{2E2C077B-C732-49E5-B20E-05DE29246531}" type="datetimeFigureOut">
               <a:rPr lang="en-GB" smtClean="0"/>
-              <a:t>19/04/2024</a:t>
+              <a:t>22/04/2024</a:t>
             </a:fld>
             <a:endParaRPr lang="en-GB"/>
           </a:p>
@@ -2301,7 +2303,7 @@
           <a:p>
             <a:fld id="{2E2C077B-C732-49E5-B20E-05DE29246531}" type="datetimeFigureOut">
               <a:rPr lang="en-GB" smtClean="0"/>
-              <a:t>19/04/2024</a:t>
+              <a:t>22/04/2024</a:t>
             </a:fld>
             <a:endParaRPr lang="en-GB"/>
           </a:p>
@@ -2419,7 +2421,7 @@
           <a:p>
             <a:fld id="{2E2C077B-C732-49E5-B20E-05DE29246531}" type="datetimeFigureOut">
               <a:rPr lang="en-GB" smtClean="0"/>
-              <a:t>19/04/2024</a:t>
+              <a:t>22/04/2024</a:t>
             </a:fld>
             <a:endParaRPr lang="en-GB"/>
           </a:p>
@@ -2514,7 +2516,7 @@
           <a:p>
             <a:fld id="{2E2C077B-C732-49E5-B20E-05DE29246531}" type="datetimeFigureOut">
               <a:rPr lang="en-GB" smtClean="0"/>
-              <a:t>19/04/2024</a:t>
+              <a:t>22/04/2024</a:t>
             </a:fld>
             <a:endParaRPr lang="en-GB"/>
           </a:p>
@@ -2791,7 +2793,7 @@
           <a:p>
             <a:fld id="{2E2C077B-C732-49E5-B20E-05DE29246531}" type="datetimeFigureOut">
               <a:rPr lang="en-GB" smtClean="0"/>
-              <a:t>19/04/2024</a:t>
+              <a:t>22/04/2024</a:t>
             </a:fld>
             <a:endParaRPr lang="en-GB"/>
           </a:p>
@@ -2979,7 +2981,7 @@
           <a:p>
             <a:fld id="{1041D2DD-F029-4FB0-BB12-3B6037A6356B}" type="datetimeFigureOut">
               <a:rPr lang="en-GB" smtClean="0"/>
-              <a:t>19/04/2024</a:t>
+              <a:t>22/04/2024</a:t>
             </a:fld>
             <a:endParaRPr lang="en-GB"/>
           </a:p>
@@ -3244,7 +3246,7 @@
           <a:p>
             <a:fld id="{2E2C077B-C732-49E5-B20E-05DE29246531}" type="datetimeFigureOut">
               <a:rPr lang="en-GB" smtClean="0"/>
-              <a:t>19/04/2024</a:t>
+              <a:t>22/04/2024</a:t>
             </a:fld>
             <a:endParaRPr lang="en-GB"/>
           </a:p>
@@ -3414,7 +3416,7 @@
           <a:p>
             <a:fld id="{2E2C077B-C732-49E5-B20E-05DE29246531}" type="datetimeFigureOut">
               <a:rPr lang="en-GB" smtClean="0"/>
-              <a:t>19/04/2024</a:t>
+              <a:t>22/04/2024</a:t>
             </a:fld>
             <a:endParaRPr lang="en-GB"/>
           </a:p>
@@ -3594,7 +3596,7 @@
           <a:p>
             <a:fld id="{2E2C077B-C732-49E5-B20E-05DE29246531}" type="datetimeFigureOut">
               <a:rPr lang="en-GB" smtClean="0"/>
-              <a:t>19/04/2024</a:t>
+              <a:t>22/04/2024</a:t>
             </a:fld>
             <a:endParaRPr lang="en-GB"/>
           </a:p>
@@ -3858,7 +3860,7 @@
           <a:p>
             <a:fld id="{1041D2DD-F029-4FB0-BB12-3B6037A6356B}" type="datetimeFigureOut">
               <a:rPr lang="en-GB" smtClean="0"/>
-              <a:t>19/04/2024</a:t>
+              <a:t>22/04/2024</a:t>
             </a:fld>
             <a:endParaRPr lang="en-GB"/>
           </a:p>
@@ -4126,7 +4128,7 @@
           <a:p>
             <a:fld id="{1041D2DD-F029-4FB0-BB12-3B6037A6356B}" type="datetimeFigureOut">
               <a:rPr lang="en-GB" smtClean="0"/>
-              <a:t>19/04/2024</a:t>
+              <a:t>22/04/2024</a:t>
             </a:fld>
             <a:endParaRPr lang="en-GB"/>
           </a:p>
@@ -4541,7 +4543,7 @@
           <a:p>
             <a:fld id="{1041D2DD-F029-4FB0-BB12-3B6037A6356B}" type="datetimeFigureOut">
               <a:rPr lang="en-GB" smtClean="0"/>
-              <a:t>19/04/2024</a:t>
+              <a:t>22/04/2024</a:t>
             </a:fld>
             <a:endParaRPr lang="en-GB"/>
           </a:p>
@@ -4683,7 +4685,7 @@
           <a:p>
             <a:fld id="{1041D2DD-F029-4FB0-BB12-3B6037A6356B}" type="datetimeFigureOut">
               <a:rPr lang="en-GB" smtClean="0"/>
-              <a:t>19/04/2024</a:t>
+              <a:t>22/04/2024</a:t>
             </a:fld>
             <a:endParaRPr lang="en-GB"/>
           </a:p>
@@ -4796,7 +4798,7 @@
           <a:p>
             <a:fld id="{1041D2DD-F029-4FB0-BB12-3B6037A6356B}" type="datetimeFigureOut">
               <a:rPr lang="en-GB" smtClean="0"/>
-              <a:t>19/04/2024</a:t>
+              <a:t>22/04/2024</a:t>
             </a:fld>
             <a:endParaRPr lang="en-GB"/>
           </a:p>
@@ -5109,7 +5111,7 @@
           <a:p>
             <a:fld id="{1041D2DD-F029-4FB0-BB12-3B6037A6356B}" type="datetimeFigureOut">
               <a:rPr lang="en-GB" smtClean="0"/>
-              <a:t>19/04/2024</a:t>
+              <a:t>22/04/2024</a:t>
             </a:fld>
             <a:endParaRPr lang="en-GB"/>
           </a:p>
@@ -5398,7 +5400,7 @@
           <a:p>
             <a:fld id="{1041D2DD-F029-4FB0-BB12-3B6037A6356B}" type="datetimeFigureOut">
               <a:rPr lang="en-GB" smtClean="0"/>
-              <a:t>19/04/2024</a:t>
+              <a:t>22/04/2024</a:t>
             </a:fld>
             <a:endParaRPr lang="en-GB"/>
           </a:p>
@@ -5641,7 +5643,7 @@
           <a:p>
             <a:fld id="{1041D2DD-F029-4FB0-BB12-3B6037A6356B}" type="datetimeFigureOut">
               <a:rPr lang="en-GB" smtClean="0"/>
-              <a:t>19/04/2024</a:t>
+              <a:t>22/04/2024</a:t>
             </a:fld>
             <a:endParaRPr lang="en-GB"/>
           </a:p>
@@ -6196,7 +6198,7 @@
           <a:p>
             <a:fld id="{2E2C077B-C732-49E5-B20E-05DE29246531}" type="datetimeFigureOut">
               <a:rPr lang="en-GB" smtClean="0"/>
-              <a:t>19/04/2024</a:t>
+              <a:t>22/04/2024</a:t>
             </a:fld>
             <a:endParaRPr lang="en-GB"/>
           </a:p>
@@ -6985,7 +6987,7 @@
         <p:spPr>
           <a:xfrm>
             <a:off x="584126" y="1366897"/>
-            <a:ext cx="11050411" cy="3662541"/>
+            <a:ext cx="11050411" cy="4154984"/>
           </a:xfrm>
           <a:prstGeom prst="rect">
             <a:avLst/>
@@ -6999,7 +7001,7 @@
           <a:lstStyle/>
           <a:p>
             <a:r>
-              <a:rPr lang="en-GB" sz="2000" dirty="0">
+              <a:rPr lang="en-GB" sz="2200" dirty="0">
                 <a:solidFill>
                   <a:schemeClr val="bg1">
                     <a:lumMod val="95000"/>
@@ -7011,7 +7013,7 @@
               <a:t>To link an HTML page to a CSS file you specify the location in the head section of your page. </a:t>
             </a:r>
             <a:br>
-              <a:rPr lang="en-GB" sz="2800" dirty="0">
+              <a:rPr lang="en-GB" sz="2200" dirty="0">
                 <a:solidFill>
                   <a:srgbClr val="0063AF"/>
                 </a:solidFill>
@@ -7020,7 +7022,7 @@
               </a:rPr>
             </a:br>
             <a:br>
-              <a:rPr lang="en-GB" dirty="0">
+              <a:rPr lang="en-GB" sz="2200" dirty="0">
                 <a:solidFill>
                   <a:srgbClr val="0063AF"/>
                 </a:solidFill>
@@ -7029,7 +7031,7 @@
               </a:rPr>
             </a:br>
             <a:r>
-              <a:rPr lang="en-US" sz="2000" b="0" dirty="0">
+              <a:rPr lang="en-US" sz="2200" b="0" dirty="0">
                 <a:solidFill>
                   <a:srgbClr val="6A9955"/>
                 </a:solidFill>
@@ -7039,7 +7041,7 @@
               <a:t>&lt;!-- Here is the head section of my HTML file --&gt;</a:t>
             </a:r>
             <a:br>
-              <a:rPr lang="en-US" sz="2000" b="0" dirty="0">
+              <a:rPr lang="en-US" sz="2200" b="0" dirty="0">
                 <a:solidFill>
                   <a:srgbClr val="D4D4D4"/>
                 </a:solidFill>
@@ -7048,7 +7050,7 @@
               </a:rPr>
             </a:br>
             <a:r>
-              <a:rPr lang="en-US" sz="2000" b="0" dirty="0">
+              <a:rPr lang="en-US" sz="2200" b="0" dirty="0">
                 <a:solidFill>
                   <a:srgbClr val="808080"/>
                 </a:solidFill>
@@ -7058,7 +7060,7 @@
               <a:t>&lt;</a:t>
             </a:r>
             <a:r>
-              <a:rPr lang="en-US" sz="2000" b="0" dirty="0">
+              <a:rPr lang="en-US" sz="2200" b="0" dirty="0">
                 <a:solidFill>
                   <a:srgbClr val="569CD6"/>
                 </a:solidFill>
@@ -7068,7 +7070,7 @@
               <a:t>head</a:t>
             </a:r>
             <a:r>
-              <a:rPr lang="en-US" sz="2000" b="0" dirty="0">
+              <a:rPr lang="en-US" sz="2200" b="0" dirty="0">
                 <a:solidFill>
                   <a:srgbClr val="808080"/>
                 </a:solidFill>
@@ -7078,7 +7080,7 @@
               <a:t>&gt;</a:t>
             </a:r>
             <a:br>
-              <a:rPr lang="en-US" sz="2000" b="0" dirty="0">
+              <a:rPr lang="en-US" sz="2200" b="0" dirty="0">
                 <a:solidFill>
                   <a:srgbClr val="D4D4D4"/>
                 </a:solidFill>
@@ -7087,7 +7089,7 @@
               </a:rPr>
             </a:br>
             <a:r>
-              <a:rPr lang="en-US" sz="2000" b="0" dirty="0">
+              <a:rPr lang="en-US" sz="2200" b="0" dirty="0">
                 <a:solidFill>
                   <a:srgbClr val="808080"/>
                 </a:solidFill>
@@ -7097,7 +7099,7 @@
               <a:t>&lt;</a:t>
             </a:r>
             <a:r>
-              <a:rPr lang="en-US" sz="2000" b="0" dirty="0">
+              <a:rPr lang="en-US" sz="2200" b="0" dirty="0">
                 <a:solidFill>
                   <a:srgbClr val="569CD6"/>
                 </a:solidFill>
@@ -7107,7 +7109,7 @@
               <a:t>title</a:t>
             </a:r>
             <a:r>
-              <a:rPr lang="en-US" sz="2000" b="0" dirty="0">
+              <a:rPr lang="en-US" sz="2200" b="0" dirty="0">
                 <a:solidFill>
                   <a:srgbClr val="808080"/>
                 </a:solidFill>
@@ -7117,7 +7119,7 @@
               <a:t>&gt;</a:t>
             </a:r>
             <a:r>
-              <a:rPr lang="en-US" sz="2000" b="0" dirty="0">
+              <a:rPr lang="en-US" sz="2200" b="0" dirty="0">
                 <a:solidFill>
                   <a:srgbClr val="D4D4D4"/>
                 </a:solidFill>
@@ -7127,7 +7129,7 @@
               <a:t>Page Title</a:t>
             </a:r>
             <a:r>
-              <a:rPr lang="en-US" sz="2000" b="0" dirty="0">
+              <a:rPr lang="en-US" sz="2200" b="0" dirty="0">
                 <a:solidFill>
                   <a:srgbClr val="808080"/>
                 </a:solidFill>
@@ -7137,7 +7139,7 @@
               <a:t>&lt;/</a:t>
             </a:r>
             <a:r>
-              <a:rPr lang="en-US" sz="2000" b="0" dirty="0">
+              <a:rPr lang="en-US" sz="2200" b="0" dirty="0">
                 <a:solidFill>
                   <a:srgbClr val="569CD6"/>
                 </a:solidFill>
@@ -7147,7 +7149,7 @@
               <a:t>title</a:t>
             </a:r>
             <a:r>
-              <a:rPr lang="en-US" sz="2000" b="0" dirty="0">
+              <a:rPr lang="en-US" sz="2200" b="0" dirty="0">
                 <a:solidFill>
                   <a:srgbClr val="808080"/>
                 </a:solidFill>
@@ -7157,7 +7159,7 @@
               <a:t>&gt;</a:t>
             </a:r>
             <a:br>
-              <a:rPr lang="en-US" sz="2000" b="0" dirty="0">
+              <a:rPr lang="en-US" sz="2200" b="0" dirty="0">
                 <a:solidFill>
                   <a:srgbClr val="D4D4D4"/>
                 </a:solidFill>
@@ -7166,7 +7168,7 @@
               </a:rPr>
             </a:br>
             <a:br>
-              <a:rPr lang="en-US" sz="2000" b="0" dirty="0">
+              <a:rPr lang="en-US" sz="2200" b="0" dirty="0">
                 <a:solidFill>
                   <a:srgbClr val="D4D4D4"/>
                 </a:solidFill>
@@ -7175,7 +7177,7 @@
               </a:rPr>
             </a:br>
             <a:r>
-              <a:rPr lang="en-US" sz="2000" b="0" dirty="0">
+              <a:rPr lang="en-US" sz="2200" b="0" dirty="0">
                 <a:solidFill>
                   <a:srgbClr val="6A9955"/>
                 </a:solidFill>
@@ -7185,7 +7187,7 @@
               <a:t>&lt;!-- Now I add a link to my CSS file --&gt;</a:t>
             </a:r>
             <a:br>
-              <a:rPr lang="en-US" sz="2000" b="0" dirty="0">
+              <a:rPr lang="en-US" sz="2200" b="0" dirty="0">
                 <a:solidFill>
                   <a:srgbClr val="D4D4D4"/>
                 </a:solidFill>
@@ -7194,7 +7196,7 @@
               </a:rPr>
             </a:br>
             <a:r>
-              <a:rPr lang="en-US" sz="2000" b="0" dirty="0">
+              <a:rPr lang="en-US" sz="2200" b="0" dirty="0">
                 <a:solidFill>
                   <a:srgbClr val="808080"/>
                 </a:solidFill>
@@ -7204,7 +7206,7 @@
               <a:t>&lt;</a:t>
             </a:r>
             <a:r>
-              <a:rPr lang="en-US" sz="2000" b="0" dirty="0">
+              <a:rPr lang="en-US" sz="2200" b="0" dirty="0">
                 <a:solidFill>
                   <a:srgbClr val="569CD6"/>
                 </a:solidFill>
@@ -7214,7 +7216,7 @@
               <a:t>link</a:t>
             </a:r>
             <a:r>
-              <a:rPr lang="en-US" sz="2000" b="0" dirty="0">
+              <a:rPr lang="en-US" sz="2200" b="0" dirty="0">
                 <a:solidFill>
                   <a:srgbClr val="D4D4D4"/>
                 </a:solidFill>
@@ -7224,7 +7226,7 @@
               <a:t> </a:t>
             </a:r>
             <a:r>
-              <a:rPr lang="en-US" sz="2000" b="0" dirty="0" err="1">
+              <a:rPr lang="en-US" sz="2200" b="0" dirty="0" err="1">
                 <a:solidFill>
                   <a:srgbClr val="9CDCFE"/>
                 </a:solidFill>
@@ -7234,7 +7236,7 @@
               <a:t>rel</a:t>
             </a:r>
             <a:r>
-              <a:rPr lang="en-US" sz="2000" b="0" dirty="0">
+              <a:rPr lang="en-US" sz="2200" b="0" dirty="0">
                 <a:solidFill>
                   <a:srgbClr val="D4D4D4"/>
                 </a:solidFill>
@@ -7244,7 +7246,7 @@
               <a:t>=</a:t>
             </a:r>
             <a:r>
-              <a:rPr lang="en-US" sz="2000" b="0" dirty="0">
+              <a:rPr lang="en-US" sz="2200" b="0" dirty="0">
                 <a:solidFill>
                   <a:srgbClr val="CE9178"/>
                 </a:solidFill>
@@ -7254,7 +7256,7 @@
               <a:t>"stylesheet"</a:t>
             </a:r>
             <a:r>
-              <a:rPr lang="en-US" sz="2000" b="0" dirty="0">
+              <a:rPr lang="en-US" sz="2200" b="0" dirty="0">
                 <a:solidFill>
                   <a:srgbClr val="D4D4D4"/>
                 </a:solidFill>
@@ -7264,7 +7266,7 @@
               <a:t> </a:t>
             </a:r>
             <a:r>
-              <a:rPr lang="en-US" sz="2000" b="0" dirty="0" err="1">
+              <a:rPr lang="en-US" sz="2200" b="0" dirty="0" err="1">
                 <a:solidFill>
                   <a:srgbClr val="9CDCFE"/>
                 </a:solidFill>
@@ -7274,7 +7276,7 @@
               <a:t>href</a:t>
             </a:r>
             <a:r>
-              <a:rPr lang="en-US" sz="2000" b="0" dirty="0">
+              <a:rPr lang="en-US" sz="2200" b="0" dirty="0">
                 <a:solidFill>
                   <a:srgbClr val="D4D4D4"/>
                 </a:solidFill>
@@ -7284,7 +7286,7 @@
               <a:t>=</a:t>
             </a:r>
             <a:r>
-              <a:rPr lang="en-US" sz="2000" b="0" dirty="0">
+              <a:rPr lang="en-US" sz="2200" b="0" dirty="0">
                 <a:solidFill>
                   <a:srgbClr val="CE9178"/>
                 </a:solidFill>
@@ -7294,7 +7296,7 @@
               <a:t>"</a:t>
             </a:r>
             <a:r>
-              <a:rPr lang="en-US" sz="2000" dirty="0">
+              <a:rPr lang="en-US" sz="2200" dirty="0">
                 <a:solidFill>
                   <a:srgbClr val="CE9178"/>
                 </a:solidFill>
@@ -7303,7 +7305,7 @@
               <a:t>e</a:t>
             </a:r>
             <a:r>
-              <a:rPr lang="en-US" sz="2000" b="0" dirty="0">
+              <a:rPr lang="en-US" sz="2200" b="0" dirty="0">
                 <a:solidFill>
                   <a:srgbClr val="CE9178"/>
                 </a:solidFill>
@@ -7313,7 +7315,7 @@
               <a:t>xample1.css"</a:t>
             </a:r>
             <a:r>
-              <a:rPr lang="en-US" sz="2000" b="0" dirty="0">
+              <a:rPr lang="en-US" sz="2200" b="0" dirty="0">
                 <a:solidFill>
                   <a:srgbClr val="808080"/>
                 </a:solidFill>
@@ -7323,7 +7325,7 @@
               <a:t>&gt;</a:t>
             </a:r>
             <a:br>
-              <a:rPr lang="en-US" sz="2000" b="0" dirty="0">
+              <a:rPr lang="en-US" sz="2200" b="0" dirty="0">
                 <a:solidFill>
                   <a:srgbClr val="D4D4D4"/>
                 </a:solidFill>
@@ -7332,7 +7334,7 @@
               </a:rPr>
             </a:br>
             <a:r>
-              <a:rPr lang="en-US" sz="2000" b="0" dirty="0">
+              <a:rPr lang="en-US" sz="2200" b="0" dirty="0">
                 <a:solidFill>
                   <a:srgbClr val="808080"/>
                 </a:solidFill>
@@ -7342,7 +7344,7 @@
               <a:t>&lt;/</a:t>
             </a:r>
             <a:r>
-              <a:rPr lang="en-US" sz="2000" b="0" dirty="0">
+              <a:rPr lang="en-US" sz="2200" b="0" dirty="0">
                 <a:solidFill>
                   <a:srgbClr val="569CD6"/>
                 </a:solidFill>
@@ -7352,7 +7354,7 @@
               <a:t>head</a:t>
             </a:r>
             <a:r>
-              <a:rPr lang="en-US" sz="2000" b="0" dirty="0">
+              <a:rPr lang="en-US" sz="2200" b="0" dirty="0">
                 <a:solidFill>
                   <a:srgbClr val="808080"/>
                 </a:solidFill>
@@ -7362,7 +7364,7 @@
               <a:t>&gt;</a:t>
             </a:r>
             <a:br>
-              <a:rPr lang="en-US" b="0" dirty="0">
+              <a:rPr lang="en-US" sz="2200" b="0" dirty="0">
                 <a:solidFill>
                   <a:srgbClr val="808080"/>
                 </a:solidFill>
@@ -7371,7 +7373,7 @@
               </a:rPr>
             </a:br>
             <a:br>
-              <a:rPr lang="en-US" b="0" dirty="0">
+              <a:rPr lang="en-US" sz="2200" b="0" dirty="0">
                 <a:solidFill>
                   <a:srgbClr val="808080"/>
                 </a:solidFill>
@@ -7380,7 +7382,7 @@
               </a:rPr>
             </a:br>
             <a:r>
-              <a:rPr lang="en-GB" sz="2400" dirty="0">
+              <a:rPr lang="en-GB" sz="2200" dirty="0">
                 <a:solidFill>
                   <a:schemeClr val="bg1">
                     <a:lumMod val="95000"/>
@@ -7392,7 +7394,7 @@
               <a:t>The</a:t>
             </a:r>
             <a:r>
-              <a:rPr lang="en-GB" sz="2400" b="0" dirty="0">
+              <a:rPr lang="en-GB" sz="2200" b="0" dirty="0">
                 <a:solidFill>
                   <a:schemeClr val="bg1">
                     <a:lumMod val="95000"/>
@@ -7405,7 +7407,7 @@
               <a:t> page w</a:t>
             </a:r>
             <a:r>
-              <a:rPr lang="en-GB" sz="2400" dirty="0">
+              <a:rPr lang="en-GB" sz="2200" dirty="0">
                 <a:solidFill>
                   <a:schemeClr val="bg1">
                     <a:lumMod val="95000"/>
@@ -7414,21 +7416,9 @@
                 <a:latin typeface="Circular Std Book" panose="020B0604020101020102" pitchFamily="34" charset="0"/>
                 <a:cs typeface="Circular Std Book" panose="020B0604020101020102" pitchFamily="34" charset="0"/>
               </a:rPr>
-              <a:t>ill now have the styles set out in the CSS file.</a:t>
-            </a:r>
-            <a:r>
-              <a:rPr lang="en-GB" sz="3600" dirty="0">
-                <a:solidFill>
-                  <a:schemeClr val="bg1">
-                    <a:lumMod val="95000"/>
-                  </a:schemeClr>
-                </a:solidFill>
-                <a:latin typeface="Circular Std Book" panose="020B0604020101020102" pitchFamily="34" charset="0"/>
-                <a:cs typeface="Circular Std Book" panose="020B0604020101020102" pitchFamily="34" charset="0"/>
-              </a:rPr>
-              <a:t> </a:t>
-            </a:r>
-            <a:endParaRPr lang="en-US" dirty="0"/>
+              <a:t>ill now have the styles set out in the CSS file. </a:t>
+            </a:r>
+            <a:endParaRPr lang="en-US" sz="2200" dirty="0"/>
           </a:p>
         </p:txBody>
       </p:sp>
@@ -7554,7 +7544,7 @@
         </p:spPr>
         <p:txBody>
           <a:bodyPr>
-            <a:normAutofit fontScale="85000" lnSpcReduction="10000"/>
+            <a:normAutofit/>
           </a:bodyPr>
           <a:lstStyle/>
           <a:p>
@@ -7564,57 +7554,77 @@
               </a:lnSpc>
             </a:pPr>
             <a:r>
-              <a:rPr lang="en-GB" sz="2400" dirty="0">
+              <a:rPr lang="en-GB" sz="2100" dirty="0">
                 <a:solidFill>
                   <a:srgbClr val="36B7B4"/>
                 </a:solidFill>
                 <a:latin typeface="Circular Std Book" panose="020B0604020101020102" pitchFamily="34" charset="0"/>
                 <a:cs typeface="Circular Std Book" panose="020B0604020101020102" pitchFamily="34" charset="0"/>
               </a:rPr>
-              <a:t>History.  </a:t>
-            </a:r>
-            <a:r>
-              <a:rPr lang="en-GB" sz="2400" dirty="0">
+              <a:t>History</a:t>
+            </a:r>
+            <a:r>
+              <a:rPr lang="en-GB" sz="2100" dirty="0">
                 <a:solidFill>
                   <a:schemeClr val="bg1"/>
                 </a:solidFill>
                 <a:latin typeface="Circular Std Book" panose="020B0604020101020102" pitchFamily="34" charset="0"/>
                 <a:cs typeface="Circular Std Book" panose="020B0604020101020102" pitchFamily="34" charset="0"/>
               </a:rPr>
-              <a:t>JS launched by Netscape in 1995. Key developer was </a:t>
-            </a:r>
-            <a:r>
-              <a:rPr lang="en-GB" sz="2400" dirty="0">
+              <a:t>.</a:t>
+            </a:r>
+            <a:r>
+              <a:rPr lang="en-GB" sz="2100" dirty="0">
                 <a:solidFill>
                   <a:srgbClr val="36B7B4"/>
                 </a:solidFill>
                 <a:latin typeface="Circular Std Book" panose="020B0604020101020102" pitchFamily="34" charset="0"/>
                 <a:cs typeface="Circular Std Book" panose="020B0604020101020102" pitchFamily="34" charset="0"/>
               </a:rPr>
-              <a:t>Brendan </a:t>
-            </a:r>
-            <a:r>
-              <a:rPr lang="en-GB" sz="2400" dirty="0" err="1">
-                <a:solidFill>
-                  <a:srgbClr val="36B7B4"/>
+              <a:t> </a:t>
+            </a:r>
+            <a:r>
+              <a:rPr lang="en-GB" sz="2100" dirty="0">
+                <a:solidFill>
+                  <a:schemeClr val="bg1"/>
                 </a:solidFill>
                 <a:latin typeface="Circular Std Book" panose="020B0604020101020102" pitchFamily="34" charset="0"/>
                 <a:cs typeface="Circular Std Book" panose="020B0604020101020102" pitchFamily="34" charset="0"/>
               </a:rPr>
-              <a:t>Eich</a:t>
-            </a:r>
-            <a:r>
-              <a:rPr lang="en-GB" sz="2400" dirty="0">
+              <a:t>JS launched by Netscape in 1995. Key developer was </a:t>
+            </a:r>
+            <a:r>
+              <a:rPr lang="en-GB" sz="2100" dirty="0">
                 <a:solidFill>
                   <a:srgbClr val="36B7B4"/>
                 </a:solidFill>
                 <a:latin typeface="Circular Std Book" panose="020B0604020101020102" pitchFamily="34" charset="0"/>
                 <a:cs typeface="Circular Std Book" panose="020B0604020101020102" pitchFamily="34" charset="0"/>
               </a:rPr>
+              <a:t>Brendan </a:t>
+            </a:r>
+            <a:r>
+              <a:rPr lang="en-GB" sz="2100" dirty="0" err="1">
+                <a:solidFill>
+                  <a:srgbClr val="36B7B4"/>
+                </a:solidFill>
+                <a:latin typeface="Circular Std Book" panose="020B0604020101020102" pitchFamily="34" charset="0"/>
+                <a:cs typeface="Circular Std Book" panose="020B0604020101020102" pitchFamily="34" charset="0"/>
+              </a:rPr>
+              <a:t>Eich</a:t>
+            </a:r>
+            <a:r>
+              <a:rPr lang="en-GB" sz="2100" dirty="0">
+                <a:solidFill>
+                  <a:srgbClr val="36B7B4"/>
+                </a:solidFill>
+                <a:latin typeface="Circular Std Book" panose="020B0604020101020102" pitchFamily="34" charset="0"/>
+                <a:cs typeface="Circular Std Book" panose="020B0604020101020102" pitchFamily="34" charset="0"/>
+              </a:rPr>
               <a:t>. </a:t>
             </a:r>
             <a:r>
-              <a:rPr lang="en-GB" sz="2400" dirty="0">
+              <a:rPr lang="en-GB" sz="2100" dirty="0">
                 <a:solidFill>
                   <a:schemeClr val="bg1"/>
                 </a:solidFill>
@@ -7631,7 +7641,7 @@
               </a:lnSpc>
             </a:pPr>
             <a:r>
-              <a:rPr lang="en-GB" sz="2400" dirty="0">
+              <a:rPr lang="en-GB" sz="2100" dirty="0">
                 <a:solidFill>
                   <a:srgbClr val="36B7B4"/>
                 </a:solidFill>
@@ -7641,7 +7651,7 @@
               <a:t>In Data Science.</a:t>
             </a:r>
             <a:r>
-              <a:rPr lang="en-GB" sz="2400" dirty="0">
+              <a:rPr lang="en-GB" sz="2100" dirty="0">
                 <a:solidFill>
                   <a:schemeClr val="bg1"/>
                 </a:solidFill>
@@ -7658,7 +7668,7 @@
               </a:lnSpc>
             </a:pPr>
             <a:r>
-              <a:rPr lang="en-GB" dirty="0">
+              <a:rPr lang="en-GB" sz="2100" dirty="0">
                 <a:solidFill>
                   <a:srgbClr val="36B7B4"/>
                 </a:solidFill>
@@ -7668,7 +7678,7 @@
               <a:t>Fetching data</a:t>
             </a:r>
             <a:r>
-              <a:rPr lang="en-GB" dirty="0">
+              <a:rPr lang="en-GB" sz="2100" dirty="0">
                 <a:solidFill>
                   <a:schemeClr val="bg1"/>
                 </a:solidFill>
@@ -7685,24 +7695,24 @@
               </a:lnSpc>
             </a:pPr>
             <a:r>
-              <a:rPr lang="en-GB" dirty="0">
+              <a:rPr lang="en-GB" sz="2100" dirty="0">
                 <a:solidFill>
                   <a:srgbClr val="36B7B4"/>
                 </a:solidFill>
                 <a:latin typeface="Circular Std Book" panose="020B0604020101020102" pitchFamily="34" charset="0"/>
                 <a:cs typeface="Circular Std Book" panose="020B0604020101020102" pitchFamily="34" charset="0"/>
               </a:rPr>
-              <a:t>Cleaning and manipulating data.</a:t>
-            </a:r>
-            <a:r>
-              <a:rPr lang="en-GB" dirty="0">
+              <a:t>Cleaning and manipulating data</a:t>
+            </a:r>
+            <a:r>
+              <a:rPr lang="en-GB" sz="2100" dirty="0">
                 <a:solidFill>
                   <a:schemeClr val="bg1"/>
                 </a:solidFill>
                 <a:latin typeface="Circular Std Book" panose="020B0604020101020102" pitchFamily="34" charset="0"/>
                 <a:cs typeface="Circular Std Book" panose="020B0604020101020102" pitchFamily="34" charset="0"/>
               </a:rPr>
-              <a:t> Prepare and analyse the data for use in a chart or table. </a:t>
+              <a:t>. Prepare and analyse the data for use in a chart or table. </a:t>
             </a:r>
           </a:p>
           <a:p>
@@ -7712,17 +7722,37 @@
               </a:lnSpc>
             </a:pPr>
             <a:r>
-              <a:rPr lang="en-GB" dirty="0">
+              <a:rPr lang="en-GB" sz="2100" dirty="0">
                 <a:solidFill>
                   <a:srgbClr val="36B7B4"/>
                 </a:solidFill>
                 <a:latin typeface="Circular Std Book" panose="020B0604020101020102" pitchFamily="34" charset="0"/>
                 <a:cs typeface="Circular Std Book" panose="020B0604020101020102" pitchFamily="34" charset="0"/>
               </a:rPr>
-              <a:t>Visualising data. </a:t>
-            </a:r>
-            <a:r>
-              <a:rPr lang="en-GB" dirty="0">
+              <a:t>Visualising data</a:t>
+            </a:r>
+            <a:r>
+              <a:rPr lang="en-GB" sz="2100" dirty="0">
+                <a:solidFill>
+                  <a:schemeClr val="bg1"/>
+                </a:solidFill>
+                <a:latin typeface="Circular Std Book" panose="020B0604020101020102" pitchFamily="34" charset="0"/>
+                <a:cs typeface="Circular Std Book" panose="020B0604020101020102" pitchFamily="34" charset="0"/>
+              </a:rPr>
+              <a:t>.</a:t>
+            </a:r>
+            <a:r>
+              <a:rPr lang="en-GB" sz="2100" dirty="0">
+                <a:solidFill>
+                  <a:srgbClr val="36B7B4"/>
+                </a:solidFill>
+                <a:latin typeface="Circular Std Book" panose="020B0604020101020102" pitchFamily="34" charset="0"/>
+                <a:cs typeface="Circular Std Book" panose="020B0604020101020102" pitchFamily="34" charset="0"/>
+              </a:rPr>
+              <a:t> </a:t>
+            </a:r>
+            <a:r>
+              <a:rPr lang="en-GB" sz="2100" dirty="0">
                 <a:solidFill>
                   <a:schemeClr val="bg1"/>
                 </a:solidFill>
@@ -7739,24 +7769,24 @@
               </a:lnSpc>
             </a:pPr>
             <a:r>
-              <a:rPr lang="en-GB" dirty="0">
+              <a:rPr lang="en-GB" sz="2100" dirty="0">
                 <a:solidFill>
                   <a:srgbClr val="36B7B4"/>
                 </a:solidFill>
                 <a:latin typeface="Circular Std Book" panose="020B0604020101020102" pitchFamily="34" charset="0"/>
                 <a:cs typeface="Circular Std Book" panose="020B0604020101020102" pitchFamily="34" charset="0"/>
               </a:rPr>
-              <a:t>Interactivity.</a:t>
-            </a:r>
-            <a:r>
-              <a:rPr lang="en-GB" dirty="0">
+              <a:t>Interactivity</a:t>
+            </a:r>
+            <a:r>
+              <a:rPr lang="en-GB" sz="2100" dirty="0">
                 <a:solidFill>
                   <a:schemeClr val="bg1"/>
                 </a:solidFill>
                 <a:latin typeface="Circular Std Book" panose="020B0604020101020102" pitchFamily="34" charset="0"/>
                 <a:cs typeface="Circular Std Book" panose="020B0604020101020102" pitchFamily="34" charset="0"/>
               </a:rPr>
-              <a:t> Make visualisations interactive + sites fun and engaging. </a:t>
+              <a:t>. Make visualisations interactive + sites fun and engaging. </a:t>
             </a:r>
           </a:p>
           <a:p>
@@ -7765,7 +7795,7 @@
                 <a:spcPct val="150000"/>
               </a:lnSpc>
             </a:pPr>
-            <a:endParaRPr lang="en-GB" sz="2400" dirty="0">
+            <a:endParaRPr lang="en-GB" sz="2000" dirty="0">
               <a:solidFill>
                 <a:schemeClr val="bg1"/>
               </a:solidFill>
@@ -7929,8 +7959,8 @@
         </p:nvSpPr>
         <p:spPr>
           <a:xfrm>
-            <a:off x="759817" y="1093555"/>
-            <a:ext cx="11234894" cy="5101397"/>
+            <a:off x="421105" y="1093555"/>
+            <a:ext cx="11573606" cy="5816977"/>
           </a:xfrm>
           <a:prstGeom prst="rect">
             <a:avLst/>
@@ -7944,7 +7974,7 @@
           <a:lstStyle/>
           <a:p>
             <a:r>
-              <a:rPr lang="en-GB" sz="1050" b="0" dirty="0">
+              <a:rPr lang="en-GB" sz="1200" b="0" dirty="0">
                 <a:solidFill>
                   <a:srgbClr val="808080"/>
                 </a:solidFill>
@@ -7954,7 +7984,7 @@
               <a:t>&lt;!</a:t>
             </a:r>
             <a:r>
-              <a:rPr lang="en-GB" sz="1050" b="0" dirty="0">
+              <a:rPr lang="en-GB" sz="1200" b="0" dirty="0">
                 <a:solidFill>
                   <a:srgbClr val="569CD6"/>
                 </a:solidFill>
@@ -7964,7 +7994,7 @@
               <a:t>DOCTYPE</a:t>
             </a:r>
             <a:r>
-              <a:rPr lang="en-GB" sz="1050" b="0" dirty="0">
+              <a:rPr lang="en-GB" sz="1200" b="0" dirty="0">
                 <a:solidFill>
                   <a:srgbClr val="CCCCCC"/>
                 </a:solidFill>
@@ -7974,7 +8004,7 @@
               <a:t> </a:t>
             </a:r>
             <a:r>
-              <a:rPr lang="en-GB" sz="1050" b="0" dirty="0">
+              <a:rPr lang="en-GB" sz="1200" b="0" dirty="0">
                 <a:solidFill>
                   <a:srgbClr val="9CDCFE"/>
                 </a:solidFill>
@@ -7984,7 +8014,7 @@
               <a:t>html</a:t>
             </a:r>
             <a:r>
-              <a:rPr lang="en-GB" sz="1050" b="0" dirty="0">
+              <a:rPr lang="en-GB" sz="1200" b="0" dirty="0">
                 <a:solidFill>
                   <a:srgbClr val="808080"/>
                 </a:solidFill>
@@ -7993,7 +8023,7 @@
               </a:rPr>
               <a:t>&gt;</a:t>
             </a:r>
-            <a:endParaRPr lang="en-GB" sz="1050" b="0" dirty="0">
+            <a:endParaRPr lang="en-GB" sz="1200" b="0" dirty="0">
               <a:solidFill>
                 <a:srgbClr val="CCCCCC"/>
               </a:solidFill>
@@ -8003,7 +8033,7 @@
           </a:p>
           <a:p>
             <a:r>
-              <a:rPr lang="en-GB" sz="1050" b="0" dirty="0">
+              <a:rPr lang="en-GB" sz="1200" b="0" dirty="0">
                 <a:solidFill>
                   <a:srgbClr val="808080"/>
                 </a:solidFill>
@@ -8013,7 +8043,7 @@
               <a:t>&lt;</a:t>
             </a:r>
             <a:r>
-              <a:rPr lang="en-GB" sz="1050" b="0" dirty="0">
+              <a:rPr lang="en-GB" sz="1200" b="0" dirty="0">
                 <a:solidFill>
                   <a:srgbClr val="569CD6"/>
                 </a:solidFill>
@@ -8023,7 +8053,7 @@
               <a:t>html</a:t>
             </a:r>
             <a:r>
-              <a:rPr lang="en-GB" sz="1050" b="0" dirty="0">
+              <a:rPr lang="en-GB" sz="1200" b="0" dirty="0">
                 <a:solidFill>
                   <a:srgbClr val="808080"/>
                 </a:solidFill>
@@ -8033,7 +8063,7 @@
               <a:t>&gt;</a:t>
             </a:r>
             <a:r>
-              <a:rPr lang="en-GB" sz="1050" b="0" dirty="0">
+              <a:rPr lang="en-GB" sz="1200" b="0" dirty="0">
                 <a:solidFill>
                   <a:srgbClr val="CCCCCC"/>
                 </a:solidFill>
@@ -8045,7 +8075,7 @@
           </a:p>
           <a:p>
             <a:br>
-              <a:rPr lang="en-GB" sz="1050" b="0" dirty="0">
+              <a:rPr lang="en-GB" sz="1200" b="0" dirty="0">
                 <a:solidFill>
                   <a:srgbClr val="CCCCCC"/>
                 </a:solidFill>
@@ -8054,7 +8084,7 @@
               </a:rPr>
             </a:br>
             <a:br>
-              <a:rPr lang="en-GB" sz="1050" b="0" dirty="0">
+              <a:rPr lang="en-GB" sz="1200" b="0" dirty="0">
                 <a:solidFill>
                   <a:srgbClr val="CCCCCC"/>
                 </a:solidFill>
@@ -8063,7 +8093,7 @@
               </a:rPr>
             </a:br>
             <a:r>
-              <a:rPr lang="en-GB" sz="1050" b="0" dirty="0">
+              <a:rPr lang="en-GB" sz="1200" b="0" dirty="0">
                 <a:solidFill>
                   <a:srgbClr val="808080"/>
                 </a:solidFill>
@@ -8073,7 +8103,7 @@
               <a:t>&lt;</a:t>
             </a:r>
             <a:r>
-              <a:rPr lang="en-GB" sz="1050" b="0" dirty="0">
+              <a:rPr lang="en-GB" sz="1200" b="0" dirty="0">
                 <a:solidFill>
                   <a:srgbClr val="569CD6"/>
                 </a:solidFill>
@@ -8083,7 +8113,7 @@
               <a:t>head</a:t>
             </a:r>
             <a:r>
-              <a:rPr lang="en-GB" sz="1050" b="0" dirty="0">
+              <a:rPr lang="en-GB" sz="1200" b="0" dirty="0">
                 <a:solidFill>
                   <a:srgbClr val="808080"/>
                 </a:solidFill>
@@ -8093,7 +8123,7 @@
               <a:t>&gt;</a:t>
             </a:r>
             <a:r>
-              <a:rPr lang="en-GB" sz="1050" b="0" dirty="0">
+              <a:rPr lang="en-GB" sz="1200" b="0" dirty="0">
                 <a:solidFill>
                   <a:srgbClr val="CCCCCC"/>
                 </a:solidFill>
@@ -8105,7 +8135,7 @@
           </a:p>
           <a:p>
             <a:r>
-              <a:rPr lang="en-GB" sz="1050" b="0" dirty="0">
+              <a:rPr lang="en-GB" sz="1200" b="0" dirty="0">
                 <a:solidFill>
                   <a:srgbClr val="CCCCCC"/>
                 </a:solidFill>
@@ -8115,7 +8145,7 @@
               <a:t>    </a:t>
             </a:r>
             <a:r>
-              <a:rPr lang="en-GB" sz="1050" b="0" dirty="0">
+              <a:rPr lang="en-GB" sz="1200" b="0" dirty="0">
                 <a:solidFill>
                   <a:srgbClr val="6A9955"/>
                 </a:solidFill>
@@ -8124,7 +8154,7 @@
               </a:rPr>
               <a:t>&lt;!-- JS can be used to load external resources. Here we load Vega Lite library including its “embed” function--&gt;</a:t>
             </a:r>
-            <a:endParaRPr lang="en-GB" sz="1050" b="0" dirty="0">
+            <a:endParaRPr lang="en-GB" sz="1200" b="0" dirty="0">
               <a:solidFill>
                 <a:srgbClr val="CCCCCC"/>
               </a:solidFill>
@@ -8134,7 +8164,7 @@
           </a:p>
           <a:p>
             <a:r>
-              <a:rPr lang="en-GB" sz="1050" b="0" dirty="0">
+              <a:rPr lang="en-GB" sz="1200" b="0" dirty="0">
                 <a:solidFill>
                   <a:srgbClr val="CCCCCC"/>
                 </a:solidFill>
@@ -8144,7 +8174,7 @@
               <a:t>    </a:t>
             </a:r>
             <a:r>
-              <a:rPr lang="en-GB" sz="1050" b="0" dirty="0">
+              <a:rPr lang="en-GB" sz="1200" b="0" dirty="0">
                 <a:solidFill>
                   <a:srgbClr val="808080"/>
                 </a:solidFill>
@@ -8154,7 +8184,7 @@
               <a:t>&lt;</a:t>
             </a:r>
             <a:r>
-              <a:rPr lang="en-GB" sz="1050" b="0" dirty="0">
+              <a:rPr lang="en-GB" sz="1200" b="0" dirty="0">
                 <a:solidFill>
                   <a:srgbClr val="569CD6"/>
                 </a:solidFill>
@@ -8164,7 +8194,7 @@
               <a:t>script</a:t>
             </a:r>
             <a:r>
-              <a:rPr lang="en-GB" sz="1050" b="0" dirty="0">
+              <a:rPr lang="en-GB" sz="1200" b="0" dirty="0">
                 <a:solidFill>
                   <a:srgbClr val="D4D4D4"/>
                 </a:solidFill>
@@ -8174,7 +8204,7 @@
               <a:t> </a:t>
             </a:r>
             <a:r>
-              <a:rPr lang="en-GB" sz="1050" b="0" dirty="0" err="1">
+              <a:rPr lang="en-GB" sz="1200" b="0" dirty="0" err="1">
                 <a:solidFill>
                   <a:srgbClr val="9CDCFE"/>
                 </a:solidFill>
@@ -8184,7 +8214,7 @@
               <a:t>src</a:t>
             </a:r>
             <a:r>
-              <a:rPr lang="en-GB" sz="1050" b="0" dirty="0">
+              <a:rPr lang="en-GB" sz="1200" b="0" dirty="0">
                 <a:solidFill>
                   <a:srgbClr val="D4D4D4"/>
                 </a:solidFill>
@@ -8194,7 +8224,7 @@
               <a:t>=</a:t>
             </a:r>
             <a:r>
-              <a:rPr lang="en-GB" sz="1050" b="0" dirty="0">
+              <a:rPr lang="en-GB" sz="1200" b="0" dirty="0">
                 <a:solidFill>
                   <a:srgbClr val="CE9178"/>
                 </a:solidFill>
@@ -8204,7 +8234,7 @@
               <a:t>"https://cdn.jsdelivr.net/</a:t>
             </a:r>
             <a:r>
-              <a:rPr lang="en-GB" sz="1050" b="0" dirty="0" err="1">
+              <a:rPr lang="en-GB" sz="1200" b="0" dirty="0" err="1">
                 <a:solidFill>
                   <a:srgbClr val="CE9178"/>
                 </a:solidFill>
@@ -8214,7 +8244,7 @@
               <a:t>npm</a:t>
             </a:r>
             <a:r>
-              <a:rPr lang="en-GB" sz="1050" b="0" dirty="0">
+              <a:rPr lang="en-GB" sz="1200" b="0" dirty="0">
                 <a:solidFill>
                   <a:srgbClr val="CE9178"/>
                 </a:solidFill>
@@ -8224,7 +8254,7 @@
               <a:t>/vega@5"</a:t>
             </a:r>
             <a:r>
-              <a:rPr lang="en-GB" sz="1050" b="0" dirty="0">
+              <a:rPr lang="en-GB" sz="1200" b="0" dirty="0">
                 <a:solidFill>
                   <a:srgbClr val="808080"/>
                 </a:solidFill>
@@ -8234,7 +8264,7 @@
               <a:t>&gt;&lt;/</a:t>
             </a:r>
             <a:r>
-              <a:rPr lang="en-GB" sz="1050" b="0" dirty="0">
+              <a:rPr lang="en-GB" sz="1200" b="0" dirty="0">
                 <a:solidFill>
                   <a:srgbClr val="569CD6"/>
                 </a:solidFill>
@@ -8244,7 +8274,7 @@
               <a:t>script</a:t>
             </a:r>
             <a:r>
-              <a:rPr lang="en-GB" sz="1050" b="0" dirty="0">
+              <a:rPr lang="en-GB" sz="1200" b="0" dirty="0">
                 <a:solidFill>
                   <a:srgbClr val="808080"/>
                 </a:solidFill>
@@ -8253,7 +8283,7 @@
               </a:rPr>
               <a:t>&gt;</a:t>
             </a:r>
-            <a:endParaRPr lang="en-GB" sz="1050" b="0" dirty="0">
+            <a:endParaRPr lang="en-GB" sz="1200" b="0" dirty="0">
               <a:solidFill>
                 <a:srgbClr val="CCCCCC"/>
               </a:solidFill>
@@ -8263,7 +8293,7 @@
           </a:p>
           <a:p>
             <a:r>
-              <a:rPr lang="en-GB" sz="1050" b="0" dirty="0">
+              <a:rPr lang="en-GB" sz="1200" b="0" dirty="0">
                 <a:solidFill>
                   <a:srgbClr val="CCCCCC"/>
                 </a:solidFill>
@@ -8273,7 +8303,7 @@
               <a:t>    </a:t>
             </a:r>
             <a:r>
-              <a:rPr lang="en-GB" sz="1050" b="0" dirty="0">
+              <a:rPr lang="en-GB" sz="1200" b="0" dirty="0">
                 <a:solidFill>
                   <a:srgbClr val="808080"/>
                 </a:solidFill>
@@ -8283,7 +8313,7 @@
               <a:t>&lt;</a:t>
             </a:r>
             <a:r>
-              <a:rPr lang="en-GB" sz="1050" b="0" dirty="0">
+              <a:rPr lang="en-GB" sz="1200" b="0" dirty="0">
                 <a:solidFill>
                   <a:srgbClr val="569CD6"/>
                 </a:solidFill>
@@ -8293,7 +8323,7 @@
               <a:t>script</a:t>
             </a:r>
             <a:r>
-              <a:rPr lang="en-GB" sz="1050" b="0" dirty="0">
+              <a:rPr lang="en-GB" sz="1200" b="0" dirty="0">
                 <a:solidFill>
                   <a:srgbClr val="D4D4D4"/>
                 </a:solidFill>
@@ -8303,7 +8333,7 @@
               <a:t> </a:t>
             </a:r>
             <a:r>
-              <a:rPr lang="en-GB" sz="1050" b="0" dirty="0" err="1">
+              <a:rPr lang="en-GB" sz="1200" b="0" dirty="0" err="1">
                 <a:solidFill>
                   <a:srgbClr val="9CDCFE"/>
                 </a:solidFill>
@@ -8313,7 +8343,7 @@
               <a:t>src</a:t>
             </a:r>
             <a:r>
-              <a:rPr lang="en-GB" sz="1050" b="0" dirty="0">
+              <a:rPr lang="en-GB" sz="1200" b="0" dirty="0">
                 <a:solidFill>
                   <a:srgbClr val="D4D4D4"/>
                 </a:solidFill>
@@ -8323,7 +8353,7 @@
               <a:t>=</a:t>
             </a:r>
             <a:r>
-              <a:rPr lang="en-GB" sz="1050" b="0" dirty="0">
+              <a:rPr lang="en-GB" sz="1200" b="0" dirty="0">
                 <a:solidFill>
                   <a:srgbClr val="CE9178"/>
                 </a:solidFill>
@@ -8333,7 +8363,7 @@
               <a:t>"https://cdn.jsdelivr.net/</a:t>
             </a:r>
             <a:r>
-              <a:rPr lang="en-GB" sz="1050" b="0" dirty="0" err="1">
+              <a:rPr lang="en-GB" sz="1200" b="0" dirty="0" err="1">
                 <a:solidFill>
                   <a:srgbClr val="CE9178"/>
                 </a:solidFill>
@@ -8343,7 +8373,7 @@
               <a:t>npm</a:t>
             </a:r>
             <a:r>
-              <a:rPr lang="en-GB" sz="1050" b="0" dirty="0">
+              <a:rPr lang="en-GB" sz="1200" b="0" dirty="0">
                 <a:solidFill>
                   <a:srgbClr val="CE9178"/>
                 </a:solidFill>
@@ -8353,7 +8383,7 @@
               <a:t>/vega-lite@5"</a:t>
             </a:r>
             <a:r>
-              <a:rPr lang="en-GB" sz="1050" b="0" dirty="0">
+              <a:rPr lang="en-GB" sz="1200" b="0" dirty="0">
                 <a:solidFill>
                   <a:srgbClr val="808080"/>
                 </a:solidFill>
@@ -8363,7 +8393,7 @@
               <a:t>&gt;&lt;/</a:t>
             </a:r>
             <a:r>
-              <a:rPr lang="en-GB" sz="1050" b="0" dirty="0">
+              <a:rPr lang="en-GB" sz="1200" b="0" dirty="0">
                 <a:solidFill>
                   <a:srgbClr val="569CD6"/>
                 </a:solidFill>
@@ -8373,7 +8403,7 @@
               <a:t>script</a:t>
             </a:r>
             <a:r>
-              <a:rPr lang="en-GB" sz="1050" b="0" dirty="0">
+              <a:rPr lang="en-GB" sz="1200" b="0" dirty="0">
                 <a:solidFill>
                   <a:srgbClr val="808080"/>
                 </a:solidFill>
@@ -8382,7 +8412,7 @@
               </a:rPr>
               <a:t>&gt;</a:t>
             </a:r>
-            <a:endParaRPr lang="en-GB" sz="1050" b="0" dirty="0">
+            <a:endParaRPr lang="en-GB" sz="1200" b="0" dirty="0">
               <a:solidFill>
                 <a:srgbClr val="CCCCCC"/>
               </a:solidFill>
@@ -8392,7 +8422,7 @@
           </a:p>
           <a:p>
             <a:r>
-              <a:rPr lang="en-GB" sz="1050" b="0" dirty="0">
+              <a:rPr lang="en-GB" sz="1200" b="0" dirty="0">
                 <a:solidFill>
                   <a:srgbClr val="CCCCCC"/>
                 </a:solidFill>
@@ -8402,7 +8432,7 @@
               <a:t>    </a:t>
             </a:r>
             <a:r>
-              <a:rPr lang="en-GB" sz="1050" b="0" dirty="0">
+              <a:rPr lang="en-GB" sz="1200" b="0" dirty="0">
                 <a:solidFill>
                   <a:srgbClr val="808080"/>
                 </a:solidFill>
@@ -8412,7 +8442,7 @@
               <a:t>&lt;</a:t>
             </a:r>
             <a:r>
-              <a:rPr lang="en-GB" sz="1050" b="0" dirty="0">
+              <a:rPr lang="en-GB" sz="1200" b="0" dirty="0">
                 <a:solidFill>
                   <a:srgbClr val="569CD6"/>
                 </a:solidFill>
@@ -8422,7 +8452,7 @@
               <a:t>script</a:t>
             </a:r>
             <a:r>
-              <a:rPr lang="en-GB" sz="1050" b="0" dirty="0">
+              <a:rPr lang="en-GB" sz="1200" b="0" dirty="0">
                 <a:solidFill>
                   <a:srgbClr val="D4D4D4"/>
                 </a:solidFill>
@@ -8432,7 +8462,7 @@
               <a:t> </a:t>
             </a:r>
             <a:r>
-              <a:rPr lang="en-GB" sz="1050" b="0" dirty="0" err="1">
+              <a:rPr lang="en-GB" sz="1200" b="0" dirty="0" err="1">
                 <a:solidFill>
                   <a:srgbClr val="9CDCFE"/>
                 </a:solidFill>
@@ -8442,7 +8472,7 @@
               <a:t>src</a:t>
             </a:r>
             <a:r>
-              <a:rPr lang="en-GB" sz="1050" b="0" dirty="0">
+              <a:rPr lang="en-GB" sz="1200" b="0" dirty="0">
                 <a:solidFill>
                   <a:srgbClr val="D4D4D4"/>
                 </a:solidFill>
@@ -8452,7 +8482,7 @@
               <a:t>=</a:t>
             </a:r>
             <a:r>
-              <a:rPr lang="en-GB" sz="1050" b="0" dirty="0">
+              <a:rPr lang="en-GB" sz="1200" b="0" dirty="0">
                 <a:solidFill>
                   <a:srgbClr val="CE9178"/>
                 </a:solidFill>
@@ -8462,7 +8492,7 @@
               <a:t>"https://cdn.jsdelivr.net/</a:t>
             </a:r>
             <a:r>
-              <a:rPr lang="en-GB" sz="1050" b="0" dirty="0" err="1">
+              <a:rPr lang="en-GB" sz="1200" b="0" dirty="0" err="1">
                 <a:solidFill>
                   <a:srgbClr val="CE9178"/>
                 </a:solidFill>
@@ -8472,7 +8502,7 @@
               <a:t>npm</a:t>
             </a:r>
             <a:r>
-              <a:rPr lang="en-GB" sz="1050" b="0" dirty="0">
+              <a:rPr lang="en-GB" sz="1200" b="0" dirty="0">
                 <a:solidFill>
                   <a:srgbClr val="CE9178"/>
                 </a:solidFill>
@@ -8482,7 +8512,7 @@
               <a:t>/vega-embed@6"</a:t>
             </a:r>
             <a:r>
-              <a:rPr lang="en-GB" sz="1050" b="0" dirty="0">
+              <a:rPr lang="en-GB" sz="1200" b="0" dirty="0">
                 <a:solidFill>
                   <a:srgbClr val="808080"/>
                 </a:solidFill>
@@ -8492,7 +8522,7 @@
               <a:t>&gt;&lt;/</a:t>
             </a:r>
             <a:r>
-              <a:rPr lang="en-GB" sz="1050" b="0" dirty="0">
+              <a:rPr lang="en-GB" sz="1200" b="0" dirty="0">
                 <a:solidFill>
                   <a:srgbClr val="569CD6"/>
                 </a:solidFill>
@@ -8502,7 +8532,7 @@
               <a:t>script</a:t>
             </a:r>
             <a:r>
-              <a:rPr lang="en-GB" sz="1050" b="0" dirty="0">
+              <a:rPr lang="en-GB" sz="1200" b="0" dirty="0">
                 <a:solidFill>
                   <a:srgbClr val="808080"/>
                 </a:solidFill>
@@ -8511,7 +8541,7 @@
               </a:rPr>
               <a:t>&gt;</a:t>
             </a:r>
-            <a:endParaRPr lang="en-GB" sz="1050" b="0" dirty="0">
+            <a:endParaRPr lang="en-GB" sz="1200" b="0" dirty="0">
               <a:solidFill>
                 <a:srgbClr val="CCCCCC"/>
               </a:solidFill>
@@ -8521,7 +8551,7 @@
           </a:p>
           <a:p>
             <a:r>
-              <a:rPr lang="en-GB" sz="1050" b="0" dirty="0">
+              <a:rPr lang="en-GB" sz="1200" b="0" dirty="0">
                 <a:solidFill>
                   <a:srgbClr val="808080"/>
                 </a:solidFill>
@@ -8531,7 +8561,7 @@
               <a:t>&lt;/</a:t>
             </a:r>
             <a:r>
-              <a:rPr lang="en-GB" sz="1050" b="0" dirty="0">
+              <a:rPr lang="en-GB" sz="1200" b="0" dirty="0">
                 <a:solidFill>
                   <a:srgbClr val="569CD6"/>
                 </a:solidFill>
@@ -8541,7 +8571,7 @@
               <a:t>head</a:t>
             </a:r>
             <a:r>
-              <a:rPr lang="en-GB" sz="1050" b="0" dirty="0">
+              <a:rPr lang="en-GB" sz="1200" b="0" dirty="0">
                 <a:solidFill>
                   <a:srgbClr val="808080"/>
                 </a:solidFill>
@@ -8550,7 +8580,7 @@
               </a:rPr>
               <a:t>&gt;</a:t>
             </a:r>
-            <a:endParaRPr lang="en-GB" sz="1050" b="0" dirty="0">
+            <a:endParaRPr lang="en-GB" sz="1200" b="0" dirty="0">
               <a:solidFill>
                 <a:srgbClr val="CCCCCC"/>
               </a:solidFill>
@@ -8560,7 +8590,7 @@
           </a:p>
           <a:p>
             <a:br>
-              <a:rPr lang="en-GB" sz="1050" b="0" dirty="0">
+              <a:rPr lang="en-GB" sz="1200" b="0" dirty="0">
                 <a:solidFill>
                   <a:srgbClr val="CCCCCC"/>
                 </a:solidFill>
@@ -8569,7 +8599,7 @@
               </a:rPr>
             </a:br>
             <a:br>
-              <a:rPr lang="en-GB" sz="1050" b="0" dirty="0">
+              <a:rPr lang="en-GB" sz="1200" b="0" dirty="0">
                 <a:solidFill>
                   <a:srgbClr val="CCCCCC"/>
                 </a:solidFill>
@@ -8578,7 +8608,7 @@
               </a:rPr>
             </a:br>
             <a:r>
-              <a:rPr lang="en-GB" sz="1050" b="0" dirty="0">
+              <a:rPr lang="en-GB" sz="1200" b="0" dirty="0">
                 <a:solidFill>
                   <a:srgbClr val="808080"/>
                 </a:solidFill>
@@ -8588,7 +8618,7 @@
               <a:t>&lt;</a:t>
             </a:r>
             <a:r>
-              <a:rPr lang="en-GB" sz="1050" b="0" dirty="0">
+              <a:rPr lang="en-GB" sz="1200" b="0" dirty="0">
                 <a:solidFill>
                   <a:srgbClr val="569CD6"/>
                 </a:solidFill>
@@ -8598,7 +8628,7 @@
               <a:t>body</a:t>
             </a:r>
             <a:r>
-              <a:rPr lang="en-GB" sz="1050" b="0" dirty="0">
+              <a:rPr lang="en-GB" sz="1200" b="0" dirty="0">
                 <a:solidFill>
                   <a:srgbClr val="808080"/>
                 </a:solidFill>
@@ -8608,7 +8638,7 @@
               <a:t>&gt;</a:t>
             </a:r>
             <a:r>
-              <a:rPr lang="en-GB" sz="1050" b="0" dirty="0">
+              <a:rPr lang="en-GB" sz="1200" b="0" dirty="0">
                 <a:solidFill>
                   <a:srgbClr val="CCCCCC"/>
                 </a:solidFill>
@@ -8620,7 +8650,7 @@
           </a:p>
           <a:p>
             <a:r>
-              <a:rPr lang="en-GB" sz="1050" b="0" dirty="0">
+              <a:rPr lang="en-GB" sz="1200" b="0" dirty="0">
                 <a:solidFill>
                   <a:srgbClr val="CCCCCC"/>
                 </a:solidFill>
@@ -8630,7 +8660,7 @@
               <a:t>    </a:t>
             </a:r>
             <a:r>
-              <a:rPr lang="en-GB" sz="1050" b="0" dirty="0">
+              <a:rPr lang="en-GB" sz="1200" b="0" dirty="0">
                 <a:solidFill>
                   <a:srgbClr val="6A9955"/>
                 </a:solidFill>
@@ -8639,7 +8669,7 @@
               </a:rPr>
               <a:t>&lt;!-- Create a "figure" tag and give it the UNIQUE id of "Location1" --&gt;</a:t>
             </a:r>
-            <a:endParaRPr lang="en-GB" sz="1050" b="0" dirty="0">
+            <a:endParaRPr lang="en-GB" sz="1200" b="0" dirty="0">
               <a:solidFill>
                 <a:srgbClr val="CCCCCC"/>
               </a:solidFill>
@@ -8649,7 +8679,7 @@
           </a:p>
           <a:p>
             <a:r>
-              <a:rPr lang="en-GB" sz="1050" b="0" dirty="0">
+              <a:rPr lang="en-GB" sz="1200" b="0" dirty="0">
                 <a:solidFill>
                   <a:srgbClr val="CCCCCC"/>
                 </a:solidFill>
@@ -8659,7 +8689,7 @@
               <a:t>    </a:t>
             </a:r>
             <a:r>
-              <a:rPr lang="en-GB" sz="1050" b="0" dirty="0">
+              <a:rPr lang="en-GB" sz="1200" b="0" dirty="0">
                 <a:solidFill>
                   <a:srgbClr val="808080"/>
                 </a:solidFill>
@@ -8669,7 +8699,7 @@
               <a:t>&lt;</a:t>
             </a:r>
             <a:r>
-              <a:rPr lang="en-GB" sz="1050" b="0" dirty="0">
+              <a:rPr lang="en-GB" sz="1200" b="0" dirty="0">
                 <a:solidFill>
                   <a:srgbClr val="569CD6"/>
                 </a:solidFill>
@@ -8679,7 +8709,7 @@
               <a:t>figure</a:t>
             </a:r>
             <a:r>
-              <a:rPr lang="en-GB" sz="1050" b="0" dirty="0">
+              <a:rPr lang="en-GB" sz="1200" b="0" dirty="0">
                 <a:solidFill>
                   <a:srgbClr val="CCCCCC"/>
                 </a:solidFill>
@@ -8689,7 +8719,7 @@
               <a:t> </a:t>
             </a:r>
             <a:r>
-              <a:rPr lang="en-GB" sz="1050" b="0" dirty="0">
+              <a:rPr lang="en-GB" sz="1200" b="0" dirty="0">
                 <a:solidFill>
                   <a:srgbClr val="9CDCFE"/>
                 </a:solidFill>
@@ -8699,7 +8729,7 @@
               <a:t>id</a:t>
             </a:r>
             <a:r>
-              <a:rPr lang="en-GB" sz="1050" b="0" dirty="0">
+              <a:rPr lang="en-GB" sz="1200" b="0" dirty="0">
                 <a:solidFill>
                   <a:srgbClr val="CCCCCC"/>
                 </a:solidFill>
@@ -8709,7 +8739,7 @@
               <a:t>=</a:t>
             </a:r>
             <a:r>
-              <a:rPr lang="en-GB" sz="1050" b="0" dirty="0">
+              <a:rPr lang="en-GB" sz="1200" b="0" dirty="0">
                 <a:solidFill>
                   <a:srgbClr val="CE9178"/>
                 </a:solidFill>
@@ -8719,7 +8749,7 @@
               <a:t>"Location1"</a:t>
             </a:r>
             <a:r>
-              <a:rPr lang="en-GB" sz="1050" b="0" dirty="0">
+              <a:rPr lang="en-GB" sz="1200" b="0" dirty="0">
                 <a:solidFill>
                   <a:srgbClr val="808080"/>
                 </a:solidFill>
@@ -8729,7 +8759,7 @@
               <a:t>&gt;&lt;/</a:t>
             </a:r>
             <a:r>
-              <a:rPr lang="en-GB" sz="1050" b="0" dirty="0">
+              <a:rPr lang="en-GB" sz="1200" b="0" dirty="0">
                 <a:solidFill>
                   <a:srgbClr val="569CD6"/>
                 </a:solidFill>
@@ -8739,7 +8769,7 @@
               <a:t>figure</a:t>
             </a:r>
             <a:r>
-              <a:rPr lang="en-GB" sz="1050" b="0" dirty="0">
+              <a:rPr lang="en-GB" sz="1200" b="0" dirty="0">
                 <a:solidFill>
                   <a:srgbClr val="808080"/>
                 </a:solidFill>
@@ -8749,7 +8779,7 @@
               <a:t>&gt;</a:t>
             </a:r>
             <a:r>
-              <a:rPr lang="en-GB" sz="1050" b="0" dirty="0">
+              <a:rPr lang="en-GB" sz="1200" b="0" dirty="0">
                 <a:solidFill>
                   <a:srgbClr val="CCCCCC"/>
                 </a:solidFill>
@@ -8761,7 +8791,7 @@
           </a:p>
           <a:p>
             <a:r>
-              <a:rPr lang="en-GB" sz="1050" b="0" dirty="0">
+              <a:rPr lang="en-GB" sz="1200" b="0" dirty="0">
                 <a:solidFill>
                   <a:srgbClr val="808080"/>
                 </a:solidFill>
@@ -8771,7 +8801,7 @@
               <a:t>&lt;/</a:t>
             </a:r>
             <a:r>
-              <a:rPr lang="en-GB" sz="1050" b="0" dirty="0">
+              <a:rPr lang="en-GB" sz="1200" b="0" dirty="0">
                 <a:solidFill>
                   <a:srgbClr val="569CD6"/>
                 </a:solidFill>
@@ -8781,7 +8811,7 @@
               <a:t>body</a:t>
             </a:r>
             <a:r>
-              <a:rPr lang="en-GB" sz="1050" b="0" dirty="0">
+              <a:rPr lang="en-GB" sz="1200" b="0" dirty="0">
                 <a:solidFill>
                   <a:srgbClr val="808080"/>
                 </a:solidFill>
@@ -8790,7 +8820,7 @@
               </a:rPr>
               <a:t>&gt;</a:t>
             </a:r>
-            <a:endParaRPr lang="en-GB" sz="1050" b="0" dirty="0">
+            <a:endParaRPr lang="en-GB" sz="1200" b="0" dirty="0">
               <a:solidFill>
                 <a:srgbClr val="CCCCCC"/>
               </a:solidFill>
@@ -8799,16 +8829,7 @@
             </a:endParaRPr>
           </a:p>
           <a:p>
-            <a:br>
-              <a:rPr lang="en-GB" sz="1050" b="0" dirty="0">
-                <a:solidFill>
-                  <a:srgbClr val="CCCCCC"/>
-                </a:solidFill>
-                <a:effectLst/>
-                <a:latin typeface="Consolas" panose="020B0609020204030204" pitchFamily="49" charset="0"/>
-              </a:rPr>
-            </a:br>
-            <a:endParaRPr lang="en-GB" sz="1050" b="0" dirty="0">
+            <a:endParaRPr lang="en-GB" sz="1200" b="0" dirty="0">
               <a:solidFill>
                 <a:srgbClr val="CCCCCC"/>
               </a:solidFill>
@@ -8818,7 +8839,7 @@
           </a:p>
           <a:p>
             <a:br>
-              <a:rPr lang="en-GB" sz="1050" b="0" dirty="0">
+              <a:rPr lang="en-GB" sz="1200" b="0" dirty="0">
                 <a:solidFill>
                   <a:srgbClr val="CCCCCC"/>
                 </a:solidFill>
@@ -8827,7 +8848,7 @@
               </a:rPr>
             </a:br>
             <a:r>
-              <a:rPr lang="en-GB" sz="1050" b="0" dirty="0">
+              <a:rPr lang="en-GB" sz="1200" b="0" dirty="0">
                 <a:solidFill>
                   <a:srgbClr val="6A9955"/>
                 </a:solidFill>
@@ -8836,7 +8857,7 @@
               </a:rPr>
               <a:t>&lt;!-- Next we can use the tag script to tell the HTML file we are going to start writing in JavaScript --&gt;</a:t>
             </a:r>
-            <a:endParaRPr lang="en-GB" sz="1050" b="0" dirty="0">
+            <a:endParaRPr lang="en-GB" sz="1200" b="0" dirty="0">
               <a:solidFill>
                 <a:srgbClr val="CCCCCC"/>
               </a:solidFill>
@@ -8846,7 +8867,7 @@
           </a:p>
           <a:p>
             <a:r>
-              <a:rPr lang="en-GB" sz="1050" b="0" dirty="0">
+              <a:rPr lang="en-GB" sz="1200" b="0" dirty="0">
                 <a:solidFill>
                   <a:srgbClr val="808080"/>
                 </a:solidFill>
@@ -8856,7 +8877,7 @@
               <a:t>&lt;</a:t>
             </a:r>
             <a:r>
-              <a:rPr lang="en-GB" sz="1050" b="0" dirty="0">
+              <a:rPr lang="en-GB" sz="1200" b="0" dirty="0">
                 <a:solidFill>
                   <a:srgbClr val="569CD6"/>
                 </a:solidFill>
@@ -8866,7 +8887,7 @@
               <a:t>script</a:t>
             </a:r>
             <a:r>
-              <a:rPr lang="en-GB" sz="1050" b="0" dirty="0">
+              <a:rPr lang="en-GB" sz="1200" b="0" dirty="0">
                 <a:solidFill>
                   <a:srgbClr val="808080"/>
                 </a:solidFill>
@@ -8875,7 +8896,7 @@
               </a:rPr>
               <a:t>&gt;</a:t>
             </a:r>
-            <a:endParaRPr lang="en-GB" sz="1050" b="0" dirty="0">
+            <a:endParaRPr lang="en-GB" sz="1200" b="0" dirty="0">
               <a:solidFill>
                 <a:srgbClr val="CCCCCC"/>
               </a:solidFill>
@@ -8885,7 +8906,7 @@
           </a:p>
           <a:p>
             <a:r>
-              <a:rPr lang="en-GB" sz="1050" b="0" dirty="0">
+              <a:rPr lang="en-GB" sz="1200" b="0" dirty="0">
                 <a:solidFill>
                   <a:srgbClr val="D4D4D4"/>
                 </a:solidFill>
@@ -8895,7 +8916,7 @@
               <a:t>    </a:t>
             </a:r>
             <a:r>
-              <a:rPr lang="en-GB" sz="1050" b="0" dirty="0">
+              <a:rPr lang="en-GB" sz="1200" b="0" dirty="0">
                 <a:solidFill>
                   <a:srgbClr val="6A9955"/>
                 </a:solidFill>
@@ -8904,7 +8925,7 @@
               </a:rPr>
               <a:t>// Now we are in JavaScript, so comments start with //</a:t>
             </a:r>
-            <a:endParaRPr lang="en-GB" sz="1050" b="0" dirty="0">
+            <a:endParaRPr lang="en-GB" sz="1200" b="0" dirty="0">
               <a:solidFill>
                 <a:srgbClr val="CCCCCC"/>
               </a:solidFill>
@@ -8914,7 +8935,7 @@
           </a:p>
           <a:p>
             <a:br>
-              <a:rPr lang="en-GB" sz="1050" b="0" dirty="0">
+              <a:rPr lang="en-GB" sz="1200" b="0" dirty="0">
                 <a:solidFill>
                   <a:srgbClr val="CCCCCC"/>
                 </a:solidFill>
@@ -8923,7 +8944,7 @@
               </a:rPr>
             </a:br>
             <a:r>
-              <a:rPr lang="en-GB" sz="1050" b="0" dirty="0">
+              <a:rPr lang="en-GB" sz="1200" b="0" dirty="0">
                 <a:solidFill>
                   <a:srgbClr val="D4D4D4"/>
                 </a:solidFill>
@@ -8933,7 +8954,7 @@
               <a:t>    </a:t>
             </a:r>
             <a:r>
-              <a:rPr lang="en-GB" sz="1050" b="0" dirty="0">
+              <a:rPr lang="en-GB" sz="1200" b="0" dirty="0">
                 <a:solidFill>
                   <a:srgbClr val="6A9955"/>
                 </a:solidFill>
@@ -8942,7 +8963,7 @@
               </a:rPr>
               <a:t>// Declaring a variable, giving it the name chart1_spec, and storing the JSON that defines a chart in it.</a:t>
             </a:r>
-            <a:endParaRPr lang="en-GB" sz="1050" b="0" dirty="0">
+            <a:endParaRPr lang="en-GB" sz="1200" b="0" dirty="0">
               <a:solidFill>
                 <a:srgbClr val="CCCCCC"/>
               </a:solidFill>
@@ -8952,7 +8973,7 @@
           </a:p>
           <a:p>
             <a:r>
-              <a:rPr lang="en-GB" sz="1050" b="0" dirty="0">
+              <a:rPr lang="en-GB" sz="1200" b="0" dirty="0">
                 <a:solidFill>
                   <a:srgbClr val="D4D4D4"/>
                 </a:solidFill>
@@ -8962,7 +8983,7 @@
               <a:t>    </a:t>
             </a:r>
             <a:r>
-              <a:rPr lang="en-GB" sz="1050" b="0" dirty="0">
+              <a:rPr lang="en-GB" sz="1200" b="0" dirty="0">
                 <a:solidFill>
                   <a:srgbClr val="569CD6"/>
                 </a:solidFill>
@@ -8972,7 +8993,7 @@
               <a:t>var</a:t>
             </a:r>
             <a:r>
-              <a:rPr lang="en-GB" sz="1050" b="0" dirty="0">
+              <a:rPr lang="en-GB" sz="1200" b="0" dirty="0">
                 <a:solidFill>
                   <a:srgbClr val="D4D4D4"/>
                 </a:solidFill>
@@ -8982,7 +9003,7 @@
               <a:t> </a:t>
             </a:r>
             <a:r>
-              <a:rPr lang="en-GB" sz="1050" b="0" dirty="0">
+              <a:rPr lang="en-GB" sz="1200" b="0" dirty="0">
                 <a:solidFill>
                   <a:srgbClr val="9CDCFE"/>
                 </a:solidFill>
@@ -8992,7 +9013,7 @@
               <a:t>chart1_spec</a:t>
             </a:r>
             <a:r>
-              <a:rPr lang="en-GB" sz="1050" b="0" dirty="0">
+              <a:rPr lang="en-GB" sz="1200" b="0" dirty="0">
                 <a:solidFill>
                   <a:srgbClr val="D4D4D4"/>
                 </a:solidFill>
@@ -9002,7 +9023,7 @@
               <a:t> = </a:t>
             </a:r>
             <a:r>
-              <a:rPr lang="en-GB" sz="1050" b="0" dirty="0">
+              <a:rPr lang="en-GB" sz="1200" b="0" dirty="0">
                 <a:solidFill>
                   <a:srgbClr val="CE9178"/>
                 </a:solidFill>
@@ -9012,7 +9033,7 @@
               <a:t>"s2_chart1.json"</a:t>
             </a:r>
             <a:r>
-              <a:rPr lang="en-GB" sz="1050" b="0" dirty="0">
+              <a:rPr lang="en-GB" sz="1200" b="0" dirty="0">
                 <a:solidFill>
                   <a:srgbClr val="D4D4D4"/>
                 </a:solidFill>
@@ -9021,7 +9042,7 @@
               </a:rPr>
               <a:t>; </a:t>
             </a:r>
-            <a:endParaRPr lang="en-GB" sz="1050" b="0" dirty="0">
+            <a:endParaRPr lang="en-GB" sz="1200" b="0" dirty="0">
               <a:solidFill>
                 <a:srgbClr val="CCCCCC"/>
               </a:solidFill>
@@ -9031,7 +9052,7 @@
           </a:p>
           <a:p>
             <a:br>
-              <a:rPr lang="en-GB" sz="1050" b="0" dirty="0">
+              <a:rPr lang="en-GB" sz="1200" b="0" dirty="0">
                 <a:solidFill>
                   <a:srgbClr val="CCCCCC"/>
                 </a:solidFill>
@@ -9040,7 +9061,7 @@
               </a:rPr>
             </a:br>
             <a:r>
-              <a:rPr lang="en-GB" sz="1050" b="0" dirty="0">
+              <a:rPr lang="en-GB" sz="1200" b="0" dirty="0">
                 <a:solidFill>
                   <a:srgbClr val="D4D4D4"/>
                 </a:solidFill>
@@ -9050,7 +9071,7 @@
               <a:t>    </a:t>
             </a:r>
             <a:r>
-              <a:rPr lang="en-GB" sz="1050" b="0" dirty="0">
+              <a:rPr lang="en-GB" sz="1200" b="0" dirty="0">
                 <a:solidFill>
                   <a:srgbClr val="6A9955"/>
                 </a:solidFill>
@@ -9060,7 +9081,7 @@
               <a:t>// The </a:t>
             </a:r>
             <a:r>
-              <a:rPr lang="en-GB" sz="1050" b="0" dirty="0" err="1">
+              <a:rPr lang="en-GB" sz="1200" b="0" dirty="0" err="1">
                 <a:solidFill>
                   <a:srgbClr val="6A9955"/>
                 </a:solidFill>
@@ -9070,7 +9091,7 @@
               <a:t>vega</a:t>
             </a:r>
             <a:r>
-              <a:rPr lang="en-GB" sz="1050" dirty="0" err="1">
+              <a:rPr lang="en-GB" sz="1200" dirty="0" err="1">
                 <a:solidFill>
                   <a:srgbClr val="6A9955"/>
                 </a:solidFill>
@@ -9079,7 +9100,7 @@
               <a:t>E</a:t>
             </a:r>
             <a:r>
-              <a:rPr lang="en-GB" sz="1050" b="0" dirty="0" err="1">
+              <a:rPr lang="en-GB" sz="1200" b="0" dirty="0" err="1">
                 <a:solidFill>
                   <a:srgbClr val="6A9955"/>
                 </a:solidFill>
@@ -9089,7 +9110,7 @@
               <a:t>mbed</a:t>
             </a:r>
             <a:r>
-              <a:rPr lang="en-GB" sz="1050" b="0" dirty="0">
+              <a:rPr lang="en-GB" sz="1200" b="0" dirty="0">
                 <a:solidFill>
                   <a:srgbClr val="6A9955"/>
                 </a:solidFill>
@@ -9098,7 +9119,7 @@
               </a:rPr>
               <a:t> function needs to know (a) what, and (b) where to embed the chart.     </a:t>
             </a:r>
-            <a:endParaRPr lang="en-GB" sz="1050" b="0" dirty="0">
+            <a:endParaRPr lang="en-GB" sz="1200" b="0" dirty="0">
               <a:solidFill>
                 <a:srgbClr val="CCCCCC"/>
               </a:solidFill>
@@ -9108,7 +9129,7 @@
           </a:p>
           <a:p>
             <a:r>
-              <a:rPr lang="en-GB" sz="1050" b="0" dirty="0">
+              <a:rPr lang="en-GB" sz="1200" b="0" dirty="0">
                 <a:solidFill>
                   <a:srgbClr val="D4D4D4"/>
                 </a:solidFill>
@@ -9118,7 +9139,7 @@
               <a:t>    </a:t>
             </a:r>
             <a:r>
-              <a:rPr lang="en-GB" sz="1050" b="0" dirty="0" err="1">
+              <a:rPr lang="en-GB" sz="1200" b="0" dirty="0" err="1">
                 <a:solidFill>
                   <a:srgbClr val="DCDCAA"/>
                 </a:solidFill>
@@ -9128,7 +9149,7 @@
               <a:t>vegaEmbed</a:t>
             </a:r>
             <a:r>
-              <a:rPr lang="en-GB" sz="1050" b="0" dirty="0">
+              <a:rPr lang="en-GB" sz="1200" b="0" dirty="0">
                 <a:solidFill>
                   <a:srgbClr val="D4D4D4"/>
                 </a:solidFill>
@@ -9138,7 +9159,7 @@
               <a:t>(</a:t>
             </a:r>
             <a:r>
-              <a:rPr lang="en-GB" sz="1050" b="0" dirty="0">
+              <a:rPr lang="en-GB" sz="1200" b="0" dirty="0">
                 <a:solidFill>
                   <a:srgbClr val="CE9178"/>
                 </a:solidFill>
@@ -9148,7 +9169,7 @@
               <a:t>'#Location1'</a:t>
             </a:r>
             <a:r>
-              <a:rPr lang="en-GB" sz="1050" b="0" dirty="0">
+              <a:rPr lang="en-GB" sz="1200" b="0" dirty="0">
                 <a:solidFill>
                   <a:srgbClr val="D4D4D4"/>
                 </a:solidFill>
@@ -9158,7 +9179,7 @@
               <a:t>, </a:t>
             </a:r>
             <a:r>
-              <a:rPr lang="en-GB" sz="1050" b="0" dirty="0">
+              <a:rPr lang="en-GB" sz="1200" b="0" dirty="0">
                 <a:solidFill>
                   <a:srgbClr val="9CDCFE"/>
                 </a:solidFill>
@@ -9168,7 +9189,7 @@
               <a:t>chart1_spec</a:t>
             </a:r>
             <a:r>
-              <a:rPr lang="en-GB" sz="1050" b="0" dirty="0">
+              <a:rPr lang="en-GB" sz="1200" b="0" dirty="0">
                 <a:solidFill>
                   <a:srgbClr val="D4D4D4"/>
                 </a:solidFill>
@@ -9177,7 +9198,7 @@
               </a:rPr>
               <a:t>) </a:t>
             </a:r>
-            <a:endParaRPr lang="en-GB" sz="1050" b="0" dirty="0">
+            <a:endParaRPr lang="en-GB" sz="1200" b="0" dirty="0">
               <a:solidFill>
                 <a:srgbClr val="CCCCCC"/>
               </a:solidFill>
@@ -9187,7 +9208,7 @@
           </a:p>
           <a:p>
             <a:r>
-              <a:rPr lang="en-GB" sz="1050" b="0" dirty="0">
+              <a:rPr lang="en-GB" sz="1200" b="0" dirty="0">
                 <a:solidFill>
                   <a:srgbClr val="808080"/>
                 </a:solidFill>
@@ -9197,7 +9218,7 @@
               <a:t>&lt;/</a:t>
             </a:r>
             <a:r>
-              <a:rPr lang="en-GB" sz="1050" b="0" dirty="0">
+              <a:rPr lang="en-GB" sz="1200" b="0" dirty="0">
                 <a:solidFill>
                   <a:srgbClr val="569CD6"/>
                 </a:solidFill>
@@ -9207,7 +9228,7 @@
               <a:t>script</a:t>
             </a:r>
             <a:r>
-              <a:rPr lang="en-GB" sz="1050" b="0" dirty="0">
+              <a:rPr lang="en-GB" sz="1200" b="0" dirty="0">
                 <a:solidFill>
                   <a:srgbClr val="808080"/>
                 </a:solidFill>
@@ -9216,7 +9237,7 @@
               </a:rPr>
               <a:t>&gt;</a:t>
             </a:r>
-            <a:endParaRPr lang="en-GB" sz="1050" b="0" dirty="0">
+            <a:endParaRPr lang="en-GB" sz="1200" b="0" dirty="0">
               <a:solidFill>
                 <a:srgbClr val="CCCCCC"/>
               </a:solidFill>
@@ -9226,7 +9247,7 @@
           </a:p>
           <a:p>
             <a:r>
-              <a:rPr lang="en-GB" sz="1050" b="0" dirty="0">
+              <a:rPr lang="en-GB" sz="1200" b="0" dirty="0">
                 <a:solidFill>
                   <a:srgbClr val="CCCCCC"/>
                 </a:solidFill>
@@ -9238,7 +9259,7 @@
           </a:p>
           <a:p>
             <a:r>
-              <a:rPr lang="en-GB" sz="1050" b="0" dirty="0">
+              <a:rPr lang="en-GB" sz="1200" b="0" dirty="0">
                 <a:solidFill>
                   <a:srgbClr val="808080"/>
                 </a:solidFill>
@@ -9248,7 +9269,7 @@
               <a:t>&lt;/</a:t>
             </a:r>
             <a:r>
-              <a:rPr lang="en-GB" sz="1050" b="0" dirty="0">
+              <a:rPr lang="en-GB" sz="1200" b="0" dirty="0">
                 <a:solidFill>
                   <a:srgbClr val="569CD6"/>
                 </a:solidFill>
@@ -9258,7 +9279,7 @@
               <a:t>html</a:t>
             </a:r>
             <a:r>
-              <a:rPr lang="en-GB" sz="1050" b="0" dirty="0">
+              <a:rPr lang="en-GB" sz="1200" b="0" dirty="0">
                 <a:solidFill>
                   <a:srgbClr val="808080"/>
                 </a:solidFill>
@@ -9267,7 +9288,7 @@
               </a:rPr>
               <a:t>&gt;</a:t>
             </a:r>
-            <a:endParaRPr lang="en-GB" sz="1050" b="0" dirty="0">
+            <a:endParaRPr lang="en-GB" sz="1200" b="0" dirty="0">
               <a:solidFill>
                 <a:srgbClr val="CCCCCC"/>
               </a:solidFill>
@@ -9291,6 +9312,1595 @@
 </file>
 
 <file path=ppt/slides/slide14.xml><?xml version="1.0" encoding="utf-8"?>
+<p:sld xmlns:a="http://schemas.openxmlformats.org/drawingml/2006/main" xmlns:r="http://schemas.openxmlformats.org/officeDocument/2006/relationships" xmlns:p="http://schemas.openxmlformats.org/presentationml/2006/main">
+  <p:cSld>
+    <p:bg>
+      <p:bgPr>
+        <a:solidFill>
+          <a:srgbClr val="122B39"/>
+        </a:solidFill>
+        <a:effectLst/>
+      </p:bgPr>
+    </p:bg>
+    <p:spTree>
+      <p:nvGrpSpPr>
+        <p:cNvPr id="1" name="">
+          <a:extLst>
+            <a:ext uri="{FF2B5EF4-FFF2-40B4-BE49-F238E27FC236}">
+              <a16:creationId xmlns:a16="http://schemas.microsoft.com/office/drawing/2014/main" id="{49062250-97FA-98E9-7221-B61A8A28B1E8}"/>
+            </a:ext>
+          </a:extLst>
+        </p:cNvPr>
+        <p:cNvGrpSpPr/>
+        <p:nvPr/>
+      </p:nvGrpSpPr>
+      <p:grpSpPr>
+        <a:xfrm>
+          <a:off x="0" y="0"/>
+          <a:ext cx="0" cy="0"/>
+          <a:chOff x="0" y="0"/>
+          <a:chExt cx="0" cy="0"/>
+        </a:xfrm>
+      </p:grpSpPr>
+      <p:sp>
+        <p:nvSpPr>
+          <p:cNvPr id="2" name="Title 1">
+            <a:extLst>
+              <a:ext uri="{FF2B5EF4-FFF2-40B4-BE49-F238E27FC236}">
+                <a16:creationId xmlns:a16="http://schemas.microsoft.com/office/drawing/2014/main" id="{D4E57936-C509-E2BB-4ABA-B1516EFC5D9B}"/>
+              </a:ext>
+            </a:extLst>
+          </p:cNvPr>
+          <p:cNvSpPr>
+            <a:spLocks noGrp="1"/>
+          </p:cNvSpPr>
+          <p:nvPr>
+            <p:ph type="title"/>
+          </p:nvPr>
+        </p:nvSpPr>
+        <p:spPr>
+          <a:xfrm>
+            <a:off x="584127" y="340080"/>
+            <a:ext cx="5793137" cy="496977"/>
+          </a:xfrm>
+          <a:solidFill>
+            <a:srgbClr val="122B39"/>
+          </a:solidFill>
+        </p:spPr>
+        <p:txBody>
+          <a:bodyPr>
+            <a:normAutofit fontScale="90000"/>
+          </a:bodyPr>
+          <a:lstStyle/>
+          <a:p>
+            <a:r>
+              <a:rPr lang="en-GB" dirty="0">
+                <a:solidFill>
+                  <a:schemeClr val="bg1"/>
+                </a:solidFill>
+                <a:latin typeface="Circular Std Book" panose="020B0604020101020102" pitchFamily="34" charset="0"/>
+                <a:cs typeface="Circular Std Book" panose="020B0604020101020102" pitchFamily="34" charset="0"/>
+              </a:rPr>
+              <a:t>JavaScript example</a:t>
+            </a:r>
+            <a:r>
+              <a:rPr lang="en-GB" dirty="0">
+                <a:solidFill>
+                  <a:srgbClr val="F4C245"/>
+                </a:solidFill>
+                <a:latin typeface="Circular Std Book" panose="020B0604020101020102" pitchFamily="34" charset="0"/>
+                <a:cs typeface="Circular Std Book" panose="020B0604020101020102" pitchFamily="34" charset="0"/>
+              </a:rPr>
+              <a:t>.</a:t>
+            </a:r>
+          </a:p>
+        </p:txBody>
+      </p:sp>
+      <p:sp>
+        <p:nvSpPr>
+          <p:cNvPr id="7" name="TextBox 6">
+            <a:extLst>
+              <a:ext uri="{FF2B5EF4-FFF2-40B4-BE49-F238E27FC236}">
+                <a16:creationId xmlns:a16="http://schemas.microsoft.com/office/drawing/2014/main" id="{0936E8EB-1E53-FC74-83A0-B01D6618557C}"/>
+              </a:ext>
+            </a:extLst>
+          </p:cNvPr>
+          <p:cNvSpPr txBox="1"/>
+          <p:nvPr/>
+        </p:nvSpPr>
+        <p:spPr>
+          <a:xfrm>
+            <a:off x="421105" y="1093555"/>
+            <a:ext cx="11573606" cy="5816977"/>
+          </a:xfrm>
+          <a:prstGeom prst="rect">
+            <a:avLst/>
+          </a:prstGeom>
+          <a:noFill/>
+        </p:spPr>
+        <p:txBody>
+          <a:bodyPr wrap="square">
+            <a:spAutoFit/>
+          </a:bodyPr>
+          <a:lstStyle/>
+          <a:p>
+            <a:r>
+              <a:rPr lang="en-GB" sz="1200" b="0" dirty="0">
+                <a:solidFill>
+                  <a:srgbClr val="808080"/>
+                </a:solidFill>
+                <a:effectLst/>
+                <a:latin typeface="Consolas" panose="020B0609020204030204" pitchFamily="49" charset="0"/>
+              </a:rPr>
+              <a:t>&lt;!</a:t>
+            </a:r>
+            <a:r>
+              <a:rPr lang="en-GB" sz="1200" b="0" dirty="0">
+                <a:solidFill>
+                  <a:srgbClr val="569CD6"/>
+                </a:solidFill>
+                <a:effectLst/>
+                <a:latin typeface="Consolas" panose="020B0609020204030204" pitchFamily="49" charset="0"/>
+              </a:rPr>
+              <a:t>DOCTYPE</a:t>
+            </a:r>
+            <a:r>
+              <a:rPr lang="en-GB" sz="1200" b="0" dirty="0">
+                <a:solidFill>
+                  <a:srgbClr val="CCCCCC"/>
+                </a:solidFill>
+                <a:effectLst/>
+                <a:latin typeface="Consolas" panose="020B0609020204030204" pitchFamily="49" charset="0"/>
+              </a:rPr>
+              <a:t> </a:t>
+            </a:r>
+            <a:r>
+              <a:rPr lang="en-GB" sz="1200" b="0" dirty="0">
+                <a:solidFill>
+                  <a:srgbClr val="9CDCFE"/>
+                </a:solidFill>
+                <a:effectLst/>
+                <a:latin typeface="Consolas" panose="020B0609020204030204" pitchFamily="49" charset="0"/>
+              </a:rPr>
+              <a:t>html</a:t>
+            </a:r>
+            <a:r>
+              <a:rPr lang="en-GB" sz="1200" b="0" dirty="0">
+                <a:solidFill>
+                  <a:srgbClr val="808080"/>
+                </a:solidFill>
+                <a:effectLst/>
+                <a:latin typeface="Consolas" panose="020B0609020204030204" pitchFamily="49" charset="0"/>
+              </a:rPr>
+              <a:t>&gt;</a:t>
+            </a:r>
+            <a:endParaRPr lang="en-GB" sz="1200" b="0" dirty="0">
+              <a:solidFill>
+                <a:srgbClr val="CCCCCC"/>
+              </a:solidFill>
+              <a:effectLst/>
+              <a:latin typeface="Consolas" panose="020B0609020204030204" pitchFamily="49" charset="0"/>
+            </a:endParaRPr>
+          </a:p>
+          <a:p>
+            <a:r>
+              <a:rPr lang="en-GB" sz="1200" b="0" dirty="0">
+                <a:solidFill>
+                  <a:srgbClr val="808080"/>
+                </a:solidFill>
+                <a:effectLst/>
+                <a:latin typeface="Consolas" panose="020B0609020204030204" pitchFamily="49" charset="0"/>
+              </a:rPr>
+              <a:t>&lt;</a:t>
+            </a:r>
+            <a:r>
+              <a:rPr lang="en-GB" sz="1200" b="0" dirty="0">
+                <a:solidFill>
+                  <a:srgbClr val="569CD6"/>
+                </a:solidFill>
+                <a:effectLst/>
+                <a:latin typeface="Consolas" panose="020B0609020204030204" pitchFamily="49" charset="0"/>
+              </a:rPr>
+              <a:t>html</a:t>
+            </a:r>
+            <a:r>
+              <a:rPr lang="en-GB" sz="1200" b="0" dirty="0">
+                <a:solidFill>
+                  <a:srgbClr val="808080"/>
+                </a:solidFill>
+                <a:effectLst/>
+                <a:latin typeface="Consolas" panose="020B0609020204030204" pitchFamily="49" charset="0"/>
+              </a:rPr>
+              <a:t>&gt;</a:t>
+            </a:r>
+            <a:r>
+              <a:rPr lang="en-GB" sz="1200" b="0" dirty="0">
+                <a:solidFill>
+                  <a:srgbClr val="CCCCCC"/>
+                </a:solidFill>
+                <a:effectLst/>
+                <a:latin typeface="Consolas" panose="020B0609020204030204" pitchFamily="49" charset="0"/>
+              </a:rPr>
+              <a:t> </a:t>
+            </a:r>
+          </a:p>
+          <a:p>
+            <a:br>
+              <a:rPr lang="en-GB" sz="1200" b="0" dirty="0">
+                <a:solidFill>
+                  <a:srgbClr val="CCCCCC"/>
+                </a:solidFill>
+                <a:effectLst/>
+                <a:latin typeface="Consolas" panose="020B0609020204030204" pitchFamily="49" charset="0"/>
+              </a:rPr>
+            </a:br>
+            <a:br>
+              <a:rPr lang="en-GB" sz="1200" b="0" dirty="0">
+                <a:solidFill>
+                  <a:srgbClr val="CCCCCC"/>
+                </a:solidFill>
+                <a:effectLst/>
+                <a:latin typeface="Consolas" panose="020B0609020204030204" pitchFamily="49" charset="0"/>
+              </a:rPr>
+            </a:br>
+            <a:r>
+              <a:rPr lang="en-GB" sz="1200" b="0" dirty="0">
+                <a:solidFill>
+                  <a:srgbClr val="808080"/>
+                </a:solidFill>
+                <a:effectLst/>
+                <a:latin typeface="Consolas" panose="020B0609020204030204" pitchFamily="49" charset="0"/>
+              </a:rPr>
+              <a:t>&lt;</a:t>
+            </a:r>
+            <a:r>
+              <a:rPr lang="en-GB" sz="1200" b="0" dirty="0">
+                <a:solidFill>
+                  <a:srgbClr val="569CD6"/>
+                </a:solidFill>
+                <a:effectLst/>
+                <a:latin typeface="Consolas" panose="020B0609020204030204" pitchFamily="49" charset="0"/>
+              </a:rPr>
+              <a:t>head</a:t>
+            </a:r>
+            <a:r>
+              <a:rPr lang="en-GB" sz="1200" b="0" dirty="0">
+                <a:solidFill>
+                  <a:srgbClr val="808080"/>
+                </a:solidFill>
+                <a:effectLst/>
+                <a:latin typeface="Consolas" panose="020B0609020204030204" pitchFamily="49" charset="0"/>
+              </a:rPr>
+              <a:t>&gt;</a:t>
+            </a:r>
+            <a:r>
+              <a:rPr lang="en-GB" sz="1200" b="0" dirty="0">
+                <a:solidFill>
+                  <a:srgbClr val="CCCCCC"/>
+                </a:solidFill>
+                <a:effectLst/>
+                <a:latin typeface="Consolas" panose="020B0609020204030204" pitchFamily="49" charset="0"/>
+              </a:rPr>
+              <a:t>    </a:t>
+            </a:r>
+          </a:p>
+          <a:p>
+            <a:r>
+              <a:rPr lang="en-GB" sz="1200" b="0" dirty="0">
+                <a:solidFill>
+                  <a:srgbClr val="CCCCCC"/>
+                </a:solidFill>
+                <a:effectLst/>
+                <a:latin typeface="Consolas" panose="020B0609020204030204" pitchFamily="49" charset="0"/>
+              </a:rPr>
+              <a:t>    </a:t>
+            </a:r>
+            <a:r>
+              <a:rPr lang="en-GB" sz="1200" b="0" dirty="0">
+                <a:solidFill>
+                  <a:srgbClr val="6A9955"/>
+                </a:solidFill>
+                <a:effectLst/>
+                <a:latin typeface="Consolas" panose="020B0609020204030204" pitchFamily="49" charset="0"/>
+              </a:rPr>
+              <a:t>&lt;!-- JS can be used to load external resources. Here we load Vega Lite library including its “embed” function--&gt;</a:t>
+            </a:r>
+            <a:endParaRPr lang="en-GB" sz="1200" b="0" dirty="0">
+              <a:solidFill>
+                <a:srgbClr val="CCCCCC"/>
+              </a:solidFill>
+              <a:effectLst/>
+              <a:latin typeface="Consolas" panose="020B0609020204030204" pitchFamily="49" charset="0"/>
+            </a:endParaRPr>
+          </a:p>
+          <a:p>
+            <a:r>
+              <a:rPr lang="en-GB" sz="1200" b="0" dirty="0">
+                <a:solidFill>
+                  <a:srgbClr val="CCCCCC"/>
+                </a:solidFill>
+                <a:effectLst/>
+                <a:latin typeface="Consolas" panose="020B0609020204030204" pitchFamily="49" charset="0"/>
+              </a:rPr>
+              <a:t>    </a:t>
+            </a:r>
+            <a:r>
+              <a:rPr lang="en-GB" sz="1200" b="0" dirty="0">
+                <a:solidFill>
+                  <a:srgbClr val="808080"/>
+                </a:solidFill>
+                <a:effectLst/>
+                <a:highlight>
+                  <a:srgbClr val="FFFF00"/>
+                </a:highlight>
+                <a:latin typeface="Consolas" panose="020B0609020204030204" pitchFamily="49" charset="0"/>
+              </a:rPr>
+              <a:t>&lt;</a:t>
+            </a:r>
+            <a:r>
+              <a:rPr lang="en-GB" sz="1200" b="0" dirty="0">
+                <a:solidFill>
+                  <a:srgbClr val="569CD6"/>
+                </a:solidFill>
+                <a:effectLst/>
+                <a:highlight>
+                  <a:srgbClr val="FFFF00"/>
+                </a:highlight>
+                <a:latin typeface="Consolas" panose="020B0609020204030204" pitchFamily="49" charset="0"/>
+              </a:rPr>
+              <a:t>script</a:t>
+            </a:r>
+            <a:r>
+              <a:rPr lang="en-GB" sz="1200" b="0" dirty="0">
+                <a:solidFill>
+                  <a:srgbClr val="D4D4D4"/>
+                </a:solidFill>
+                <a:effectLst/>
+                <a:highlight>
+                  <a:srgbClr val="FFFF00"/>
+                </a:highlight>
+                <a:latin typeface="Consolas" panose="020B0609020204030204" pitchFamily="49" charset="0"/>
+              </a:rPr>
+              <a:t> </a:t>
+            </a:r>
+            <a:r>
+              <a:rPr lang="en-GB" sz="1200" b="0" dirty="0" err="1">
+                <a:solidFill>
+                  <a:srgbClr val="9CDCFE"/>
+                </a:solidFill>
+                <a:effectLst/>
+                <a:highlight>
+                  <a:srgbClr val="FFFF00"/>
+                </a:highlight>
+                <a:latin typeface="Consolas" panose="020B0609020204030204" pitchFamily="49" charset="0"/>
+              </a:rPr>
+              <a:t>src</a:t>
+            </a:r>
+            <a:r>
+              <a:rPr lang="en-GB" sz="1200" b="0" dirty="0">
+                <a:solidFill>
+                  <a:srgbClr val="D4D4D4"/>
+                </a:solidFill>
+                <a:effectLst/>
+                <a:highlight>
+                  <a:srgbClr val="FFFF00"/>
+                </a:highlight>
+                <a:latin typeface="Consolas" panose="020B0609020204030204" pitchFamily="49" charset="0"/>
+              </a:rPr>
+              <a:t>=</a:t>
+            </a:r>
+            <a:r>
+              <a:rPr lang="en-GB" sz="1200" b="0" dirty="0">
+                <a:solidFill>
+                  <a:srgbClr val="CE9178"/>
+                </a:solidFill>
+                <a:effectLst/>
+                <a:highlight>
+                  <a:srgbClr val="FFFF00"/>
+                </a:highlight>
+                <a:latin typeface="Consolas" panose="020B0609020204030204" pitchFamily="49" charset="0"/>
+              </a:rPr>
+              <a:t>"https://cdn.jsdelivr.net/</a:t>
+            </a:r>
+            <a:r>
+              <a:rPr lang="en-GB" sz="1200" b="0" dirty="0" err="1">
+                <a:solidFill>
+                  <a:srgbClr val="CE9178"/>
+                </a:solidFill>
+                <a:effectLst/>
+                <a:highlight>
+                  <a:srgbClr val="FFFF00"/>
+                </a:highlight>
+                <a:latin typeface="Consolas" panose="020B0609020204030204" pitchFamily="49" charset="0"/>
+              </a:rPr>
+              <a:t>npm</a:t>
+            </a:r>
+            <a:r>
+              <a:rPr lang="en-GB" sz="1200" b="0" dirty="0">
+                <a:solidFill>
+                  <a:srgbClr val="CE9178"/>
+                </a:solidFill>
+                <a:effectLst/>
+                <a:highlight>
+                  <a:srgbClr val="FFFF00"/>
+                </a:highlight>
+                <a:latin typeface="Consolas" panose="020B0609020204030204" pitchFamily="49" charset="0"/>
+              </a:rPr>
+              <a:t>/vega@5"</a:t>
+            </a:r>
+            <a:r>
+              <a:rPr lang="en-GB" sz="1200" b="0" dirty="0">
+                <a:solidFill>
+                  <a:srgbClr val="808080"/>
+                </a:solidFill>
+                <a:effectLst/>
+                <a:highlight>
+                  <a:srgbClr val="FFFF00"/>
+                </a:highlight>
+                <a:latin typeface="Consolas" panose="020B0609020204030204" pitchFamily="49" charset="0"/>
+              </a:rPr>
+              <a:t>&gt;&lt;/</a:t>
+            </a:r>
+            <a:r>
+              <a:rPr lang="en-GB" sz="1200" b="0" dirty="0">
+                <a:solidFill>
+                  <a:srgbClr val="569CD6"/>
+                </a:solidFill>
+                <a:effectLst/>
+                <a:highlight>
+                  <a:srgbClr val="FFFF00"/>
+                </a:highlight>
+                <a:latin typeface="Consolas" panose="020B0609020204030204" pitchFamily="49" charset="0"/>
+              </a:rPr>
+              <a:t>script</a:t>
+            </a:r>
+            <a:r>
+              <a:rPr lang="en-GB" sz="1200" b="0" dirty="0">
+                <a:solidFill>
+                  <a:srgbClr val="808080"/>
+                </a:solidFill>
+                <a:effectLst/>
+                <a:highlight>
+                  <a:srgbClr val="FFFF00"/>
+                </a:highlight>
+                <a:latin typeface="Consolas" panose="020B0609020204030204" pitchFamily="49" charset="0"/>
+              </a:rPr>
+              <a:t>&gt;</a:t>
+            </a:r>
+            <a:endParaRPr lang="en-GB" sz="1200" b="0" dirty="0">
+              <a:solidFill>
+                <a:srgbClr val="CCCCCC"/>
+              </a:solidFill>
+              <a:effectLst/>
+              <a:highlight>
+                <a:srgbClr val="FFFF00"/>
+              </a:highlight>
+              <a:latin typeface="Consolas" panose="020B0609020204030204" pitchFamily="49" charset="0"/>
+            </a:endParaRPr>
+          </a:p>
+          <a:p>
+            <a:r>
+              <a:rPr lang="en-GB" sz="1200" b="0" dirty="0">
+                <a:solidFill>
+                  <a:srgbClr val="CCCCCC"/>
+                </a:solidFill>
+                <a:effectLst/>
+                <a:highlight>
+                  <a:srgbClr val="FFFF00"/>
+                </a:highlight>
+                <a:latin typeface="Consolas" panose="020B0609020204030204" pitchFamily="49" charset="0"/>
+              </a:rPr>
+              <a:t>    </a:t>
+            </a:r>
+            <a:r>
+              <a:rPr lang="en-GB" sz="1200" b="0" dirty="0">
+                <a:solidFill>
+                  <a:srgbClr val="808080"/>
+                </a:solidFill>
+                <a:effectLst/>
+                <a:highlight>
+                  <a:srgbClr val="FFFF00"/>
+                </a:highlight>
+                <a:latin typeface="Consolas" panose="020B0609020204030204" pitchFamily="49" charset="0"/>
+              </a:rPr>
+              <a:t>&lt;</a:t>
+            </a:r>
+            <a:r>
+              <a:rPr lang="en-GB" sz="1200" b="0" dirty="0">
+                <a:solidFill>
+                  <a:srgbClr val="569CD6"/>
+                </a:solidFill>
+                <a:effectLst/>
+                <a:highlight>
+                  <a:srgbClr val="FFFF00"/>
+                </a:highlight>
+                <a:latin typeface="Consolas" panose="020B0609020204030204" pitchFamily="49" charset="0"/>
+              </a:rPr>
+              <a:t>script</a:t>
+            </a:r>
+            <a:r>
+              <a:rPr lang="en-GB" sz="1200" b="0" dirty="0">
+                <a:solidFill>
+                  <a:srgbClr val="D4D4D4"/>
+                </a:solidFill>
+                <a:effectLst/>
+                <a:highlight>
+                  <a:srgbClr val="FFFF00"/>
+                </a:highlight>
+                <a:latin typeface="Consolas" panose="020B0609020204030204" pitchFamily="49" charset="0"/>
+              </a:rPr>
+              <a:t> </a:t>
+            </a:r>
+            <a:r>
+              <a:rPr lang="en-GB" sz="1200" b="0" dirty="0" err="1">
+                <a:solidFill>
+                  <a:srgbClr val="9CDCFE"/>
+                </a:solidFill>
+                <a:effectLst/>
+                <a:highlight>
+                  <a:srgbClr val="FFFF00"/>
+                </a:highlight>
+                <a:latin typeface="Consolas" panose="020B0609020204030204" pitchFamily="49" charset="0"/>
+              </a:rPr>
+              <a:t>src</a:t>
+            </a:r>
+            <a:r>
+              <a:rPr lang="en-GB" sz="1200" b="0" dirty="0">
+                <a:solidFill>
+                  <a:srgbClr val="D4D4D4"/>
+                </a:solidFill>
+                <a:effectLst/>
+                <a:highlight>
+                  <a:srgbClr val="FFFF00"/>
+                </a:highlight>
+                <a:latin typeface="Consolas" panose="020B0609020204030204" pitchFamily="49" charset="0"/>
+              </a:rPr>
+              <a:t>=</a:t>
+            </a:r>
+            <a:r>
+              <a:rPr lang="en-GB" sz="1200" b="0" dirty="0">
+                <a:solidFill>
+                  <a:srgbClr val="CE9178"/>
+                </a:solidFill>
+                <a:effectLst/>
+                <a:highlight>
+                  <a:srgbClr val="FFFF00"/>
+                </a:highlight>
+                <a:latin typeface="Consolas" panose="020B0609020204030204" pitchFamily="49" charset="0"/>
+              </a:rPr>
+              <a:t>"https://cdn.jsdelivr.net/</a:t>
+            </a:r>
+            <a:r>
+              <a:rPr lang="en-GB" sz="1200" b="0" dirty="0" err="1">
+                <a:solidFill>
+                  <a:srgbClr val="CE9178"/>
+                </a:solidFill>
+                <a:effectLst/>
+                <a:highlight>
+                  <a:srgbClr val="FFFF00"/>
+                </a:highlight>
+                <a:latin typeface="Consolas" panose="020B0609020204030204" pitchFamily="49" charset="0"/>
+              </a:rPr>
+              <a:t>npm</a:t>
+            </a:r>
+            <a:r>
+              <a:rPr lang="en-GB" sz="1200" b="0" dirty="0">
+                <a:solidFill>
+                  <a:srgbClr val="CE9178"/>
+                </a:solidFill>
+                <a:effectLst/>
+                <a:highlight>
+                  <a:srgbClr val="FFFF00"/>
+                </a:highlight>
+                <a:latin typeface="Consolas" panose="020B0609020204030204" pitchFamily="49" charset="0"/>
+              </a:rPr>
+              <a:t>/vega-lite@5"</a:t>
+            </a:r>
+            <a:r>
+              <a:rPr lang="en-GB" sz="1200" b="0" dirty="0">
+                <a:solidFill>
+                  <a:srgbClr val="808080"/>
+                </a:solidFill>
+                <a:effectLst/>
+                <a:highlight>
+                  <a:srgbClr val="FFFF00"/>
+                </a:highlight>
+                <a:latin typeface="Consolas" panose="020B0609020204030204" pitchFamily="49" charset="0"/>
+              </a:rPr>
+              <a:t>&gt;&lt;/</a:t>
+            </a:r>
+            <a:r>
+              <a:rPr lang="en-GB" sz="1200" b="0" dirty="0">
+                <a:solidFill>
+                  <a:srgbClr val="569CD6"/>
+                </a:solidFill>
+                <a:effectLst/>
+                <a:highlight>
+                  <a:srgbClr val="FFFF00"/>
+                </a:highlight>
+                <a:latin typeface="Consolas" panose="020B0609020204030204" pitchFamily="49" charset="0"/>
+              </a:rPr>
+              <a:t>script</a:t>
+            </a:r>
+            <a:r>
+              <a:rPr lang="en-GB" sz="1200" b="0" dirty="0">
+                <a:solidFill>
+                  <a:srgbClr val="808080"/>
+                </a:solidFill>
+                <a:effectLst/>
+                <a:highlight>
+                  <a:srgbClr val="FFFF00"/>
+                </a:highlight>
+                <a:latin typeface="Consolas" panose="020B0609020204030204" pitchFamily="49" charset="0"/>
+              </a:rPr>
+              <a:t>&gt;</a:t>
+            </a:r>
+            <a:endParaRPr lang="en-GB" sz="1200" b="0" dirty="0">
+              <a:solidFill>
+                <a:srgbClr val="CCCCCC"/>
+              </a:solidFill>
+              <a:effectLst/>
+              <a:highlight>
+                <a:srgbClr val="FFFF00"/>
+              </a:highlight>
+              <a:latin typeface="Consolas" panose="020B0609020204030204" pitchFamily="49" charset="0"/>
+            </a:endParaRPr>
+          </a:p>
+          <a:p>
+            <a:r>
+              <a:rPr lang="en-GB" sz="1200" b="0" dirty="0">
+                <a:solidFill>
+                  <a:srgbClr val="CCCCCC"/>
+                </a:solidFill>
+                <a:effectLst/>
+                <a:highlight>
+                  <a:srgbClr val="FFFF00"/>
+                </a:highlight>
+                <a:latin typeface="Consolas" panose="020B0609020204030204" pitchFamily="49" charset="0"/>
+              </a:rPr>
+              <a:t>    </a:t>
+            </a:r>
+            <a:r>
+              <a:rPr lang="en-GB" sz="1200" b="0" dirty="0">
+                <a:solidFill>
+                  <a:srgbClr val="808080"/>
+                </a:solidFill>
+                <a:effectLst/>
+                <a:highlight>
+                  <a:srgbClr val="FFFF00"/>
+                </a:highlight>
+                <a:latin typeface="Consolas" panose="020B0609020204030204" pitchFamily="49" charset="0"/>
+              </a:rPr>
+              <a:t>&lt;</a:t>
+            </a:r>
+            <a:r>
+              <a:rPr lang="en-GB" sz="1200" b="0" dirty="0">
+                <a:solidFill>
+                  <a:srgbClr val="569CD6"/>
+                </a:solidFill>
+                <a:effectLst/>
+                <a:highlight>
+                  <a:srgbClr val="FFFF00"/>
+                </a:highlight>
+                <a:latin typeface="Consolas" panose="020B0609020204030204" pitchFamily="49" charset="0"/>
+              </a:rPr>
+              <a:t>script</a:t>
+            </a:r>
+            <a:r>
+              <a:rPr lang="en-GB" sz="1200" b="0" dirty="0">
+                <a:solidFill>
+                  <a:srgbClr val="D4D4D4"/>
+                </a:solidFill>
+                <a:effectLst/>
+                <a:highlight>
+                  <a:srgbClr val="FFFF00"/>
+                </a:highlight>
+                <a:latin typeface="Consolas" panose="020B0609020204030204" pitchFamily="49" charset="0"/>
+              </a:rPr>
+              <a:t> </a:t>
+            </a:r>
+            <a:r>
+              <a:rPr lang="en-GB" sz="1200" b="0" dirty="0" err="1">
+                <a:solidFill>
+                  <a:srgbClr val="9CDCFE"/>
+                </a:solidFill>
+                <a:effectLst/>
+                <a:highlight>
+                  <a:srgbClr val="FFFF00"/>
+                </a:highlight>
+                <a:latin typeface="Consolas" panose="020B0609020204030204" pitchFamily="49" charset="0"/>
+              </a:rPr>
+              <a:t>src</a:t>
+            </a:r>
+            <a:r>
+              <a:rPr lang="en-GB" sz="1200" b="0" dirty="0">
+                <a:solidFill>
+                  <a:srgbClr val="D4D4D4"/>
+                </a:solidFill>
+                <a:effectLst/>
+                <a:highlight>
+                  <a:srgbClr val="FFFF00"/>
+                </a:highlight>
+                <a:latin typeface="Consolas" panose="020B0609020204030204" pitchFamily="49" charset="0"/>
+              </a:rPr>
+              <a:t>=</a:t>
+            </a:r>
+            <a:r>
+              <a:rPr lang="en-GB" sz="1200" b="0" dirty="0">
+                <a:solidFill>
+                  <a:srgbClr val="CE9178"/>
+                </a:solidFill>
+                <a:effectLst/>
+                <a:highlight>
+                  <a:srgbClr val="FFFF00"/>
+                </a:highlight>
+                <a:latin typeface="Consolas" panose="020B0609020204030204" pitchFamily="49" charset="0"/>
+              </a:rPr>
+              <a:t>"https://cdn.jsdelivr.net/</a:t>
+            </a:r>
+            <a:r>
+              <a:rPr lang="en-GB" sz="1200" b="0" dirty="0" err="1">
+                <a:solidFill>
+                  <a:srgbClr val="CE9178"/>
+                </a:solidFill>
+                <a:effectLst/>
+                <a:highlight>
+                  <a:srgbClr val="FFFF00"/>
+                </a:highlight>
+                <a:latin typeface="Consolas" panose="020B0609020204030204" pitchFamily="49" charset="0"/>
+              </a:rPr>
+              <a:t>npm</a:t>
+            </a:r>
+            <a:r>
+              <a:rPr lang="en-GB" sz="1200" b="0" dirty="0">
+                <a:solidFill>
+                  <a:srgbClr val="CE9178"/>
+                </a:solidFill>
+                <a:effectLst/>
+                <a:highlight>
+                  <a:srgbClr val="FFFF00"/>
+                </a:highlight>
+                <a:latin typeface="Consolas" panose="020B0609020204030204" pitchFamily="49" charset="0"/>
+              </a:rPr>
+              <a:t>/vega-embed@6"</a:t>
+            </a:r>
+            <a:r>
+              <a:rPr lang="en-GB" sz="1200" b="0" dirty="0">
+                <a:solidFill>
+                  <a:srgbClr val="808080"/>
+                </a:solidFill>
+                <a:effectLst/>
+                <a:highlight>
+                  <a:srgbClr val="FFFF00"/>
+                </a:highlight>
+                <a:latin typeface="Consolas" panose="020B0609020204030204" pitchFamily="49" charset="0"/>
+              </a:rPr>
+              <a:t>&gt;&lt;/</a:t>
+            </a:r>
+            <a:r>
+              <a:rPr lang="en-GB" sz="1200" b="0" dirty="0">
+                <a:solidFill>
+                  <a:srgbClr val="569CD6"/>
+                </a:solidFill>
+                <a:effectLst/>
+                <a:highlight>
+                  <a:srgbClr val="FFFF00"/>
+                </a:highlight>
+                <a:latin typeface="Consolas" panose="020B0609020204030204" pitchFamily="49" charset="0"/>
+              </a:rPr>
+              <a:t>script</a:t>
+            </a:r>
+            <a:r>
+              <a:rPr lang="en-GB" sz="1200" b="0" dirty="0">
+                <a:solidFill>
+                  <a:srgbClr val="808080"/>
+                </a:solidFill>
+                <a:effectLst/>
+                <a:highlight>
+                  <a:srgbClr val="FFFF00"/>
+                </a:highlight>
+                <a:latin typeface="Consolas" panose="020B0609020204030204" pitchFamily="49" charset="0"/>
+              </a:rPr>
+              <a:t>&gt;</a:t>
+            </a:r>
+            <a:endParaRPr lang="en-GB" sz="1200" b="0" dirty="0">
+              <a:solidFill>
+                <a:srgbClr val="CCCCCC"/>
+              </a:solidFill>
+              <a:effectLst/>
+              <a:highlight>
+                <a:srgbClr val="FFFF00"/>
+              </a:highlight>
+              <a:latin typeface="Consolas" panose="020B0609020204030204" pitchFamily="49" charset="0"/>
+            </a:endParaRPr>
+          </a:p>
+          <a:p>
+            <a:r>
+              <a:rPr lang="en-GB" sz="1200" b="0" dirty="0">
+                <a:solidFill>
+                  <a:srgbClr val="808080"/>
+                </a:solidFill>
+                <a:effectLst/>
+                <a:latin typeface="Consolas" panose="020B0609020204030204" pitchFamily="49" charset="0"/>
+              </a:rPr>
+              <a:t>&lt;/</a:t>
+            </a:r>
+            <a:r>
+              <a:rPr lang="en-GB" sz="1200" b="0" dirty="0">
+                <a:solidFill>
+                  <a:srgbClr val="569CD6"/>
+                </a:solidFill>
+                <a:effectLst/>
+                <a:latin typeface="Consolas" panose="020B0609020204030204" pitchFamily="49" charset="0"/>
+              </a:rPr>
+              <a:t>head</a:t>
+            </a:r>
+            <a:r>
+              <a:rPr lang="en-GB" sz="1200" b="0" dirty="0">
+                <a:solidFill>
+                  <a:srgbClr val="808080"/>
+                </a:solidFill>
+                <a:effectLst/>
+                <a:latin typeface="Consolas" panose="020B0609020204030204" pitchFamily="49" charset="0"/>
+              </a:rPr>
+              <a:t>&gt;</a:t>
+            </a:r>
+            <a:endParaRPr lang="en-GB" sz="1200" b="0" dirty="0">
+              <a:solidFill>
+                <a:srgbClr val="CCCCCC"/>
+              </a:solidFill>
+              <a:effectLst/>
+              <a:latin typeface="Consolas" panose="020B0609020204030204" pitchFamily="49" charset="0"/>
+            </a:endParaRPr>
+          </a:p>
+          <a:p>
+            <a:br>
+              <a:rPr lang="en-GB" sz="1200" b="0" dirty="0">
+                <a:solidFill>
+                  <a:srgbClr val="CCCCCC"/>
+                </a:solidFill>
+                <a:effectLst/>
+                <a:latin typeface="Consolas" panose="020B0609020204030204" pitchFamily="49" charset="0"/>
+              </a:rPr>
+            </a:br>
+            <a:br>
+              <a:rPr lang="en-GB" sz="1200" b="0" dirty="0">
+                <a:solidFill>
+                  <a:srgbClr val="CCCCCC"/>
+                </a:solidFill>
+                <a:effectLst/>
+                <a:latin typeface="Consolas" panose="020B0609020204030204" pitchFamily="49" charset="0"/>
+              </a:rPr>
+            </a:br>
+            <a:r>
+              <a:rPr lang="en-GB" sz="1200" b="0" dirty="0">
+                <a:solidFill>
+                  <a:srgbClr val="808080"/>
+                </a:solidFill>
+                <a:effectLst/>
+                <a:latin typeface="Consolas" panose="020B0609020204030204" pitchFamily="49" charset="0"/>
+              </a:rPr>
+              <a:t>&lt;</a:t>
+            </a:r>
+            <a:r>
+              <a:rPr lang="en-GB" sz="1200" b="0" dirty="0">
+                <a:solidFill>
+                  <a:srgbClr val="569CD6"/>
+                </a:solidFill>
+                <a:effectLst/>
+                <a:latin typeface="Consolas" panose="020B0609020204030204" pitchFamily="49" charset="0"/>
+              </a:rPr>
+              <a:t>body</a:t>
+            </a:r>
+            <a:r>
+              <a:rPr lang="en-GB" sz="1200" b="0" dirty="0">
+                <a:solidFill>
+                  <a:srgbClr val="808080"/>
+                </a:solidFill>
+                <a:effectLst/>
+                <a:latin typeface="Consolas" panose="020B0609020204030204" pitchFamily="49" charset="0"/>
+              </a:rPr>
+              <a:t>&gt;</a:t>
+            </a:r>
+            <a:r>
+              <a:rPr lang="en-GB" sz="1200" b="0" dirty="0">
+                <a:solidFill>
+                  <a:srgbClr val="CCCCCC"/>
+                </a:solidFill>
+                <a:effectLst/>
+                <a:latin typeface="Consolas" panose="020B0609020204030204" pitchFamily="49" charset="0"/>
+              </a:rPr>
+              <a:t> </a:t>
+            </a:r>
+          </a:p>
+          <a:p>
+            <a:r>
+              <a:rPr lang="en-GB" sz="1200" b="0" dirty="0">
+                <a:solidFill>
+                  <a:srgbClr val="CCCCCC"/>
+                </a:solidFill>
+                <a:effectLst/>
+                <a:latin typeface="Consolas" panose="020B0609020204030204" pitchFamily="49" charset="0"/>
+              </a:rPr>
+              <a:t>    </a:t>
+            </a:r>
+            <a:r>
+              <a:rPr lang="en-GB" sz="1200" b="0" dirty="0">
+                <a:solidFill>
+                  <a:srgbClr val="6A9955"/>
+                </a:solidFill>
+                <a:effectLst/>
+                <a:latin typeface="Consolas" panose="020B0609020204030204" pitchFamily="49" charset="0"/>
+              </a:rPr>
+              <a:t>&lt;!-- Create a "figure" tag and give it the UNIQUE id of "Location1" --&gt;</a:t>
+            </a:r>
+            <a:endParaRPr lang="en-GB" sz="1200" b="0" dirty="0">
+              <a:solidFill>
+                <a:srgbClr val="CCCCCC"/>
+              </a:solidFill>
+              <a:effectLst/>
+              <a:latin typeface="Consolas" panose="020B0609020204030204" pitchFamily="49" charset="0"/>
+            </a:endParaRPr>
+          </a:p>
+          <a:p>
+            <a:r>
+              <a:rPr lang="en-GB" sz="1200" b="0" dirty="0">
+                <a:solidFill>
+                  <a:srgbClr val="CCCCCC"/>
+                </a:solidFill>
+                <a:effectLst/>
+                <a:latin typeface="Consolas" panose="020B0609020204030204" pitchFamily="49" charset="0"/>
+              </a:rPr>
+              <a:t>    </a:t>
+            </a:r>
+            <a:r>
+              <a:rPr lang="en-GB" sz="1200" b="0" dirty="0">
+                <a:solidFill>
+                  <a:srgbClr val="808080"/>
+                </a:solidFill>
+                <a:effectLst/>
+                <a:latin typeface="Consolas" panose="020B0609020204030204" pitchFamily="49" charset="0"/>
+              </a:rPr>
+              <a:t>&lt;</a:t>
+            </a:r>
+            <a:r>
+              <a:rPr lang="en-GB" sz="1200" b="0" dirty="0">
+                <a:solidFill>
+                  <a:srgbClr val="569CD6"/>
+                </a:solidFill>
+                <a:effectLst/>
+                <a:latin typeface="Consolas" panose="020B0609020204030204" pitchFamily="49" charset="0"/>
+              </a:rPr>
+              <a:t>figure</a:t>
+            </a:r>
+            <a:r>
+              <a:rPr lang="en-GB" sz="1200" b="0" dirty="0">
+                <a:solidFill>
+                  <a:srgbClr val="CCCCCC"/>
+                </a:solidFill>
+                <a:effectLst/>
+                <a:latin typeface="Consolas" panose="020B0609020204030204" pitchFamily="49" charset="0"/>
+              </a:rPr>
+              <a:t> </a:t>
+            </a:r>
+            <a:r>
+              <a:rPr lang="en-GB" sz="1200" b="0" dirty="0">
+                <a:solidFill>
+                  <a:srgbClr val="9CDCFE"/>
+                </a:solidFill>
+                <a:effectLst/>
+                <a:latin typeface="Consolas" panose="020B0609020204030204" pitchFamily="49" charset="0"/>
+              </a:rPr>
+              <a:t>id</a:t>
+            </a:r>
+            <a:r>
+              <a:rPr lang="en-GB" sz="1200" b="0" dirty="0">
+                <a:solidFill>
+                  <a:srgbClr val="CCCCCC"/>
+                </a:solidFill>
+                <a:effectLst/>
+                <a:latin typeface="Consolas" panose="020B0609020204030204" pitchFamily="49" charset="0"/>
+              </a:rPr>
+              <a:t>=</a:t>
+            </a:r>
+            <a:r>
+              <a:rPr lang="en-GB" sz="1200" b="0" dirty="0">
+                <a:solidFill>
+                  <a:srgbClr val="CE9178"/>
+                </a:solidFill>
+                <a:effectLst/>
+                <a:latin typeface="Consolas" panose="020B0609020204030204" pitchFamily="49" charset="0"/>
+              </a:rPr>
+              <a:t>"Location1"</a:t>
+            </a:r>
+            <a:r>
+              <a:rPr lang="en-GB" sz="1200" b="0" dirty="0">
+                <a:solidFill>
+                  <a:srgbClr val="808080"/>
+                </a:solidFill>
+                <a:effectLst/>
+                <a:latin typeface="Consolas" panose="020B0609020204030204" pitchFamily="49" charset="0"/>
+              </a:rPr>
+              <a:t>&gt;&lt;/</a:t>
+            </a:r>
+            <a:r>
+              <a:rPr lang="en-GB" sz="1200" b="0" dirty="0">
+                <a:solidFill>
+                  <a:srgbClr val="569CD6"/>
+                </a:solidFill>
+                <a:effectLst/>
+                <a:latin typeface="Consolas" panose="020B0609020204030204" pitchFamily="49" charset="0"/>
+              </a:rPr>
+              <a:t>figure</a:t>
+            </a:r>
+            <a:r>
+              <a:rPr lang="en-GB" sz="1200" b="0" dirty="0">
+                <a:solidFill>
+                  <a:srgbClr val="808080"/>
+                </a:solidFill>
+                <a:effectLst/>
+                <a:latin typeface="Consolas" panose="020B0609020204030204" pitchFamily="49" charset="0"/>
+              </a:rPr>
+              <a:t>&gt;</a:t>
+            </a:r>
+            <a:r>
+              <a:rPr lang="en-GB" sz="1200" b="0" dirty="0">
+                <a:solidFill>
+                  <a:srgbClr val="CCCCCC"/>
+                </a:solidFill>
+                <a:effectLst/>
+                <a:latin typeface="Consolas" panose="020B0609020204030204" pitchFamily="49" charset="0"/>
+              </a:rPr>
+              <a:t> </a:t>
+            </a:r>
+          </a:p>
+          <a:p>
+            <a:r>
+              <a:rPr lang="en-GB" sz="1200" b="0" dirty="0">
+                <a:solidFill>
+                  <a:srgbClr val="808080"/>
+                </a:solidFill>
+                <a:effectLst/>
+                <a:latin typeface="Consolas" panose="020B0609020204030204" pitchFamily="49" charset="0"/>
+              </a:rPr>
+              <a:t>&lt;/</a:t>
+            </a:r>
+            <a:r>
+              <a:rPr lang="en-GB" sz="1200" b="0" dirty="0">
+                <a:solidFill>
+                  <a:srgbClr val="569CD6"/>
+                </a:solidFill>
+                <a:effectLst/>
+                <a:latin typeface="Consolas" panose="020B0609020204030204" pitchFamily="49" charset="0"/>
+              </a:rPr>
+              <a:t>body</a:t>
+            </a:r>
+            <a:r>
+              <a:rPr lang="en-GB" sz="1200" b="0" dirty="0">
+                <a:solidFill>
+                  <a:srgbClr val="808080"/>
+                </a:solidFill>
+                <a:effectLst/>
+                <a:latin typeface="Consolas" panose="020B0609020204030204" pitchFamily="49" charset="0"/>
+              </a:rPr>
+              <a:t>&gt;</a:t>
+            </a:r>
+            <a:endParaRPr lang="en-GB" sz="1200" b="0" dirty="0">
+              <a:solidFill>
+                <a:srgbClr val="CCCCCC"/>
+              </a:solidFill>
+              <a:effectLst/>
+              <a:latin typeface="Consolas" panose="020B0609020204030204" pitchFamily="49" charset="0"/>
+            </a:endParaRPr>
+          </a:p>
+          <a:p>
+            <a:endParaRPr lang="en-GB" sz="1200" b="0" dirty="0">
+              <a:solidFill>
+                <a:srgbClr val="CCCCCC"/>
+              </a:solidFill>
+              <a:effectLst/>
+              <a:latin typeface="Consolas" panose="020B0609020204030204" pitchFamily="49" charset="0"/>
+            </a:endParaRPr>
+          </a:p>
+          <a:p>
+            <a:br>
+              <a:rPr lang="en-GB" sz="1200" b="0" dirty="0">
+                <a:solidFill>
+                  <a:srgbClr val="CCCCCC"/>
+                </a:solidFill>
+                <a:effectLst/>
+                <a:latin typeface="Consolas" panose="020B0609020204030204" pitchFamily="49" charset="0"/>
+              </a:rPr>
+            </a:br>
+            <a:r>
+              <a:rPr lang="en-GB" sz="1200" b="0" dirty="0">
+                <a:solidFill>
+                  <a:srgbClr val="6A9955"/>
+                </a:solidFill>
+                <a:effectLst/>
+                <a:latin typeface="Consolas" panose="020B0609020204030204" pitchFamily="49" charset="0"/>
+              </a:rPr>
+              <a:t>&lt;!-- Next we can use the tag script to tell the HTML file we are going to start writing in JavaScript --&gt;</a:t>
+            </a:r>
+            <a:endParaRPr lang="en-GB" sz="1200" b="0" dirty="0">
+              <a:solidFill>
+                <a:srgbClr val="CCCCCC"/>
+              </a:solidFill>
+              <a:effectLst/>
+              <a:latin typeface="Consolas" panose="020B0609020204030204" pitchFamily="49" charset="0"/>
+            </a:endParaRPr>
+          </a:p>
+          <a:p>
+            <a:r>
+              <a:rPr lang="en-GB" sz="1200" b="0" dirty="0">
+                <a:solidFill>
+                  <a:srgbClr val="808080"/>
+                </a:solidFill>
+                <a:effectLst/>
+                <a:highlight>
+                  <a:srgbClr val="FFFF00"/>
+                </a:highlight>
+                <a:latin typeface="Consolas" panose="020B0609020204030204" pitchFamily="49" charset="0"/>
+              </a:rPr>
+              <a:t>&lt;</a:t>
+            </a:r>
+            <a:r>
+              <a:rPr lang="en-GB" sz="1200" b="0" dirty="0">
+                <a:solidFill>
+                  <a:srgbClr val="569CD6"/>
+                </a:solidFill>
+                <a:effectLst/>
+                <a:highlight>
+                  <a:srgbClr val="FFFF00"/>
+                </a:highlight>
+                <a:latin typeface="Consolas" panose="020B0609020204030204" pitchFamily="49" charset="0"/>
+              </a:rPr>
+              <a:t>script</a:t>
+            </a:r>
+            <a:r>
+              <a:rPr lang="en-GB" sz="1200" b="0" dirty="0">
+                <a:solidFill>
+                  <a:srgbClr val="808080"/>
+                </a:solidFill>
+                <a:effectLst/>
+                <a:highlight>
+                  <a:srgbClr val="FFFF00"/>
+                </a:highlight>
+                <a:latin typeface="Consolas" panose="020B0609020204030204" pitchFamily="49" charset="0"/>
+              </a:rPr>
+              <a:t>&gt;</a:t>
+            </a:r>
+            <a:endParaRPr lang="en-GB" sz="1200" b="0" dirty="0">
+              <a:solidFill>
+                <a:srgbClr val="CCCCCC"/>
+              </a:solidFill>
+              <a:effectLst/>
+              <a:highlight>
+                <a:srgbClr val="FFFF00"/>
+              </a:highlight>
+              <a:latin typeface="Consolas" panose="020B0609020204030204" pitchFamily="49" charset="0"/>
+            </a:endParaRPr>
+          </a:p>
+          <a:p>
+            <a:r>
+              <a:rPr lang="en-GB" sz="1200" b="0" dirty="0">
+                <a:solidFill>
+                  <a:srgbClr val="D4D4D4"/>
+                </a:solidFill>
+                <a:effectLst/>
+                <a:latin typeface="Consolas" panose="020B0609020204030204" pitchFamily="49" charset="0"/>
+              </a:rPr>
+              <a:t>    </a:t>
+            </a:r>
+            <a:r>
+              <a:rPr lang="en-GB" sz="1200" b="0" dirty="0">
+                <a:solidFill>
+                  <a:srgbClr val="6A9955"/>
+                </a:solidFill>
+                <a:effectLst/>
+                <a:latin typeface="Consolas" panose="020B0609020204030204" pitchFamily="49" charset="0"/>
+              </a:rPr>
+              <a:t>// Now we are in JavaScript, so comments start with //</a:t>
+            </a:r>
+            <a:endParaRPr lang="en-GB" sz="1200" b="0" dirty="0">
+              <a:solidFill>
+                <a:srgbClr val="CCCCCC"/>
+              </a:solidFill>
+              <a:effectLst/>
+              <a:latin typeface="Consolas" panose="020B0609020204030204" pitchFamily="49" charset="0"/>
+            </a:endParaRPr>
+          </a:p>
+          <a:p>
+            <a:br>
+              <a:rPr lang="en-GB" sz="1200" b="0" dirty="0">
+                <a:solidFill>
+                  <a:srgbClr val="CCCCCC"/>
+                </a:solidFill>
+                <a:effectLst/>
+                <a:latin typeface="Consolas" panose="020B0609020204030204" pitchFamily="49" charset="0"/>
+              </a:rPr>
+            </a:br>
+            <a:r>
+              <a:rPr lang="en-GB" sz="1200" b="0" dirty="0">
+                <a:solidFill>
+                  <a:srgbClr val="D4D4D4"/>
+                </a:solidFill>
+                <a:effectLst/>
+                <a:latin typeface="Consolas" panose="020B0609020204030204" pitchFamily="49" charset="0"/>
+              </a:rPr>
+              <a:t>    </a:t>
+            </a:r>
+            <a:r>
+              <a:rPr lang="en-GB" sz="1200" b="0" dirty="0">
+                <a:solidFill>
+                  <a:srgbClr val="6A9955"/>
+                </a:solidFill>
+                <a:effectLst/>
+                <a:latin typeface="Consolas" panose="020B0609020204030204" pitchFamily="49" charset="0"/>
+              </a:rPr>
+              <a:t>// Declaring a variable, giving it the name chart1_spec, and storing the JSON that defines a chart in it.</a:t>
+            </a:r>
+            <a:endParaRPr lang="en-GB" sz="1200" b="0" dirty="0">
+              <a:solidFill>
+                <a:srgbClr val="CCCCCC"/>
+              </a:solidFill>
+              <a:effectLst/>
+              <a:latin typeface="Consolas" panose="020B0609020204030204" pitchFamily="49" charset="0"/>
+            </a:endParaRPr>
+          </a:p>
+          <a:p>
+            <a:r>
+              <a:rPr lang="en-GB" sz="1200" b="0" dirty="0">
+                <a:solidFill>
+                  <a:srgbClr val="D4D4D4"/>
+                </a:solidFill>
+                <a:effectLst/>
+                <a:latin typeface="Consolas" panose="020B0609020204030204" pitchFamily="49" charset="0"/>
+              </a:rPr>
+              <a:t>    </a:t>
+            </a:r>
+            <a:r>
+              <a:rPr lang="en-GB" sz="1200" b="0" dirty="0">
+                <a:solidFill>
+                  <a:srgbClr val="569CD6"/>
+                </a:solidFill>
+                <a:effectLst/>
+                <a:latin typeface="Consolas" panose="020B0609020204030204" pitchFamily="49" charset="0"/>
+              </a:rPr>
+              <a:t>var</a:t>
+            </a:r>
+            <a:r>
+              <a:rPr lang="en-GB" sz="1200" b="0" dirty="0">
+                <a:solidFill>
+                  <a:srgbClr val="D4D4D4"/>
+                </a:solidFill>
+                <a:effectLst/>
+                <a:latin typeface="Consolas" panose="020B0609020204030204" pitchFamily="49" charset="0"/>
+              </a:rPr>
+              <a:t> </a:t>
+            </a:r>
+            <a:r>
+              <a:rPr lang="en-GB" sz="1200" b="0" dirty="0">
+                <a:solidFill>
+                  <a:srgbClr val="9CDCFE"/>
+                </a:solidFill>
+                <a:effectLst/>
+                <a:latin typeface="Consolas" panose="020B0609020204030204" pitchFamily="49" charset="0"/>
+              </a:rPr>
+              <a:t>chart1_spec</a:t>
+            </a:r>
+            <a:r>
+              <a:rPr lang="en-GB" sz="1200" b="0" dirty="0">
+                <a:solidFill>
+                  <a:srgbClr val="D4D4D4"/>
+                </a:solidFill>
+                <a:effectLst/>
+                <a:latin typeface="Consolas" panose="020B0609020204030204" pitchFamily="49" charset="0"/>
+              </a:rPr>
+              <a:t> = </a:t>
+            </a:r>
+            <a:r>
+              <a:rPr lang="en-GB" sz="1200" b="0" dirty="0">
+                <a:solidFill>
+                  <a:srgbClr val="CE9178"/>
+                </a:solidFill>
+                <a:effectLst/>
+                <a:latin typeface="Consolas" panose="020B0609020204030204" pitchFamily="49" charset="0"/>
+              </a:rPr>
+              <a:t>"s2_chart1.json"</a:t>
+            </a:r>
+            <a:r>
+              <a:rPr lang="en-GB" sz="1200" b="0" dirty="0">
+                <a:solidFill>
+                  <a:srgbClr val="D4D4D4"/>
+                </a:solidFill>
+                <a:effectLst/>
+                <a:latin typeface="Consolas" panose="020B0609020204030204" pitchFamily="49" charset="0"/>
+              </a:rPr>
+              <a:t>; </a:t>
+            </a:r>
+            <a:endParaRPr lang="en-GB" sz="1200" b="0" dirty="0">
+              <a:solidFill>
+                <a:srgbClr val="CCCCCC"/>
+              </a:solidFill>
+              <a:effectLst/>
+              <a:latin typeface="Consolas" panose="020B0609020204030204" pitchFamily="49" charset="0"/>
+            </a:endParaRPr>
+          </a:p>
+          <a:p>
+            <a:br>
+              <a:rPr lang="en-GB" sz="1200" b="0" dirty="0">
+                <a:solidFill>
+                  <a:srgbClr val="CCCCCC"/>
+                </a:solidFill>
+                <a:effectLst/>
+                <a:latin typeface="Consolas" panose="020B0609020204030204" pitchFamily="49" charset="0"/>
+              </a:rPr>
+            </a:br>
+            <a:r>
+              <a:rPr lang="en-GB" sz="1200" b="0" dirty="0">
+                <a:solidFill>
+                  <a:srgbClr val="D4D4D4"/>
+                </a:solidFill>
+                <a:effectLst/>
+                <a:latin typeface="Consolas" panose="020B0609020204030204" pitchFamily="49" charset="0"/>
+              </a:rPr>
+              <a:t>    </a:t>
+            </a:r>
+            <a:r>
+              <a:rPr lang="en-GB" sz="1200" b="0" dirty="0">
+                <a:solidFill>
+                  <a:srgbClr val="6A9955"/>
+                </a:solidFill>
+                <a:effectLst/>
+                <a:latin typeface="Consolas" panose="020B0609020204030204" pitchFamily="49" charset="0"/>
+              </a:rPr>
+              <a:t>// The </a:t>
+            </a:r>
+            <a:r>
+              <a:rPr lang="en-GB" sz="1200" b="0" dirty="0" err="1">
+                <a:solidFill>
+                  <a:srgbClr val="6A9955"/>
+                </a:solidFill>
+                <a:effectLst/>
+                <a:latin typeface="Consolas" panose="020B0609020204030204" pitchFamily="49" charset="0"/>
+              </a:rPr>
+              <a:t>vega</a:t>
+            </a:r>
+            <a:r>
+              <a:rPr lang="en-GB" sz="1200" dirty="0" err="1">
+                <a:solidFill>
+                  <a:srgbClr val="6A9955"/>
+                </a:solidFill>
+                <a:latin typeface="Consolas" panose="020B0609020204030204" pitchFamily="49" charset="0"/>
+              </a:rPr>
+              <a:t>E</a:t>
+            </a:r>
+            <a:r>
+              <a:rPr lang="en-GB" sz="1200" b="0" dirty="0" err="1">
+                <a:solidFill>
+                  <a:srgbClr val="6A9955"/>
+                </a:solidFill>
+                <a:effectLst/>
+                <a:latin typeface="Consolas" panose="020B0609020204030204" pitchFamily="49" charset="0"/>
+              </a:rPr>
+              <a:t>mbed</a:t>
+            </a:r>
+            <a:r>
+              <a:rPr lang="en-GB" sz="1200" b="0" dirty="0">
+                <a:solidFill>
+                  <a:srgbClr val="6A9955"/>
+                </a:solidFill>
+                <a:effectLst/>
+                <a:latin typeface="Consolas" panose="020B0609020204030204" pitchFamily="49" charset="0"/>
+              </a:rPr>
+              <a:t> function needs to know (a) what, and (b) where to embed the chart.     </a:t>
+            </a:r>
+            <a:endParaRPr lang="en-GB" sz="1200" b="0" dirty="0">
+              <a:solidFill>
+                <a:srgbClr val="CCCCCC"/>
+              </a:solidFill>
+              <a:effectLst/>
+              <a:latin typeface="Consolas" panose="020B0609020204030204" pitchFamily="49" charset="0"/>
+            </a:endParaRPr>
+          </a:p>
+          <a:p>
+            <a:r>
+              <a:rPr lang="en-GB" sz="1200" b="0" dirty="0">
+                <a:solidFill>
+                  <a:srgbClr val="D4D4D4"/>
+                </a:solidFill>
+                <a:effectLst/>
+                <a:latin typeface="Consolas" panose="020B0609020204030204" pitchFamily="49" charset="0"/>
+              </a:rPr>
+              <a:t>    </a:t>
+            </a:r>
+            <a:r>
+              <a:rPr lang="en-GB" sz="1200" b="0" dirty="0" err="1">
+                <a:solidFill>
+                  <a:srgbClr val="DCDCAA"/>
+                </a:solidFill>
+                <a:effectLst/>
+                <a:latin typeface="Consolas" panose="020B0609020204030204" pitchFamily="49" charset="0"/>
+              </a:rPr>
+              <a:t>vegaEmbed</a:t>
+            </a:r>
+            <a:r>
+              <a:rPr lang="en-GB" sz="1200" b="0" dirty="0">
+                <a:solidFill>
+                  <a:srgbClr val="D4D4D4"/>
+                </a:solidFill>
+                <a:effectLst/>
+                <a:latin typeface="Consolas" panose="020B0609020204030204" pitchFamily="49" charset="0"/>
+              </a:rPr>
+              <a:t>(</a:t>
+            </a:r>
+            <a:r>
+              <a:rPr lang="en-GB" sz="1200" b="0" dirty="0">
+                <a:solidFill>
+                  <a:srgbClr val="CE9178"/>
+                </a:solidFill>
+                <a:effectLst/>
+                <a:latin typeface="Consolas" panose="020B0609020204030204" pitchFamily="49" charset="0"/>
+              </a:rPr>
+              <a:t>'#Location1'</a:t>
+            </a:r>
+            <a:r>
+              <a:rPr lang="en-GB" sz="1200" b="0" dirty="0">
+                <a:solidFill>
+                  <a:srgbClr val="D4D4D4"/>
+                </a:solidFill>
+                <a:effectLst/>
+                <a:latin typeface="Consolas" panose="020B0609020204030204" pitchFamily="49" charset="0"/>
+              </a:rPr>
+              <a:t>, </a:t>
+            </a:r>
+            <a:r>
+              <a:rPr lang="en-GB" sz="1200" b="0" dirty="0">
+                <a:solidFill>
+                  <a:srgbClr val="9CDCFE"/>
+                </a:solidFill>
+                <a:effectLst/>
+                <a:latin typeface="Consolas" panose="020B0609020204030204" pitchFamily="49" charset="0"/>
+              </a:rPr>
+              <a:t>chart1_spec</a:t>
+            </a:r>
+            <a:r>
+              <a:rPr lang="en-GB" sz="1200" b="0" dirty="0">
+                <a:solidFill>
+                  <a:srgbClr val="D4D4D4"/>
+                </a:solidFill>
+                <a:effectLst/>
+                <a:latin typeface="Consolas" panose="020B0609020204030204" pitchFamily="49" charset="0"/>
+              </a:rPr>
+              <a:t>) </a:t>
+            </a:r>
+            <a:endParaRPr lang="en-GB" sz="1200" b="0" dirty="0">
+              <a:solidFill>
+                <a:srgbClr val="CCCCCC"/>
+              </a:solidFill>
+              <a:effectLst/>
+              <a:latin typeface="Consolas" panose="020B0609020204030204" pitchFamily="49" charset="0"/>
+            </a:endParaRPr>
+          </a:p>
+          <a:p>
+            <a:r>
+              <a:rPr lang="en-GB" sz="1200" b="0" dirty="0">
+                <a:solidFill>
+                  <a:srgbClr val="808080"/>
+                </a:solidFill>
+                <a:effectLst/>
+                <a:highlight>
+                  <a:srgbClr val="FFFF00"/>
+                </a:highlight>
+                <a:latin typeface="Consolas" panose="020B0609020204030204" pitchFamily="49" charset="0"/>
+              </a:rPr>
+              <a:t>&lt;/</a:t>
+            </a:r>
+            <a:r>
+              <a:rPr lang="en-GB" sz="1200" b="0" dirty="0">
+                <a:solidFill>
+                  <a:srgbClr val="569CD6"/>
+                </a:solidFill>
+                <a:effectLst/>
+                <a:highlight>
+                  <a:srgbClr val="FFFF00"/>
+                </a:highlight>
+                <a:latin typeface="Consolas" panose="020B0609020204030204" pitchFamily="49" charset="0"/>
+              </a:rPr>
+              <a:t>script</a:t>
+            </a:r>
+            <a:r>
+              <a:rPr lang="en-GB" sz="1200" b="0" dirty="0">
+                <a:solidFill>
+                  <a:srgbClr val="808080"/>
+                </a:solidFill>
+                <a:effectLst/>
+                <a:highlight>
+                  <a:srgbClr val="FFFF00"/>
+                </a:highlight>
+                <a:latin typeface="Consolas" panose="020B0609020204030204" pitchFamily="49" charset="0"/>
+              </a:rPr>
+              <a:t>&gt;</a:t>
+            </a:r>
+            <a:endParaRPr lang="en-GB" sz="1200" b="0" dirty="0">
+              <a:solidFill>
+                <a:srgbClr val="CCCCCC"/>
+              </a:solidFill>
+              <a:effectLst/>
+              <a:highlight>
+                <a:srgbClr val="FFFF00"/>
+              </a:highlight>
+              <a:latin typeface="Consolas" panose="020B0609020204030204" pitchFamily="49" charset="0"/>
+            </a:endParaRPr>
+          </a:p>
+          <a:p>
+            <a:r>
+              <a:rPr lang="en-GB" sz="1200" b="0" dirty="0">
+                <a:solidFill>
+                  <a:srgbClr val="CCCCCC"/>
+                </a:solidFill>
+                <a:effectLst/>
+                <a:latin typeface="Consolas" panose="020B0609020204030204" pitchFamily="49" charset="0"/>
+              </a:rPr>
+              <a:t>  </a:t>
+            </a:r>
+          </a:p>
+          <a:p>
+            <a:r>
+              <a:rPr lang="en-GB" sz="1200" b="0" dirty="0">
+                <a:solidFill>
+                  <a:srgbClr val="808080"/>
+                </a:solidFill>
+                <a:effectLst/>
+                <a:latin typeface="Consolas" panose="020B0609020204030204" pitchFamily="49" charset="0"/>
+              </a:rPr>
+              <a:t>&lt;/</a:t>
+            </a:r>
+            <a:r>
+              <a:rPr lang="en-GB" sz="1200" b="0" dirty="0">
+                <a:solidFill>
+                  <a:srgbClr val="569CD6"/>
+                </a:solidFill>
+                <a:effectLst/>
+                <a:latin typeface="Consolas" panose="020B0609020204030204" pitchFamily="49" charset="0"/>
+              </a:rPr>
+              <a:t>html</a:t>
+            </a:r>
+            <a:r>
+              <a:rPr lang="en-GB" sz="1200" b="0" dirty="0">
+                <a:solidFill>
+                  <a:srgbClr val="808080"/>
+                </a:solidFill>
+                <a:effectLst/>
+                <a:latin typeface="Consolas" panose="020B0609020204030204" pitchFamily="49" charset="0"/>
+              </a:rPr>
+              <a:t>&gt;</a:t>
+            </a:r>
+            <a:endParaRPr lang="en-GB" sz="1200" b="0" dirty="0">
+              <a:solidFill>
+                <a:srgbClr val="CCCCCC"/>
+              </a:solidFill>
+              <a:effectLst/>
+              <a:latin typeface="Consolas" panose="020B0609020204030204" pitchFamily="49" charset="0"/>
+            </a:endParaRPr>
+          </a:p>
+        </p:txBody>
+      </p:sp>
+    </p:spTree>
+    <p:extLst>
+      <p:ext uri="{BB962C8B-B14F-4D97-AF65-F5344CB8AC3E}">
+        <p14:creationId xmlns:p14="http://schemas.microsoft.com/office/powerpoint/2010/main" val="1704976518"/>
+      </p:ext>
+    </p:extLst>
+  </p:cSld>
+  <p:clrMapOvr>
+    <a:masterClrMapping/>
+  </p:clrMapOvr>
+</p:sld>
+</file>
+
+<file path=ppt/slides/slide15.xml><?xml version="1.0" encoding="utf-8"?>
 <p:sld xmlns:a="http://schemas.openxmlformats.org/drawingml/2006/main" xmlns:r="http://schemas.openxmlformats.org/officeDocument/2006/relationships" xmlns:p="http://schemas.openxmlformats.org/presentationml/2006/main">
   <p:cSld>
     <p:spTree>
@@ -9355,7 +10965,7 @@
 </p:sld>
 </file>
 
-<file path=ppt/slides/slide15.xml><?xml version="1.0" encoding="utf-8"?>
+<file path=ppt/slides/slide16.xml><?xml version="1.0" encoding="utf-8"?>
 <p:sld xmlns:a="http://schemas.openxmlformats.org/drawingml/2006/main" xmlns:r="http://schemas.openxmlformats.org/officeDocument/2006/relationships" xmlns:p="http://schemas.openxmlformats.org/presentationml/2006/main">
   <p:cSld>
     <p:bg>
@@ -9599,7 +11209,7 @@
 </p:sld>
 </file>
 
-<file path=ppt/slides/slide16.xml><?xml version="1.0" encoding="utf-8"?>
+<file path=ppt/slides/slide17.xml><?xml version="1.0" encoding="utf-8"?>
 <p:sld xmlns:a="http://schemas.openxmlformats.org/drawingml/2006/main" xmlns:r="http://schemas.openxmlformats.org/officeDocument/2006/relationships" xmlns:p="http://schemas.openxmlformats.org/presentationml/2006/main">
   <p:cSld>
     <p:bg>
@@ -9869,7 +11479,7 @@
 </p:sld>
 </file>
 
-<file path=ppt/slides/slide17.xml><?xml version="1.0" encoding="utf-8"?>
+<file path=ppt/slides/slide18.xml><?xml version="1.0" encoding="utf-8"?>
 <p:sld xmlns:a="http://schemas.openxmlformats.org/drawingml/2006/main" xmlns:r="http://schemas.openxmlformats.org/officeDocument/2006/relationships" xmlns:p="http://schemas.openxmlformats.org/presentationml/2006/main">
   <p:cSld>
     <p:bg>
@@ -10180,7 +11790,7 @@
 </p:sld>
 </file>
 
-<file path=ppt/slides/slide18.xml><?xml version="1.0" encoding="utf-8"?>
+<file path=ppt/slides/slide19.xml><?xml version="1.0" encoding="utf-8"?>
 <p:sld xmlns:a="http://schemas.openxmlformats.org/drawingml/2006/main" xmlns:r="http://schemas.openxmlformats.org/officeDocument/2006/relationships" xmlns:p="http://schemas.openxmlformats.org/presentationml/2006/main">
   <p:cSld>
     <p:bg>
@@ -10379,422 +11989,6 @@
     <p:extLst>
       <p:ext uri="{BB962C8B-B14F-4D97-AF65-F5344CB8AC3E}">
         <p14:creationId xmlns:p14="http://schemas.microsoft.com/office/powerpoint/2010/main" val="1152063873"/>
-      </p:ext>
-    </p:extLst>
-  </p:cSld>
-  <p:clrMapOvr>
-    <a:masterClrMapping/>
-  </p:clrMapOvr>
-</p:sld>
-</file>
-
-<file path=ppt/slides/slide19.xml><?xml version="1.0" encoding="utf-8"?>
-<p:sld xmlns:a="http://schemas.openxmlformats.org/drawingml/2006/main" xmlns:r="http://schemas.openxmlformats.org/officeDocument/2006/relationships" xmlns:p="http://schemas.openxmlformats.org/presentationml/2006/main">
-  <p:cSld>
-    <p:bg>
-      <p:bgPr>
-        <a:solidFill>
-          <a:srgbClr val="122B39"/>
-        </a:solidFill>
-        <a:effectLst/>
-      </p:bgPr>
-    </p:bg>
-    <p:spTree>
-      <p:nvGrpSpPr>
-        <p:cNvPr id="1" name=""/>
-        <p:cNvGrpSpPr/>
-        <p:nvPr/>
-      </p:nvGrpSpPr>
-      <p:grpSpPr>
-        <a:xfrm>
-          <a:off x="0" y="0"/>
-          <a:ext cx="0" cy="0"/>
-          <a:chOff x="0" y="0"/>
-          <a:chExt cx="0" cy="0"/>
-        </a:xfrm>
-      </p:grpSpPr>
-      <p:sp>
-        <p:nvSpPr>
-          <p:cNvPr id="2" name="Title 1">
-            <a:extLst>
-              <a:ext uri="{FF2B5EF4-FFF2-40B4-BE49-F238E27FC236}">
-                <a16:creationId xmlns:a16="http://schemas.microsoft.com/office/drawing/2014/main" id="{0FEE2FE8-D24E-41DE-AA78-81A6ECA35759}"/>
-              </a:ext>
-            </a:extLst>
-          </p:cNvPr>
-          <p:cNvSpPr>
-            <a:spLocks noGrp="1"/>
-          </p:cNvSpPr>
-          <p:nvPr>
-            <p:ph type="title"/>
-          </p:nvPr>
-        </p:nvSpPr>
-        <p:spPr>
-          <a:xfrm>
-            <a:off x="584127" y="340080"/>
-            <a:ext cx="10515600" cy="1325563"/>
-          </a:xfrm>
-          <a:solidFill>
-            <a:srgbClr val="122B39"/>
-          </a:solidFill>
-        </p:spPr>
-        <p:txBody>
-          <a:bodyPr>
-            <a:normAutofit/>
-          </a:bodyPr>
-          <a:lstStyle/>
-          <a:p>
-            <a:r>
-              <a:rPr lang="en-GB" sz="5400" dirty="0">
-                <a:solidFill>
-                  <a:schemeClr val="bg1"/>
-                </a:solidFill>
-                <a:latin typeface="Circular Std Book" panose="020B0604020101020102" pitchFamily="34" charset="0"/>
-                <a:cs typeface="Circular Std Book" panose="020B0604020101020102" pitchFamily="34" charset="0"/>
-              </a:rPr>
-              <a:t>CSS – three-tier format</a:t>
-            </a:r>
-            <a:r>
-              <a:rPr lang="en-GB" sz="5400" dirty="0">
-                <a:solidFill>
-                  <a:srgbClr val="F4C245"/>
-                </a:solidFill>
-                <a:latin typeface="Circular Std Book" panose="020B0604020101020102" pitchFamily="34" charset="0"/>
-                <a:cs typeface="Circular Std Book" panose="020B0604020101020102" pitchFamily="34" charset="0"/>
-              </a:rPr>
-              <a:t>.</a:t>
-            </a:r>
-            <a:endParaRPr lang="en-GB" dirty="0">
-              <a:solidFill>
-                <a:srgbClr val="F4C245"/>
-              </a:solidFill>
-              <a:latin typeface="Circular Std Book" panose="020B0604020101020102" pitchFamily="34" charset="0"/>
-              <a:cs typeface="Circular Std Book" panose="020B0604020101020102" pitchFamily="34" charset="0"/>
-            </a:endParaRPr>
-          </a:p>
-        </p:txBody>
-      </p:sp>
-      <p:sp>
-        <p:nvSpPr>
-          <p:cNvPr id="3" name="Content Placeholder 2">
-            <a:extLst>
-              <a:ext uri="{FF2B5EF4-FFF2-40B4-BE49-F238E27FC236}">
-                <a16:creationId xmlns:a16="http://schemas.microsoft.com/office/drawing/2014/main" id="{0C9B5234-01FB-4BC1-8F08-B28C710CCE0E}"/>
-              </a:ext>
-            </a:extLst>
-          </p:cNvPr>
-          <p:cNvSpPr>
-            <a:spLocks noGrp="1"/>
-          </p:cNvSpPr>
-          <p:nvPr>
-            <p:ph idx="1"/>
-          </p:nvPr>
-        </p:nvSpPr>
-        <p:spPr>
-          <a:xfrm>
-            <a:off x="584127" y="1817576"/>
-            <a:ext cx="11445948" cy="4351338"/>
-          </a:xfrm>
-        </p:spPr>
-        <p:txBody>
-          <a:bodyPr>
-            <a:normAutofit fontScale="85000" lnSpcReduction="10000"/>
-          </a:bodyPr>
-          <a:lstStyle/>
-          <a:p>
-            <a:pPr>
-              <a:lnSpc>
-                <a:spcPct val="150000"/>
-              </a:lnSpc>
-            </a:pPr>
-            <a:r>
-              <a:rPr lang="en-GB" dirty="0">
-                <a:solidFill>
-                  <a:schemeClr val="bg1"/>
-                </a:solidFill>
-                <a:latin typeface="Circular Std Book" panose="020B0604020101020102" pitchFamily="34" charset="0"/>
-                <a:cs typeface="Circular Std Book" panose="020B0604020101020102" pitchFamily="34" charset="0"/>
-              </a:rPr>
-              <a:t>Edit your </a:t>
-            </a:r>
-            <a:r>
-              <a:rPr lang="en-GB" dirty="0">
-                <a:solidFill>
-                  <a:srgbClr val="F4C245"/>
-                </a:solidFill>
-                <a:latin typeface="Circular Std Book" panose="020B0604020101020102" pitchFamily="34" charset="0"/>
-                <a:cs typeface="Circular Std Book" panose="020B0604020101020102" pitchFamily="34" charset="0"/>
-              </a:rPr>
-              <a:t>CSS </a:t>
-            </a:r>
-            <a:r>
-              <a:rPr lang="en-GB" dirty="0">
-                <a:solidFill>
-                  <a:schemeClr val="bg1"/>
-                </a:solidFill>
-                <a:latin typeface="Circular Std Book" panose="020B0604020101020102" pitchFamily="34" charset="0"/>
-                <a:cs typeface="Circular Std Book" panose="020B0604020101020102" pitchFamily="34" charset="0"/>
-              </a:rPr>
-              <a:t>file</a:t>
-            </a:r>
-          </a:p>
-          <a:p>
-            <a:pPr>
-              <a:lnSpc>
-                <a:spcPct val="150000"/>
-              </a:lnSpc>
-            </a:pPr>
-            <a:r>
-              <a:rPr lang="en-GB" dirty="0">
-                <a:solidFill>
-                  <a:schemeClr val="bg1"/>
-                </a:solidFill>
-                <a:latin typeface="Circular Std Book" panose="020B0604020101020102" pitchFamily="34" charset="0"/>
-                <a:cs typeface="Circular Std Book" panose="020B0604020101020102" pitchFamily="34" charset="0"/>
-              </a:rPr>
-              <a:t>Use “</a:t>
-            </a:r>
-            <a:r>
-              <a:rPr lang="en-GB" dirty="0">
-                <a:solidFill>
-                  <a:srgbClr val="F4C245"/>
-                </a:solidFill>
-                <a:latin typeface="Circular Std Book" panose="020B0604020101020102" pitchFamily="34" charset="0"/>
-                <a:cs typeface="Circular Std Book" panose="020B0604020101020102" pitchFamily="34" charset="0"/>
-              </a:rPr>
-              <a:t>s2_example1.css</a:t>
-            </a:r>
-            <a:r>
-              <a:rPr lang="en-GB" dirty="0">
-                <a:solidFill>
-                  <a:schemeClr val="bg1"/>
-                </a:solidFill>
-                <a:latin typeface="Circular Std Book" panose="020B0604020101020102" pitchFamily="34" charset="0"/>
-                <a:cs typeface="Circular Std Book" panose="020B0604020101020102" pitchFamily="34" charset="0"/>
-              </a:rPr>
-              <a:t>”, “</a:t>
-            </a:r>
-            <a:r>
-              <a:rPr lang="en-GB" dirty="0">
-                <a:solidFill>
-                  <a:srgbClr val="F4C245"/>
-                </a:solidFill>
-                <a:latin typeface="Circular Std Book" panose="020B0604020101020102" pitchFamily="34" charset="0"/>
-                <a:cs typeface="Circular Std Book" panose="020B0604020101020102" pitchFamily="34" charset="0"/>
-              </a:rPr>
-              <a:t>s2_example2.css</a:t>
-            </a:r>
-            <a:r>
-              <a:rPr lang="en-GB" dirty="0">
-                <a:solidFill>
-                  <a:schemeClr val="bg1"/>
-                </a:solidFill>
-                <a:latin typeface="Circular Std Book" panose="020B0604020101020102" pitchFamily="34" charset="0"/>
-                <a:cs typeface="Circular Std Book" panose="020B0604020101020102" pitchFamily="34" charset="0"/>
-              </a:rPr>
-              <a:t>” or “</a:t>
-            </a:r>
-            <a:r>
-              <a:rPr lang="en-GB" dirty="0">
-                <a:solidFill>
-                  <a:srgbClr val="F4C245"/>
-                </a:solidFill>
-                <a:latin typeface="Circular Std Book" panose="020B0604020101020102" pitchFamily="34" charset="0"/>
-                <a:cs typeface="Circular Std Book" panose="020B0604020101020102" pitchFamily="34" charset="0"/>
-              </a:rPr>
-              <a:t>s2_example3.css</a:t>
-            </a:r>
-            <a:r>
-              <a:rPr lang="en-GB" dirty="0">
-                <a:solidFill>
-                  <a:schemeClr val="bg1"/>
-                </a:solidFill>
-                <a:latin typeface="Circular Std Book" panose="020B0604020101020102" pitchFamily="34" charset="0"/>
-                <a:cs typeface="Circular Std Book" panose="020B0604020101020102" pitchFamily="34" charset="0"/>
-              </a:rPr>
-              <a:t>” file to start:</a:t>
-            </a:r>
-          </a:p>
-          <a:p>
-            <a:pPr lvl="1">
-              <a:lnSpc>
-                <a:spcPct val="150000"/>
-              </a:lnSpc>
-            </a:pPr>
-            <a:r>
-              <a:rPr lang="en-GB" dirty="0">
-                <a:solidFill>
-                  <a:schemeClr val="bg1"/>
-                </a:solidFill>
-                <a:latin typeface="Circular Std Book" panose="020B0604020101020102" pitchFamily="34" charset="0"/>
-                <a:cs typeface="Circular Std Book" panose="020B0604020101020102" pitchFamily="34" charset="0"/>
-              </a:rPr>
-              <a:t>Beginner: s2_example1.css</a:t>
-            </a:r>
-          </a:p>
-          <a:p>
-            <a:pPr lvl="1">
-              <a:lnSpc>
-                <a:spcPct val="150000"/>
-              </a:lnSpc>
-            </a:pPr>
-            <a:r>
-              <a:rPr lang="en-GB" dirty="0">
-                <a:solidFill>
-                  <a:schemeClr val="bg1"/>
-                </a:solidFill>
-                <a:latin typeface="Circular Std Book" panose="020B0604020101020102" pitchFamily="34" charset="0"/>
-                <a:cs typeface="Circular Std Book" panose="020B0604020101020102" pitchFamily="34" charset="0"/>
-              </a:rPr>
-              <a:t>Intermediate: s2_example2.css</a:t>
-            </a:r>
-          </a:p>
-          <a:p>
-            <a:pPr lvl="1">
-              <a:lnSpc>
-                <a:spcPct val="150000"/>
-              </a:lnSpc>
-            </a:pPr>
-            <a:r>
-              <a:rPr lang="en-GB" dirty="0">
-                <a:solidFill>
-                  <a:schemeClr val="bg1"/>
-                </a:solidFill>
-                <a:latin typeface="Circular Std Book" panose="020B0604020101020102" pitchFamily="34" charset="0"/>
-                <a:cs typeface="Circular Std Book" panose="020B0604020101020102" pitchFamily="34" charset="0"/>
-              </a:rPr>
-              <a:t>Advanced: s2_example3.css</a:t>
-            </a:r>
-          </a:p>
-          <a:p>
-            <a:pPr>
-              <a:lnSpc>
-                <a:spcPct val="150000"/>
-              </a:lnSpc>
-            </a:pPr>
-            <a:r>
-              <a:rPr lang="en-GB" dirty="0">
-                <a:solidFill>
-                  <a:schemeClr val="bg1"/>
-                </a:solidFill>
-                <a:latin typeface="Circular Std Book" panose="020B0604020101020102" pitchFamily="34" charset="0"/>
-                <a:cs typeface="Circular Std Book" panose="020B0604020101020102" pitchFamily="34" charset="0"/>
-              </a:rPr>
-              <a:t>Link “</a:t>
-            </a:r>
-            <a:r>
-              <a:rPr lang="en-GB" dirty="0">
-                <a:solidFill>
-                  <a:srgbClr val="F4C245"/>
-                </a:solidFill>
-                <a:latin typeface="Circular Std Book" panose="020B0604020101020102" pitchFamily="34" charset="0"/>
-                <a:cs typeface="Circular Std Book" panose="020B0604020101020102" pitchFamily="34" charset="0"/>
-              </a:rPr>
-              <a:t>s2_example1.css</a:t>
-            </a:r>
-            <a:r>
-              <a:rPr lang="en-GB" dirty="0">
-                <a:solidFill>
-                  <a:schemeClr val="bg1"/>
-                </a:solidFill>
-                <a:latin typeface="Circular Std Book" panose="020B0604020101020102" pitchFamily="34" charset="0"/>
-                <a:cs typeface="Circular Std Book" panose="020B0604020101020102" pitchFamily="34" charset="0"/>
-              </a:rPr>
-              <a:t>” (or others) to “</a:t>
-            </a:r>
-            <a:r>
-              <a:rPr lang="en-GB" dirty="0" err="1">
-                <a:solidFill>
-                  <a:srgbClr val="F4C245"/>
-                </a:solidFill>
-                <a:latin typeface="Circular Std Book" panose="020B0604020101020102" pitchFamily="34" charset="0"/>
-                <a:cs typeface="Circular Std Book" panose="020B0604020101020102" pitchFamily="34" charset="0"/>
-              </a:rPr>
-              <a:t>index.html</a:t>
-            </a:r>
-            <a:r>
-              <a:rPr lang="en-GB" dirty="0">
-                <a:solidFill>
-                  <a:schemeClr val="bg1"/>
-                </a:solidFill>
-                <a:latin typeface="Circular Std Book" panose="020B0604020101020102" pitchFamily="34" charset="0"/>
-                <a:cs typeface="Circular Std Book" panose="020B0604020101020102" pitchFamily="34" charset="0"/>
-              </a:rPr>
-              <a:t>” using: </a:t>
-            </a:r>
-          </a:p>
-          <a:p>
-            <a:pPr marL="0" indent="0">
-              <a:lnSpc>
-                <a:spcPct val="150000"/>
-              </a:lnSpc>
-              <a:buNone/>
-            </a:pPr>
-            <a:r>
-              <a:rPr lang="en-GB" dirty="0">
-                <a:solidFill>
-                  <a:schemeClr val="bg1"/>
-                </a:solidFill>
-                <a:latin typeface="Circular Std Book" panose="020B0604020101020102" pitchFamily="34" charset="0"/>
-                <a:cs typeface="Circular Std Book" panose="020B0604020101020102" pitchFamily="34" charset="0"/>
-              </a:rPr>
-              <a:t>	</a:t>
-            </a:r>
-            <a:r>
-              <a:rPr lang="en-GB" dirty="0">
-                <a:solidFill>
-                  <a:srgbClr val="36B7B4"/>
-                </a:solidFill>
-              </a:rPr>
-              <a:t>&lt;link </a:t>
-            </a:r>
-            <a:r>
-              <a:rPr lang="en-GB" dirty="0" err="1">
-                <a:solidFill>
-                  <a:srgbClr val="36B7B4"/>
-                </a:solidFill>
-              </a:rPr>
-              <a:t>rel</a:t>
-            </a:r>
-            <a:r>
-              <a:rPr lang="en-GB" dirty="0">
-                <a:solidFill>
-                  <a:srgbClr val="36B7B4"/>
-                </a:solidFill>
-              </a:rPr>
-              <a:t>="stylesheet" </a:t>
-            </a:r>
-            <a:r>
-              <a:rPr lang="en-GB" dirty="0" err="1">
-                <a:solidFill>
-                  <a:srgbClr val="36B7B4"/>
-                </a:solidFill>
-              </a:rPr>
-              <a:t>href</a:t>
-            </a:r>
-            <a:r>
-              <a:rPr lang="en-GB" dirty="0">
-                <a:solidFill>
-                  <a:srgbClr val="36B7B4"/>
-                </a:solidFill>
-              </a:rPr>
-              <a:t>=”s2_example1.css"&gt; </a:t>
-            </a:r>
-            <a:r>
-              <a:rPr lang="en-GB" dirty="0">
-                <a:solidFill>
-                  <a:schemeClr val="bg1"/>
-                </a:solidFill>
-              </a:rPr>
-              <a:t>(inside html head)</a:t>
-            </a:r>
-          </a:p>
-        </p:txBody>
-      </p:sp>
-    </p:spTree>
-    <p:extLst>
-      <p:ext uri="{BB962C8B-B14F-4D97-AF65-F5344CB8AC3E}">
-        <p14:creationId xmlns:p14="http://schemas.microsoft.com/office/powerpoint/2010/main" val="1599196781"/>
       </p:ext>
     </p:extLst>
   </p:cSld>
@@ -10963,6 +12157,422 @@
     </p:bg>
     <p:spTree>
       <p:nvGrpSpPr>
+        <p:cNvPr id="1" name=""/>
+        <p:cNvGrpSpPr/>
+        <p:nvPr/>
+      </p:nvGrpSpPr>
+      <p:grpSpPr>
+        <a:xfrm>
+          <a:off x="0" y="0"/>
+          <a:ext cx="0" cy="0"/>
+          <a:chOff x="0" y="0"/>
+          <a:chExt cx="0" cy="0"/>
+        </a:xfrm>
+      </p:grpSpPr>
+      <p:sp>
+        <p:nvSpPr>
+          <p:cNvPr id="2" name="Title 1">
+            <a:extLst>
+              <a:ext uri="{FF2B5EF4-FFF2-40B4-BE49-F238E27FC236}">
+                <a16:creationId xmlns:a16="http://schemas.microsoft.com/office/drawing/2014/main" id="{0FEE2FE8-D24E-41DE-AA78-81A6ECA35759}"/>
+              </a:ext>
+            </a:extLst>
+          </p:cNvPr>
+          <p:cNvSpPr>
+            <a:spLocks noGrp="1"/>
+          </p:cNvSpPr>
+          <p:nvPr>
+            <p:ph type="title"/>
+          </p:nvPr>
+        </p:nvSpPr>
+        <p:spPr>
+          <a:xfrm>
+            <a:off x="584127" y="340080"/>
+            <a:ext cx="10515600" cy="1325563"/>
+          </a:xfrm>
+          <a:solidFill>
+            <a:srgbClr val="122B39"/>
+          </a:solidFill>
+        </p:spPr>
+        <p:txBody>
+          <a:bodyPr>
+            <a:normAutofit/>
+          </a:bodyPr>
+          <a:lstStyle/>
+          <a:p>
+            <a:r>
+              <a:rPr lang="en-GB" sz="5400" dirty="0">
+                <a:solidFill>
+                  <a:schemeClr val="bg1"/>
+                </a:solidFill>
+                <a:latin typeface="Circular Std Book" panose="020B0604020101020102" pitchFamily="34" charset="0"/>
+                <a:cs typeface="Circular Std Book" panose="020B0604020101020102" pitchFamily="34" charset="0"/>
+              </a:rPr>
+              <a:t>CSS</a:t>
+            </a:r>
+            <a:r>
+              <a:rPr lang="en-GB" sz="5400" dirty="0">
+                <a:solidFill>
+                  <a:srgbClr val="F4C245"/>
+                </a:solidFill>
+                <a:latin typeface="Circular Std Book" panose="020B0604020101020102" pitchFamily="34" charset="0"/>
+                <a:cs typeface="Circular Std Book" panose="020B0604020101020102" pitchFamily="34" charset="0"/>
+              </a:rPr>
+              <a:t>.</a:t>
+            </a:r>
+            <a:endParaRPr lang="en-GB" dirty="0">
+              <a:solidFill>
+                <a:srgbClr val="F4C245"/>
+              </a:solidFill>
+              <a:latin typeface="Circular Std Book" panose="020B0604020101020102" pitchFamily="34" charset="0"/>
+              <a:cs typeface="Circular Std Book" panose="020B0604020101020102" pitchFamily="34" charset="0"/>
+            </a:endParaRPr>
+          </a:p>
+        </p:txBody>
+      </p:sp>
+      <p:sp>
+        <p:nvSpPr>
+          <p:cNvPr id="3" name="Content Placeholder 2">
+            <a:extLst>
+              <a:ext uri="{FF2B5EF4-FFF2-40B4-BE49-F238E27FC236}">
+                <a16:creationId xmlns:a16="http://schemas.microsoft.com/office/drawing/2014/main" id="{0C9B5234-01FB-4BC1-8F08-B28C710CCE0E}"/>
+              </a:ext>
+            </a:extLst>
+          </p:cNvPr>
+          <p:cNvSpPr>
+            <a:spLocks noGrp="1"/>
+          </p:cNvSpPr>
+          <p:nvPr>
+            <p:ph idx="1"/>
+          </p:nvPr>
+        </p:nvSpPr>
+        <p:spPr>
+          <a:xfrm>
+            <a:off x="584127" y="1817576"/>
+            <a:ext cx="11445948" cy="4351338"/>
+          </a:xfrm>
+        </p:spPr>
+        <p:txBody>
+          <a:bodyPr>
+            <a:normAutofit fontScale="85000" lnSpcReduction="10000"/>
+          </a:bodyPr>
+          <a:lstStyle/>
+          <a:p>
+            <a:pPr>
+              <a:lnSpc>
+                <a:spcPct val="150000"/>
+              </a:lnSpc>
+            </a:pPr>
+            <a:r>
+              <a:rPr lang="en-GB" dirty="0">
+                <a:solidFill>
+                  <a:schemeClr val="bg1"/>
+                </a:solidFill>
+                <a:latin typeface="Circular Std Book" panose="020B0604020101020102" pitchFamily="34" charset="0"/>
+                <a:cs typeface="Circular Std Book" panose="020B0604020101020102" pitchFamily="34" charset="0"/>
+              </a:rPr>
+              <a:t>Edit your </a:t>
+            </a:r>
+            <a:r>
+              <a:rPr lang="en-GB" dirty="0">
+                <a:solidFill>
+                  <a:srgbClr val="F4C245"/>
+                </a:solidFill>
+                <a:latin typeface="Circular Std Book" panose="020B0604020101020102" pitchFamily="34" charset="0"/>
+                <a:cs typeface="Circular Std Book" panose="020B0604020101020102" pitchFamily="34" charset="0"/>
+              </a:rPr>
+              <a:t>CSS </a:t>
+            </a:r>
+            <a:r>
+              <a:rPr lang="en-GB" dirty="0">
+                <a:solidFill>
+                  <a:schemeClr val="bg1"/>
+                </a:solidFill>
+                <a:latin typeface="Circular Std Book" panose="020B0604020101020102" pitchFamily="34" charset="0"/>
+                <a:cs typeface="Circular Std Book" panose="020B0604020101020102" pitchFamily="34" charset="0"/>
+              </a:rPr>
+              <a:t>file</a:t>
+            </a:r>
+          </a:p>
+          <a:p>
+            <a:pPr>
+              <a:lnSpc>
+                <a:spcPct val="150000"/>
+              </a:lnSpc>
+            </a:pPr>
+            <a:r>
+              <a:rPr lang="en-GB" dirty="0">
+                <a:solidFill>
+                  <a:schemeClr val="bg1"/>
+                </a:solidFill>
+                <a:latin typeface="Circular Std Book" panose="020B0604020101020102" pitchFamily="34" charset="0"/>
+                <a:cs typeface="Circular Std Book" panose="020B0604020101020102" pitchFamily="34" charset="0"/>
+              </a:rPr>
+              <a:t>Use “</a:t>
+            </a:r>
+            <a:r>
+              <a:rPr lang="en-GB" dirty="0">
+                <a:solidFill>
+                  <a:srgbClr val="F4C245"/>
+                </a:solidFill>
+                <a:latin typeface="Circular Std Book" panose="020B0604020101020102" pitchFamily="34" charset="0"/>
+                <a:cs typeface="Circular Std Book" panose="020B0604020101020102" pitchFamily="34" charset="0"/>
+              </a:rPr>
+              <a:t>s2_example1.css</a:t>
+            </a:r>
+            <a:r>
+              <a:rPr lang="en-GB" dirty="0">
+                <a:solidFill>
+                  <a:schemeClr val="bg1"/>
+                </a:solidFill>
+                <a:latin typeface="Circular Std Book" panose="020B0604020101020102" pitchFamily="34" charset="0"/>
+                <a:cs typeface="Circular Std Book" panose="020B0604020101020102" pitchFamily="34" charset="0"/>
+              </a:rPr>
+              <a:t>”, “</a:t>
+            </a:r>
+            <a:r>
+              <a:rPr lang="en-GB" dirty="0">
+                <a:solidFill>
+                  <a:srgbClr val="F4C245"/>
+                </a:solidFill>
+                <a:latin typeface="Circular Std Book" panose="020B0604020101020102" pitchFamily="34" charset="0"/>
+                <a:cs typeface="Circular Std Book" panose="020B0604020101020102" pitchFamily="34" charset="0"/>
+              </a:rPr>
+              <a:t>s2_example2.css</a:t>
+            </a:r>
+            <a:r>
+              <a:rPr lang="en-GB" dirty="0">
+                <a:solidFill>
+                  <a:schemeClr val="bg1"/>
+                </a:solidFill>
+                <a:latin typeface="Circular Std Book" panose="020B0604020101020102" pitchFamily="34" charset="0"/>
+                <a:cs typeface="Circular Std Book" panose="020B0604020101020102" pitchFamily="34" charset="0"/>
+              </a:rPr>
+              <a:t>” or “</a:t>
+            </a:r>
+            <a:r>
+              <a:rPr lang="en-GB" dirty="0">
+                <a:solidFill>
+                  <a:srgbClr val="F4C245"/>
+                </a:solidFill>
+                <a:latin typeface="Circular Std Book" panose="020B0604020101020102" pitchFamily="34" charset="0"/>
+                <a:cs typeface="Circular Std Book" panose="020B0604020101020102" pitchFamily="34" charset="0"/>
+              </a:rPr>
+              <a:t>s2_example3.css</a:t>
+            </a:r>
+            <a:r>
+              <a:rPr lang="en-GB" dirty="0">
+                <a:solidFill>
+                  <a:schemeClr val="bg1"/>
+                </a:solidFill>
+                <a:latin typeface="Circular Std Book" panose="020B0604020101020102" pitchFamily="34" charset="0"/>
+                <a:cs typeface="Circular Std Book" panose="020B0604020101020102" pitchFamily="34" charset="0"/>
+              </a:rPr>
+              <a:t>” file to start:</a:t>
+            </a:r>
+          </a:p>
+          <a:p>
+            <a:pPr lvl="1">
+              <a:lnSpc>
+                <a:spcPct val="150000"/>
+              </a:lnSpc>
+            </a:pPr>
+            <a:r>
+              <a:rPr lang="en-GB" dirty="0">
+                <a:solidFill>
+                  <a:schemeClr val="bg1"/>
+                </a:solidFill>
+                <a:latin typeface="Circular Std Book" panose="020B0604020101020102" pitchFamily="34" charset="0"/>
+                <a:cs typeface="Circular Std Book" panose="020B0604020101020102" pitchFamily="34" charset="0"/>
+              </a:rPr>
+              <a:t>Beginner: s2_example1.css</a:t>
+            </a:r>
+          </a:p>
+          <a:p>
+            <a:pPr lvl="1">
+              <a:lnSpc>
+                <a:spcPct val="150000"/>
+              </a:lnSpc>
+            </a:pPr>
+            <a:r>
+              <a:rPr lang="en-GB" dirty="0">
+                <a:solidFill>
+                  <a:schemeClr val="bg1"/>
+                </a:solidFill>
+                <a:latin typeface="Circular Std Book" panose="020B0604020101020102" pitchFamily="34" charset="0"/>
+                <a:cs typeface="Circular Std Book" panose="020B0604020101020102" pitchFamily="34" charset="0"/>
+              </a:rPr>
+              <a:t>Intermediate: s2_example2.css</a:t>
+            </a:r>
+          </a:p>
+          <a:p>
+            <a:pPr lvl="1">
+              <a:lnSpc>
+                <a:spcPct val="150000"/>
+              </a:lnSpc>
+            </a:pPr>
+            <a:r>
+              <a:rPr lang="en-GB" dirty="0">
+                <a:solidFill>
+                  <a:schemeClr val="bg1"/>
+                </a:solidFill>
+                <a:latin typeface="Circular Std Book" panose="020B0604020101020102" pitchFamily="34" charset="0"/>
+                <a:cs typeface="Circular Std Book" panose="020B0604020101020102" pitchFamily="34" charset="0"/>
+              </a:rPr>
+              <a:t>Advanced: s2_example3.css</a:t>
+            </a:r>
+          </a:p>
+          <a:p>
+            <a:pPr>
+              <a:lnSpc>
+                <a:spcPct val="150000"/>
+              </a:lnSpc>
+            </a:pPr>
+            <a:r>
+              <a:rPr lang="en-GB" dirty="0">
+                <a:solidFill>
+                  <a:schemeClr val="bg1"/>
+                </a:solidFill>
+                <a:latin typeface="Circular Std Book" panose="020B0604020101020102" pitchFamily="34" charset="0"/>
+                <a:cs typeface="Circular Std Book" panose="020B0604020101020102" pitchFamily="34" charset="0"/>
+              </a:rPr>
+              <a:t>Link “</a:t>
+            </a:r>
+            <a:r>
+              <a:rPr lang="en-GB" dirty="0">
+                <a:solidFill>
+                  <a:srgbClr val="F4C245"/>
+                </a:solidFill>
+                <a:latin typeface="Circular Std Book" panose="020B0604020101020102" pitchFamily="34" charset="0"/>
+                <a:cs typeface="Circular Std Book" panose="020B0604020101020102" pitchFamily="34" charset="0"/>
+              </a:rPr>
+              <a:t>s2_example1.css</a:t>
+            </a:r>
+            <a:r>
+              <a:rPr lang="en-GB" dirty="0">
+                <a:solidFill>
+                  <a:schemeClr val="bg1"/>
+                </a:solidFill>
+                <a:latin typeface="Circular Std Book" panose="020B0604020101020102" pitchFamily="34" charset="0"/>
+                <a:cs typeface="Circular Std Book" panose="020B0604020101020102" pitchFamily="34" charset="0"/>
+              </a:rPr>
+              <a:t>” (or others) to “</a:t>
+            </a:r>
+            <a:r>
+              <a:rPr lang="en-GB" dirty="0" err="1">
+                <a:solidFill>
+                  <a:srgbClr val="F4C245"/>
+                </a:solidFill>
+                <a:latin typeface="Circular Std Book" panose="020B0604020101020102" pitchFamily="34" charset="0"/>
+                <a:cs typeface="Circular Std Book" panose="020B0604020101020102" pitchFamily="34" charset="0"/>
+              </a:rPr>
+              <a:t>index.html</a:t>
+            </a:r>
+            <a:r>
+              <a:rPr lang="en-GB" dirty="0">
+                <a:solidFill>
+                  <a:schemeClr val="bg1"/>
+                </a:solidFill>
+                <a:latin typeface="Circular Std Book" panose="020B0604020101020102" pitchFamily="34" charset="0"/>
+                <a:cs typeface="Circular Std Book" panose="020B0604020101020102" pitchFamily="34" charset="0"/>
+              </a:rPr>
+              <a:t>” using: </a:t>
+            </a:r>
+          </a:p>
+          <a:p>
+            <a:pPr marL="0" indent="0">
+              <a:lnSpc>
+                <a:spcPct val="150000"/>
+              </a:lnSpc>
+              <a:buNone/>
+            </a:pPr>
+            <a:r>
+              <a:rPr lang="en-GB" dirty="0">
+                <a:solidFill>
+                  <a:schemeClr val="bg1"/>
+                </a:solidFill>
+                <a:latin typeface="Circular Std Book" panose="020B0604020101020102" pitchFamily="34" charset="0"/>
+                <a:cs typeface="Circular Std Book" panose="020B0604020101020102" pitchFamily="34" charset="0"/>
+              </a:rPr>
+              <a:t>	</a:t>
+            </a:r>
+            <a:r>
+              <a:rPr lang="en-GB" dirty="0">
+                <a:solidFill>
+                  <a:srgbClr val="36B7B4"/>
+                </a:solidFill>
+              </a:rPr>
+              <a:t>&lt;link </a:t>
+            </a:r>
+            <a:r>
+              <a:rPr lang="en-GB" dirty="0" err="1">
+                <a:solidFill>
+                  <a:srgbClr val="36B7B4"/>
+                </a:solidFill>
+              </a:rPr>
+              <a:t>rel</a:t>
+            </a:r>
+            <a:r>
+              <a:rPr lang="en-GB" dirty="0">
+                <a:solidFill>
+                  <a:srgbClr val="36B7B4"/>
+                </a:solidFill>
+              </a:rPr>
+              <a:t>="stylesheet" </a:t>
+            </a:r>
+            <a:r>
+              <a:rPr lang="en-GB" dirty="0" err="1">
+                <a:solidFill>
+                  <a:srgbClr val="36B7B4"/>
+                </a:solidFill>
+              </a:rPr>
+              <a:t>href</a:t>
+            </a:r>
+            <a:r>
+              <a:rPr lang="en-GB" dirty="0">
+                <a:solidFill>
+                  <a:srgbClr val="36B7B4"/>
+                </a:solidFill>
+              </a:rPr>
+              <a:t>=”s2_example1.css"&gt; </a:t>
+            </a:r>
+            <a:r>
+              <a:rPr lang="en-GB" dirty="0">
+                <a:solidFill>
+                  <a:schemeClr val="bg1"/>
+                </a:solidFill>
+              </a:rPr>
+              <a:t>(inside html head)</a:t>
+            </a:r>
+          </a:p>
+        </p:txBody>
+      </p:sp>
+    </p:spTree>
+    <p:extLst>
+      <p:ext uri="{BB962C8B-B14F-4D97-AF65-F5344CB8AC3E}">
+        <p14:creationId xmlns:p14="http://schemas.microsoft.com/office/powerpoint/2010/main" val="1599196781"/>
+      </p:ext>
+    </p:extLst>
+  </p:cSld>
+  <p:clrMapOvr>
+    <a:masterClrMapping/>
+  </p:clrMapOvr>
+</p:sld>
+</file>
+
+<file path=ppt/slides/slide21.xml><?xml version="1.0" encoding="utf-8"?>
+<p:sld xmlns:a="http://schemas.openxmlformats.org/drawingml/2006/main" xmlns:r="http://schemas.openxmlformats.org/officeDocument/2006/relationships" xmlns:p="http://schemas.openxmlformats.org/presentationml/2006/main">
+  <p:cSld>
+    <p:bg>
+      <p:bgPr>
+        <a:solidFill>
+          <a:srgbClr val="122B39"/>
+        </a:solidFill>
+        <a:effectLst/>
+      </p:bgPr>
+    </p:bg>
+    <p:spTree>
+      <p:nvGrpSpPr>
         <p:cNvPr id="1" name="">
           <a:extLst>
             <a:ext uri="{FF2B5EF4-FFF2-40B4-BE49-F238E27FC236}">
@@ -11138,7 +12748,7 @@
 </p:sld>
 </file>
 
-<file path=ppt/slides/slide21.xml><?xml version="1.0" encoding="utf-8"?>
+<file path=ppt/slides/slide22.xml><?xml version="1.0" encoding="utf-8"?>
 <p:sld xmlns:a="http://schemas.openxmlformats.org/drawingml/2006/main" xmlns:r="http://schemas.openxmlformats.org/officeDocument/2006/relationships" xmlns:p="http://schemas.openxmlformats.org/presentationml/2006/main">
   <p:cSld>
     <p:spTree>
@@ -11969,7 +13579,7 @@
         </p:spPr>
         <p:txBody>
           <a:bodyPr>
-            <a:normAutofit fontScale="92500" lnSpcReduction="10000"/>
+            <a:normAutofit lnSpcReduction="10000"/>
           </a:bodyPr>
           <a:lstStyle/>
           <a:p>
@@ -11980,7 +13590,7 @@
               <a:buNone/>
             </a:pPr>
             <a:r>
-              <a:rPr lang="en-GB" sz="2400" dirty="0">
+              <a:rPr lang="en-GB" sz="2200" dirty="0">
                 <a:solidFill>
                   <a:srgbClr val="FFC000"/>
                 </a:solidFill>
@@ -11990,7 +13600,7 @@
               <a:t>H</a:t>
             </a:r>
             <a:r>
-              <a:rPr lang="en-GB" sz="2400" dirty="0">
+              <a:rPr lang="en-GB" sz="2200" dirty="0">
                 <a:solidFill>
                   <a:srgbClr val="36B7B4"/>
                 </a:solidFill>
@@ -12000,7 +13610,7 @@
               <a:t>yper-</a:t>
             </a:r>
             <a:r>
-              <a:rPr lang="en-GB" sz="2400" dirty="0">
+              <a:rPr lang="en-GB" sz="2200" dirty="0">
                 <a:solidFill>
                   <a:srgbClr val="FFC000"/>
                 </a:solidFill>
@@ -12010,7 +13620,7 @@
               <a:t>T</a:t>
             </a:r>
             <a:r>
-              <a:rPr lang="en-GB" sz="2400" dirty="0">
+              <a:rPr lang="en-GB" sz="2200" dirty="0">
                 <a:solidFill>
                   <a:srgbClr val="36B7B4"/>
                 </a:solidFill>
@@ -12020,7 +13630,7 @@
               <a:t>ext </a:t>
             </a:r>
             <a:r>
-              <a:rPr lang="en-GB" sz="2400" dirty="0">
+              <a:rPr lang="en-GB" sz="2200" dirty="0">
                 <a:solidFill>
                   <a:srgbClr val="FFC000"/>
                 </a:solidFill>
@@ -12030,7 +13640,7 @@
               <a:t>M</a:t>
             </a:r>
             <a:r>
-              <a:rPr lang="en-GB" sz="2400" dirty="0">
+              <a:rPr lang="en-GB" sz="2200" dirty="0">
                 <a:solidFill>
                   <a:srgbClr val="36B7B4"/>
                 </a:solidFill>
@@ -12040,7 +13650,7 @@
               <a:t>arkup </a:t>
             </a:r>
             <a:r>
-              <a:rPr lang="en-GB" sz="2400" dirty="0">
+              <a:rPr lang="en-GB" sz="2200" dirty="0">
                 <a:solidFill>
                   <a:srgbClr val="FFC000"/>
                 </a:solidFill>
@@ -12050,7 +13660,7 @@
               <a:t>L</a:t>
             </a:r>
             <a:r>
-              <a:rPr lang="en-GB" sz="2400" dirty="0">
+              <a:rPr lang="en-GB" sz="2200" dirty="0">
                 <a:solidFill>
                   <a:srgbClr val="36B7B4"/>
                 </a:solidFill>
@@ -12067,7 +13677,7 @@
               </a:lnSpc>
             </a:pPr>
             <a:r>
-              <a:rPr lang="en-GB" sz="2400" b="1" dirty="0">
+              <a:rPr lang="en-GB" sz="2200" b="1" dirty="0">
                 <a:solidFill>
                   <a:srgbClr val="36B7B4"/>
                 </a:solidFill>
@@ -12077,7 +13687,7 @@
               <a:t>1993. </a:t>
             </a:r>
             <a:r>
-              <a:rPr lang="en-GB" sz="2400" dirty="0">
+              <a:rPr lang="en-GB" sz="2200" dirty="0">
                 <a:solidFill>
                   <a:schemeClr val="bg1"/>
                 </a:solidFill>
@@ -12094,7 +13704,7 @@
               </a:lnSpc>
             </a:pPr>
             <a:r>
-              <a:rPr lang="en-GB" sz="2400" b="1" dirty="0">
+              <a:rPr lang="en-GB" sz="2200" b="1" dirty="0">
                 <a:solidFill>
                   <a:srgbClr val="36B7B4"/>
                 </a:solidFill>
@@ -12104,14 +13714,34 @@
               <a:t>Big idea. </a:t>
             </a:r>
             <a:r>
-              <a:rPr lang="en-GB" sz="2400" dirty="0">
+              <a:rPr lang="en-GB" sz="2200" dirty="0">
                 <a:solidFill>
                   <a:schemeClr val="bg1"/>
                 </a:solidFill>
                 <a:latin typeface="Circular Std Book" panose="020B0604020101020102" pitchFamily="34" charset="0"/>
                 <a:cs typeface="Circular Std Book" panose="020B0604020101020102" pitchFamily="34" charset="0"/>
               </a:rPr>
-              <a:t>The HT in the name is the big idea. There are/were lots of markup languages but HTML linked joined documents together, by adding hyperlinks. </a:t>
+              <a:t>The </a:t>
+            </a:r>
+            <a:r>
+              <a:rPr lang="en-GB" sz="2200" dirty="0">
+                <a:solidFill>
+                  <a:srgbClr val="F4C245"/>
+                </a:solidFill>
+                <a:latin typeface="Circular Std Book" panose="020B0604020101020102" pitchFamily="34" charset="0"/>
+                <a:cs typeface="Circular Std Book" panose="020B0604020101020102" pitchFamily="34" charset="0"/>
+              </a:rPr>
+              <a:t>HT</a:t>
+            </a:r>
+            <a:r>
+              <a:rPr lang="en-GB" sz="2200" dirty="0">
+                <a:solidFill>
+                  <a:schemeClr val="bg1"/>
+                </a:solidFill>
+                <a:latin typeface="Circular Std Book" panose="020B0604020101020102" pitchFamily="34" charset="0"/>
+                <a:cs typeface="Circular Std Book" panose="020B0604020101020102" pitchFamily="34" charset="0"/>
+              </a:rPr>
+              <a:t> in the name is the big idea. There are/were lots of markup languages, but HTML linked joined documents together, by adding hyperlinks. </a:t>
             </a:r>
           </a:p>
           <a:p>
@@ -12120,7 +13750,7 @@
                 <a:spcPct val="150000"/>
               </a:lnSpc>
             </a:pPr>
-            <a:endParaRPr lang="en-GB" sz="3200" b="1" dirty="0">
+            <a:endParaRPr lang="en-GB" b="1" dirty="0">
               <a:solidFill>
                 <a:srgbClr val="36B7B4"/>
               </a:solidFill>
@@ -12134,7 +13764,7 @@
                 <a:spcPct val="150000"/>
               </a:lnSpc>
             </a:pPr>
-            <a:endParaRPr lang="en-GB" sz="3200" b="1" dirty="0">
+            <a:endParaRPr lang="en-GB" b="1" dirty="0">
               <a:solidFill>
                 <a:srgbClr val="36B7B4"/>
               </a:solidFill>
@@ -12148,7 +13778,7 @@
                 <a:spcPct val="150000"/>
               </a:lnSpc>
             </a:pPr>
-            <a:endParaRPr lang="en-GB" sz="3200" dirty="0">
+            <a:endParaRPr lang="en-GB" dirty="0">
               <a:solidFill>
                 <a:schemeClr val="bg1"/>
               </a:solidFill>
@@ -12162,7 +13792,7 @@
                 <a:spcPct val="150000"/>
               </a:lnSpc>
             </a:pPr>
-            <a:endParaRPr lang="en-GB" sz="3200" dirty="0">
+            <a:endParaRPr lang="en-GB" dirty="0">
               <a:solidFill>
                 <a:srgbClr val="0063AF"/>
               </a:solidFill>
@@ -13070,13 +14700,13 @@
         </p:nvSpPr>
         <p:spPr>
           <a:xfrm>
-            <a:off x="584126" y="1050734"/>
+            <a:off x="584126" y="1277390"/>
             <a:ext cx="5215089" cy="4916929"/>
           </a:xfrm>
         </p:spPr>
         <p:txBody>
           <a:bodyPr>
-            <a:normAutofit fontScale="92500" lnSpcReduction="10000"/>
+            <a:normAutofit fontScale="55000" lnSpcReduction="20000"/>
           </a:bodyPr>
           <a:lstStyle/>
           <a:p>
@@ -13087,7 +14717,7 @@
               <a:buNone/>
             </a:pPr>
             <a:r>
-              <a:rPr lang="en-GB" sz="2400" dirty="0">
+              <a:rPr lang="en-GB" sz="4000" dirty="0">
                 <a:solidFill>
                   <a:srgbClr val="FFC000"/>
                 </a:solidFill>
@@ -13097,7 +14727,7 @@
               <a:t>C</a:t>
             </a:r>
             <a:r>
-              <a:rPr lang="en-GB" sz="2400" dirty="0">
+              <a:rPr lang="en-GB" sz="4000" dirty="0">
                 <a:solidFill>
                   <a:srgbClr val="36B7B4"/>
                 </a:solidFill>
@@ -13107,7 +14737,7 @@
               <a:t>ascading </a:t>
             </a:r>
             <a:r>
-              <a:rPr lang="en-GB" sz="2400" dirty="0">
+              <a:rPr lang="en-GB" sz="4000" dirty="0">
                 <a:solidFill>
                   <a:srgbClr val="FFC000"/>
                 </a:solidFill>
@@ -13117,7 +14747,7 @@
               <a:t>S</a:t>
             </a:r>
             <a:r>
-              <a:rPr lang="en-GB" sz="2400" dirty="0">
+              <a:rPr lang="en-GB" sz="4000" dirty="0">
                 <a:solidFill>
                   <a:srgbClr val="36B7B4"/>
                 </a:solidFill>
@@ -13127,7 +14757,7 @@
               <a:t>tyle </a:t>
             </a:r>
             <a:r>
-              <a:rPr lang="en-GB" sz="2400" dirty="0">
+              <a:rPr lang="en-GB" sz="4000" dirty="0">
                 <a:solidFill>
                   <a:srgbClr val="FFC000"/>
                 </a:solidFill>
@@ -13137,7 +14767,7 @@
               <a:t>S</a:t>
             </a:r>
             <a:r>
-              <a:rPr lang="en-GB" sz="2400" dirty="0">
+              <a:rPr lang="en-GB" sz="4000" dirty="0">
                 <a:solidFill>
                   <a:srgbClr val="36B7B4"/>
                 </a:solidFill>
@@ -13146,7 +14776,7 @@
               </a:rPr>
               <a:t>heets</a:t>
             </a:r>
-            <a:endParaRPr lang="en-GB" sz="2400" dirty="0">
+            <a:endParaRPr lang="en-GB" sz="4000" dirty="0">
               <a:solidFill>
                 <a:schemeClr val="bg1"/>
               </a:solidFill>
@@ -13161,7 +14791,7 @@
               </a:lnSpc>
             </a:pPr>
             <a:r>
-              <a:rPr lang="en-GB" sz="2400" dirty="0">
+              <a:rPr lang="en-GB" sz="4000" dirty="0">
                 <a:solidFill>
                   <a:srgbClr val="36B7B4"/>
                 </a:solidFill>
@@ -13171,7 +14801,7 @@
               <a:t>1994.  </a:t>
             </a:r>
             <a:r>
-              <a:rPr lang="en-GB" sz="2400" dirty="0">
+              <a:rPr lang="en-GB" sz="4000" dirty="0">
                 <a:solidFill>
                   <a:schemeClr val="bg1"/>
                 </a:solidFill>
@@ -13188,7 +14818,7 @@
               </a:lnSpc>
             </a:pPr>
             <a:r>
-              <a:rPr lang="en-GB" sz="2400" dirty="0">
+              <a:rPr lang="en-GB" sz="4000" dirty="0">
                 <a:solidFill>
                   <a:schemeClr val="bg1"/>
                 </a:solidFill>
@@ -13205,7 +14835,7 @@
               </a:lnSpc>
             </a:pPr>
             <a:r>
-              <a:rPr lang="en-GB" sz="2400" dirty="0">
+              <a:rPr lang="en-GB" sz="4000" dirty="0">
                 <a:solidFill>
                   <a:schemeClr val="bg1"/>
                 </a:solidFill>
@@ -13222,7 +14852,7 @@
               </a:lnSpc>
             </a:pPr>
             <a:r>
-              <a:rPr lang="en-GB" sz="2400" dirty="0">
+              <a:rPr lang="en-GB" sz="4000" dirty="0">
                 <a:solidFill>
                   <a:schemeClr val="bg1"/>
                 </a:solidFill>
@@ -13238,7 +14868,7 @@
                 <a:spcPct val="150000"/>
               </a:lnSpc>
             </a:pPr>
-            <a:endParaRPr lang="en-GB" sz="1600" b="1" dirty="0">
+            <a:endParaRPr lang="en-GB" b="1" dirty="0">
               <a:solidFill>
                 <a:srgbClr val="36B7B4"/>
               </a:solidFill>
@@ -13252,7 +14882,7 @@
                 <a:spcPct val="150000"/>
               </a:lnSpc>
             </a:pPr>
-            <a:endParaRPr lang="en-GB" sz="1600" dirty="0">
+            <a:endParaRPr lang="en-GB" dirty="0">
               <a:solidFill>
                 <a:schemeClr val="bg1"/>
               </a:solidFill>
@@ -13266,7 +14896,7 @@
                 <a:spcPct val="150000"/>
               </a:lnSpc>
             </a:pPr>
-            <a:endParaRPr lang="en-GB" sz="1600" dirty="0">
+            <a:endParaRPr lang="en-GB" dirty="0">
               <a:solidFill>
                 <a:srgbClr val="0063AF"/>
               </a:solidFill>

--- a/2/s2_Building_your_first_website.pptx
+++ b/2/s2_Building_your_first_website.pptx
@@ -257,7 +257,7 @@
           <a:p>
             <a:fld id="{A9A5DA3C-BDF6-44EF-83ED-A29CA680A5AA}" type="datetimeFigureOut">
               <a:rPr lang="en-GB" smtClean="0"/>
-              <a:t>22/04/2024</a:t>
+              <a:t>10/07/2024</a:t>
             </a:fld>
             <a:endParaRPr lang="en-GB"/>
           </a:p>
@@ -674,7 +674,7 @@
           <a:p>
             <a:fld id="{1041D2DD-F029-4FB0-BB12-3B6037A6356B}" type="datetimeFigureOut">
               <a:rPr lang="en-GB" smtClean="0"/>
-              <a:t>22/04/2024</a:t>
+              <a:t>10/07/2024</a:t>
             </a:fld>
             <a:endParaRPr lang="en-GB"/>
           </a:p>
@@ -874,7 +874,7 @@
           <a:p>
             <a:fld id="{1041D2DD-F029-4FB0-BB12-3B6037A6356B}" type="datetimeFigureOut">
               <a:rPr lang="en-GB" smtClean="0"/>
-              <a:t>22/04/2024</a:t>
+              <a:t>10/07/2024</a:t>
             </a:fld>
             <a:endParaRPr lang="en-GB"/>
           </a:p>
@@ -1084,7 +1084,7 @@
           <a:p>
             <a:fld id="{1041D2DD-F029-4FB0-BB12-3B6037A6356B}" type="datetimeFigureOut">
               <a:rPr lang="en-GB" smtClean="0"/>
-              <a:t>22/04/2024</a:t>
+              <a:t>10/07/2024</a:t>
             </a:fld>
             <a:endParaRPr lang="en-GB"/>
           </a:p>
@@ -1288,7 +1288,7 @@
           <a:p>
             <a:fld id="{2E2C077B-C732-49E5-B20E-05DE29246531}" type="datetimeFigureOut">
               <a:rPr lang="en-GB" smtClean="0"/>
-              <a:t>22/04/2024</a:t>
+              <a:t>10/07/2024</a:t>
             </a:fld>
             <a:endParaRPr lang="en-GB"/>
           </a:p>
@@ -1458,7 +1458,7 @@
           <a:p>
             <a:fld id="{2E2C077B-C732-49E5-B20E-05DE29246531}" type="datetimeFigureOut">
               <a:rPr lang="en-GB" smtClean="0"/>
-              <a:t>22/04/2024</a:t>
+              <a:t>10/07/2024</a:t>
             </a:fld>
             <a:endParaRPr lang="en-GB"/>
           </a:p>
@@ -1704,7 +1704,7 @@
           <a:p>
             <a:fld id="{2E2C077B-C732-49E5-B20E-05DE29246531}" type="datetimeFigureOut">
               <a:rPr lang="en-GB" smtClean="0"/>
-              <a:t>22/04/2024</a:t>
+              <a:t>10/07/2024</a:t>
             </a:fld>
             <a:endParaRPr lang="en-GB"/>
           </a:p>
@@ -1936,7 +1936,7 @@
           <a:p>
             <a:fld id="{2E2C077B-C732-49E5-B20E-05DE29246531}" type="datetimeFigureOut">
               <a:rPr lang="en-GB" smtClean="0"/>
-              <a:t>22/04/2024</a:t>
+              <a:t>10/07/2024</a:t>
             </a:fld>
             <a:endParaRPr lang="en-GB"/>
           </a:p>
@@ -2303,7 +2303,7 @@
           <a:p>
             <a:fld id="{2E2C077B-C732-49E5-B20E-05DE29246531}" type="datetimeFigureOut">
               <a:rPr lang="en-GB" smtClean="0"/>
-              <a:t>22/04/2024</a:t>
+              <a:t>10/07/2024</a:t>
             </a:fld>
             <a:endParaRPr lang="en-GB"/>
           </a:p>
@@ -2421,7 +2421,7 @@
           <a:p>
             <a:fld id="{2E2C077B-C732-49E5-B20E-05DE29246531}" type="datetimeFigureOut">
               <a:rPr lang="en-GB" smtClean="0"/>
-              <a:t>22/04/2024</a:t>
+              <a:t>10/07/2024</a:t>
             </a:fld>
             <a:endParaRPr lang="en-GB"/>
           </a:p>
@@ -2516,7 +2516,7 @@
           <a:p>
             <a:fld id="{2E2C077B-C732-49E5-B20E-05DE29246531}" type="datetimeFigureOut">
               <a:rPr lang="en-GB" smtClean="0"/>
-              <a:t>22/04/2024</a:t>
+              <a:t>10/07/2024</a:t>
             </a:fld>
             <a:endParaRPr lang="en-GB"/>
           </a:p>
@@ -2793,7 +2793,7 @@
           <a:p>
             <a:fld id="{2E2C077B-C732-49E5-B20E-05DE29246531}" type="datetimeFigureOut">
               <a:rPr lang="en-GB" smtClean="0"/>
-              <a:t>22/04/2024</a:t>
+              <a:t>10/07/2024</a:t>
             </a:fld>
             <a:endParaRPr lang="en-GB"/>
           </a:p>
@@ -2981,7 +2981,7 @@
           <a:p>
             <a:fld id="{1041D2DD-F029-4FB0-BB12-3B6037A6356B}" type="datetimeFigureOut">
               <a:rPr lang="en-GB" smtClean="0"/>
-              <a:t>22/04/2024</a:t>
+              <a:t>10/07/2024</a:t>
             </a:fld>
             <a:endParaRPr lang="en-GB"/>
           </a:p>
@@ -3246,7 +3246,7 @@
           <a:p>
             <a:fld id="{2E2C077B-C732-49E5-B20E-05DE29246531}" type="datetimeFigureOut">
               <a:rPr lang="en-GB" smtClean="0"/>
-              <a:t>22/04/2024</a:t>
+              <a:t>10/07/2024</a:t>
             </a:fld>
             <a:endParaRPr lang="en-GB"/>
           </a:p>
@@ -3416,7 +3416,7 @@
           <a:p>
             <a:fld id="{2E2C077B-C732-49E5-B20E-05DE29246531}" type="datetimeFigureOut">
               <a:rPr lang="en-GB" smtClean="0"/>
-              <a:t>22/04/2024</a:t>
+              <a:t>10/07/2024</a:t>
             </a:fld>
             <a:endParaRPr lang="en-GB"/>
           </a:p>
@@ -3596,7 +3596,7 @@
           <a:p>
             <a:fld id="{2E2C077B-C732-49E5-B20E-05DE29246531}" type="datetimeFigureOut">
               <a:rPr lang="en-GB" smtClean="0"/>
-              <a:t>22/04/2024</a:t>
+              <a:t>10/07/2024</a:t>
             </a:fld>
             <a:endParaRPr lang="en-GB"/>
           </a:p>
@@ -3860,7 +3860,7 @@
           <a:p>
             <a:fld id="{1041D2DD-F029-4FB0-BB12-3B6037A6356B}" type="datetimeFigureOut">
               <a:rPr lang="en-GB" smtClean="0"/>
-              <a:t>22/04/2024</a:t>
+              <a:t>10/07/2024</a:t>
             </a:fld>
             <a:endParaRPr lang="en-GB"/>
           </a:p>
@@ -4128,7 +4128,7 @@
           <a:p>
             <a:fld id="{1041D2DD-F029-4FB0-BB12-3B6037A6356B}" type="datetimeFigureOut">
               <a:rPr lang="en-GB" smtClean="0"/>
-              <a:t>22/04/2024</a:t>
+              <a:t>10/07/2024</a:t>
             </a:fld>
             <a:endParaRPr lang="en-GB"/>
           </a:p>
@@ -4543,7 +4543,7 @@
           <a:p>
             <a:fld id="{1041D2DD-F029-4FB0-BB12-3B6037A6356B}" type="datetimeFigureOut">
               <a:rPr lang="en-GB" smtClean="0"/>
-              <a:t>22/04/2024</a:t>
+              <a:t>10/07/2024</a:t>
             </a:fld>
             <a:endParaRPr lang="en-GB"/>
           </a:p>
@@ -4685,7 +4685,7 @@
           <a:p>
             <a:fld id="{1041D2DD-F029-4FB0-BB12-3B6037A6356B}" type="datetimeFigureOut">
               <a:rPr lang="en-GB" smtClean="0"/>
-              <a:t>22/04/2024</a:t>
+              <a:t>10/07/2024</a:t>
             </a:fld>
             <a:endParaRPr lang="en-GB"/>
           </a:p>
@@ -4798,7 +4798,7 @@
           <a:p>
             <a:fld id="{1041D2DD-F029-4FB0-BB12-3B6037A6356B}" type="datetimeFigureOut">
               <a:rPr lang="en-GB" smtClean="0"/>
-              <a:t>22/04/2024</a:t>
+              <a:t>10/07/2024</a:t>
             </a:fld>
             <a:endParaRPr lang="en-GB"/>
           </a:p>
@@ -5111,7 +5111,7 @@
           <a:p>
             <a:fld id="{1041D2DD-F029-4FB0-BB12-3B6037A6356B}" type="datetimeFigureOut">
               <a:rPr lang="en-GB" smtClean="0"/>
-              <a:t>22/04/2024</a:t>
+              <a:t>10/07/2024</a:t>
             </a:fld>
             <a:endParaRPr lang="en-GB"/>
           </a:p>
@@ -5400,7 +5400,7 @@
           <a:p>
             <a:fld id="{1041D2DD-F029-4FB0-BB12-3B6037A6356B}" type="datetimeFigureOut">
               <a:rPr lang="en-GB" smtClean="0"/>
-              <a:t>22/04/2024</a:t>
+              <a:t>10/07/2024</a:t>
             </a:fld>
             <a:endParaRPr lang="en-GB"/>
           </a:p>
@@ -5643,7 +5643,7 @@
           <a:p>
             <a:fld id="{1041D2DD-F029-4FB0-BB12-3B6037A6356B}" type="datetimeFigureOut">
               <a:rPr lang="en-GB" smtClean="0"/>
-              <a:t>22/04/2024</a:t>
+              <a:t>10/07/2024</a:t>
             </a:fld>
             <a:endParaRPr lang="en-GB"/>
           </a:p>
@@ -6198,7 +6198,7 @@
           <a:p>
             <a:fld id="{2E2C077B-C732-49E5-B20E-05DE29246531}" type="datetimeFigureOut">
               <a:rPr lang="en-GB" smtClean="0"/>
-              <a:t>22/04/2024</a:t>
+              <a:t>10/07/2024</a:t>
             </a:fld>
             <a:endParaRPr lang="en-GB"/>
           </a:p>
@@ -6712,8 +6712,8 @@
                 <a:solidFill>
                   <a:schemeClr val="bg1"/>
                 </a:solidFill>
-                <a:latin typeface="Circular Std Book" panose="020B0604020101020102" pitchFamily="34" charset="0"/>
-                <a:cs typeface="Circular Std Book" panose="020B0604020101020102" pitchFamily="34" charset="0"/>
+                <a:latin typeface="Circular Std Book Italic" panose="020B0604020101020102" pitchFamily="34" charset="0"/>
+                <a:cs typeface="Circular Std Book Italic" panose="020B0604020101020102" pitchFamily="34" charset="0"/>
               </a:rPr>
               <a:t>CSS example</a:t>
             </a:r>
@@ -6722,8 +6722,8 @@
                 <a:solidFill>
                   <a:srgbClr val="F4C245"/>
                 </a:solidFill>
-                <a:latin typeface="Circular Std Book" panose="020B0604020101020102" pitchFamily="34" charset="0"/>
-                <a:cs typeface="Circular Std Book" panose="020B0604020101020102" pitchFamily="34" charset="0"/>
+                <a:latin typeface="Circular Std Book Italic" panose="020B0604020101020102" pitchFamily="34" charset="0"/>
+                <a:cs typeface="Circular Std Book Italic" panose="020B0604020101020102" pitchFamily="34" charset="0"/>
               </a:rPr>
               <a:t>.</a:t>
             </a:r>
@@ -6954,8 +6954,8 @@
                 <a:solidFill>
                   <a:schemeClr val="bg1"/>
                 </a:solidFill>
-                <a:latin typeface="Circular Std Book" panose="020B0604020101020102" pitchFamily="34" charset="0"/>
-                <a:cs typeface="Circular Std Book" panose="020B0604020101020102" pitchFamily="34" charset="0"/>
+                <a:latin typeface="Circular Std Book Italic" panose="020B0604020101020102" pitchFamily="34" charset="0"/>
+                <a:cs typeface="Circular Std Book Italic" panose="020B0604020101020102" pitchFamily="34" charset="0"/>
               </a:rPr>
               <a:t>Putting HTML and CSS together</a:t>
             </a:r>
@@ -6964,8 +6964,8 @@
                 <a:solidFill>
                   <a:srgbClr val="F4C245"/>
                 </a:solidFill>
-                <a:latin typeface="Circular Std Book" panose="020B0604020101020102" pitchFamily="34" charset="0"/>
-                <a:cs typeface="Circular Std Book" panose="020B0604020101020102" pitchFamily="34" charset="0"/>
+                <a:latin typeface="Circular Std Book Italic" panose="020B0604020101020102" pitchFamily="34" charset="0"/>
+                <a:cs typeface="Circular Std Book Italic" panose="020B0604020101020102" pitchFamily="34" charset="0"/>
               </a:rPr>
               <a:t>.</a:t>
             </a:r>
@@ -7007,8 +7007,8 @@
                     <a:lumMod val="95000"/>
                   </a:schemeClr>
                 </a:solidFill>
-                <a:latin typeface="Circular Std Book" panose="020B0604020101020102" pitchFamily="34" charset="0"/>
-                <a:cs typeface="Circular Std Book" panose="020B0604020101020102" pitchFamily="34" charset="0"/>
+                <a:latin typeface="Circular Std Book Italic" panose="020B0604020101020102" pitchFamily="34" charset="0"/>
+                <a:cs typeface="Circular Std Book Italic" panose="020B0604020101020102" pitchFamily="34" charset="0"/>
               </a:rPr>
               <a:t>To link an HTML page to a CSS file you specify the location in the head section of your page. </a:t>
             </a:r>
@@ -7017,8 +7017,8 @@
                 <a:solidFill>
                   <a:srgbClr val="0063AF"/>
                 </a:solidFill>
-                <a:latin typeface="Circular Std Book" panose="020B0604020101020102" pitchFamily="34" charset="0"/>
-                <a:cs typeface="Circular Std Book" panose="020B0604020101020102" pitchFamily="34" charset="0"/>
+                <a:latin typeface="Circular Std Book Italic" panose="020B0604020101020102" pitchFamily="34" charset="0"/>
+                <a:cs typeface="Circular Std Book Italic" panose="020B0604020101020102" pitchFamily="34" charset="0"/>
               </a:rPr>
             </a:br>
             <a:br>
@@ -7026,8 +7026,8 @@
                 <a:solidFill>
                   <a:srgbClr val="0063AF"/>
                 </a:solidFill>
-                <a:latin typeface="Circular Std Book" panose="020B0604020101020102" pitchFamily="34" charset="0"/>
-                <a:cs typeface="Circular Std Book" panose="020B0604020101020102" pitchFamily="34" charset="0"/>
+                <a:latin typeface="Circular Std Book Italic" panose="020B0604020101020102" pitchFamily="34" charset="0"/>
+                <a:cs typeface="Circular Std Book Italic" panose="020B0604020101020102" pitchFamily="34" charset="0"/>
               </a:rPr>
             </a:br>
             <a:r>
@@ -7388,8 +7388,8 @@
                     <a:lumMod val="95000"/>
                   </a:schemeClr>
                 </a:solidFill>
-                <a:latin typeface="Circular Std Book" panose="020B0604020101020102" pitchFamily="34" charset="0"/>
-                <a:cs typeface="Circular Std Book" panose="020B0604020101020102" pitchFamily="34" charset="0"/>
+                <a:latin typeface="Circular Std Book Italic" panose="020B0604020101020102" pitchFamily="34" charset="0"/>
+                <a:cs typeface="Circular Std Book Italic" panose="020B0604020101020102" pitchFamily="34" charset="0"/>
               </a:rPr>
               <a:t>The</a:t>
             </a:r>
@@ -7401,8 +7401,8 @@
                   </a:schemeClr>
                 </a:solidFill>
                 <a:effectLst/>
-                <a:latin typeface="Circular Std Book" panose="020B0604020101020102" pitchFamily="34" charset="0"/>
-                <a:cs typeface="Circular Std Book" panose="020B0604020101020102" pitchFamily="34" charset="0"/>
+                <a:latin typeface="Circular Std Book Italic" panose="020B0604020101020102" pitchFamily="34" charset="0"/>
+                <a:cs typeface="Circular Std Book Italic" panose="020B0604020101020102" pitchFamily="34" charset="0"/>
               </a:rPr>
               <a:t> page w</a:t>
             </a:r>
@@ -7413,8 +7413,8 @@
                     <a:lumMod val="95000"/>
                   </a:schemeClr>
                 </a:solidFill>
-                <a:latin typeface="Circular Std Book" panose="020B0604020101020102" pitchFamily="34" charset="0"/>
-                <a:cs typeface="Circular Std Book" panose="020B0604020101020102" pitchFamily="34" charset="0"/>
+                <a:latin typeface="Circular Std Book Italic" panose="020B0604020101020102" pitchFamily="34" charset="0"/>
+                <a:cs typeface="Circular Std Book Italic" panose="020B0604020101020102" pitchFamily="34" charset="0"/>
               </a:rPr>
               <a:t>ill now have the styles set out in the CSS file. </a:t>
             </a:r>
@@ -7502,8 +7502,8 @@
                 <a:solidFill>
                   <a:schemeClr val="bg1"/>
                 </a:solidFill>
-                <a:latin typeface="Circular Std Book" panose="020B0604020101020102" pitchFamily="34" charset="0"/>
-                <a:cs typeface="Circular Std Book" panose="020B0604020101020102" pitchFamily="34" charset="0"/>
+                <a:latin typeface="Circular Std Book Italic" panose="020B0604020101020102" pitchFamily="34" charset="0"/>
+                <a:cs typeface="Circular Std Book Italic" panose="020B0604020101020102" pitchFamily="34" charset="0"/>
               </a:rPr>
               <a:t>JavaScript</a:t>
             </a:r>
@@ -7512,8 +7512,8 @@
                 <a:solidFill>
                   <a:srgbClr val="F4C245"/>
                 </a:solidFill>
-                <a:latin typeface="Circular Std Book" panose="020B0604020101020102" pitchFamily="34" charset="0"/>
-                <a:cs typeface="Circular Std Book" panose="020B0604020101020102" pitchFamily="34" charset="0"/>
+                <a:latin typeface="Circular Std Book Italic" panose="020B0604020101020102" pitchFamily="34" charset="0"/>
+                <a:cs typeface="Circular Std Book Italic" panose="020B0604020101020102" pitchFamily="34" charset="0"/>
               </a:rPr>
               <a:t>.</a:t>
             </a:r>
@@ -7558,8 +7558,8 @@
                 <a:solidFill>
                   <a:srgbClr val="36B7B4"/>
                 </a:solidFill>
-                <a:latin typeface="Circular Std Book" panose="020B0604020101020102" pitchFamily="34" charset="0"/>
-                <a:cs typeface="Circular Std Book" panose="020B0604020101020102" pitchFamily="34" charset="0"/>
+                <a:latin typeface="Circular Std Book Italic" panose="020B0604020101020102" pitchFamily="34" charset="0"/>
+                <a:cs typeface="Circular Std Book Italic" panose="020B0604020101020102" pitchFamily="34" charset="0"/>
               </a:rPr>
               <a:t>History</a:t>
             </a:r>
@@ -7568,8 +7568,8 @@
                 <a:solidFill>
                   <a:schemeClr val="bg1"/>
                 </a:solidFill>
-                <a:latin typeface="Circular Std Book" panose="020B0604020101020102" pitchFamily="34" charset="0"/>
-                <a:cs typeface="Circular Std Book" panose="020B0604020101020102" pitchFamily="34" charset="0"/>
+                <a:latin typeface="Circular Std Book Italic" panose="020B0604020101020102" pitchFamily="34" charset="0"/>
+                <a:cs typeface="Circular Std Book Italic" panose="020B0604020101020102" pitchFamily="34" charset="0"/>
               </a:rPr>
               <a:t>.</a:t>
             </a:r>
@@ -7578,8 +7578,8 @@
                 <a:solidFill>
                   <a:srgbClr val="36B7B4"/>
                 </a:solidFill>
-                <a:latin typeface="Circular Std Book" panose="020B0604020101020102" pitchFamily="34" charset="0"/>
-                <a:cs typeface="Circular Std Book" panose="020B0604020101020102" pitchFamily="34" charset="0"/>
+                <a:latin typeface="Circular Std Book Italic" panose="020B0604020101020102" pitchFamily="34" charset="0"/>
+                <a:cs typeface="Circular Std Book Italic" panose="020B0604020101020102" pitchFamily="34" charset="0"/>
               </a:rPr>
               <a:t> </a:t>
             </a:r>
@@ -7588,8 +7588,8 @@
                 <a:solidFill>
                   <a:schemeClr val="bg1"/>
                 </a:solidFill>
-                <a:latin typeface="Circular Std Book" panose="020B0604020101020102" pitchFamily="34" charset="0"/>
-                <a:cs typeface="Circular Std Book" panose="020B0604020101020102" pitchFamily="34" charset="0"/>
+                <a:latin typeface="Circular Std Book Italic" panose="020B0604020101020102" pitchFamily="34" charset="0"/>
+                <a:cs typeface="Circular Std Book Italic" panose="020B0604020101020102" pitchFamily="34" charset="0"/>
               </a:rPr>
               <a:t>JS launched by Netscape in 1995. Key developer was </a:t>
             </a:r>
@@ -7598,8 +7598,8 @@
                 <a:solidFill>
                   <a:srgbClr val="36B7B4"/>
                 </a:solidFill>
-                <a:latin typeface="Circular Std Book" panose="020B0604020101020102" pitchFamily="34" charset="0"/>
-                <a:cs typeface="Circular Std Book" panose="020B0604020101020102" pitchFamily="34" charset="0"/>
+                <a:latin typeface="Circular Std Book Italic" panose="020B0604020101020102" pitchFamily="34" charset="0"/>
+                <a:cs typeface="Circular Std Book Italic" panose="020B0604020101020102" pitchFamily="34" charset="0"/>
               </a:rPr>
               <a:t>Brendan </a:t>
             </a:r>
@@ -7608,8 +7608,8 @@
                 <a:solidFill>
                   <a:srgbClr val="36B7B4"/>
                 </a:solidFill>
-                <a:latin typeface="Circular Std Book" panose="020B0604020101020102" pitchFamily="34" charset="0"/>
-                <a:cs typeface="Circular Std Book" panose="020B0604020101020102" pitchFamily="34" charset="0"/>
+                <a:latin typeface="Circular Std Book Italic" panose="020B0604020101020102" pitchFamily="34" charset="0"/>
+                <a:cs typeface="Circular Std Book Italic" panose="020B0604020101020102" pitchFamily="34" charset="0"/>
               </a:rPr>
               <a:t>Eich</a:t>
             </a:r>
@@ -7618,8 +7618,8 @@
                 <a:solidFill>
                   <a:srgbClr val="36B7B4"/>
                 </a:solidFill>
-                <a:latin typeface="Circular Std Book" panose="020B0604020101020102" pitchFamily="34" charset="0"/>
-                <a:cs typeface="Circular Std Book" panose="020B0604020101020102" pitchFamily="34" charset="0"/>
+                <a:latin typeface="Circular Std Book Italic" panose="020B0604020101020102" pitchFamily="34" charset="0"/>
+                <a:cs typeface="Circular Std Book Italic" panose="020B0604020101020102" pitchFamily="34" charset="0"/>
               </a:rPr>
               <a:t>. </a:t>
             </a:r>
@@ -7628,8 +7628,8 @@
                 <a:solidFill>
                   <a:schemeClr val="bg1"/>
                 </a:solidFill>
-                <a:latin typeface="Circular Std Book" panose="020B0604020101020102" pitchFamily="34" charset="0"/>
-                <a:cs typeface="Circular Std Book" panose="020B0604020101020102" pitchFamily="34" charset="0"/>
+                <a:latin typeface="Circular Std Book Italic" panose="020B0604020101020102" pitchFamily="34" charset="0"/>
+                <a:cs typeface="Circular Std Book Italic" panose="020B0604020101020102" pitchFamily="34" charset="0"/>
               </a:rPr>
               <a:t>Brief war with Microsoft before widespread adoption. Now used in almost all (&gt;95%) of web sites.</a:t>
             </a:r>
@@ -7645,8 +7645,8 @@
                 <a:solidFill>
                   <a:srgbClr val="36B7B4"/>
                 </a:solidFill>
-                <a:latin typeface="Circular Std Book" panose="020B0604020101020102" pitchFamily="34" charset="0"/>
-                <a:cs typeface="Circular Std Book" panose="020B0604020101020102" pitchFamily="34" charset="0"/>
+                <a:latin typeface="Circular Std Book Italic" panose="020B0604020101020102" pitchFamily="34" charset="0"/>
+                <a:cs typeface="Circular Std Book Italic" panose="020B0604020101020102" pitchFamily="34" charset="0"/>
               </a:rPr>
               <a:t>In Data Science.</a:t>
             </a:r>
@@ -7655,8 +7655,8 @@
                 <a:solidFill>
                   <a:schemeClr val="bg1"/>
                 </a:solidFill>
-                <a:latin typeface="Circular Std Book" panose="020B0604020101020102" pitchFamily="34" charset="0"/>
-                <a:cs typeface="Circular Std Book" panose="020B0604020101020102" pitchFamily="34" charset="0"/>
+                <a:latin typeface="Circular Std Book Italic" panose="020B0604020101020102" pitchFamily="34" charset="0"/>
+                <a:cs typeface="Circular Std Book Italic" panose="020B0604020101020102" pitchFamily="34" charset="0"/>
               </a:rPr>
               <a:t> Some uses of JS.</a:t>
             </a:r>
@@ -7672,8 +7672,8 @@
                 <a:solidFill>
                   <a:srgbClr val="36B7B4"/>
                 </a:solidFill>
-                <a:latin typeface="Circular Std Book" panose="020B0604020101020102" pitchFamily="34" charset="0"/>
-                <a:cs typeface="Circular Std Book" panose="020B0604020101020102" pitchFamily="34" charset="0"/>
+                <a:latin typeface="Circular Std Book Italic" panose="020B0604020101020102" pitchFamily="34" charset="0"/>
+                <a:cs typeface="Circular Std Book Italic" panose="020B0604020101020102" pitchFamily="34" charset="0"/>
               </a:rPr>
               <a:t>Fetching data</a:t>
             </a:r>
@@ -7682,8 +7682,8 @@
                 <a:solidFill>
                   <a:schemeClr val="bg1"/>
                 </a:solidFill>
-                <a:latin typeface="Circular Std Book" panose="020B0604020101020102" pitchFamily="34" charset="0"/>
-                <a:cs typeface="Circular Std Book" panose="020B0604020101020102" pitchFamily="34" charset="0"/>
+                <a:latin typeface="Circular Std Book Italic" panose="020B0604020101020102" pitchFamily="34" charset="0"/>
+                <a:cs typeface="Circular Std Book Italic" panose="020B0604020101020102" pitchFamily="34" charset="0"/>
               </a:rPr>
               <a:t>. Grab data from another site, via an API, when you open your page. </a:t>
             </a:r>
@@ -7699,8 +7699,8 @@
                 <a:solidFill>
                   <a:srgbClr val="36B7B4"/>
                 </a:solidFill>
-                <a:latin typeface="Circular Std Book" panose="020B0604020101020102" pitchFamily="34" charset="0"/>
-                <a:cs typeface="Circular Std Book" panose="020B0604020101020102" pitchFamily="34" charset="0"/>
+                <a:latin typeface="Circular Std Book Italic" panose="020B0604020101020102" pitchFamily="34" charset="0"/>
+                <a:cs typeface="Circular Std Book Italic" panose="020B0604020101020102" pitchFamily="34" charset="0"/>
               </a:rPr>
               <a:t>Cleaning and manipulating data</a:t>
             </a:r>
@@ -7709,8 +7709,8 @@
                 <a:solidFill>
                   <a:schemeClr val="bg1"/>
                 </a:solidFill>
-                <a:latin typeface="Circular Std Book" panose="020B0604020101020102" pitchFamily="34" charset="0"/>
-                <a:cs typeface="Circular Std Book" panose="020B0604020101020102" pitchFamily="34" charset="0"/>
+                <a:latin typeface="Circular Std Book Italic" panose="020B0604020101020102" pitchFamily="34" charset="0"/>
+                <a:cs typeface="Circular Std Book Italic" panose="020B0604020101020102" pitchFamily="34" charset="0"/>
               </a:rPr>
               <a:t>. Prepare and analyse the data for use in a chart or table. </a:t>
             </a:r>
@@ -7726,8 +7726,8 @@
                 <a:solidFill>
                   <a:srgbClr val="36B7B4"/>
                 </a:solidFill>
-                <a:latin typeface="Circular Std Book" panose="020B0604020101020102" pitchFamily="34" charset="0"/>
-                <a:cs typeface="Circular Std Book" panose="020B0604020101020102" pitchFamily="34" charset="0"/>
+                <a:latin typeface="Circular Std Book Italic" panose="020B0604020101020102" pitchFamily="34" charset="0"/>
+                <a:cs typeface="Circular Std Book Italic" panose="020B0604020101020102" pitchFamily="34" charset="0"/>
               </a:rPr>
               <a:t>Visualising data</a:t>
             </a:r>
@@ -7736,8 +7736,8 @@
                 <a:solidFill>
                   <a:schemeClr val="bg1"/>
                 </a:solidFill>
-                <a:latin typeface="Circular Std Book" panose="020B0604020101020102" pitchFamily="34" charset="0"/>
-                <a:cs typeface="Circular Std Book" panose="020B0604020101020102" pitchFamily="34" charset="0"/>
+                <a:latin typeface="Circular Std Book Italic" panose="020B0604020101020102" pitchFamily="34" charset="0"/>
+                <a:cs typeface="Circular Std Book Italic" panose="020B0604020101020102" pitchFamily="34" charset="0"/>
               </a:rPr>
               <a:t>.</a:t>
             </a:r>
@@ -7746,8 +7746,8 @@
                 <a:solidFill>
                   <a:srgbClr val="36B7B4"/>
                 </a:solidFill>
-                <a:latin typeface="Circular Std Book" panose="020B0604020101020102" pitchFamily="34" charset="0"/>
-                <a:cs typeface="Circular Std Book" panose="020B0604020101020102" pitchFamily="34" charset="0"/>
+                <a:latin typeface="Circular Std Book Italic" panose="020B0604020101020102" pitchFamily="34" charset="0"/>
+                <a:cs typeface="Circular Std Book Italic" panose="020B0604020101020102" pitchFamily="34" charset="0"/>
               </a:rPr>
               <a:t> </a:t>
             </a:r>
@@ -7756,8 +7756,8 @@
                 <a:solidFill>
                   <a:schemeClr val="bg1"/>
                 </a:solidFill>
-                <a:latin typeface="Circular Std Book" panose="020B0604020101020102" pitchFamily="34" charset="0"/>
-                <a:cs typeface="Circular Std Book" panose="020B0604020101020102" pitchFamily="34" charset="0"/>
+                <a:latin typeface="Circular Std Book Italic" panose="020B0604020101020102" pitchFamily="34" charset="0"/>
+                <a:cs typeface="Circular Std Book Italic" panose="020B0604020101020102" pitchFamily="34" charset="0"/>
               </a:rPr>
               <a:t>Display the data in a way you wish. There are lots of charting “libraries” that do this. For example, Vega Lite and Charts.js. </a:t>
             </a:r>
@@ -7773,8 +7773,8 @@
                 <a:solidFill>
                   <a:srgbClr val="36B7B4"/>
                 </a:solidFill>
-                <a:latin typeface="Circular Std Book" panose="020B0604020101020102" pitchFamily="34" charset="0"/>
-                <a:cs typeface="Circular Std Book" panose="020B0604020101020102" pitchFamily="34" charset="0"/>
+                <a:latin typeface="Circular Std Book Italic" panose="020B0604020101020102" pitchFamily="34" charset="0"/>
+                <a:cs typeface="Circular Std Book Italic" panose="020B0604020101020102" pitchFamily="34" charset="0"/>
               </a:rPr>
               <a:t>Interactivity</a:t>
             </a:r>
@@ -7783,8 +7783,8 @@
                 <a:solidFill>
                   <a:schemeClr val="bg1"/>
                 </a:solidFill>
-                <a:latin typeface="Circular Std Book" panose="020B0604020101020102" pitchFamily="34" charset="0"/>
-                <a:cs typeface="Circular Std Book" panose="020B0604020101020102" pitchFamily="34" charset="0"/>
+                <a:latin typeface="Circular Std Book Italic" panose="020B0604020101020102" pitchFamily="34" charset="0"/>
+                <a:cs typeface="Circular Std Book Italic" panose="020B0604020101020102" pitchFamily="34" charset="0"/>
               </a:rPr>
               <a:t>. Make visualisations interactive + sites fun and engaging. </a:t>
             </a:r>
@@ -7799,8 +7799,8 @@
               <a:solidFill>
                 <a:schemeClr val="bg1"/>
               </a:solidFill>
-              <a:latin typeface="Circular Std Book" panose="020B0604020101020102" pitchFamily="34" charset="0"/>
-              <a:cs typeface="Circular Std Book" panose="020B0604020101020102" pitchFamily="34" charset="0"/>
+              <a:latin typeface="Circular Std Book Italic" panose="020B0604020101020102" pitchFamily="34" charset="0"/>
+              <a:cs typeface="Circular Std Book Italic" panose="020B0604020101020102" pitchFamily="34" charset="0"/>
             </a:endParaRPr>
           </a:p>
           <a:p>
@@ -7813,8 +7813,8 @@
               <a:solidFill>
                 <a:srgbClr val="36B7B4"/>
               </a:solidFill>
-              <a:latin typeface="Circular Std Book" panose="020B0604020101020102" pitchFamily="34" charset="0"/>
-              <a:cs typeface="Circular Std Book" panose="020B0604020101020102" pitchFamily="34" charset="0"/>
+              <a:latin typeface="Circular Std Book Italic" panose="020B0604020101020102" pitchFamily="34" charset="0"/>
+              <a:cs typeface="Circular Std Book Italic" panose="020B0604020101020102" pitchFamily="34" charset="0"/>
             </a:endParaRPr>
           </a:p>
           <a:p>
@@ -7827,8 +7827,8 @@
               <a:solidFill>
                 <a:schemeClr val="bg1"/>
               </a:solidFill>
-              <a:latin typeface="Circular Std Book" panose="020B0604020101020102" pitchFamily="34" charset="0"/>
-              <a:cs typeface="Circular Std Book" panose="020B0604020101020102" pitchFamily="34" charset="0"/>
+              <a:latin typeface="Circular Std Book Italic" panose="020B0604020101020102" pitchFamily="34" charset="0"/>
+              <a:cs typeface="Circular Std Book Italic" panose="020B0604020101020102" pitchFamily="34" charset="0"/>
             </a:endParaRPr>
           </a:p>
           <a:p>
@@ -7841,8 +7841,8 @@
               <a:solidFill>
                 <a:srgbClr val="0063AF"/>
               </a:solidFill>
-              <a:latin typeface="Circular Std Book" panose="020B0604020101020102" pitchFamily="34" charset="0"/>
-              <a:cs typeface="Circular Std Book" panose="020B0604020101020102" pitchFamily="34" charset="0"/>
+              <a:latin typeface="Circular Std Book Italic" panose="020B0604020101020102" pitchFamily="34" charset="0"/>
+              <a:cs typeface="Circular Std Book Italic" panose="020B0604020101020102" pitchFamily="34" charset="0"/>
             </a:endParaRPr>
           </a:p>
         </p:txBody>
@@ -7927,8 +7927,8 @@
                 <a:solidFill>
                   <a:schemeClr val="bg1"/>
                 </a:solidFill>
-                <a:latin typeface="Circular Std Book" panose="020B0604020101020102" pitchFamily="34" charset="0"/>
-                <a:cs typeface="Circular Std Book" panose="020B0604020101020102" pitchFamily="34" charset="0"/>
+                <a:latin typeface="Circular Std Book Italic" panose="020B0604020101020102" pitchFamily="34" charset="0"/>
+                <a:cs typeface="Circular Std Book Italic" panose="020B0604020101020102" pitchFamily="34" charset="0"/>
               </a:rPr>
               <a:t>JavaScript example</a:t>
             </a:r>
@@ -7937,8 +7937,8 @@
                 <a:solidFill>
                   <a:srgbClr val="F4C245"/>
                 </a:solidFill>
-                <a:latin typeface="Circular Std Book" panose="020B0604020101020102" pitchFamily="34" charset="0"/>
-                <a:cs typeface="Circular Std Book" panose="020B0604020101020102" pitchFamily="34" charset="0"/>
+                <a:latin typeface="Circular Std Book Italic" panose="020B0604020101020102" pitchFamily="34" charset="0"/>
+                <a:cs typeface="Circular Std Book Italic" panose="020B0604020101020102" pitchFamily="34" charset="0"/>
               </a:rPr>
               <a:t>.</a:t>
             </a:r>
@@ -9378,8 +9378,8 @@
                 <a:solidFill>
                   <a:schemeClr val="bg1"/>
                 </a:solidFill>
-                <a:latin typeface="Circular Std Book" panose="020B0604020101020102" pitchFamily="34" charset="0"/>
-                <a:cs typeface="Circular Std Book" panose="020B0604020101020102" pitchFamily="34" charset="0"/>
+                <a:latin typeface="Circular Std Book Italic" panose="020B0604020101020102" pitchFamily="34" charset="0"/>
+                <a:cs typeface="Circular Std Book Italic" panose="020B0604020101020102" pitchFamily="34" charset="0"/>
               </a:rPr>
               <a:t>JavaScript example</a:t>
             </a:r>
@@ -9388,8 +9388,8 @@
                 <a:solidFill>
                   <a:srgbClr val="F4C245"/>
                 </a:solidFill>
-                <a:latin typeface="Circular Std Book" panose="020B0604020101020102" pitchFamily="34" charset="0"/>
-                <a:cs typeface="Circular Std Book" panose="020B0604020101020102" pitchFamily="34" charset="0"/>
+                <a:latin typeface="Circular Std Book Italic" panose="020B0604020101020102" pitchFamily="34" charset="0"/>
+                <a:cs typeface="Circular Std Book Italic" panose="020B0604020101020102" pitchFamily="34" charset="0"/>
               </a:rPr>
               <a:t>.</a:t>
             </a:r>
@@ -11024,8 +11024,8 @@
                 <a:solidFill>
                   <a:schemeClr val="bg1"/>
                 </a:solidFill>
-                <a:latin typeface="Circular Std Book" panose="020B0604020101020102" pitchFamily="34" charset="0"/>
-                <a:cs typeface="Circular Std Book" panose="020B0604020101020102" pitchFamily="34" charset="0"/>
+                <a:latin typeface="Circular Std Book Italic" panose="020B0604020101020102" pitchFamily="34" charset="0"/>
+                <a:cs typeface="Circular Std Book Italic" panose="020B0604020101020102" pitchFamily="34" charset="0"/>
               </a:rPr>
               <a:t>Session 2</a:t>
             </a:r>
@@ -11034,8 +11034,8 @@
                 <a:solidFill>
                   <a:srgbClr val="F4C245"/>
                 </a:solidFill>
-                <a:latin typeface="Circular Std Book" panose="020B0604020101020102" pitchFamily="34" charset="0"/>
-                <a:cs typeface="Circular Std Book" panose="020B0604020101020102" pitchFamily="34" charset="0"/>
+                <a:latin typeface="Circular Std Book Italic" panose="020B0604020101020102" pitchFamily="34" charset="0"/>
+                <a:cs typeface="Circular Std Book Italic" panose="020B0604020101020102" pitchFamily="34" charset="0"/>
               </a:rPr>
               <a:t>.</a:t>
             </a:r>
@@ -11044,8 +11044,8 @@
                 <a:solidFill>
                   <a:srgbClr val="36B7B4"/>
                 </a:solidFill>
-                <a:latin typeface="Circular Std Book" panose="020B0604020101020102" pitchFamily="34" charset="0"/>
-                <a:cs typeface="Circular Std Book" panose="020B0604020101020102" pitchFamily="34" charset="0"/>
+                <a:latin typeface="Circular Std Book Italic" panose="020B0604020101020102" pitchFamily="34" charset="0"/>
+                <a:cs typeface="Circular Std Book Italic" panose="020B0604020101020102" pitchFamily="34" charset="0"/>
               </a:rPr>
             </a:br>
             <a:r>
@@ -11274,8 +11274,8 @@
                 <a:solidFill>
                   <a:schemeClr val="bg1"/>
                 </a:solidFill>
-                <a:latin typeface="Circular Std Book" panose="020B0604020101020102" pitchFamily="34" charset="0"/>
-                <a:cs typeface="Circular Std Book" panose="020B0604020101020102" pitchFamily="34" charset="0"/>
+                <a:latin typeface="Circular Std Book Italic" panose="020B0604020101020102" pitchFamily="34" charset="0"/>
+                <a:cs typeface="Circular Std Book Italic" panose="020B0604020101020102" pitchFamily="34" charset="0"/>
               </a:rPr>
               <a:t>Session 2</a:t>
             </a:r>
@@ -11284,8 +11284,8 @@
                 <a:solidFill>
                   <a:srgbClr val="36B7B4"/>
                 </a:solidFill>
-                <a:latin typeface="Circular Std Book" panose="020B0604020101020102" pitchFamily="34" charset="0"/>
-                <a:cs typeface="Circular Std Book" panose="020B0604020101020102" pitchFamily="34" charset="0"/>
+                <a:latin typeface="Circular Std Book Italic" panose="020B0604020101020102" pitchFamily="34" charset="0"/>
+                <a:cs typeface="Circular Std Book Italic" panose="020B0604020101020102" pitchFamily="34" charset="0"/>
               </a:rPr>
               <a:t>.</a:t>
             </a:r>
@@ -11294,8 +11294,8 @@
                 <a:solidFill>
                   <a:srgbClr val="36B7B4"/>
                 </a:solidFill>
-                <a:latin typeface="Circular Std Book" panose="020B0604020101020102" pitchFamily="34" charset="0"/>
-                <a:cs typeface="Circular Std Book" panose="020B0604020101020102" pitchFamily="34" charset="0"/>
+                <a:latin typeface="Circular Std Book Italic" panose="020B0604020101020102" pitchFamily="34" charset="0"/>
+                <a:cs typeface="Circular Std Book Italic" panose="020B0604020101020102" pitchFamily="34" charset="0"/>
               </a:rPr>
             </a:br>
             <a:r>
@@ -11538,8 +11538,8 @@
                 <a:solidFill>
                   <a:schemeClr val="bg1"/>
                 </a:solidFill>
-                <a:latin typeface="Circular Std Book" panose="020B0604020101020102" pitchFamily="34" charset="0"/>
-                <a:cs typeface="Circular Std Book" panose="020B0604020101020102" pitchFamily="34" charset="0"/>
+                <a:latin typeface="Circular Std Book Italic" panose="020B0604020101020102" pitchFamily="34" charset="0"/>
+                <a:cs typeface="Circular Std Book Italic" panose="020B0604020101020102" pitchFamily="34" charset="0"/>
               </a:rPr>
               <a:t>Code-along</a:t>
             </a:r>
@@ -11548,8 +11548,8 @@
                 <a:solidFill>
                   <a:srgbClr val="F4C245"/>
                 </a:solidFill>
-                <a:latin typeface="Circular Std Book" panose="020B0604020101020102" pitchFamily="34" charset="0"/>
-                <a:cs typeface="Circular Std Book" panose="020B0604020101020102" pitchFamily="34" charset="0"/>
+                <a:latin typeface="Circular Std Book Italic" panose="020B0604020101020102" pitchFamily="34" charset="0"/>
+                <a:cs typeface="Circular Std Book Italic" panose="020B0604020101020102" pitchFamily="34" charset="0"/>
               </a:rPr>
               <a:t>.</a:t>
             </a:r>
@@ -11558,8 +11558,8 @@
                 <a:solidFill>
                   <a:srgbClr val="36B7B4"/>
                 </a:solidFill>
-                <a:latin typeface="Circular Std Book" panose="020B0604020101020102" pitchFamily="34" charset="0"/>
-                <a:cs typeface="Circular Std Book" panose="020B0604020101020102" pitchFamily="34" charset="0"/>
+                <a:latin typeface="Circular Std Book Italic" panose="020B0604020101020102" pitchFamily="34" charset="0"/>
+                <a:cs typeface="Circular Std Book Italic" panose="020B0604020101020102" pitchFamily="34" charset="0"/>
               </a:rPr>
             </a:br>
             <a:endParaRPr lang="en-GB" dirty="0">
@@ -11568,8 +11568,8 @@
                   <a:lumMod val="95000"/>
                 </a:schemeClr>
               </a:solidFill>
-              <a:latin typeface="Circular Std Book" panose="020B0604020101020102" pitchFamily="34" charset="0"/>
-              <a:cs typeface="Circular Std Book" panose="020B0604020101020102" pitchFamily="34" charset="0"/>
+              <a:latin typeface="Circular Std Book Italic" panose="020B0604020101020102" pitchFamily="34" charset="0"/>
+              <a:cs typeface="Circular Std Book Italic" panose="020B0604020101020102" pitchFamily="34" charset="0"/>
             </a:endParaRPr>
           </a:p>
         </p:txBody>
@@ -11607,8 +11607,8 @@
                 <a:solidFill>
                   <a:schemeClr val="bg1"/>
                 </a:solidFill>
-                <a:latin typeface="Circular Std Book" panose="020B0604020101020102" pitchFamily="34" charset="0"/>
-                <a:cs typeface="Circular Std Book" panose="020B0604020101020102" pitchFamily="34" charset="0"/>
+                <a:latin typeface="Circular Std Book Italic" panose="020B0604020101020102" pitchFamily="34" charset="0"/>
+                <a:cs typeface="Circular Std Book Italic" panose="020B0604020101020102" pitchFamily="34" charset="0"/>
               </a:rPr>
               <a:t>In this second practical session, we will be using </a:t>
             </a:r>
@@ -11617,8 +11617,8 @@
                 <a:solidFill>
                   <a:srgbClr val="36B7B4"/>
                 </a:solidFill>
-                <a:latin typeface="Circular Std Book" panose="020B0604020101020102" pitchFamily="34" charset="0"/>
-                <a:cs typeface="Circular Std Book" panose="020B0604020101020102" pitchFamily="34" charset="0"/>
+                <a:latin typeface="Circular Std Book Italic" panose="020B0604020101020102" pitchFamily="34" charset="0"/>
+                <a:cs typeface="Circular Std Book Italic" panose="020B0604020101020102" pitchFamily="34" charset="0"/>
               </a:rPr>
               <a:t>VS Code </a:t>
             </a:r>
@@ -11627,8 +11627,8 @@
                 <a:solidFill>
                   <a:schemeClr val="bg1"/>
                 </a:solidFill>
-                <a:latin typeface="Circular Std Book" panose="020B0604020101020102" pitchFamily="34" charset="0"/>
-                <a:cs typeface="Circular Std Book" panose="020B0604020101020102" pitchFamily="34" charset="0"/>
+                <a:latin typeface="Circular Std Book Italic" panose="020B0604020101020102" pitchFamily="34" charset="0"/>
+                <a:cs typeface="Circular Std Book Italic" panose="020B0604020101020102" pitchFamily="34" charset="0"/>
               </a:rPr>
               <a:t>and </a:t>
             </a:r>
@@ -11637,8 +11637,8 @@
                 <a:solidFill>
                   <a:srgbClr val="36B7B4"/>
                 </a:solidFill>
-                <a:latin typeface="Circular Std Book" panose="020B0604020101020102" pitchFamily="34" charset="0"/>
-                <a:cs typeface="Circular Std Book" panose="020B0604020101020102" pitchFamily="34" charset="0"/>
+                <a:latin typeface="Circular Std Book Italic" panose="020B0604020101020102" pitchFamily="34" charset="0"/>
+                <a:cs typeface="Circular Std Book Italic" panose="020B0604020101020102" pitchFamily="34" charset="0"/>
               </a:rPr>
               <a:t>GitHub</a:t>
             </a:r>
@@ -11647,8 +11647,8 @@
                 <a:solidFill>
                   <a:schemeClr val="bg1"/>
                 </a:solidFill>
-                <a:latin typeface="Circular Std Book" panose="020B0604020101020102" pitchFamily="34" charset="0"/>
-                <a:cs typeface="Circular Std Book" panose="020B0604020101020102" pitchFamily="34" charset="0"/>
+                <a:latin typeface="Circular Std Book Italic" panose="020B0604020101020102" pitchFamily="34" charset="0"/>
+                <a:cs typeface="Circular Std Book Italic" panose="020B0604020101020102" pitchFamily="34" charset="0"/>
               </a:rPr>
               <a:t> to build your personal website.</a:t>
             </a:r>
@@ -11658,8 +11658,8 @@
               <a:solidFill>
                 <a:schemeClr val="bg1"/>
               </a:solidFill>
-              <a:latin typeface="Circular Std Book" panose="020B0604020101020102" pitchFamily="34" charset="0"/>
-              <a:cs typeface="Circular Std Book" panose="020B0604020101020102" pitchFamily="34" charset="0"/>
+              <a:latin typeface="Circular Std Book Italic" panose="020B0604020101020102" pitchFamily="34" charset="0"/>
+              <a:cs typeface="Circular Std Book Italic" panose="020B0604020101020102" pitchFamily="34" charset="0"/>
             </a:endParaRPr>
           </a:p>
           <a:p>
@@ -11672,8 +11672,8 @@
                 <a:solidFill>
                   <a:schemeClr val="bg1"/>
                 </a:solidFill>
-                <a:latin typeface="Circular Std Book" panose="020B0604020101020102" pitchFamily="34" charset="0"/>
-                <a:cs typeface="Circular Std Book" panose="020B0604020101020102" pitchFamily="34" charset="0"/>
+                <a:latin typeface="Circular Std Book Italic" panose="020B0604020101020102" pitchFamily="34" charset="0"/>
+                <a:cs typeface="Circular Std Book Italic" panose="020B0604020101020102" pitchFamily="34" charset="0"/>
               </a:rPr>
               <a:t>Edit your </a:t>
             </a:r>
@@ -11682,8 +11682,8 @@
                 <a:solidFill>
                   <a:srgbClr val="36B7B4"/>
                 </a:solidFill>
-                <a:latin typeface="Circular Std Book" panose="020B0604020101020102" pitchFamily="34" charset="0"/>
-                <a:cs typeface="Circular Std Book" panose="020B0604020101020102" pitchFamily="34" charset="0"/>
+                <a:latin typeface="Circular Std Book Italic" panose="020B0604020101020102" pitchFamily="34" charset="0"/>
+                <a:cs typeface="Circular Std Book Italic" panose="020B0604020101020102" pitchFamily="34" charset="0"/>
               </a:rPr>
               <a:t>HTML </a:t>
             </a:r>
@@ -11692,8 +11692,8 @@
                 <a:solidFill>
                   <a:schemeClr val="bg1"/>
                 </a:solidFill>
-                <a:latin typeface="Circular Std Book" panose="020B0604020101020102" pitchFamily="34" charset="0"/>
-                <a:cs typeface="Circular Std Book" panose="020B0604020101020102" pitchFamily="34" charset="0"/>
+                <a:latin typeface="Circular Std Book Italic" panose="020B0604020101020102" pitchFamily="34" charset="0"/>
+                <a:cs typeface="Circular Std Book Italic" panose="020B0604020101020102" pitchFamily="34" charset="0"/>
               </a:rPr>
               <a:t>(name, bio, etc)</a:t>
             </a:r>
@@ -11708,8 +11708,8 @@
                 <a:solidFill>
                   <a:schemeClr val="bg1"/>
                 </a:solidFill>
-                <a:latin typeface="Circular Std Book" panose="020B0604020101020102" pitchFamily="34" charset="0"/>
-                <a:cs typeface="Circular Std Book" panose="020B0604020101020102" pitchFamily="34" charset="0"/>
+                <a:latin typeface="Circular Std Book Italic" panose="020B0604020101020102" pitchFamily="34" charset="0"/>
+                <a:cs typeface="Circular Std Book Italic" panose="020B0604020101020102" pitchFamily="34" charset="0"/>
               </a:rPr>
               <a:t>Add some </a:t>
             </a:r>
@@ -11718,8 +11718,8 @@
                 <a:solidFill>
                   <a:srgbClr val="36B7B4"/>
                 </a:solidFill>
-                <a:latin typeface="Circular Std Book" panose="020B0604020101020102" pitchFamily="34" charset="0"/>
-                <a:cs typeface="Circular Std Book" panose="020B0604020101020102" pitchFamily="34" charset="0"/>
+                <a:latin typeface="Circular Std Book Italic" panose="020B0604020101020102" pitchFamily="34" charset="0"/>
+                <a:cs typeface="Circular Std Book Italic" panose="020B0604020101020102" pitchFamily="34" charset="0"/>
               </a:rPr>
               <a:t>CSS </a:t>
             </a:r>
@@ -11728,8 +11728,8 @@
                 <a:solidFill>
                   <a:schemeClr val="bg1"/>
                 </a:solidFill>
-                <a:latin typeface="Circular Std Book" panose="020B0604020101020102" pitchFamily="34" charset="0"/>
-                <a:cs typeface="Circular Std Book" panose="020B0604020101020102" pitchFamily="34" charset="0"/>
+                <a:latin typeface="Circular Std Book Italic" panose="020B0604020101020102" pitchFamily="34" charset="0"/>
+                <a:cs typeface="Circular Std Book Italic" panose="020B0604020101020102" pitchFamily="34" charset="0"/>
               </a:rPr>
               <a:t>(choose colours, fonts, etc)</a:t>
             </a:r>
@@ -11744,8 +11744,8 @@
                 <a:solidFill>
                   <a:schemeClr val="bg1"/>
                 </a:solidFill>
-                <a:latin typeface="Circular Std Book" panose="020B0604020101020102" pitchFamily="34" charset="0"/>
-                <a:cs typeface="Circular Std Book" panose="020B0604020101020102" pitchFamily="34" charset="0"/>
+                <a:latin typeface="Circular Std Book Italic" panose="020B0604020101020102" pitchFamily="34" charset="0"/>
+                <a:cs typeface="Circular Std Book Italic" panose="020B0604020101020102" pitchFamily="34" charset="0"/>
               </a:rPr>
               <a:t>Embed an example </a:t>
             </a:r>
@@ -11754,8 +11754,8 @@
                 <a:solidFill>
                   <a:srgbClr val="36B7B4"/>
                 </a:solidFill>
-                <a:latin typeface="Circular Std Book" panose="020B0604020101020102" pitchFamily="34" charset="0"/>
-                <a:cs typeface="Circular Std Book" panose="020B0604020101020102" pitchFamily="34" charset="0"/>
+                <a:latin typeface="Circular Std Book Italic" panose="020B0604020101020102" pitchFamily="34" charset="0"/>
+                <a:cs typeface="Circular Std Book Italic" panose="020B0604020101020102" pitchFamily="34" charset="0"/>
               </a:rPr>
               <a:t>JSON</a:t>
             </a:r>
@@ -11764,8 +11764,8 @@
                 <a:solidFill>
                   <a:schemeClr val="bg1"/>
                 </a:solidFill>
-                <a:latin typeface="Circular Std Book" panose="020B0604020101020102" pitchFamily="34" charset="0"/>
-                <a:cs typeface="Circular Std Book" panose="020B0604020101020102" pitchFamily="34" charset="0"/>
+                <a:latin typeface="Circular Std Book Italic" panose="020B0604020101020102" pitchFamily="34" charset="0"/>
+                <a:cs typeface="Circular Std Book Italic" panose="020B0604020101020102" pitchFamily="34" charset="0"/>
               </a:rPr>
               <a:t> chart </a:t>
             </a:r>
@@ -11857,8 +11857,8 @@
                 <a:solidFill>
                   <a:schemeClr val="bg1"/>
                 </a:solidFill>
-                <a:latin typeface="Circular Std Book" panose="020B0604020101020102" pitchFamily="34" charset="0"/>
-                <a:cs typeface="Circular Std Book" panose="020B0604020101020102" pitchFamily="34" charset="0"/>
+                <a:latin typeface="Circular Std Book Italic" panose="020B0604020101020102" pitchFamily="34" charset="0"/>
+                <a:cs typeface="Circular Std Book Italic" panose="020B0604020101020102" pitchFamily="34" charset="0"/>
               </a:rPr>
               <a:t>HTML</a:t>
             </a:r>
@@ -11867,8 +11867,8 @@
                 <a:solidFill>
                   <a:srgbClr val="F4C245"/>
                 </a:solidFill>
-                <a:latin typeface="Circular Std Book" panose="020B0604020101020102" pitchFamily="34" charset="0"/>
-                <a:cs typeface="Circular Std Book" panose="020B0604020101020102" pitchFamily="34" charset="0"/>
+                <a:latin typeface="Circular Std Book Italic" panose="020B0604020101020102" pitchFamily="34" charset="0"/>
+                <a:cs typeface="Circular Std Book Italic" panose="020B0604020101020102" pitchFamily="34" charset="0"/>
               </a:rPr>
               <a:t>.</a:t>
             </a:r>
@@ -11876,8 +11876,8 @@
               <a:solidFill>
                 <a:srgbClr val="F4C245"/>
               </a:solidFill>
-              <a:latin typeface="Circular Std Book" panose="020B0604020101020102" pitchFamily="34" charset="0"/>
-              <a:cs typeface="Circular Std Book" panose="020B0604020101020102" pitchFamily="34" charset="0"/>
+              <a:latin typeface="Circular Std Book Italic" panose="020B0604020101020102" pitchFamily="34" charset="0"/>
+              <a:cs typeface="Circular Std Book Italic" panose="020B0604020101020102" pitchFamily="34" charset="0"/>
             </a:endParaRPr>
           </a:p>
         </p:txBody>
@@ -11920,8 +11920,8 @@
                 <a:solidFill>
                   <a:schemeClr val="bg1"/>
                 </a:solidFill>
-                <a:latin typeface="Circular Std Book" panose="020B0604020101020102" pitchFamily="34" charset="0"/>
-                <a:cs typeface="Circular Std Book" panose="020B0604020101020102" pitchFamily="34" charset="0"/>
+                <a:latin typeface="Circular Std Book Italic" panose="020B0604020101020102" pitchFamily="34" charset="0"/>
+                <a:cs typeface="Circular Std Book Italic" panose="020B0604020101020102" pitchFamily="34" charset="0"/>
               </a:rPr>
               <a:t>Create and edit your “</a:t>
             </a:r>
@@ -11930,8 +11930,8 @@
                 <a:solidFill>
                   <a:srgbClr val="F4C245"/>
                 </a:solidFill>
-                <a:latin typeface="Circular Std Book" panose="020B0604020101020102" pitchFamily="34" charset="0"/>
-                <a:cs typeface="Circular Std Book" panose="020B0604020101020102" pitchFamily="34" charset="0"/>
+                <a:latin typeface="Circular Std Book Italic" panose="020B0604020101020102" pitchFamily="34" charset="0"/>
+                <a:cs typeface="Circular Std Book Italic" panose="020B0604020101020102" pitchFamily="34" charset="0"/>
               </a:rPr>
               <a:t>index.html</a:t>
             </a:r>
@@ -11940,8 +11940,8 @@
                 <a:solidFill>
                   <a:schemeClr val="bg1"/>
                 </a:solidFill>
-                <a:latin typeface="Circular Std Book" panose="020B0604020101020102" pitchFamily="34" charset="0"/>
-                <a:cs typeface="Circular Std Book" panose="020B0604020101020102" pitchFamily="34" charset="0"/>
+                <a:latin typeface="Circular Std Book Italic" panose="020B0604020101020102" pitchFamily="34" charset="0"/>
+                <a:cs typeface="Circular Std Book Italic" panose="020B0604020101020102" pitchFamily="34" charset="0"/>
               </a:rPr>
               <a:t>” file</a:t>
             </a:r>
@@ -11957,8 +11957,8 @@
                 <a:solidFill>
                   <a:schemeClr val="bg1"/>
                 </a:solidFill>
-                <a:latin typeface="Circular Std Book" panose="020B0604020101020102" pitchFamily="34" charset="0"/>
-                <a:cs typeface="Circular Std Book" panose="020B0604020101020102" pitchFamily="34" charset="0"/>
+                <a:latin typeface="Circular Std Book Italic" panose="020B0604020101020102" pitchFamily="34" charset="0"/>
+                <a:cs typeface="Circular Std Book Italic" panose="020B0604020101020102" pitchFamily="34" charset="0"/>
               </a:rPr>
               <a:t>Use “</a:t>
             </a:r>
@@ -11967,8 +11967,8 @@
                 <a:solidFill>
                   <a:srgbClr val="F4C245"/>
                 </a:solidFill>
-                <a:latin typeface="Circular Std Book" panose="020B0604020101020102" pitchFamily="34" charset="0"/>
-                <a:cs typeface="Circular Std Book" panose="020B0604020101020102" pitchFamily="34" charset="0"/>
+                <a:latin typeface="Circular Std Book Italic" panose="020B0604020101020102" pitchFamily="34" charset="0"/>
+                <a:cs typeface="Circular Std Book Italic" panose="020B0604020101020102" pitchFamily="34" charset="0"/>
               </a:rPr>
               <a:t>s2_example1.html</a:t>
             </a:r>
@@ -11977,8 +11977,8 @@
                 <a:solidFill>
                   <a:schemeClr val="bg1"/>
                 </a:solidFill>
-                <a:latin typeface="Circular Std Book" panose="020B0604020101020102" pitchFamily="34" charset="0"/>
-                <a:cs typeface="Circular Std Book" panose="020B0604020101020102" pitchFamily="34" charset="0"/>
+                <a:latin typeface="Circular Std Book Italic" panose="020B0604020101020102" pitchFamily="34" charset="0"/>
+                <a:cs typeface="Circular Std Book Italic" panose="020B0604020101020102" pitchFamily="34" charset="0"/>
               </a:rPr>
               <a:t>” for inspiration</a:t>
             </a:r>
@@ -12057,8 +12057,8 @@
                 <a:solidFill>
                   <a:schemeClr val="bg1"/>
                 </a:solidFill>
-                <a:latin typeface="Circular Std Book" panose="020B0604020101020102" pitchFamily="34" charset="0"/>
-                <a:cs typeface="Circular Std Book" panose="020B0604020101020102" pitchFamily="34" charset="0"/>
+                <a:latin typeface="Circular Std Book Italic" panose="020B0604020101020102" pitchFamily="34" charset="0"/>
+                <a:cs typeface="Circular Std Book Italic" panose="020B0604020101020102" pitchFamily="34" charset="0"/>
               </a:rPr>
               <a:t>Session 2</a:t>
             </a:r>
@@ -12067,8 +12067,8 @@
                 <a:solidFill>
                   <a:srgbClr val="F4C245"/>
                 </a:solidFill>
-                <a:latin typeface="Circular Std Book" panose="020B0604020101020102" pitchFamily="34" charset="0"/>
-                <a:cs typeface="Circular Std Book" panose="020B0604020101020102" pitchFamily="34" charset="0"/>
+                <a:latin typeface="Circular Std Book Italic" panose="020B0604020101020102" pitchFamily="34" charset="0"/>
+                <a:cs typeface="Circular Std Book Italic" panose="020B0604020101020102" pitchFamily="34" charset="0"/>
               </a:rPr>
               <a:t>.</a:t>
             </a:r>
@@ -12077,8 +12077,8 @@
                 <a:solidFill>
                   <a:srgbClr val="36B7B4"/>
                 </a:solidFill>
-                <a:latin typeface="Circular Std Book" panose="020B0604020101020102" pitchFamily="34" charset="0"/>
-                <a:cs typeface="Circular Std Book" panose="020B0604020101020102" pitchFamily="34" charset="0"/>
+                <a:latin typeface="Circular Std Book Italic" panose="020B0604020101020102" pitchFamily="34" charset="0"/>
+                <a:cs typeface="Circular Std Book Italic" panose="020B0604020101020102" pitchFamily="34" charset="0"/>
               </a:rPr>
             </a:br>
             <a:r>
@@ -12205,8 +12205,8 @@
                 <a:solidFill>
                   <a:schemeClr val="bg1"/>
                 </a:solidFill>
-                <a:latin typeface="Circular Std Book" panose="020B0604020101020102" pitchFamily="34" charset="0"/>
-                <a:cs typeface="Circular Std Book" panose="020B0604020101020102" pitchFamily="34" charset="0"/>
+                <a:latin typeface="Circular Std Book Italic" panose="020B0604020101020102" pitchFamily="34" charset="0"/>
+                <a:cs typeface="Circular Std Book Italic" panose="020B0604020101020102" pitchFamily="34" charset="0"/>
               </a:rPr>
               <a:t>CSS</a:t>
             </a:r>
@@ -12215,8 +12215,8 @@
                 <a:solidFill>
                   <a:srgbClr val="F4C245"/>
                 </a:solidFill>
-                <a:latin typeface="Circular Std Book" panose="020B0604020101020102" pitchFamily="34" charset="0"/>
-                <a:cs typeface="Circular Std Book" panose="020B0604020101020102" pitchFamily="34" charset="0"/>
+                <a:latin typeface="Circular Std Book Italic" panose="020B0604020101020102" pitchFamily="34" charset="0"/>
+                <a:cs typeface="Circular Std Book Italic" panose="020B0604020101020102" pitchFamily="34" charset="0"/>
               </a:rPr>
               <a:t>.</a:t>
             </a:r>
@@ -12224,8 +12224,8 @@
               <a:solidFill>
                 <a:srgbClr val="F4C245"/>
               </a:solidFill>
-              <a:latin typeface="Circular Std Book" panose="020B0604020101020102" pitchFamily="34" charset="0"/>
-              <a:cs typeface="Circular Std Book" panose="020B0604020101020102" pitchFamily="34" charset="0"/>
+              <a:latin typeface="Circular Std Book Italic" panose="020B0604020101020102" pitchFamily="34" charset="0"/>
+              <a:cs typeface="Circular Std Book Italic" panose="020B0604020101020102" pitchFamily="34" charset="0"/>
             </a:endParaRPr>
           </a:p>
         </p:txBody>
@@ -12268,8 +12268,8 @@
                 <a:solidFill>
                   <a:schemeClr val="bg1"/>
                 </a:solidFill>
-                <a:latin typeface="Circular Std Book" panose="020B0604020101020102" pitchFamily="34" charset="0"/>
-                <a:cs typeface="Circular Std Book" panose="020B0604020101020102" pitchFamily="34" charset="0"/>
+                <a:latin typeface="Circular Std Book Italic" panose="020B0604020101020102" pitchFamily="34" charset="0"/>
+                <a:cs typeface="Circular Std Book Italic" panose="020B0604020101020102" pitchFamily="34" charset="0"/>
               </a:rPr>
               <a:t>Edit your </a:t>
             </a:r>
@@ -12278,8 +12278,8 @@
                 <a:solidFill>
                   <a:srgbClr val="F4C245"/>
                 </a:solidFill>
-                <a:latin typeface="Circular Std Book" panose="020B0604020101020102" pitchFamily="34" charset="0"/>
-                <a:cs typeface="Circular Std Book" panose="020B0604020101020102" pitchFamily="34" charset="0"/>
+                <a:latin typeface="Circular Std Book Italic" panose="020B0604020101020102" pitchFamily="34" charset="0"/>
+                <a:cs typeface="Circular Std Book Italic" panose="020B0604020101020102" pitchFamily="34" charset="0"/>
               </a:rPr>
               <a:t>CSS </a:t>
             </a:r>
@@ -12288,8 +12288,8 @@
                 <a:solidFill>
                   <a:schemeClr val="bg1"/>
                 </a:solidFill>
-                <a:latin typeface="Circular Std Book" panose="020B0604020101020102" pitchFamily="34" charset="0"/>
-                <a:cs typeface="Circular Std Book" panose="020B0604020101020102" pitchFamily="34" charset="0"/>
+                <a:latin typeface="Circular Std Book Italic" panose="020B0604020101020102" pitchFamily="34" charset="0"/>
+                <a:cs typeface="Circular Std Book Italic" panose="020B0604020101020102" pitchFamily="34" charset="0"/>
               </a:rPr>
               <a:t>file</a:t>
             </a:r>
@@ -12305,8 +12305,8 @@
                 <a:solidFill>
                   <a:schemeClr val="bg1"/>
                 </a:solidFill>
-                <a:latin typeface="Circular Std Book" panose="020B0604020101020102" pitchFamily="34" charset="0"/>
-                <a:cs typeface="Circular Std Book" panose="020B0604020101020102" pitchFamily="34" charset="0"/>
+                <a:latin typeface="Circular Std Book Italic" panose="020B0604020101020102" pitchFamily="34" charset="0"/>
+                <a:cs typeface="Circular Std Book Italic" panose="020B0604020101020102" pitchFamily="34" charset="0"/>
               </a:rPr>
               <a:t>Use “</a:t>
             </a:r>
@@ -12315,8 +12315,8 @@
                 <a:solidFill>
                   <a:srgbClr val="F4C245"/>
                 </a:solidFill>
-                <a:latin typeface="Circular Std Book" panose="020B0604020101020102" pitchFamily="34" charset="0"/>
-                <a:cs typeface="Circular Std Book" panose="020B0604020101020102" pitchFamily="34" charset="0"/>
+                <a:latin typeface="Circular Std Book Italic" panose="020B0604020101020102" pitchFamily="34" charset="0"/>
+                <a:cs typeface="Circular Std Book Italic" panose="020B0604020101020102" pitchFamily="34" charset="0"/>
               </a:rPr>
               <a:t>s2_example1.css</a:t>
             </a:r>
@@ -12325,8 +12325,8 @@
                 <a:solidFill>
                   <a:schemeClr val="bg1"/>
                 </a:solidFill>
-                <a:latin typeface="Circular Std Book" panose="020B0604020101020102" pitchFamily="34" charset="0"/>
-                <a:cs typeface="Circular Std Book" panose="020B0604020101020102" pitchFamily="34" charset="0"/>
+                <a:latin typeface="Circular Std Book Italic" panose="020B0604020101020102" pitchFamily="34" charset="0"/>
+                <a:cs typeface="Circular Std Book Italic" panose="020B0604020101020102" pitchFamily="34" charset="0"/>
               </a:rPr>
               <a:t>”, “</a:t>
             </a:r>
@@ -12335,8 +12335,8 @@
                 <a:solidFill>
                   <a:srgbClr val="F4C245"/>
                 </a:solidFill>
-                <a:latin typeface="Circular Std Book" panose="020B0604020101020102" pitchFamily="34" charset="0"/>
-                <a:cs typeface="Circular Std Book" panose="020B0604020101020102" pitchFamily="34" charset="0"/>
+                <a:latin typeface="Circular Std Book Italic" panose="020B0604020101020102" pitchFamily="34" charset="0"/>
+                <a:cs typeface="Circular Std Book Italic" panose="020B0604020101020102" pitchFamily="34" charset="0"/>
               </a:rPr>
               <a:t>s2_example2.css</a:t>
             </a:r>
@@ -12345,8 +12345,8 @@
                 <a:solidFill>
                   <a:schemeClr val="bg1"/>
                 </a:solidFill>
-                <a:latin typeface="Circular Std Book" panose="020B0604020101020102" pitchFamily="34" charset="0"/>
-                <a:cs typeface="Circular Std Book" panose="020B0604020101020102" pitchFamily="34" charset="0"/>
+                <a:latin typeface="Circular Std Book Italic" panose="020B0604020101020102" pitchFamily="34" charset="0"/>
+                <a:cs typeface="Circular Std Book Italic" panose="020B0604020101020102" pitchFamily="34" charset="0"/>
               </a:rPr>
               <a:t>” or “</a:t>
             </a:r>
@@ -12355,8 +12355,8 @@
                 <a:solidFill>
                   <a:srgbClr val="F4C245"/>
                 </a:solidFill>
-                <a:latin typeface="Circular Std Book" panose="020B0604020101020102" pitchFamily="34" charset="0"/>
-                <a:cs typeface="Circular Std Book" panose="020B0604020101020102" pitchFamily="34" charset="0"/>
+                <a:latin typeface="Circular Std Book Italic" panose="020B0604020101020102" pitchFamily="34" charset="0"/>
+                <a:cs typeface="Circular Std Book Italic" panose="020B0604020101020102" pitchFamily="34" charset="0"/>
               </a:rPr>
               <a:t>s2_example3.css</a:t>
             </a:r>
@@ -12365,8 +12365,8 @@
                 <a:solidFill>
                   <a:schemeClr val="bg1"/>
                 </a:solidFill>
-                <a:latin typeface="Circular Std Book" panose="020B0604020101020102" pitchFamily="34" charset="0"/>
-                <a:cs typeface="Circular Std Book" panose="020B0604020101020102" pitchFamily="34" charset="0"/>
+                <a:latin typeface="Circular Std Book Italic" panose="020B0604020101020102" pitchFamily="34" charset="0"/>
+                <a:cs typeface="Circular Std Book Italic" panose="020B0604020101020102" pitchFamily="34" charset="0"/>
               </a:rPr>
               <a:t>” file to start:</a:t>
             </a:r>
@@ -12382,8 +12382,8 @@
                 <a:solidFill>
                   <a:schemeClr val="bg1"/>
                 </a:solidFill>
-                <a:latin typeface="Circular Std Book" panose="020B0604020101020102" pitchFamily="34" charset="0"/>
-                <a:cs typeface="Circular Std Book" panose="020B0604020101020102" pitchFamily="34" charset="0"/>
+                <a:latin typeface="Circular Std Book Italic" panose="020B0604020101020102" pitchFamily="34" charset="0"/>
+                <a:cs typeface="Circular Std Book Italic" panose="020B0604020101020102" pitchFamily="34" charset="0"/>
               </a:rPr>
               <a:t>Beginner: s2_example1.css</a:t>
             </a:r>
@@ -12399,8 +12399,8 @@
                 <a:solidFill>
                   <a:schemeClr val="bg1"/>
                 </a:solidFill>
-                <a:latin typeface="Circular Std Book" panose="020B0604020101020102" pitchFamily="34" charset="0"/>
-                <a:cs typeface="Circular Std Book" panose="020B0604020101020102" pitchFamily="34" charset="0"/>
+                <a:latin typeface="Circular Std Book Italic" panose="020B0604020101020102" pitchFamily="34" charset="0"/>
+                <a:cs typeface="Circular Std Book Italic" panose="020B0604020101020102" pitchFamily="34" charset="0"/>
               </a:rPr>
               <a:t>Intermediate: s2_example2.css</a:t>
             </a:r>
@@ -12416,8 +12416,8 @@
                 <a:solidFill>
                   <a:schemeClr val="bg1"/>
                 </a:solidFill>
-                <a:latin typeface="Circular Std Book" panose="020B0604020101020102" pitchFamily="34" charset="0"/>
-                <a:cs typeface="Circular Std Book" panose="020B0604020101020102" pitchFamily="34" charset="0"/>
+                <a:latin typeface="Circular Std Book Italic" panose="020B0604020101020102" pitchFamily="34" charset="0"/>
+                <a:cs typeface="Circular Std Book Italic" panose="020B0604020101020102" pitchFamily="34" charset="0"/>
               </a:rPr>
               <a:t>Advanced: s2_example3.css</a:t>
             </a:r>
@@ -12433,8 +12433,8 @@
                 <a:solidFill>
                   <a:schemeClr val="bg1"/>
                 </a:solidFill>
-                <a:latin typeface="Circular Std Book" panose="020B0604020101020102" pitchFamily="34" charset="0"/>
-                <a:cs typeface="Circular Std Book" panose="020B0604020101020102" pitchFamily="34" charset="0"/>
+                <a:latin typeface="Circular Std Book Italic" panose="020B0604020101020102" pitchFamily="34" charset="0"/>
+                <a:cs typeface="Circular Std Book Italic" panose="020B0604020101020102" pitchFamily="34" charset="0"/>
               </a:rPr>
               <a:t>Link “</a:t>
             </a:r>
@@ -12443,8 +12443,8 @@
                 <a:solidFill>
                   <a:srgbClr val="F4C245"/>
                 </a:solidFill>
-                <a:latin typeface="Circular Std Book" panose="020B0604020101020102" pitchFamily="34" charset="0"/>
-                <a:cs typeface="Circular Std Book" panose="020B0604020101020102" pitchFamily="34" charset="0"/>
+                <a:latin typeface="Circular Std Book Italic" panose="020B0604020101020102" pitchFamily="34" charset="0"/>
+                <a:cs typeface="Circular Std Book Italic" panose="020B0604020101020102" pitchFamily="34" charset="0"/>
               </a:rPr>
               <a:t>s2_example1.css</a:t>
             </a:r>
@@ -12453,8 +12453,8 @@
                 <a:solidFill>
                   <a:schemeClr val="bg1"/>
                 </a:solidFill>
-                <a:latin typeface="Circular Std Book" panose="020B0604020101020102" pitchFamily="34" charset="0"/>
-                <a:cs typeface="Circular Std Book" panose="020B0604020101020102" pitchFamily="34" charset="0"/>
+                <a:latin typeface="Circular Std Book Italic" panose="020B0604020101020102" pitchFamily="34" charset="0"/>
+                <a:cs typeface="Circular Std Book Italic" panose="020B0604020101020102" pitchFamily="34" charset="0"/>
               </a:rPr>
               <a:t>” (or others) to “</a:t>
             </a:r>
@@ -12463,8 +12463,8 @@
                 <a:solidFill>
                   <a:srgbClr val="F4C245"/>
                 </a:solidFill>
-                <a:latin typeface="Circular Std Book" panose="020B0604020101020102" pitchFamily="34" charset="0"/>
-                <a:cs typeface="Circular Std Book" panose="020B0604020101020102" pitchFamily="34" charset="0"/>
+                <a:latin typeface="Circular Std Book Italic" panose="020B0604020101020102" pitchFamily="34" charset="0"/>
+                <a:cs typeface="Circular Std Book Italic" panose="020B0604020101020102" pitchFamily="34" charset="0"/>
               </a:rPr>
               <a:t>index.html</a:t>
             </a:r>
@@ -12473,8 +12473,8 @@
                 <a:solidFill>
                   <a:schemeClr val="bg1"/>
                 </a:solidFill>
-                <a:latin typeface="Circular Std Book" panose="020B0604020101020102" pitchFamily="34" charset="0"/>
-                <a:cs typeface="Circular Std Book" panose="020B0604020101020102" pitchFamily="34" charset="0"/>
+                <a:latin typeface="Circular Std Book Italic" panose="020B0604020101020102" pitchFamily="34" charset="0"/>
+                <a:cs typeface="Circular Std Book Italic" panose="020B0604020101020102" pitchFamily="34" charset="0"/>
               </a:rPr>
               <a:t>” using: </a:t>
             </a:r>
@@ -12491,8 +12491,8 @@
                 <a:solidFill>
                   <a:schemeClr val="bg1"/>
                 </a:solidFill>
-                <a:latin typeface="Circular Std Book" panose="020B0604020101020102" pitchFamily="34" charset="0"/>
-                <a:cs typeface="Circular Std Book" panose="020B0604020101020102" pitchFamily="34" charset="0"/>
+                <a:latin typeface="Circular Std Book Italic" panose="020B0604020101020102" pitchFamily="34" charset="0"/>
+                <a:cs typeface="Circular Std Book Italic" panose="020B0604020101020102" pitchFamily="34" charset="0"/>
               </a:rPr>
               <a:t>	</a:t>
             </a:r>
@@ -12627,8 +12627,8 @@
                 <a:solidFill>
                   <a:schemeClr val="bg1"/>
                 </a:solidFill>
-                <a:latin typeface="Circular Std Book" panose="020B0604020101020102" pitchFamily="34" charset="0"/>
-                <a:cs typeface="Circular Std Book" panose="020B0604020101020102" pitchFamily="34" charset="0"/>
+                <a:latin typeface="Circular Std Book Italic" panose="020B0604020101020102" pitchFamily="34" charset="0"/>
+                <a:cs typeface="Circular Std Book Italic" panose="020B0604020101020102" pitchFamily="34" charset="0"/>
               </a:rPr>
               <a:t>JSON</a:t>
             </a:r>
@@ -12637,8 +12637,8 @@
                 <a:solidFill>
                   <a:srgbClr val="F4C245"/>
                 </a:solidFill>
-                <a:latin typeface="Circular Std Book" panose="020B0604020101020102" pitchFamily="34" charset="0"/>
-                <a:cs typeface="Circular Std Book" panose="020B0604020101020102" pitchFamily="34" charset="0"/>
+                <a:latin typeface="Circular Std Book Italic" panose="020B0604020101020102" pitchFamily="34" charset="0"/>
+                <a:cs typeface="Circular Std Book Italic" panose="020B0604020101020102" pitchFamily="34" charset="0"/>
               </a:rPr>
               <a:t>.</a:t>
             </a:r>
@@ -12646,8 +12646,8 @@
               <a:solidFill>
                 <a:srgbClr val="F4C245"/>
               </a:solidFill>
-              <a:latin typeface="Circular Std Book" panose="020B0604020101020102" pitchFamily="34" charset="0"/>
-              <a:cs typeface="Circular Std Book" panose="020B0604020101020102" pitchFamily="34" charset="0"/>
+              <a:latin typeface="Circular Std Book Italic" panose="020B0604020101020102" pitchFamily="34" charset="0"/>
+              <a:cs typeface="Circular Std Book Italic" panose="020B0604020101020102" pitchFamily="34" charset="0"/>
             </a:endParaRPr>
           </a:p>
         </p:txBody>
@@ -12690,8 +12690,8 @@
                 <a:solidFill>
                   <a:schemeClr val="bg1"/>
                 </a:solidFill>
-                <a:latin typeface="Circular Std Book" panose="020B0604020101020102" pitchFamily="34" charset="0"/>
-                <a:cs typeface="Circular Std Book" panose="020B0604020101020102" pitchFamily="34" charset="0"/>
+                <a:latin typeface="Circular Std Book Italic" panose="020B0604020101020102" pitchFamily="34" charset="0"/>
+                <a:cs typeface="Circular Std Book Italic" panose="020B0604020101020102" pitchFamily="34" charset="0"/>
               </a:rPr>
               <a:t>Edit your “</a:t>
             </a:r>
@@ -12700,8 +12700,8 @@
                 <a:solidFill>
                   <a:srgbClr val="F4C245"/>
                 </a:solidFill>
-                <a:latin typeface="Circular Std Book" panose="020B0604020101020102" pitchFamily="34" charset="0"/>
-                <a:cs typeface="Circular Std Book" panose="020B0604020101020102" pitchFamily="34" charset="0"/>
+                <a:latin typeface="Circular Std Book Italic" panose="020B0604020101020102" pitchFamily="34" charset="0"/>
+                <a:cs typeface="Circular Std Book Italic" panose="020B0604020101020102" pitchFamily="34" charset="0"/>
               </a:rPr>
               <a:t>index.html</a:t>
             </a:r>
@@ -12710,8 +12710,8 @@
                 <a:solidFill>
                   <a:schemeClr val="bg1"/>
                 </a:solidFill>
-                <a:latin typeface="Circular Std Book" panose="020B0604020101020102" pitchFamily="34" charset="0"/>
-                <a:cs typeface="Circular Std Book" panose="020B0604020101020102" pitchFamily="34" charset="0"/>
+                <a:latin typeface="Circular Std Book Italic" panose="020B0604020101020102" pitchFamily="34" charset="0"/>
+                <a:cs typeface="Circular Std Book Italic" panose="020B0604020101020102" pitchFamily="34" charset="0"/>
               </a:rPr>
               <a:t>” file, and add JSON files to your file structure</a:t>
             </a:r>
@@ -12727,8 +12727,8 @@
                 <a:solidFill>
                   <a:schemeClr val="bg1"/>
                 </a:solidFill>
-                <a:latin typeface="Circular Std Book" panose="020B0604020101020102" pitchFamily="34" charset="0"/>
-                <a:cs typeface="Circular Std Book" panose="020B0604020101020102" pitchFamily="34" charset="0"/>
+                <a:latin typeface="Circular Std Book Italic" panose="020B0604020101020102" pitchFamily="34" charset="0"/>
+                <a:cs typeface="Circular Std Book Italic" panose="020B0604020101020102" pitchFamily="34" charset="0"/>
               </a:rPr>
               <a:t>There are already two example charts embedded in the example HTML. Try replacing these with a chart from Section 1, or adding a new chart altogether</a:t>
             </a:r>
@@ -12878,8 +12878,8 @@
                 <a:solidFill>
                   <a:schemeClr val="bg1"/>
                 </a:solidFill>
-                <a:latin typeface="Circular Std Book" panose="020B0604020101020102" pitchFamily="34" charset="0"/>
-                <a:cs typeface="Circular Std Book" panose="020B0604020101020102" pitchFamily="34" charset="0"/>
+                <a:latin typeface="Circular Std Book Italic" panose="020B0604020101020102" pitchFamily="34" charset="0"/>
+                <a:cs typeface="Circular Std Book Italic" panose="020B0604020101020102" pitchFamily="34" charset="0"/>
               </a:rPr>
               <a:t>Session 2</a:t>
             </a:r>
@@ -12888,8 +12888,8 @@
                 <a:solidFill>
                   <a:srgbClr val="F4C245"/>
                 </a:solidFill>
-                <a:latin typeface="Circular Std Book" panose="020B0604020101020102" pitchFamily="34" charset="0"/>
-                <a:cs typeface="Circular Std Book" panose="020B0604020101020102" pitchFamily="34" charset="0"/>
+                <a:latin typeface="Circular Std Book Italic" panose="020B0604020101020102" pitchFamily="34" charset="0"/>
+                <a:cs typeface="Circular Std Book Italic" panose="020B0604020101020102" pitchFamily="34" charset="0"/>
               </a:rPr>
               <a:t>.</a:t>
             </a:r>
@@ -12898,8 +12898,8 @@
                 <a:solidFill>
                   <a:srgbClr val="36B7B4"/>
                 </a:solidFill>
-                <a:latin typeface="Circular Std Book" panose="020B0604020101020102" pitchFamily="34" charset="0"/>
-                <a:cs typeface="Circular Std Book" panose="020B0604020101020102" pitchFamily="34" charset="0"/>
+                <a:latin typeface="Circular Std Book Italic" panose="020B0604020101020102" pitchFamily="34" charset="0"/>
+                <a:cs typeface="Circular Std Book Italic" panose="020B0604020101020102" pitchFamily="34" charset="0"/>
               </a:rPr>
             </a:br>
             <a:r>
@@ -13085,8 +13085,8 @@
                 <a:solidFill>
                   <a:schemeClr val="bg1"/>
                 </a:solidFill>
-                <a:latin typeface="Circular Std Book" panose="020B0604020101020102" pitchFamily="34" charset="0"/>
-                <a:cs typeface="Circular Std Book" panose="020B0604020101020102" pitchFamily="34" charset="0"/>
+                <a:latin typeface="Circular Std Book Italic" panose="020B0604020101020102" pitchFamily="34" charset="0"/>
+                <a:cs typeface="Circular Std Book Italic" panose="020B0604020101020102" pitchFamily="34" charset="0"/>
               </a:rPr>
               <a:t>Building blocks</a:t>
             </a:r>
@@ -13095,8 +13095,8 @@
                 <a:solidFill>
                   <a:srgbClr val="F4C245"/>
                 </a:solidFill>
-                <a:latin typeface="Circular Std Book" panose="020B0604020101020102" pitchFamily="34" charset="0"/>
-                <a:cs typeface="Circular Std Book" panose="020B0604020101020102" pitchFamily="34" charset="0"/>
+                <a:latin typeface="Circular Std Book Italic" panose="020B0604020101020102" pitchFamily="34" charset="0"/>
+                <a:cs typeface="Circular Std Book Italic" panose="020B0604020101020102" pitchFamily="34" charset="0"/>
               </a:rPr>
               <a:t>.</a:t>
             </a:r>
@@ -13104,8 +13104,8 @@
               <a:solidFill>
                 <a:srgbClr val="F4C245"/>
               </a:solidFill>
-              <a:latin typeface="Circular Std Book" panose="020B0604020101020102" pitchFamily="34" charset="0"/>
-              <a:cs typeface="Circular Std Book" panose="020B0604020101020102" pitchFamily="34" charset="0"/>
+              <a:latin typeface="Circular Std Book Italic" panose="020B0604020101020102" pitchFamily="34" charset="0"/>
+              <a:cs typeface="Circular Std Book Italic" panose="020B0604020101020102" pitchFamily="34" charset="0"/>
             </a:endParaRPr>
           </a:p>
         </p:txBody>
@@ -13256,9 +13256,9 @@
                 <a:effectLst/>
                 <a:uLnTx/>
                 <a:uFillTx/>
-                <a:latin typeface="Circular Std Book" panose="020B0604020101020102" pitchFamily="34" charset="0"/>
+                <a:latin typeface="Circular Std Book Italic" panose="020B0604020101020102" pitchFamily="34" charset="0"/>
                 <a:ea typeface="+mj-ea"/>
-                <a:cs typeface="Circular Std Book" panose="020B0604020101020102" pitchFamily="34" charset="0"/>
+                <a:cs typeface="Circular Std Book Italic" panose="020B0604020101020102" pitchFamily="34" charset="0"/>
               </a:rPr>
               <a:t>Most used languages, 2023</a:t>
             </a:r>
@@ -13273,9 +13273,9 @@
                 <a:effectLst/>
                 <a:uLnTx/>
                 <a:uFillTx/>
-                <a:latin typeface="Circular Std Book" panose="020B0604020101020102" pitchFamily="34" charset="0"/>
+                <a:latin typeface="Circular Std Book Italic" panose="020B0604020101020102" pitchFamily="34" charset="0"/>
                 <a:ea typeface="+mj-ea"/>
-                <a:cs typeface="Circular Std Book" panose="020B0604020101020102" pitchFamily="34" charset="0"/>
+                <a:cs typeface="Circular Std Book Italic" panose="020B0604020101020102" pitchFamily="34" charset="0"/>
               </a:rPr>
               <a:t>.</a:t>
             </a:r>
@@ -13537,8 +13537,8 @@
                 <a:solidFill>
                   <a:schemeClr val="bg1"/>
                 </a:solidFill>
-                <a:latin typeface="Circular Std Book" panose="020B0604020101020102" pitchFamily="34" charset="0"/>
-                <a:cs typeface="Circular Std Book" panose="020B0604020101020102" pitchFamily="34" charset="0"/>
+                <a:latin typeface="Circular Std Book Italic" panose="020B0604020101020102" pitchFamily="34" charset="0"/>
+                <a:cs typeface="Circular Std Book Italic" panose="020B0604020101020102" pitchFamily="34" charset="0"/>
               </a:rPr>
               <a:t>HTML</a:t>
             </a:r>
@@ -13547,8 +13547,8 @@
                 <a:solidFill>
                   <a:srgbClr val="F4C245"/>
                 </a:solidFill>
-                <a:latin typeface="Circular Std Book" panose="020B0604020101020102" pitchFamily="34" charset="0"/>
-                <a:cs typeface="Circular Std Book" panose="020B0604020101020102" pitchFamily="34" charset="0"/>
+                <a:latin typeface="Circular Std Book Italic" panose="020B0604020101020102" pitchFamily="34" charset="0"/>
+                <a:cs typeface="Circular Std Book Italic" panose="020B0604020101020102" pitchFamily="34" charset="0"/>
               </a:rPr>
               <a:t>.</a:t>
             </a:r>
@@ -13594,8 +13594,8 @@
                 <a:solidFill>
                   <a:srgbClr val="FFC000"/>
                 </a:solidFill>
-                <a:latin typeface="Circular Std Book" panose="020B0604020101020102" pitchFamily="34" charset="0"/>
-                <a:cs typeface="Circular Std Book" panose="020B0604020101020102" pitchFamily="34" charset="0"/>
+                <a:latin typeface="Circular Std Book Italic" panose="020B0604020101020102" pitchFamily="34" charset="0"/>
+                <a:cs typeface="Circular Std Book Italic" panose="020B0604020101020102" pitchFamily="34" charset="0"/>
               </a:rPr>
               <a:t>H</a:t>
             </a:r>
@@ -13604,8 +13604,8 @@
                 <a:solidFill>
                   <a:srgbClr val="36B7B4"/>
                 </a:solidFill>
-                <a:latin typeface="Circular Std Book" panose="020B0604020101020102" pitchFamily="34" charset="0"/>
-                <a:cs typeface="Circular Std Book" panose="020B0604020101020102" pitchFamily="34" charset="0"/>
+                <a:latin typeface="Circular Std Book Italic" panose="020B0604020101020102" pitchFamily="34" charset="0"/>
+                <a:cs typeface="Circular Std Book Italic" panose="020B0604020101020102" pitchFamily="34" charset="0"/>
               </a:rPr>
               <a:t>yper-</a:t>
             </a:r>
@@ -13614,8 +13614,8 @@
                 <a:solidFill>
                   <a:srgbClr val="FFC000"/>
                 </a:solidFill>
-                <a:latin typeface="Circular Std Book" panose="020B0604020101020102" pitchFamily="34" charset="0"/>
-                <a:cs typeface="Circular Std Book" panose="020B0604020101020102" pitchFamily="34" charset="0"/>
+                <a:latin typeface="Circular Std Book Italic" panose="020B0604020101020102" pitchFamily="34" charset="0"/>
+                <a:cs typeface="Circular Std Book Italic" panose="020B0604020101020102" pitchFamily="34" charset="0"/>
               </a:rPr>
               <a:t>T</a:t>
             </a:r>
@@ -13624,8 +13624,8 @@
                 <a:solidFill>
                   <a:srgbClr val="36B7B4"/>
                 </a:solidFill>
-                <a:latin typeface="Circular Std Book" panose="020B0604020101020102" pitchFamily="34" charset="0"/>
-                <a:cs typeface="Circular Std Book" panose="020B0604020101020102" pitchFamily="34" charset="0"/>
+                <a:latin typeface="Circular Std Book Italic" panose="020B0604020101020102" pitchFamily="34" charset="0"/>
+                <a:cs typeface="Circular Std Book Italic" panose="020B0604020101020102" pitchFamily="34" charset="0"/>
               </a:rPr>
               <a:t>ext </a:t>
             </a:r>
@@ -13634,8 +13634,8 @@
                 <a:solidFill>
                   <a:srgbClr val="FFC000"/>
                 </a:solidFill>
-                <a:latin typeface="Circular Std Book" panose="020B0604020101020102" pitchFamily="34" charset="0"/>
-                <a:cs typeface="Circular Std Book" panose="020B0604020101020102" pitchFamily="34" charset="0"/>
+                <a:latin typeface="Circular Std Book Italic" panose="020B0604020101020102" pitchFamily="34" charset="0"/>
+                <a:cs typeface="Circular Std Book Italic" panose="020B0604020101020102" pitchFamily="34" charset="0"/>
               </a:rPr>
               <a:t>M</a:t>
             </a:r>
@@ -13644,8 +13644,8 @@
                 <a:solidFill>
                   <a:srgbClr val="36B7B4"/>
                 </a:solidFill>
-                <a:latin typeface="Circular Std Book" panose="020B0604020101020102" pitchFamily="34" charset="0"/>
-                <a:cs typeface="Circular Std Book" panose="020B0604020101020102" pitchFamily="34" charset="0"/>
+                <a:latin typeface="Circular Std Book Italic" panose="020B0604020101020102" pitchFamily="34" charset="0"/>
+                <a:cs typeface="Circular Std Book Italic" panose="020B0604020101020102" pitchFamily="34" charset="0"/>
               </a:rPr>
               <a:t>arkup </a:t>
             </a:r>
@@ -13654,8 +13654,8 @@
                 <a:solidFill>
                   <a:srgbClr val="FFC000"/>
                 </a:solidFill>
-                <a:latin typeface="Circular Std Book" panose="020B0604020101020102" pitchFamily="34" charset="0"/>
-                <a:cs typeface="Circular Std Book" panose="020B0604020101020102" pitchFamily="34" charset="0"/>
+                <a:latin typeface="Circular Std Book Italic" panose="020B0604020101020102" pitchFamily="34" charset="0"/>
+                <a:cs typeface="Circular Std Book Italic" panose="020B0604020101020102" pitchFamily="34" charset="0"/>
               </a:rPr>
               <a:t>L</a:t>
             </a:r>
@@ -13664,8 +13664,8 @@
                 <a:solidFill>
                   <a:srgbClr val="36B7B4"/>
                 </a:solidFill>
-                <a:latin typeface="Circular Std Book" panose="020B0604020101020102" pitchFamily="34" charset="0"/>
-                <a:cs typeface="Circular Std Book" panose="020B0604020101020102" pitchFamily="34" charset="0"/>
+                <a:latin typeface="Circular Std Book Italic" panose="020B0604020101020102" pitchFamily="34" charset="0"/>
+                <a:cs typeface="Circular Std Book Italic" panose="020B0604020101020102" pitchFamily="34" charset="0"/>
               </a:rPr>
               <a:t>anguage</a:t>
             </a:r>
@@ -13681,8 +13681,8 @@
                 <a:solidFill>
                   <a:srgbClr val="36B7B4"/>
                 </a:solidFill>
-                <a:latin typeface="Circular Std Book" panose="020B0604020101020102" pitchFamily="34" charset="0"/>
-                <a:cs typeface="Circular Std Book" panose="020B0604020101020102" pitchFamily="34" charset="0"/>
+                <a:latin typeface="Circular Std Book Italic" panose="020B0604020101020102" pitchFamily="34" charset="0"/>
+                <a:cs typeface="Circular Std Book Italic" panose="020B0604020101020102" pitchFamily="34" charset="0"/>
               </a:rPr>
               <a:t>1993. </a:t>
             </a:r>
@@ -13691,8 +13691,8 @@
                 <a:solidFill>
                   <a:schemeClr val="bg1"/>
                 </a:solidFill>
-                <a:latin typeface="Circular Std Book" panose="020B0604020101020102" pitchFamily="34" charset="0"/>
-                <a:cs typeface="Circular Std Book" panose="020B0604020101020102" pitchFamily="34" charset="0"/>
+                <a:latin typeface="Circular Std Book Italic" panose="020B0604020101020102" pitchFamily="34" charset="0"/>
+                <a:cs typeface="Circular Std Book Italic" panose="020B0604020101020102" pitchFamily="34" charset="0"/>
               </a:rPr>
               <a:t>Invented at CERN by Tim Berners-Lee.</a:t>
             </a:r>
@@ -13708,8 +13708,8 @@
                 <a:solidFill>
                   <a:srgbClr val="36B7B4"/>
                 </a:solidFill>
-                <a:latin typeface="Circular Std Book" panose="020B0604020101020102" pitchFamily="34" charset="0"/>
-                <a:cs typeface="Circular Std Book" panose="020B0604020101020102" pitchFamily="34" charset="0"/>
+                <a:latin typeface="Circular Std Book Italic" panose="020B0604020101020102" pitchFamily="34" charset="0"/>
+                <a:cs typeface="Circular Std Book Italic" panose="020B0604020101020102" pitchFamily="34" charset="0"/>
               </a:rPr>
               <a:t>Big idea. </a:t>
             </a:r>
@@ -13718,8 +13718,8 @@
                 <a:solidFill>
                   <a:schemeClr val="bg1"/>
                 </a:solidFill>
-                <a:latin typeface="Circular Std Book" panose="020B0604020101020102" pitchFamily="34" charset="0"/>
-                <a:cs typeface="Circular Std Book" panose="020B0604020101020102" pitchFamily="34" charset="0"/>
+                <a:latin typeface="Circular Std Book Italic" panose="020B0604020101020102" pitchFamily="34" charset="0"/>
+                <a:cs typeface="Circular Std Book Italic" panose="020B0604020101020102" pitchFamily="34" charset="0"/>
               </a:rPr>
               <a:t>The </a:t>
             </a:r>
@@ -13728,8 +13728,8 @@
                 <a:solidFill>
                   <a:srgbClr val="F4C245"/>
                 </a:solidFill>
-                <a:latin typeface="Circular Std Book" panose="020B0604020101020102" pitchFamily="34" charset="0"/>
-                <a:cs typeface="Circular Std Book" panose="020B0604020101020102" pitchFamily="34" charset="0"/>
+                <a:latin typeface="Circular Std Book Italic" panose="020B0604020101020102" pitchFamily="34" charset="0"/>
+                <a:cs typeface="Circular Std Book Italic" panose="020B0604020101020102" pitchFamily="34" charset="0"/>
               </a:rPr>
               <a:t>HT</a:t>
             </a:r>
@@ -13738,8 +13738,8 @@
                 <a:solidFill>
                   <a:schemeClr val="bg1"/>
                 </a:solidFill>
-                <a:latin typeface="Circular Std Book" panose="020B0604020101020102" pitchFamily="34" charset="0"/>
-                <a:cs typeface="Circular Std Book" panose="020B0604020101020102" pitchFamily="34" charset="0"/>
+                <a:latin typeface="Circular Std Book Italic" panose="020B0604020101020102" pitchFamily="34" charset="0"/>
+                <a:cs typeface="Circular Std Book Italic" panose="020B0604020101020102" pitchFamily="34" charset="0"/>
               </a:rPr>
               <a:t> in the name is the big idea. There are/were lots of markup languages, but HTML linked joined documents together, by adding hyperlinks. </a:t>
             </a:r>
@@ -13754,8 +13754,8 @@
               <a:solidFill>
                 <a:srgbClr val="36B7B4"/>
               </a:solidFill>
-              <a:latin typeface="Circular Std Book" panose="020B0604020101020102" pitchFamily="34" charset="0"/>
-              <a:cs typeface="Circular Std Book" panose="020B0604020101020102" pitchFamily="34" charset="0"/>
+              <a:latin typeface="Circular Std Book Italic" panose="020B0604020101020102" pitchFamily="34" charset="0"/>
+              <a:cs typeface="Circular Std Book Italic" panose="020B0604020101020102" pitchFamily="34" charset="0"/>
             </a:endParaRPr>
           </a:p>
           <a:p>
@@ -13768,8 +13768,8 @@
               <a:solidFill>
                 <a:srgbClr val="36B7B4"/>
               </a:solidFill>
-              <a:latin typeface="Circular Std Book" panose="020B0604020101020102" pitchFamily="34" charset="0"/>
-              <a:cs typeface="Circular Std Book" panose="020B0604020101020102" pitchFamily="34" charset="0"/>
+              <a:latin typeface="Circular Std Book Italic" panose="020B0604020101020102" pitchFamily="34" charset="0"/>
+              <a:cs typeface="Circular Std Book Italic" panose="020B0604020101020102" pitchFamily="34" charset="0"/>
             </a:endParaRPr>
           </a:p>
           <a:p>
@@ -13782,8 +13782,8 @@
               <a:solidFill>
                 <a:schemeClr val="bg1"/>
               </a:solidFill>
-              <a:latin typeface="Circular Std Book" panose="020B0604020101020102" pitchFamily="34" charset="0"/>
-              <a:cs typeface="Circular Std Book" panose="020B0604020101020102" pitchFamily="34" charset="0"/>
+              <a:latin typeface="Circular Std Book Italic" panose="020B0604020101020102" pitchFamily="34" charset="0"/>
+              <a:cs typeface="Circular Std Book Italic" panose="020B0604020101020102" pitchFamily="34" charset="0"/>
             </a:endParaRPr>
           </a:p>
           <a:p>
@@ -13796,8 +13796,8 @@
               <a:solidFill>
                 <a:srgbClr val="0063AF"/>
               </a:solidFill>
-              <a:latin typeface="Circular Std Book" panose="020B0604020101020102" pitchFamily="34" charset="0"/>
-              <a:cs typeface="Circular Std Book" panose="020B0604020101020102" pitchFamily="34" charset="0"/>
+              <a:latin typeface="Circular Std Book Italic" panose="020B0604020101020102" pitchFamily="34" charset="0"/>
+              <a:cs typeface="Circular Std Book Italic" panose="020B0604020101020102" pitchFamily="34" charset="0"/>
             </a:endParaRPr>
           </a:p>
         </p:txBody>
@@ -14186,8 +14186,8 @@
                 <a:solidFill>
                   <a:schemeClr val="bg1"/>
                 </a:solidFill>
-                <a:latin typeface="Circular Std Book" panose="020B0604020101020102" pitchFamily="34" charset="0"/>
-                <a:cs typeface="Circular Std Book" panose="020B0604020101020102" pitchFamily="34" charset="0"/>
+                <a:latin typeface="Circular Std Book Italic" panose="020B0604020101020102" pitchFamily="34" charset="0"/>
+                <a:cs typeface="Circular Std Book Italic" panose="020B0604020101020102" pitchFamily="34" charset="0"/>
               </a:rPr>
               <a:t>HTML example</a:t>
             </a:r>
@@ -14196,8 +14196,8 @@
                 <a:solidFill>
                   <a:srgbClr val="F4C245"/>
                 </a:solidFill>
-                <a:latin typeface="Circular Std Book" panose="020B0604020101020102" pitchFamily="34" charset="0"/>
-                <a:cs typeface="Circular Std Book" panose="020B0604020101020102" pitchFamily="34" charset="0"/>
+                <a:latin typeface="Circular Std Book Italic" panose="020B0604020101020102" pitchFamily="34" charset="0"/>
+                <a:cs typeface="Circular Std Book Italic" panose="020B0604020101020102" pitchFamily="34" charset="0"/>
               </a:rPr>
               <a:t>.</a:t>
             </a:r>
@@ -14664,8 +14664,8 @@
                 <a:solidFill>
                   <a:schemeClr val="bg1"/>
                 </a:solidFill>
-                <a:latin typeface="Circular Std Book" panose="020B0604020101020102" pitchFamily="34" charset="0"/>
-                <a:cs typeface="Circular Std Book" panose="020B0604020101020102" pitchFamily="34" charset="0"/>
+                <a:latin typeface="Circular Std Book Italic" panose="020B0604020101020102" pitchFamily="34" charset="0"/>
+                <a:cs typeface="Circular Std Book Italic" panose="020B0604020101020102" pitchFamily="34" charset="0"/>
               </a:rPr>
               <a:t>CSS</a:t>
             </a:r>
@@ -14674,8 +14674,8 @@
                 <a:solidFill>
                   <a:srgbClr val="F4C245"/>
                 </a:solidFill>
-                <a:latin typeface="Circular Std Book" panose="020B0604020101020102" pitchFamily="34" charset="0"/>
-                <a:cs typeface="Circular Std Book" panose="020B0604020101020102" pitchFamily="34" charset="0"/>
+                <a:latin typeface="Circular Std Book Italic" panose="020B0604020101020102" pitchFamily="34" charset="0"/>
+                <a:cs typeface="Circular Std Book Italic" panose="020B0604020101020102" pitchFamily="34" charset="0"/>
               </a:rPr>
               <a:t>.</a:t>
             </a:r>
@@ -14721,8 +14721,8 @@
                 <a:solidFill>
                   <a:srgbClr val="FFC000"/>
                 </a:solidFill>
-                <a:latin typeface="Circular Std Book" panose="020B0604020101020102" pitchFamily="34" charset="0"/>
-                <a:cs typeface="Circular Std Book" panose="020B0604020101020102" pitchFamily="34" charset="0"/>
+                <a:latin typeface="Circular Std Book Italic" panose="020B0604020101020102" pitchFamily="34" charset="0"/>
+                <a:cs typeface="Circular Std Book Italic" panose="020B0604020101020102" pitchFamily="34" charset="0"/>
               </a:rPr>
               <a:t>C</a:t>
             </a:r>
@@ -14731,8 +14731,8 @@
                 <a:solidFill>
                   <a:srgbClr val="36B7B4"/>
                 </a:solidFill>
-                <a:latin typeface="Circular Std Book" panose="020B0604020101020102" pitchFamily="34" charset="0"/>
-                <a:cs typeface="Circular Std Book" panose="020B0604020101020102" pitchFamily="34" charset="0"/>
+                <a:latin typeface="Circular Std Book Italic" panose="020B0604020101020102" pitchFamily="34" charset="0"/>
+                <a:cs typeface="Circular Std Book Italic" panose="020B0604020101020102" pitchFamily="34" charset="0"/>
               </a:rPr>
               <a:t>ascading </a:t>
             </a:r>
@@ -14741,8 +14741,8 @@
                 <a:solidFill>
                   <a:srgbClr val="FFC000"/>
                 </a:solidFill>
-                <a:latin typeface="Circular Std Book" panose="020B0604020101020102" pitchFamily="34" charset="0"/>
-                <a:cs typeface="Circular Std Book" panose="020B0604020101020102" pitchFamily="34" charset="0"/>
+                <a:latin typeface="Circular Std Book Italic" panose="020B0604020101020102" pitchFamily="34" charset="0"/>
+                <a:cs typeface="Circular Std Book Italic" panose="020B0604020101020102" pitchFamily="34" charset="0"/>
               </a:rPr>
               <a:t>S</a:t>
             </a:r>
@@ -14751,8 +14751,8 @@
                 <a:solidFill>
                   <a:srgbClr val="36B7B4"/>
                 </a:solidFill>
-                <a:latin typeface="Circular Std Book" panose="020B0604020101020102" pitchFamily="34" charset="0"/>
-                <a:cs typeface="Circular Std Book" panose="020B0604020101020102" pitchFamily="34" charset="0"/>
+                <a:latin typeface="Circular Std Book Italic" panose="020B0604020101020102" pitchFamily="34" charset="0"/>
+                <a:cs typeface="Circular Std Book Italic" panose="020B0604020101020102" pitchFamily="34" charset="0"/>
               </a:rPr>
               <a:t>tyle </a:t>
             </a:r>
@@ -14761,8 +14761,8 @@
                 <a:solidFill>
                   <a:srgbClr val="FFC000"/>
                 </a:solidFill>
-                <a:latin typeface="Circular Std Book" panose="020B0604020101020102" pitchFamily="34" charset="0"/>
-                <a:cs typeface="Circular Std Book" panose="020B0604020101020102" pitchFamily="34" charset="0"/>
+                <a:latin typeface="Circular Std Book Italic" panose="020B0604020101020102" pitchFamily="34" charset="0"/>
+                <a:cs typeface="Circular Std Book Italic" panose="020B0604020101020102" pitchFamily="34" charset="0"/>
               </a:rPr>
               <a:t>S</a:t>
             </a:r>
@@ -14771,8 +14771,8 @@
                 <a:solidFill>
                   <a:srgbClr val="36B7B4"/>
                 </a:solidFill>
-                <a:latin typeface="Circular Std Book" panose="020B0604020101020102" pitchFamily="34" charset="0"/>
-                <a:cs typeface="Circular Std Book" panose="020B0604020101020102" pitchFamily="34" charset="0"/>
+                <a:latin typeface="Circular Std Book Italic" panose="020B0604020101020102" pitchFamily="34" charset="0"/>
+                <a:cs typeface="Circular Std Book Italic" panose="020B0604020101020102" pitchFamily="34" charset="0"/>
               </a:rPr>
               <a:t>heets</a:t>
             </a:r>
@@ -14780,8 +14780,8 @@
               <a:solidFill>
                 <a:schemeClr val="bg1"/>
               </a:solidFill>
-              <a:latin typeface="Circular Std Book" panose="020B0604020101020102" pitchFamily="34" charset="0"/>
-              <a:cs typeface="Circular Std Book" panose="020B0604020101020102" pitchFamily="34" charset="0"/>
+              <a:latin typeface="Circular Std Book Italic" panose="020B0604020101020102" pitchFamily="34" charset="0"/>
+              <a:cs typeface="Circular Std Book Italic" panose="020B0604020101020102" pitchFamily="34" charset="0"/>
             </a:endParaRPr>
           </a:p>
           <a:p>
@@ -14795,8 +14795,8 @@
                 <a:solidFill>
                   <a:srgbClr val="36B7B4"/>
                 </a:solidFill>
-                <a:latin typeface="Circular Std Book" panose="020B0604020101020102" pitchFamily="34" charset="0"/>
-                <a:cs typeface="Circular Std Book" panose="020B0604020101020102" pitchFamily="34" charset="0"/>
+                <a:latin typeface="Circular Std Book Italic" panose="020B0604020101020102" pitchFamily="34" charset="0"/>
+                <a:cs typeface="Circular Std Book Italic" panose="020B0604020101020102" pitchFamily="34" charset="0"/>
               </a:rPr>
               <a:t>1994.  </a:t>
             </a:r>
@@ -14805,8 +14805,8 @@
                 <a:solidFill>
                   <a:schemeClr val="bg1"/>
                 </a:solidFill>
-                <a:latin typeface="Circular Std Book" panose="020B0604020101020102" pitchFamily="34" charset="0"/>
-                <a:cs typeface="Circular Std Book" panose="020B0604020101020102" pitchFamily="34" charset="0"/>
+                <a:latin typeface="Circular Std Book Italic" panose="020B0604020101020102" pitchFamily="34" charset="0"/>
+                <a:cs typeface="Circular Std Book Italic" panose="020B0604020101020102" pitchFamily="34" charset="0"/>
               </a:rPr>
               <a:t>First proposal – again at CERN.</a:t>
             </a:r>
@@ -14822,8 +14822,8 @@
                 <a:solidFill>
                   <a:schemeClr val="bg1"/>
                 </a:solidFill>
-                <a:latin typeface="Circular Std Book" panose="020B0604020101020102" pitchFamily="34" charset="0"/>
-                <a:cs typeface="Circular Std Book" panose="020B0604020101020102" pitchFamily="34" charset="0"/>
+                <a:latin typeface="Circular Std Book Italic" panose="020B0604020101020102" pitchFamily="34" charset="0"/>
+                <a:cs typeface="Circular Std Book Italic" panose="020B0604020101020102" pitchFamily="34" charset="0"/>
               </a:rPr>
               <a:t>Applies styles to the different parts of your site. </a:t>
             </a:r>
@@ -14839,8 +14839,8 @@
                 <a:solidFill>
                   <a:schemeClr val="bg1"/>
                 </a:solidFill>
-                <a:latin typeface="Circular Std Book" panose="020B0604020101020102" pitchFamily="34" charset="0"/>
-                <a:cs typeface="Circular Std Book" panose="020B0604020101020102" pitchFamily="34" charset="0"/>
+                <a:latin typeface="Circular Std Book Italic" panose="020B0604020101020102" pitchFamily="34" charset="0"/>
+                <a:cs typeface="Circular Std Book Italic" panose="020B0604020101020102" pitchFamily="34" charset="0"/>
               </a:rPr>
               <a:t>Challenge is to link the styles you chose, to the parts of your site where you wanted them.</a:t>
             </a:r>
@@ -14856,8 +14856,8 @@
                 <a:solidFill>
                   <a:schemeClr val="bg1"/>
                 </a:solidFill>
-                <a:latin typeface="Circular Std Book" panose="020B0604020101020102" pitchFamily="34" charset="0"/>
-                <a:cs typeface="Circular Std Book" panose="020B0604020101020102" pitchFamily="34" charset="0"/>
+                <a:latin typeface="Circular Std Book Italic" panose="020B0604020101020102" pitchFamily="34" charset="0"/>
+                <a:cs typeface="Circular Std Book Italic" panose="020B0604020101020102" pitchFamily="34" charset="0"/>
               </a:rPr>
               <a:t>This is done using tags (also classes and  ids)</a:t>
             </a:r>
@@ -14872,8 +14872,8 @@
               <a:solidFill>
                 <a:srgbClr val="36B7B4"/>
               </a:solidFill>
-              <a:latin typeface="Circular Std Book" panose="020B0604020101020102" pitchFamily="34" charset="0"/>
-              <a:cs typeface="Circular Std Book" panose="020B0604020101020102" pitchFamily="34" charset="0"/>
+              <a:latin typeface="Circular Std Book Italic" panose="020B0604020101020102" pitchFamily="34" charset="0"/>
+              <a:cs typeface="Circular Std Book Italic" panose="020B0604020101020102" pitchFamily="34" charset="0"/>
             </a:endParaRPr>
           </a:p>
           <a:p>
@@ -14886,8 +14886,8 @@
               <a:solidFill>
                 <a:schemeClr val="bg1"/>
               </a:solidFill>
-              <a:latin typeface="Circular Std Book" panose="020B0604020101020102" pitchFamily="34" charset="0"/>
-              <a:cs typeface="Circular Std Book" panose="020B0604020101020102" pitchFamily="34" charset="0"/>
+              <a:latin typeface="Circular Std Book Italic" panose="020B0604020101020102" pitchFamily="34" charset="0"/>
+              <a:cs typeface="Circular Std Book Italic" panose="020B0604020101020102" pitchFamily="34" charset="0"/>
             </a:endParaRPr>
           </a:p>
           <a:p>
@@ -14900,8 +14900,8 @@
               <a:solidFill>
                 <a:srgbClr val="0063AF"/>
               </a:solidFill>
-              <a:latin typeface="Circular Std Book" panose="020B0604020101020102" pitchFamily="34" charset="0"/>
-              <a:cs typeface="Circular Std Book" panose="020B0604020101020102" pitchFamily="34" charset="0"/>
+              <a:latin typeface="Circular Std Book Italic" panose="020B0604020101020102" pitchFamily="34" charset="0"/>
+              <a:cs typeface="Circular Std Book Italic" panose="020B0604020101020102" pitchFamily="34" charset="0"/>
             </a:endParaRPr>
           </a:p>
         </p:txBody>
@@ -14939,8 +14939,8 @@
                 <a:solidFill>
                   <a:schemeClr val="bg1"/>
                 </a:solidFill>
-                <a:latin typeface="Circular Std Book" panose="020B0604020101020102" pitchFamily="34" charset="77"/>
-                <a:cs typeface="Circular Std Book" panose="020B0604020101020102" pitchFamily="34" charset="77"/>
+                <a:latin typeface="Circular Std Book Italic" panose="020B0604020101020102" pitchFamily="34" charset="77"/>
+                <a:cs typeface="Circular Std Book Italic" panose="020B0604020101020102" pitchFamily="34" charset="77"/>
               </a:rPr>
               <a:t>No CSS applied:</a:t>
             </a:r>
@@ -14980,8 +14980,8 @@
                 <a:solidFill>
                   <a:schemeClr val="bg1"/>
                 </a:solidFill>
-                <a:latin typeface="Circular Std Book" panose="020B0604020101020102" pitchFamily="34" charset="77"/>
-                <a:cs typeface="Circular Std Book" panose="020B0604020101020102" pitchFamily="34" charset="77"/>
+                <a:latin typeface="Circular Std Book Italic" panose="020B0604020101020102" pitchFamily="34" charset="77"/>
+                <a:cs typeface="Circular Std Book Italic" panose="020B0604020101020102" pitchFamily="34" charset="77"/>
               </a:rPr>
               <a:t>CSS applied:</a:t>
             </a:r>
@@ -15179,8 +15179,8 @@
                 <a:solidFill>
                   <a:schemeClr val="bg1"/>
                 </a:solidFill>
-                <a:latin typeface="Circular Std Book" panose="020B0604020101020102" pitchFamily="34" charset="0"/>
-                <a:cs typeface="Circular Std Book" panose="020B0604020101020102" pitchFamily="34" charset="0"/>
+                <a:latin typeface="Circular Std Book Italic" panose="020B0604020101020102" pitchFamily="34" charset="0"/>
+                <a:cs typeface="Circular Std Book Italic" panose="020B0604020101020102" pitchFamily="34" charset="0"/>
               </a:rPr>
               <a:t>CSS example</a:t>
             </a:r>
@@ -15189,8 +15189,8 @@
                 <a:solidFill>
                   <a:srgbClr val="F4C245"/>
                 </a:solidFill>
-                <a:latin typeface="Circular Std Book" panose="020B0604020101020102" pitchFamily="34" charset="0"/>
-                <a:cs typeface="Circular Std Book" panose="020B0604020101020102" pitchFamily="34" charset="0"/>
+                <a:latin typeface="Circular Std Book Italic" panose="020B0604020101020102" pitchFamily="34" charset="0"/>
+                <a:cs typeface="Circular Std Book Italic" panose="020B0604020101020102" pitchFamily="34" charset="0"/>
               </a:rPr>
               <a:t>.</a:t>
             </a:r>
